--- a/fall17/slidesF17/incexcbinom.pptx
+++ b/fall17/slidesF17/incexcbinom.pptx
@@ -5,10 +5,10 @@
     <p:sldMasterId id="2147483650" r:id="rId1"/>
   </p:sldMasterIdLst>
   <p:notesMasterIdLst>
-    <p:notesMasterId r:id="rId27"/>
+    <p:notesMasterId r:id="rId26"/>
   </p:notesMasterIdLst>
   <p:handoutMasterIdLst>
-    <p:handoutMasterId r:id="rId28"/>
+    <p:handoutMasterId r:id="rId27"/>
   </p:handoutMasterIdLst>
   <p:sldIdLst>
     <p:sldId id="524" r:id="rId2"/>
@@ -28,19 +28,18 @@
     <p:sldId id="605" r:id="rId16"/>
     <p:sldId id="598" r:id="rId17"/>
     <p:sldId id="600" r:id="rId18"/>
-    <p:sldId id="603" r:id="rId19"/>
-    <p:sldId id="613" r:id="rId20"/>
-    <p:sldId id="606" r:id="rId21"/>
-    <p:sldId id="608" r:id="rId22"/>
-    <p:sldId id="607" r:id="rId23"/>
-    <p:sldId id="566" r:id="rId24"/>
-    <p:sldId id="590" r:id="rId25"/>
-    <p:sldId id="610" r:id="rId26"/>
+    <p:sldId id="613" r:id="rId19"/>
+    <p:sldId id="606" r:id="rId20"/>
+    <p:sldId id="608" r:id="rId21"/>
+    <p:sldId id="607" r:id="rId22"/>
+    <p:sldId id="566" r:id="rId23"/>
+    <p:sldId id="590" r:id="rId24"/>
+    <p:sldId id="610" r:id="rId25"/>
   </p:sldIdLst>
   <p:sldSz cx="9144000" cy="6858000" type="screen4x3"/>
   <p:notesSz cx="9601200" cy="7315200"/>
   <p:custDataLst>
-    <p:tags r:id="rId30"/>
+    <p:tags r:id="rId29"/>
   </p:custDataLst>
   <p:defaultTextStyle>
     <a:defPPr>
@@ -2020,7 +2019,7 @@
       </p:grpSpPr>
       <p:sp>
         <p:nvSpPr>
-          <p:cNvPr id="60418" name="Rectangle 7"/>
+          <p:cNvPr id="61442" name="Rectangle 7"/>
           <p:cNvSpPr>
             <a:spLocks noGrp="1" noChangeArrowheads="1"/>
           </p:cNvSpPr>
@@ -2035,7 +2034,7 @@
           <a:bodyPr/>
           <a:lstStyle/>
           <a:p>
-            <a:fld id="{38AFA472-19A2-4BBD-B046-EAF111414CE2}" type="slidenum">
+            <a:fld id="{FB67ED51-D6E5-49E3-B2E6-337A7D163646}" type="slidenum">
               <a:rPr lang="en-US" smtClean="0"/>
               <a:pPr/>
               <a:t>22</a:t>
@@ -2046,7 +2045,7 @@
       </p:sp>
       <p:sp>
         <p:nvSpPr>
-          <p:cNvPr id="60419" name="Rectangle 2"/>
+          <p:cNvPr id="61443" name="Rectangle 2"/>
           <p:cNvSpPr>
             <a:spLocks noGrp="1" noRot="1" noChangeAspect="1" noChangeArrowheads="1" noTextEdit="1"/>
           </p:cNvSpPr>
@@ -2063,7 +2062,7 @@
       </p:sp>
       <p:sp>
         <p:nvSpPr>
-          <p:cNvPr id="60420" name="Rectangle 3"/>
+          <p:cNvPr id="61444" name="Rectangle 3"/>
           <p:cNvSpPr>
             <a:spLocks noGrp="1" noChangeArrowheads="1"/>
           </p:cNvSpPr>
@@ -2233,103 +2232,6 @@
               <a:rPr lang="en-US" smtClean="0"/>
               <a:pPr/>
               <a:t>24</a:t>
-            </a:fld>
-            <a:endParaRPr lang="en-US" smtClean="0"/>
-          </a:p>
-        </p:txBody>
-      </p:sp>
-      <p:sp>
-        <p:nvSpPr>
-          <p:cNvPr id="61443" name="Rectangle 2"/>
-          <p:cNvSpPr>
-            <a:spLocks noGrp="1" noRot="1" noChangeAspect="1" noChangeArrowheads="1" noTextEdit="1"/>
-          </p:cNvSpPr>
-          <p:nvPr>
-            <p:ph type="sldImg"/>
-          </p:nvPr>
-        </p:nvSpPr>
-        <p:spPr>
-          <a:solidFill>
-            <a:srgbClr val="FFFFFF"/>
-          </a:solidFill>
-          <a:ln/>
-        </p:spPr>
-      </p:sp>
-      <p:sp>
-        <p:nvSpPr>
-          <p:cNvPr id="61444" name="Rectangle 3"/>
-          <p:cNvSpPr>
-            <a:spLocks noGrp="1" noChangeArrowheads="1"/>
-          </p:cNvSpPr>
-          <p:nvPr>
-            <p:ph type="body" idx="1"/>
-          </p:nvPr>
-        </p:nvSpPr>
-        <p:spPr>
-          <a:solidFill>
-            <a:srgbClr val="FFFFFF"/>
-          </a:solidFill>
-          <a:ln>
-            <a:solidFill>
-              <a:srgbClr val="000000"/>
-            </a:solidFill>
-          </a:ln>
-        </p:spPr>
-        <p:txBody>
-          <a:bodyPr/>
-          <a:lstStyle/>
-          <a:p>
-            <a:pPr eaLnBrk="1" hangingPunct="1"/>
-            <a:endParaRPr lang="en-US" smtClean="0"/>
-          </a:p>
-        </p:txBody>
-      </p:sp>
-    </p:spTree>
-  </p:cSld>
-  <p:clrMapOvr>
-    <a:masterClrMapping/>
-  </p:clrMapOvr>
-</p:notes>
-</file>
-
-<file path=ppt/notesSlides/notesSlide23.xml><?xml version="1.0" encoding="utf-8"?>
-<p:notes xmlns:a="http://schemas.openxmlformats.org/drawingml/2006/main" xmlns:r="http://schemas.openxmlformats.org/officeDocument/2006/relationships" xmlns:p="http://schemas.openxmlformats.org/presentationml/2006/main">
-  <p:cSld>
-    <p:spTree>
-      <p:nvGrpSpPr>
-        <p:cNvPr id="1" name=""/>
-        <p:cNvGrpSpPr/>
-        <p:nvPr/>
-      </p:nvGrpSpPr>
-      <p:grpSpPr>
-        <a:xfrm>
-          <a:off x="0" y="0"/>
-          <a:ext cx="0" cy="0"/>
-          <a:chOff x="0" y="0"/>
-          <a:chExt cx="0" cy="0"/>
-        </a:xfrm>
-      </p:grpSpPr>
-      <p:sp>
-        <p:nvSpPr>
-          <p:cNvPr id="61442" name="Rectangle 7"/>
-          <p:cNvSpPr>
-            <a:spLocks noGrp="1" noChangeArrowheads="1"/>
-          </p:cNvSpPr>
-          <p:nvPr>
-            <p:ph type="sldNum" sz="quarter" idx="5"/>
-          </p:nvPr>
-        </p:nvSpPr>
-        <p:spPr>
-          <a:noFill/>
-        </p:spPr>
-        <p:txBody>
-          <a:bodyPr/>
-          <a:lstStyle/>
-          <a:p>
-            <a:fld id="{FB67ED51-D6E5-49E3-B2E6-337A7D163646}" type="slidenum">
-              <a:rPr lang="en-US" smtClean="0"/>
-              <a:pPr/>
-              <a:t>25</a:t>
             </a:fld>
             <a:endParaRPr lang="en-US" smtClean="0"/>
           </a:p>
@@ -3858,7 +3760,7 @@
                 <a:uFillTx/>
                 <a:latin typeface="Comic Sans MS" pitchFamily="66" charset="0"/>
               </a:rPr>
-              <a:t>Albert R Meyer,          April 24, 2013</a:t>
+              <a:t>Albert R Meyer,          November 3, 2017</a:t>
             </a:r>
             <a:endParaRPr kumimoji="0" lang="en-US" sz="1200" b="0" i="0" u="none" strike="noStrike" kern="1200" cap="none" spc="0" normalizeH="0" baseline="0" noProof="0" dirty="0">
               <a:ln>
@@ -4541,7 +4443,7 @@
           <a:graphicData uri="http://schemas.openxmlformats.org/presentationml/2006/ole">
             <mc:AlternateContent xmlns:mc="http://schemas.openxmlformats.org/markup-compatibility/2006">
               <mc:Choice xmlns:v="urn:schemas-microsoft-com:vml" Requires="v">
-                <p:oleObj spid="_x0000_s284679" name="Equation" r:id="rId4" imgW="1384300" imgH="482600" progId="Equation.DSMT4">
+                <p:oleObj spid="_x0000_s284697" name="Equation" r:id="rId4" imgW="1384300" imgH="482600" progId="Equation.DSMT4">
                   <p:embed/>
                 </p:oleObj>
               </mc:Choice>
@@ -4688,7 +4590,7 @@
           <a:graphicData uri="http://schemas.openxmlformats.org/presentationml/2006/ole">
             <mc:AlternateContent xmlns:mc="http://schemas.openxmlformats.org/markup-compatibility/2006">
               <mc:Choice xmlns:v="urn:schemas-microsoft-com:vml" Requires="v">
-                <p:oleObj spid="_x0000_s284680" name="Equation" r:id="rId6" imgW="139700" imgH="215900" progId="Equation.DSMT4">
+                <p:oleObj spid="_x0000_s284698" name="Equation" r:id="rId6" imgW="139700" imgH="215900" progId="Equation.DSMT4">
                   <p:embed/>
                 </p:oleObj>
               </mc:Choice>
@@ -4745,7 +4647,7 @@
           <a:graphicData uri="http://schemas.openxmlformats.org/presentationml/2006/ole">
             <mc:AlternateContent xmlns:mc="http://schemas.openxmlformats.org/markup-compatibility/2006">
               <mc:Choice xmlns:v="urn:schemas-microsoft-com:vml" Requires="v">
-                <p:oleObj spid="_x0000_s284681" name="Equation" r:id="rId8" imgW="139700" imgH="215900" progId="Equation.DSMT4">
+                <p:oleObj spid="_x0000_s284699" name="Equation" r:id="rId8" imgW="139700" imgH="215900" progId="Equation.DSMT4">
                   <p:embed/>
                 </p:oleObj>
               </mc:Choice>
@@ -4842,7 +4744,7 @@
           <a:graphicData uri="http://schemas.openxmlformats.org/presentationml/2006/ole">
             <mc:AlternateContent xmlns:mc="http://schemas.openxmlformats.org/markup-compatibility/2006">
               <mc:Choice xmlns:v="urn:schemas-microsoft-com:vml" Requires="v">
-                <p:oleObj spid="_x0000_s285701" name="Equation" r:id="rId4" imgW="1384300" imgH="482600" progId="Equation.DSMT4">
+                <p:oleObj spid="_x0000_s285724" name="Equation" r:id="rId4" imgW="1384300" imgH="482600" progId="Equation.DSMT4">
                   <p:embed/>
                 </p:oleObj>
               </mc:Choice>
@@ -4904,7 +4806,7 @@
           <a:graphicData uri="http://schemas.openxmlformats.org/presentationml/2006/ole">
             <mc:AlternateContent xmlns:mc="http://schemas.openxmlformats.org/markup-compatibility/2006">
               <mc:Choice xmlns:v="urn:schemas-microsoft-com:vml" Requires="v">
-                <p:oleObj spid="_x0000_s285702" name="Equation" r:id="rId6" imgW="1295400" imgH="596900" progId="Equation.DSMT4">
+                <p:oleObj spid="_x0000_s285725" name="Equation" r:id="rId6" imgW="1295400" imgH="596900" progId="Equation.DSMT4">
                   <p:embed/>
                 </p:oleObj>
               </mc:Choice>
@@ -5109,7 +5011,7 @@
           <a:graphicData uri="http://schemas.openxmlformats.org/presentationml/2006/ole">
             <mc:AlternateContent xmlns:mc="http://schemas.openxmlformats.org/markup-compatibility/2006">
               <mc:Choice xmlns:v="urn:schemas-microsoft-com:vml" Requires="v">
-                <p:oleObj spid="_x0000_s285703" name="Equation" r:id="rId8" imgW="139700" imgH="215900" progId="Equation.DSMT4">
+                <p:oleObj spid="_x0000_s285726" name="Equation" r:id="rId8" imgW="139700" imgH="215900" progId="Equation.DSMT4">
                   <p:embed/>
                 </p:oleObj>
               </mc:Choice>
@@ -5166,7 +5068,7 @@
           <a:graphicData uri="http://schemas.openxmlformats.org/presentationml/2006/ole">
             <mc:AlternateContent xmlns:mc="http://schemas.openxmlformats.org/markup-compatibility/2006">
               <mc:Choice xmlns:v="urn:schemas-microsoft-com:vml" Requires="v">
-                <p:oleObj spid="_x0000_s285704" name="Equation" r:id="rId10" imgW="139700" imgH="215900" progId="Equation.DSMT4">
+                <p:oleObj spid="_x0000_s285727" name="Equation" r:id="rId10" imgW="139700" imgH="215900" progId="Equation.DSMT4">
                   <p:embed/>
                 </p:oleObj>
               </mc:Choice>
@@ -5822,7 +5724,7 @@
           <a:graphicData uri="http://schemas.openxmlformats.org/presentationml/2006/ole">
             <mc:AlternateContent xmlns:mc="http://schemas.openxmlformats.org/markup-compatibility/2006">
               <mc:Choice xmlns:v="urn:schemas-microsoft-com:vml" Requires="v">
-                <p:oleObj spid="_x0000_s234539" name="Equation" r:id="rId3" imgW="1816100" imgH="381000" progId="Equation.DSMT4">
+                <p:oleObj spid="_x0000_s234552" name="Equation" r:id="rId3" imgW="1816100" imgH="381000" progId="Equation.DSMT4">
                   <p:embed/>
                 </p:oleObj>
               </mc:Choice>
@@ -5879,7 +5781,7 @@
           <a:graphicData uri="http://schemas.openxmlformats.org/presentationml/2006/ole">
             <mc:AlternateContent xmlns:mc="http://schemas.openxmlformats.org/markup-compatibility/2006">
               <mc:Choice xmlns:v="urn:schemas-microsoft-com:vml" Requires="v">
-                <p:oleObj spid="_x0000_s234540" name="Equation" r:id="rId5" imgW="406400" imgH="292100" progId="Equation.DSMT4">
+                <p:oleObj spid="_x0000_s234553" name="Equation" r:id="rId5" imgW="406400" imgH="292100" progId="Equation.DSMT4">
                   <p:embed/>
                 </p:oleObj>
               </mc:Choice>
@@ -6566,7 +6468,6 @@
               <a:rPr lang="en-US" sz="4800" dirty="0" smtClean="0"/>
               <a:t> </a:t>
             </a:r>
-            <a:endParaRPr lang="en-US" sz="4800" dirty="0" smtClean="0"/>
           </a:p>
           <a:p>
             <a:endParaRPr lang="en-US" baseline="-25000" dirty="0">
@@ -6632,7 +6533,7 @@
           <a:graphicData uri="http://schemas.openxmlformats.org/presentationml/2006/ole">
             <mc:AlternateContent xmlns:mc="http://schemas.openxmlformats.org/markup-compatibility/2006">
               <mc:Choice xmlns:v="urn:schemas-microsoft-com:vml" Requires="v">
-                <p:oleObj spid="_x0000_s268293" name="Equation" r:id="rId3" imgW="1638300" imgH="558800" progId="Equation.DSMT4">
+                <p:oleObj spid="_x0000_s268301" name="Equation" r:id="rId3" imgW="1638300" imgH="558800" progId="Equation.DSMT4">
                   <p:embed/>
                 </p:oleObj>
               </mc:Choice>
@@ -6677,13 +6578,13 @@
   <p:clrMapOvr>
     <a:masterClrMapping/>
   </p:clrMapOvr>
-  <mc:AlternateContent xmlns:mc="http://schemas.openxmlformats.org/markup-compatibility/2006">
-    <mc:Choice xmlns:p14="http://schemas.microsoft.com/office/powerpoint/2010/main" Requires="p14">
+  <mc:AlternateContent xmlns:mc="http://schemas.openxmlformats.org/markup-compatibility/2006" xmlns:p14="http://schemas.microsoft.com/office/powerpoint/2010/main">
+    <mc:Choice Requires="p14">
       <p:transition spd="med" p14:dur="700" advClick="0">
         <p:fade thruBlk="1"/>
       </p:transition>
     </mc:Choice>
-    <mc:Fallback>
+    <mc:Fallback xmlns="">
       <p:transition xmlns:p14="http://schemas.microsoft.com/office/powerpoint/2010/main" spd="med" advClick="0">
         <p:fade thruBlk="1"/>
       </p:transition>
@@ -6899,7 +6800,7 @@
           <a:graphicData uri="http://schemas.openxmlformats.org/presentationml/2006/ole">
             <mc:AlternateContent xmlns:mc="http://schemas.openxmlformats.org/markup-compatibility/2006">
               <mc:Choice xmlns:v="urn:schemas-microsoft-com:vml" Requires="v">
-                <p:oleObj spid="_x0000_s263210" name="Equation" r:id="rId4" imgW="139700" imgH="215900" progId="Equation.DSMT4">
+                <p:oleObj spid="_x0000_s263228" name="Equation" r:id="rId4" imgW="139700" imgH="215900" progId="Equation.DSMT4">
                   <p:embed/>
                 </p:oleObj>
               </mc:Choice>
@@ -6956,7 +6857,7 @@
           <a:graphicData uri="http://schemas.openxmlformats.org/presentationml/2006/ole">
             <mc:AlternateContent xmlns:mc="http://schemas.openxmlformats.org/markup-compatibility/2006">
               <mc:Choice xmlns:v="urn:schemas-microsoft-com:vml" Requires="v">
-                <p:oleObj spid="_x0000_s263211" name="Equation" r:id="rId6" imgW="139700" imgH="215900" progId="Equation.DSMT4">
+                <p:oleObj spid="_x0000_s263229" name="Equation" r:id="rId6" imgW="139700" imgH="215900" progId="Equation.DSMT4">
                   <p:embed/>
                 </p:oleObj>
               </mc:Choice>
@@ -7013,7 +6914,7 @@
           <a:graphicData uri="http://schemas.openxmlformats.org/presentationml/2006/ole">
             <mc:AlternateContent xmlns:mc="http://schemas.openxmlformats.org/markup-compatibility/2006">
               <mc:Choice xmlns:v="urn:schemas-microsoft-com:vml" Requires="v">
-                <p:oleObj spid="_x0000_s263212" name="Equation" r:id="rId7" imgW="393700" imgH="304800" progId="Equation.DSMT4">
+                <p:oleObj spid="_x0000_s263230" name="Equation" r:id="rId7" imgW="393700" imgH="304800" progId="Equation.DSMT4">
                   <p:embed/>
                 </p:oleObj>
               </mc:Choice>
@@ -7195,7 +7096,7 @@
           <a:graphicData uri="http://schemas.openxmlformats.org/presentationml/2006/ole">
             <mc:AlternateContent xmlns:mc="http://schemas.openxmlformats.org/markup-compatibility/2006">
               <mc:Choice xmlns:v="urn:schemas-microsoft-com:vml" Requires="v">
-                <p:oleObj spid="_x0000_s277513" name="Equation" r:id="rId4" imgW="1092200" imgH="419100" progId="Equation.DSMT4">
+                <p:oleObj spid="_x0000_s277536" name="Equation" r:id="rId4" imgW="1092200" imgH="419100" progId="Equation.DSMT4">
                   <p:embed/>
                 </p:oleObj>
               </mc:Choice>
@@ -7257,7 +7158,7 @@
           <a:graphicData uri="http://schemas.openxmlformats.org/presentationml/2006/ole">
             <mc:AlternateContent xmlns:mc="http://schemas.openxmlformats.org/markup-compatibility/2006">
               <mc:Choice xmlns:v="urn:schemas-microsoft-com:vml" Requires="v">
-                <p:oleObj spid="_x0000_s277514" name="Equation" r:id="rId6" imgW="139700" imgH="215900" progId="Equation.DSMT4">
+                <p:oleObj spid="_x0000_s277537" name="Equation" r:id="rId6" imgW="139700" imgH="215900" progId="Equation.DSMT4">
                   <p:embed/>
                 </p:oleObj>
               </mc:Choice>
@@ -7314,7 +7215,7 @@
           <a:graphicData uri="http://schemas.openxmlformats.org/presentationml/2006/ole">
             <mc:AlternateContent xmlns:mc="http://schemas.openxmlformats.org/markup-compatibility/2006">
               <mc:Choice xmlns:v="urn:schemas-microsoft-com:vml" Requires="v">
-                <p:oleObj spid="_x0000_s277515" name="Equation" r:id="rId8" imgW="139700" imgH="215900" progId="Equation.DSMT4">
+                <p:oleObj spid="_x0000_s277538" name="Equation" r:id="rId8" imgW="139700" imgH="215900" progId="Equation.DSMT4">
                   <p:embed/>
                 </p:oleObj>
               </mc:Choice>
@@ -7371,7 +7272,7 @@
           <a:graphicData uri="http://schemas.openxmlformats.org/presentationml/2006/ole">
             <mc:AlternateContent xmlns:mc="http://schemas.openxmlformats.org/markup-compatibility/2006">
               <mc:Choice xmlns:v="urn:schemas-microsoft-com:vml" Requires="v">
-                <p:oleObj spid="_x0000_s277516" name="Equation" r:id="rId9" imgW="1054100" imgH="393700" progId="Equation.DSMT4">
+                <p:oleObj spid="_x0000_s277539" name="Equation" r:id="rId9" imgW="1054100" imgH="393700" progId="Equation.DSMT4">
                   <p:embed/>
                 </p:oleObj>
               </mc:Choice>
@@ -7629,7 +7530,7 @@
           <a:graphicData uri="http://schemas.openxmlformats.org/presentationml/2006/ole">
             <mc:AlternateContent xmlns:mc="http://schemas.openxmlformats.org/markup-compatibility/2006">
               <mc:Choice xmlns:v="urn:schemas-microsoft-com:vml" Requires="v">
-                <p:oleObj spid="_x0000_s269329" name="Equation" r:id="rId4" imgW="1460500" imgH="482600" progId="Equation.DSMT4">
+                <p:oleObj spid="_x0000_s269352" name="Equation" r:id="rId4" imgW="1460500" imgH="482600" progId="Equation.DSMT4">
                   <p:embed/>
                 </p:oleObj>
               </mc:Choice>
@@ -7691,7 +7592,7 @@
           <a:graphicData uri="http://schemas.openxmlformats.org/presentationml/2006/ole">
             <mc:AlternateContent xmlns:mc="http://schemas.openxmlformats.org/markup-compatibility/2006">
               <mc:Choice xmlns:v="urn:schemas-microsoft-com:vml" Requires="v">
-                <p:oleObj spid="_x0000_s269330" name="Equation" r:id="rId6" imgW="139700" imgH="215900" progId="Equation.DSMT4">
+                <p:oleObj spid="_x0000_s269353" name="Equation" r:id="rId6" imgW="139700" imgH="215900" progId="Equation.DSMT4">
                   <p:embed/>
                 </p:oleObj>
               </mc:Choice>
@@ -7748,7 +7649,7 @@
           <a:graphicData uri="http://schemas.openxmlformats.org/presentationml/2006/ole">
             <mc:AlternateContent xmlns:mc="http://schemas.openxmlformats.org/markup-compatibility/2006">
               <mc:Choice xmlns:v="urn:schemas-microsoft-com:vml" Requires="v">
-                <p:oleObj spid="_x0000_s269331" name="Equation" r:id="rId8" imgW="139700" imgH="215900" progId="Equation.DSMT4">
+                <p:oleObj spid="_x0000_s269354" name="Equation" r:id="rId8" imgW="139700" imgH="215900" progId="Equation.DSMT4">
                   <p:embed/>
                 </p:oleObj>
               </mc:Choice>
@@ -7805,7 +7706,7 @@
           <a:graphicData uri="http://schemas.openxmlformats.org/presentationml/2006/ole">
             <mc:AlternateContent xmlns:mc="http://schemas.openxmlformats.org/markup-compatibility/2006">
               <mc:Choice xmlns:v="urn:schemas-microsoft-com:vml" Requires="v">
-                <p:oleObj spid="_x0000_s269332" name="Equation" r:id="rId9" imgW="1460500" imgH="482600" progId="Equation.DSMT4">
+                <p:oleObj spid="_x0000_s269355" name="Equation" r:id="rId9" imgW="1460500" imgH="482600" progId="Equation.DSMT4">
                   <p:embed/>
                 </p:oleObj>
               </mc:Choice>
@@ -7845,6 +7746,65 @@
           </a:graphicData>
         </a:graphic>
       </p:graphicFrame>
+      <p:sp>
+        <p:nvSpPr>
+          <p:cNvPr id="2" name="TextBox 1"/>
+          <p:cNvSpPr txBox="1"/>
+          <p:nvPr/>
+        </p:nvSpPr>
+        <p:spPr>
+          <a:xfrm>
+            <a:off x="2514600" y="3192959"/>
+            <a:ext cx="4496034" cy="769441"/>
+          </a:xfrm>
+          <a:prstGeom prst="rect">
+            <a:avLst/>
+          </a:prstGeom>
+          <a:noFill/>
+        </p:spPr>
+        <p:txBody>
+          <a:bodyPr wrap="none" rtlCol="0">
+            <a:spAutoFit/>
+          </a:bodyPr>
+          <a:lstStyle/>
+          <a:p>
+            <a:r>
+              <a:rPr lang="en-US" sz="4400" dirty="0">
+                <a:latin typeface="Comic Sans MS" pitchFamily="66" charset="0"/>
+              </a:rPr>
+              <a:t>d</a:t>
+            </a:r>
+            <a:r>
+              <a:rPr lang="en-US" sz="4400" dirty="0" smtClean="0">
+                <a:latin typeface="Comic Sans MS" pitchFamily="66" charset="0"/>
+              </a:rPr>
+              <a:t>istribute </a:t>
+            </a:r>
+            <a:r>
+              <a:rPr lang="en-US" sz="4400" dirty="0" smtClean="0">
+                <a:solidFill>
+                  <a:schemeClr val="accent1">
+                    <a:lumMod val="50000"/>
+                  </a:schemeClr>
+                </a:solidFill>
+                <a:latin typeface="Comic Sans MS" pitchFamily="66" charset="0"/>
+              </a:rPr>
+              <a:t>(-1)</a:t>
+            </a:r>
+            <a:r>
+              <a:rPr lang="en-US" sz="4400" baseline="30000" dirty="0" smtClean="0">
+                <a:solidFill>
+                  <a:schemeClr val="accent1">
+                    <a:lumMod val="50000"/>
+                  </a:schemeClr>
+                </a:solidFill>
+                <a:latin typeface="Comic Sans MS" pitchFamily="66" charset="0"/>
+              </a:rPr>
+              <a:t>|S|</a:t>
+            </a:r>
+          </a:p>
+        </p:txBody>
+      </p:sp>
     </p:spTree>
     <p:extLst>
       <p:ext uri="{BB962C8B-B14F-4D97-AF65-F5344CB8AC3E}">
@@ -7870,9 +7830,6 @@
                     <p:cTn id="3" fill="hold">
                       <p:stCondLst>
                         <p:cond delay="indefinite"/>
-                        <p:cond evt="onBegin" delay="0">
-                          <p:tn val="2"/>
-                        </p:cond>
                       </p:stCondLst>
                       <p:childTnLst>
                         <p:par>
@@ -7882,7 +7839,7 @@
                             </p:stCondLst>
                             <p:childTnLst>
                               <p:par>
-                                <p:cTn id="5" presetID="22" presetClass="entr" presetSubtype="8" fill="hold" nodeType="withEffect">
+                                <p:cTn id="5" presetID="10" presetClass="entr" presetSubtype="0" fill="hold" grpId="0" nodeType="clickEffect">
                                   <p:stCondLst>
                                     <p:cond delay="0"/>
                                   </p:stCondLst>
@@ -7890,6 +7847,59 @@
                                     <p:set>
                                       <p:cBhvr>
                                         <p:cTn id="6" dur="1" fill="hold">
+                                          <p:stCondLst>
+                                            <p:cond delay="0"/>
+                                          </p:stCondLst>
+                                        </p:cTn>
+                                        <p:tgtEl>
+                                          <p:spTgt spid="2"/>
+                                        </p:tgtEl>
+                                        <p:attrNameLst>
+                                          <p:attrName>style.visibility</p:attrName>
+                                        </p:attrNameLst>
+                                      </p:cBhvr>
+                                      <p:to>
+                                        <p:strVal val="visible"/>
+                                      </p:to>
+                                    </p:set>
+                                    <p:animEffect transition="in" filter="fade">
+                                      <p:cBhvr>
+                                        <p:cTn id="7" dur="500"/>
+                                        <p:tgtEl>
+                                          <p:spTgt spid="2"/>
+                                        </p:tgtEl>
+                                      </p:cBhvr>
+                                    </p:animEffect>
+                                  </p:childTnLst>
+                                </p:cTn>
+                              </p:par>
+                            </p:childTnLst>
+                          </p:cTn>
+                        </p:par>
+                      </p:childTnLst>
+                    </p:cTn>
+                  </p:par>
+                  <p:par>
+                    <p:cTn id="8" fill="hold">
+                      <p:stCondLst>
+                        <p:cond delay="indefinite"/>
+                      </p:stCondLst>
+                      <p:childTnLst>
+                        <p:par>
+                          <p:cTn id="9" fill="hold">
+                            <p:stCondLst>
+                              <p:cond delay="0"/>
+                            </p:stCondLst>
+                            <p:childTnLst>
+                              <p:par>
+                                <p:cTn id="10" presetID="22" presetClass="entr" presetSubtype="8" fill="hold" nodeType="clickEffect">
+                                  <p:stCondLst>
+                                    <p:cond delay="0"/>
+                                  </p:stCondLst>
+                                  <p:childTnLst>
+                                    <p:set>
+                                      <p:cBhvr>
+                                        <p:cTn id="11" dur="1" fill="hold">
                                           <p:stCondLst>
                                             <p:cond delay="0"/>
                                           </p:stCondLst>
@@ -7907,7 +7917,7 @@
                                     </p:set>
                                     <p:animEffect transition="in" filter="wipe(left)">
                                       <p:cBhvr>
-                                        <p:cTn id="7" dur="1000"/>
+                                        <p:cTn id="12" dur="1000"/>
                                         <p:tgtEl>
                                           <p:spTgt spid="10"/>
                                         </p:tgtEl>
@@ -7943,6 +7953,9 @@
         </p:cTn>
       </p:par>
     </p:tnLst>
+    <p:bldLst>
+      <p:bldP spid="2" grpId="0"/>
+    </p:bldLst>
   </p:timing>
 </p:sld>
 </file>
@@ -8071,7 +8084,7 @@
           <a:graphicData uri="http://schemas.openxmlformats.org/presentationml/2006/ole">
             <mc:AlternateContent xmlns:mc="http://schemas.openxmlformats.org/markup-compatibility/2006">
               <mc:Choice xmlns:v="urn:schemas-microsoft-com:vml" Requires="v">
-                <p:oleObj spid="_x0000_s272401" name="Equation" r:id="rId4" imgW="139700" imgH="215900" progId="Equation.DSMT4">
+                <p:oleObj spid="_x0000_s272424" name="Equation" r:id="rId4" imgW="139700" imgH="215900" progId="Equation.DSMT4">
                   <p:embed/>
                 </p:oleObj>
               </mc:Choice>
@@ -8128,7 +8141,7 @@
           <a:graphicData uri="http://schemas.openxmlformats.org/presentationml/2006/ole">
             <mc:AlternateContent xmlns:mc="http://schemas.openxmlformats.org/markup-compatibility/2006">
               <mc:Choice xmlns:v="urn:schemas-microsoft-com:vml" Requires="v">
-                <p:oleObj spid="_x0000_s272402" name="Equation" r:id="rId6" imgW="139700" imgH="215900" progId="Equation.DSMT4">
+                <p:oleObj spid="_x0000_s272425" name="Equation" r:id="rId6" imgW="139700" imgH="215900" progId="Equation.DSMT4">
                   <p:embed/>
                 </p:oleObj>
               </mc:Choice>
@@ -8185,7 +8198,7 @@
           <a:graphicData uri="http://schemas.openxmlformats.org/presentationml/2006/ole">
             <mc:AlternateContent xmlns:mc="http://schemas.openxmlformats.org/markup-compatibility/2006">
               <mc:Choice xmlns:v="urn:schemas-microsoft-com:vml" Requires="v">
-                <p:oleObj spid="_x0000_s272403" name="Equation" r:id="rId7" imgW="1460500" imgH="482600" progId="Equation.DSMT4">
+                <p:oleObj spid="_x0000_s272426" name="Equation" r:id="rId7" imgW="1460500" imgH="482600" progId="Equation.DSMT4">
                   <p:embed/>
                 </p:oleObj>
               </mc:Choice>
@@ -8259,9 +8272,6 @@
               </a:rPr>
               <a:t>witch order of sums</a:t>
             </a:r>
-            <a:endParaRPr lang="en-US" sz="4400" dirty="0" smtClean="0">
-              <a:latin typeface="Comic Sans MS" pitchFamily="66" charset="0"/>
-            </a:endParaRPr>
           </a:p>
         </p:txBody>
       </p:sp>
@@ -8287,7 +8297,7 @@
           <a:graphicData uri="http://schemas.openxmlformats.org/presentationml/2006/ole">
             <mc:AlternateContent xmlns:mc="http://schemas.openxmlformats.org/markup-compatibility/2006">
               <mc:Choice xmlns:v="urn:schemas-microsoft-com:vml" Requires="v">
-                <p:oleObj spid="_x0000_s272404" name="Equation" r:id="rId9" imgW="1460500" imgH="482600" progId="Equation.DSMT4">
+                <p:oleObj spid="_x0000_s272427" name="Equation" r:id="rId9" imgW="1460500" imgH="482600" progId="Equation.DSMT4">
                   <p:embed/>
                 </p:oleObj>
               </mc:Choice>
@@ -8427,7 +8437,7 @@
 </file>
 
 <file path=ppt/slides/slide18.xml><?xml version="1.0" encoding="utf-8"?>
-<p:sld xmlns:a="http://schemas.openxmlformats.org/drawingml/2006/main" xmlns:r="http://schemas.openxmlformats.org/officeDocument/2006/relationships" xmlns:p="http://schemas.openxmlformats.org/presentationml/2006/main" show="0">
+<p:sld xmlns:a="http://schemas.openxmlformats.org/drawingml/2006/main" xmlns:r="http://schemas.openxmlformats.org/officeDocument/2006/relationships" xmlns:p="http://schemas.openxmlformats.org/presentationml/2006/main">
   <p:cSld>
     <p:spTree>
       <p:nvGrpSpPr>
@@ -8537,7 +8547,7 @@
           <p:nvPr>
             <p:extLst>
               <p:ext uri="{D42A27DB-BD31-4B8C-83A1-F6EECF244321}">
-                <p14:modId xmlns:p14="http://schemas.microsoft.com/office/powerpoint/2010/main" val="2217510578"/>
+                <p14:modId xmlns:p14="http://schemas.microsoft.com/office/powerpoint/2010/main" val="1754492157"/>
               </p:ext>
             </p:extLst>
           </p:nvPr>
@@ -8550,7 +8560,7 @@
           <a:graphicData uri="http://schemas.openxmlformats.org/presentationml/2006/ole">
             <mc:AlternateContent xmlns:mc="http://schemas.openxmlformats.org/markup-compatibility/2006">
               <mc:Choice xmlns:v="urn:schemas-microsoft-com:vml" Requires="v">
-                <p:oleObj spid="_x0000_s275473" name="Equation" r:id="rId4" imgW="139700" imgH="215900" progId="Equation.DSMT4">
+                <p:oleObj spid="_x0000_s286745" name="Equation" r:id="rId4" imgW="139700" imgH="215900" progId="Equation.DSMT4">
                   <p:embed/>
                 </p:oleObj>
               </mc:Choice>
@@ -8594,7 +8604,7 @@
           <p:nvPr>
             <p:extLst>
               <p:ext uri="{D42A27DB-BD31-4B8C-83A1-F6EECF244321}">
-                <p14:modId xmlns:p14="http://schemas.microsoft.com/office/powerpoint/2010/main" val="2965910264"/>
+                <p14:modId xmlns:p14="http://schemas.microsoft.com/office/powerpoint/2010/main" val="1767870033"/>
               </p:ext>
             </p:extLst>
           </p:nvPr>
@@ -8607,7 +8617,7 @@
           <a:graphicData uri="http://schemas.openxmlformats.org/presentationml/2006/ole">
             <mc:AlternateContent xmlns:mc="http://schemas.openxmlformats.org/markup-compatibility/2006">
               <mc:Choice xmlns:v="urn:schemas-microsoft-com:vml" Requires="v">
-                <p:oleObj spid="_x0000_s275474" name="Equation" r:id="rId6" imgW="139700" imgH="215900" progId="Equation.DSMT4">
+                <p:oleObj spid="_x0000_s286746" name="Equation" r:id="rId6" imgW="139700" imgH="215900" progId="Equation.DSMT4">
                   <p:embed/>
                 </p:oleObj>
               </mc:Choice>
@@ -8651,7 +8661,7 @@
           <p:nvPr>
             <p:extLst>
               <p:ext uri="{D42A27DB-BD31-4B8C-83A1-F6EECF244321}">
-                <p14:modId xmlns:p14="http://schemas.microsoft.com/office/powerpoint/2010/main" val="2197103562"/>
+                <p14:modId xmlns:p14="http://schemas.microsoft.com/office/powerpoint/2010/main" val="480809780"/>
               </p:ext>
             </p:extLst>
           </p:nvPr>
@@ -8664,441 +8674,7 @@
           <a:graphicData uri="http://schemas.openxmlformats.org/presentationml/2006/ole">
             <mc:AlternateContent xmlns:mc="http://schemas.openxmlformats.org/markup-compatibility/2006">
               <mc:Choice xmlns:v="urn:schemas-microsoft-com:vml" Requires="v">
-                <p:oleObj spid="_x0000_s275475" name="Equation" r:id="rId7" imgW="1460500" imgH="482600" progId="Equation.DSMT4">
-                  <p:embed/>
-                </p:oleObj>
-              </mc:Choice>
-              <mc:Fallback>
-                <p:oleObj name="Equation" r:id="rId7" imgW="1460500" imgH="482600" progId="Equation.DSMT4">
-                  <p:embed/>
-                  <p:pic>
-                    <p:nvPicPr>
-                      <p:cNvPr id="0" name=""/>
-                      <p:cNvPicPr>
-                        <a:picLocks noChangeAspect="1" noChangeArrowheads="1"/>
-                      </p:cNvPicPr>
-                      <p:nvPr/>
-                    </p:nvPicPr>
-                    <p:blipFill>
-                      <a:blip r:embed="rId8"/>
-                      <a:srcRect/>
-                      <a:stretch>
-                        <a:fillRect/>
-                      </a:stretch>
-                    </p:blipFill>
-                    <p:spPr bwMode="auto">
-                      <a:xfrm>
-                        <a:off x="1287463" y="1179513"/>
-                        <a:ext cx="6589712" cy="2173287"/>
-                      </a:xfrm>
-                      <a:prstGeom prst="rect">
-                        <a:avLst/>
-                      </a:prstGeom>
-                      <a:noFill/>
-                      <a:extLst/>
-                    </p:spPr>
-                  </p:pic>
-                </p:oleObj>
-              </mc:Fallback>
-            </mc:AlternateContent>
-          </a:graphicData>
-        </a:graphic>
-      </p:graphicFrame>
-      <p:graphicFrame>
-        <p:nvGraphicFramePr>
-          <p:cNvPr id="9" name="Object 8"/>
-          <p:cNvGraphicFramePr>
-            <a:graphicFrameLocks noChangeAspect="1"/>
-          </p:cNvGraphicFramePr>
-          <p:nvPr>
-            <p:extLst>
-              <p:ext uri="{D42A27DB-BD31-4B8C-83A1-F6EECF244321}">
-                <p14:modId xmlns:p14="http://schemas.microsoft.com/office/powerpoint/2010/main" val="2377857044"/>
-              </p:ext>
-            </p:extLst>
-          </p:nvPr>
-        </p:nvGraphicFramePr>
-        <p:xfrm>
-          <a:off x="681037" y="3581400"/>
-          <a:ext cx="7781925" cy="2137289"/>
-        </p:xfrm>
-        <a:graphic>
-          <a:graphicData uri="http://schemas.openxmlformats.org/presentationml/2006/ole">
-            <mc:AlternateContent xmlns:mc="http://schemas.openxmlformats.org/markup-compatibility/2006">
-              <mc:Choice xmlns:v="urn:schemas-microsoft-com:vml" Requires="v">
-                <p:oleObj spid="_x0000_s275476" name="Equation" r:id="rId9" imgW="1803400" imgH="495300" progId="Equation.DSMT4">
-                  <p:embed/>
-                </p:oleObj>
-              </mc:Choice>
-              <mc:Fallback>
-                <p:oleObj name="Equation" r:id="rId9" imgW="1803400" imgH="495300" progId="Equation.DSMT4">
-                  <p:embed/>
-                  <p:pic>
-                    <p:nvPicPr>
-                      <p:cNvPr id="0" name=""/>
-                      <p:cNvPicPr/>
-                      <p:nvPr/>
-                    </p:nvPicPr>
-                    <p:blipFill>
-                      <a:blip r:embed="rId10"/>
-                      <a:stretch>
-                        <a:fillRect/>
-                      </a:stretch>
-                    </p:blipFill>
-                    <p:spPr>
-                      <a:xfrm>
-                        <a:off x="681037" y="3581400"/>
-                        <a:ext cx="7781925" cy="2137289"/>
-                      </a:xfrm>
-                      <a:prstGeom prst="rect">
-                        <a:avLst/>
-                      </a:prstGeom>
-                    </p:spPr>
-                  </p:pic>
-                </p:oleObj>
-              </mc:Fallback>
-            </mc:AlternateContent>
-          </a:graphicData>
-        </a:graphic>
-      </p:graphicFrame>
-    </p:spTree>
-    <p:extLst>
-      <p:ext uri="{BB962C8B-B14F-4D97-AF65-F5344CB8AC3E}">
-        <p14:creationId xmlns:p14="http://schemas.microsoft.com/office/powerpoint/2010/main" val="2216627989"/>
-      </p:ext>
-    </p:extLst>
-  </p:cSld>
-  <p:clrMapOvr>
-    <a:masterClrMapping/>
-  </p:clrMapOvr>
-  <p:transition xmlns:p14="http://schemas.microsoft.com/office/powerpoint/2010/main" spd="slow" advClick="0">
-    <p:fade/>
-  </p:transition>
-  <p:timing>
-    <p:tnLst>
-      <p:par>
-        <p:cTn xmlns:p14="http://schemas.microsoft.com/office/powerpoint/2010/main" id="1" dur="indefinite" restart="never" nodeType="tmRoot">
-          <p:childTnLst>
-            <p:seq concurrent="1" nextAc="seek">
-              <p:cTn id="2" dur="indefinite" nodeType="mainSeq">
-                <p:childTnLst>
-                  <p:par>
-                    <p:cTn id="3" fill="hold">
-                      <p:stCondLst>
-                        <p:cond delay="indefinite"/>
-                      </p:stCondLst>
-                      <p:childTnLst>
-                        <p:par>
-                          <p:cTn id="4" fill="hold">
-                            <p:stCondLst>
-                              <p:cond delay="0"/>
-                            </p:stCondLst>
-                            <p:childTnLst>
-                              <p:par>
-                                <p:cTn id="5" presetID="22" presetClass="entr" presetSubtype="8" fill="hold" nodeType="clickEffect">
-                                  <p:stCondLst>
-                                    <p:cond delay="0"/>
-                                  </p:stCondLst>
-                                  <p:childTnLst>
-                                    <p:set>
-                                      <p:cBhvr>
-                                        <p:cTn id="6" dur="1" fill="hold">
-                                          <p:stCondLst>
-                                            <p:cond delay="0"/>
-                                          </p:stCondLst>
-                                        </p:cTn>
-                                        <p:tgtEl>
-                                          <p:spTgt spid="9"/>
-                                        </p:tgtEl>
-                                        <p:attrNameLst>
-                                          <p:attrName>style.visibility</p:attrName>
-                                        </p:attrNameLst>
-                                      </p:cBhvr>
-                                      <p:to>
-                                        <p:strVal val="visible"/>
-                                      </p:to>
-                                    </p:set>
-                                    <p:animEffect transition="in" filter="wipe(left)">
-                                      <p:cBhvr>
-                                        <p:cTn id="7" dur="1000"/>
-                                        <p:tgtEl>
-                                          <p:spTgt spid="9"/>
-                                        </p:tgtEl>
-                                      </p:cBhvr>
-                                    </p:animEffect>
-                                  </p:childTnLst>
-                                </p:cTn>
-                              </p:par>
-                            </p:childTnLst>
-                          </p:cTn>
-                        </p:par>
-                      </p:childTnLst>
-                    </p:cTn>
-                  </p:par>
-                </p:childTnLst>
-              </p:cTn>
-              <p:prevCondLst>
-                <p:cond evt="onPrev" delay="0">
-                  <p:tgtEl>
-                    <p:sldTgt/>
-                  </p:tgtEl>
-                </p:cond>
-              </p:prevCondLst>
-              <p:nextCondLst>
-                <p:cond evt="onNext" delay="0">
-                  <p:tgtEl>
-                    <p:sldTgt/>
-                  </p:tgtEl>
-                </p:cond>
-              </p:nextCondLst>
-            </p:seq>
-          </p:childTnLst>
-        </p:cTn>
-      </p:par>
-    </p:tnLst>
-  </p:timing>
-</p:sld>
-</file>
-
-<file path=ppt/slides/slide19.xml><?xml version="1.0" encoding="utf-8"?>
-<p:sld xmlns:a="http://schemas.openxmlformats.org/drawingml/2006/main" xmlns:r="http://schemas.openxmlformats.org/officeDocument/2006/relationships" xmlns:p="http://schemas.openxmlformats.org/presentationml/2006/main">
-  <p:cSld>
-    <p:spTree>
-      <p:nvGrpSpPr>
-        <p:cNvPr id="1" name=""/>
-        <p:cNvGrpSpPr/>
-        <p:nvPr/>
-      </p:nvGrpSpPr>
-      <p:grpSpPr>
-        <a:xfrm>
-          <a:off x="0" y="0"/>
-          <a:ext cx="0" cy="0"/>
-          <a:chOff x="0" y="0"/>
-          <a:chExt cx="0" cy="0"/>
-        </a:xfrm>
-      </p:grpSpPr>
-      <p:sp>
-        <p:nvSpPr>
-          <p:cNvPr id="5124" name="Rectangle 2"/>
-          <p:cNvSpPr>
-            <a:spLocks noGrp="1" noChangeArrowheads="1"/>
-          </p:cNvSpPr>
-          <p:nvPr>
-            <p:ph type="title"/>
-          </p:nvPr>
-        </p:nvSpPr>
-        <p:spPr>
-          <a:xfrm>
-            <a:off x="1600200" y="304800"/>
-            <a:ext cx="6019800" cy="1143000"/>
-          </a:xfrm>
-        </p:spPr>
-        <p:txBody>
-          <a:bodyPr/>
-          <a:lstStyle/>
-          <a:p>
-            <a:pPr eaLnBrk="1" hangingPunct="1"/>
-            <a:r>
-              <a:rPr lang="en-US" dirty="0" err="1" smtClean="0">
-                <a:latin typeface="Comic Sans MS" pitchFamily="66" charset="0"/>
-              </a:rPr>
-              <a:t>Incl-Excl</a:t>
-            </a:r>
-            <a:r>
-              <a:rPr lang="en-US" dirty="0" smtClean="0">
-                <a:latin typeface="Comic Sans MS" pitchFamily="66" charset="0"/>
-              </a:rPr>
-              <a:t> </a:t>
-            </a:r>
-            <a:r>
-              <a:rPr lang="en-US" dirty="0" smtClean="0">
-                <a:solidFill>
-                  <a:srgbClr val="0000FF"/>
-                </a:solidFill>
-                <a:latin typeface="Comic Sans MS" pitchFamily="66" charset="0"/>
-              </a:rPr>
-              <a:t>n</a:t>
-            </a:r>
-            <a:r>
-              <a:rPr lang="en-US" dirty="0" smtClean="0">
-                <a:latin typeface="Comic Sans MS" pitchFamily="66" charset="0"/>
-              </a:rPr>
-              <a:t> sets</a:t>
-            </a:r>
-          </a:p>
-        </p:txBody>
-      </p:sp>
-      <p:sp>
-        <p:nvSpPr>
-          <p:cNvPr id="5125" name="Slide Number Placeholder 7"/>
-          <p:cNvSpPr>
-            <a:spLocks noGrp="1"/>
-          </p:cNvSpPr>
-          <p:nvPr>
-            <p:ph type="sldNum" sz="quarter" idx="10"/>
-          </p:nvPr>
-        </p:nvSpPr>
-        <p:spPr>
-          <a:noFill/>
-        </p:spPr>
-        <p:txBody>
-          <a:bodyPr/>
-          <a:lstStyle/>
-          <a:p>
-            <a:r>
-              <a:rPr lang="en-US" dirty="0" err="1" smtClean="0"/>
-              <a:t>incexcbinom</a:t>
-            </a:r>
-            <a:r>
-              <a:rPr lang="en-US" dirty="0" smtClean="0"/>
-              <a:t>.</a:t>
-            </a:r>
-            <a:fld id="{440333D2-3154-4D4B-AAB9-AB5679BA8A30}" type="slidenum">
-              <a:rPr lang="en-US" smtClean="0"/>
-              <a:pPr/>
-              <a:t>19</a:t>
-            </a:fld>
-            <a:endParaRPr lang="en-US" dirty="0" smtClean="0"/>
-          </a:p>
-        </p:txBody>
-      </p:sp>
-      <p:graphicFrame>
-        <p:nvGraphicFramePr>
-          <p:cNvPr id="3" name="Object 2"/>
-          <p:cNvGraphicFramePr>
-            <a:graphicFrameLocks noChangeAspect="1"/>
-          </p:cNvGraphicFramePr>
-          <p:nvPr>
-            <p:extLst>
-              <p:ext uri="{D42A27DB-BD31-4B8C-83A1-F6EECF244321}">
-                <p14:modId xmlns:p14="http://schemas.microsoft.com/office/powerpoint/2010/main" val="1754492157"/>
-              </p:ext>
-            </p:extLst>
-          </p:nvPr>
-        </p:nvGraphicFramePr>
-        <p:xfrm>
-          <a:off x="5994400" y="4038600"/>
-          <a:ext cx="139700" cy="215900"/>
-        </p:xfrm>
-        <a:graphic>
-          <a:graphicData uri="http://schemas.openxmlformats.org/presentationml/2006/ole">
-            <mc:AlternateContent xmlns:mc="http://schemas.openxmlformats.org/markup-compatibility/2006">
-              <mc:Choice xmlns:v="urn:schemas-microsoft-com:vml" Requires="v">
-                <p:oleObj spid="_x0000_s286725" name="Equation" r:id="rId4" imgW="139700" imgH="215900" progId="Equation.DSMT4">
-                  <p:embed/>
-                </p:oleObj>
-              </mc:Choice>
-              <mc:Fallback>
-                <p:oleObj name="Equation" r:id="rId4" imgW="139700" imgH="215900" progId="Equation.DSMT4">
-                  <p:embed/>
-                  <p:pic>
-                    <p:nvPicPr>
-                      <p:cNvPr id="0" name=""/>
-                      <p:cNvPicPr/>
-                      <p:nvPr/>
-                    </p:nvPicPr>
-                    <p:blipFill>
-                      <a:blip r:embed="rId5"/>
-                      <a:stretch>
-                        <a:fillRect/>
-                      </a:stretch>
-                    </p:blipFill>
-                    <p:spPr>
-                      <a:xfrm>
-                        <a:off x="5994400" y="4038600"/>
-                        <a:ext cx="139700" cy="215900"/>
-                      </a:xfrm>
-                      <a:prstGeom prst="rect">
-                        <a:avLst/>
-                      </a:prstGeom>
-                    </p:spPr>
-                  </p:pic>
-                </p:oleObj>
-              </mc:Fallback>
-            </mc:AlternateContent>
-          </a:graphicData>
-        </a:graphic>
-      </p:graphicFrame>
-      <p:graphicFrame>
-        <p:nvGraphicFramePr>
-          <p:cNvPr id="4" name="Object 3"/>
-          <p:cNvGraphicFramePr>
-            <a:graphicFrameLocks noChangeAspect="1"/>
-          </p:cNvGraphicFramePr>
-          <p:nvPr>
-            <p:extLst>
-              <p:ext uri="{D42A27DB-BD31-4B8C-83A1-F6EECF244321}">
-                <p14:modId xmlns:p14="http://schemas.microsoft.com/office/powerpoint/2010/main" val="1767870033"/>
-              </p:ext>
-            </p:extLst>
-          </p:nvPr>
-        </p:nvGraphicFramePr>
-        <p:xfrm>
-          <a:off x="5994400" y="4038600"/>
-          <a:ext cx="139700" cy="215900"/>
-        </p:xfrm>
-        <a:graphic>
-          <a:graphicData uri="http://schemas.openxmlformats.org/presentationml/2006/ole">
-            <mc:AlternateContent xmlns:mc="http://schemas.openxmlformats.org/markup-compatibility/2006">
-              <mc:Choice xmlns:v="urn:schemas-microsoft-com:vml" Requires="v">
-                <p:oleObj spid="_x0000_s286726" name="Equation" r:id="rId6" imgW="139700" imgH="215900" progId="Equation.DSMT4">
-                  <p:embed/>
-                </p:oleObj>
-              </mc:Choice>
-              <mc:Fallback>
-                <p:oleObj name="Equation" r:id="rId6" imgW="139700" imgH="215900" progId="Equation.DSMT4">
-                  <p:embed/>
-                  <p:pic>
-                    <p:nvPicPr>
-                      <p:cNvPr id="0" name=""/>
-                      <p:cNvPicPr/>
-                      <p:nvPr/>
-                    </p:nvPicPr>
-                    <p:blipFill>
-                      <a:blip r:embed="rId5"/>
-                      <a:stretch>
-                        <a:fillRect/>
-                      </a:stretch>
-                    </p:blipFill>
-                    <p:spPr>
-                      <a:xfrm>
-                        <a:off x="5994400" y="4038600"/>
-                        <a:ext cx="139700" cy="215900"/>
-                      </a:xfrm>
-                      <a:prstGeom prst="rect">
-                        <a:avLst/>
-                      </a:prstGeom>
-                    </p:spPr>
-                  </p:pic>
-                </p:oleObj>
-              </mc:Fallback>
-            </mc:AlternateContent>
-          </a:graphicData>
-        </a:graphic>
-      </p:graphicFrame>
-      <p:graphicFrame>
-        <p:nvGraphicFramePr>
-          <p:cNvPr id="11" name="Object 4"/>
-          <p:cNvGraphicFramePr>
-            <a:graphicFrameLocks noChangeAspect="1"/>
-          </p:cNvGraphicFramePr>
-          <p:nvPr>
-            <p:extLst>
-              <p:ext uri="{D42A27DB-BD31-4B8C-83A1-F6EECF244321}">
-                <p14:modId xmlns:p14="http://schemas.microsoft.com/office/powerpoint/2010/main" val="480809780"/>
-              </p:ext>
-            </p:extLst>
-          </p:nvPr>
-        </p:nvGraphicFramePr>
-        <p:xfrm>
-          <a:off x="1287463" y="1179513"/>
-          <a:ext cx="6589712" cy="2173287"/>
-        </p:xfrm>
-        <a:graphic>
-          <a:graphicData uri="http://schemas.openxmlformats.org/presentationml/2006/ole">
-            <mc:AlternateContent xmlns:mc="http://schemas.openxmlformats.org/markup-compatibility/2006">
-              <mc:Choice xmlns:v="urn:schemas-microsoft-com:vml" Requires="v">
-                <p:oleObj spid="_x0000_s286727" name="Equation" r:id="rId7" imgW="1460500" imgH="482600" progId="Equation.DSMT4">
+                <p:oleObj spid="_x0000_s286747" name="Equation" r:id="rId7" imgW="1460500" imgH="482600" progId="Equation.DSMT4">
                   <p:embed/>
                 </p:oleObj>
               </mc:Choice>
@@ -9232,72 +8808,9 @@
               </a:rPr>
               <a:t>#a</a:t>
             </a:r>
-            <a:endParaRPr lang="en-US" sz="8000" dirty="0" smtClean="0">
-              <a:solidFill>
-                <a:srgbClr val="FF00FF"/>
-              </a:solidFill>
-              <a:latin typeface="Comic Sans MS" pitchFamily="66" charset="0"/>
-            </a:endParaRPr>
           </a:p>
         </p:txBody>
       </p:sp>
-      <p:graphicFrame>
-        <p:nvGraphicFramePr>
-          <p:cNvPr id="10" name="Object 9"/>
-          <p:cNvGraphicFramePr>
-            <a:graphicFrameLocks noChangeAspect="1"/>
-          </p:cNvGraphicFramePr>
-          <p:nvPr>
-            <p:extLst>
-              <p:ext uri="{D42A27DB-BD31-4B8C-83A1-F6EECF244321}">
-                <p14:modId xmlns:p14="http://schemas.microsoft.com/office/powerpoint/2010/main" val="1508021559"/>
-              </p:ext>
-            </p:extLst>
-          </p:nvPr>
-        </p:nvGraphicFramePr>
-        <p:xfrm>
-          <a:off x="681037" y="4263511"/>
-          <a:ext cx="7781925" cy="2137289"/>
-        </p:xfrm>
-        <a:graphic>
-          <a:graphicData uri="http://schemas.openxmlformats.org/presentationml/2006/ole">
-            <mc:AlternateContent xmlns:mc="http://schemas.openxmlformats.org/markup-compatibility/2006">
-              <mc:Choice xmlns:v="urn:schemas-microsoft-com:vml" Requires="v">
-                <p:oleObj spid="_x0000_s286728" name="Equation" r:id="rId9" imgW="1803400" imgH="495300" progId="Equation.DSMT4">
-                  <p:embed/>
-                </p:oleObj>
-              </mc:Choice>
-              <mc:Fallback>
-                <p:oleObj name="Equation" r:id="rId9" imgW="1803400" imgH="495300" progId="Equation.DSMT4">
-                  <p:embed/>
-                  <p:pic>
-                    <p:nvPicPr>
-                      <p:cNvPr id="0" name=""/>
-                      <p:cNvPicPr/>
-                      <p:nvPr/>
-                    </p:nvPicPr>
-                    <p:blipFill>
-                      <a:blip r:embed="rId10"/>
-                      <a:stretch>
-                        <a:fillRect/>
-                      </a:stretch>
-                    </p:blipFill>
-                    <p:spPr>
-                      <a:xfrm>
-                        <a:off x="681037" y="4263511"/>
-                        <a:ext cx="7781925" cy="2137289"/>
-                      </a:xfrm>
-                      <a:prstGeom prst="rect">
-                        <a:avLst/>
-                      </a:prstGeom>
-                    </p:spPr>
-                  </p:pic>
-                </p:oleObj>
-              </mc:Fallback>
-            </mc:AlternateContent>
-          </a:graphicData>
-        </a:graphic>
-      </p:graphicFrame>
     </p:spTree>
     <p:extLst>
       <p:ext uri="{BB962C8B-B14F-4D97-AF65-F5344CB8AC3E}">
@@ -9372,59 +8885,6 @@
                       </p:childTnLst>
                     </p:cTn>
                   </p:par>
-                  <p:par>
-                    <p:cTn id="8" fill="hold">
-                      <p:stCondLst>
-                        <p:cond delay="indefinite"/>
-                      </p:stCondLst>
-                      <p:childTnLst>
-                        <p:par>
-                          <p:cTn id="9" fill="hold">
-                            <p:stCondLst>
-                              <p:cond delay="0"/>
-                            </p:stCondLst>
-                            <p:childTnLst>
-                              <p:par>
-                                <p:cTn id="10" presetID="10" presetClass="entr" presetSubtype="0" fill="hold" nodeType="clickEffect">
-                                  <p:stCondLst>
-                                    <p:cond delay="0"/>
-                                  </p:stCondLst>
-                                  <p:childTnLst>
-                                    <p:set>
-                                      <p:cBhvr>
-                                        <p:cTn id="11" dur="1" fill="hold">
-                                          <p:stCondLst>
-                                            <p:cond delay="0"/>
-                                          </p:stCondLst>
-                                        </p:cTn>
-                                        <p:tgtEl>
-                                          <p:spTgt spid="10"/>
-                                        </p:tgtEl>
-                                        <p:attrNameLst>
-                                          <p:attrName>style.visibility</p:attrName>
-                                        </p:attrNameLst>
-                                      </p:cBhvr>
-                                      <p:to>
-                                        <p:strVal val="visible"/>
-                                      </p:to>
-                                    </p:set>
-                                    <p:animEffect transition="in" filter="fade">
-                                      <p:cBhvr>
-                                        <p:cTn id="12" dur="500"/>
-                                        <p:tgtEl>
-                                          <p:spTgt spid="10"/>
-                                        </p:tgtEl>
-                                      </p:cBhvr>
-                                    </p:animEffect>
-                                  </p:childTnLst>
-                                </p:cTn>
-                              </p:par>
-                            </p:childTnLst>
-                          </p:cTn>
-                        </p:par>
-                      </p:childTnLst>
-                    </p:cTn>
-                  </p:par>
                 </p:childTnLst>
               </p:cTn>
               <p:prevCondLst>
@@ -9453,348 +8913,7 @@
 </p:sld>
 </file>
 
-<file path=ppt/slides/slide2.xml><?xml version="1.0" encoding="utf-8"?>
-<p:sld xmlns:a="http://schemas.openxmlformats.org/drawingml/2006/main" xmlns:r="http://schemas.openxmlformats.org/officeDocument/2006/relationships" xmlns:p="http://schemas.openxmlformats.org/presentationml/2006/main">
-  <p:cSld>
-    <p:spTree>
-      <p:nvGrpSpPr>
-        <p:cNvPr id="1" name=""/>
-        <p:cNvGrpSpPr/>
-        <p:nvPr/>
-      </p:nvGrpSpPr>
-      <p:grpSpPr>
-        <a:xfrm>
-          <a:off x="0" y="0"/>
-          <a:ext cx="0" cy="0"/>
-          <a:chOff x="0" y="0"/>
-          <a:chExt cx="0" cy="0"/>
-        </a:xfrm>
-      </p:grpSpPr>
-      <p:graphicFrame>
-        <p:nvGraphicFramePr>
-          <p:cNvPr id="5122" name="Object 3"/>
-          <p:cNvGraphicFramePr>
-            <a:graphicFrameLocks noChangeAspect="1"/>
-          </p:cNvGraphicFramePr>
-          <p:nvPr>
-            <p:extLst>
-              <p:ext uri="{D42A27DB-BD31-4B8C-83A1-F6EECF244321}">
-                <p14:modId xmlns:p14="http://schemas.microsoft.com/office/powerpoint/2010/main" val="1940869011"/>
-              </p:ext>
-            </p:extLst>
-          </p:nvPr>
-        </p:nvGraphicFramePr>
-        <p:xfrm>
-          <a:off x="217488" y="1187450"/>
-          <a:ext cx="6877050" cy="1360488"/>
-        </p:xfrm>
-        <a:graphic>
-          <a:graphicData uri="http://schemas.openxmlformats.org/presentationml/2006/ole">
-            <mc:AlternateContent xmlns:mc="http://schemas.openxmlformats.org/markup-compatibility/2006">
-              <mc:Choice xmlns:v="urn:schemas-microsoft-com:vml" Requires="v">
-                <p:oleObj spid="_x0000_s1072" name="Equation" r:id="rId4" imgW="1346200" imgH="266700" progId="Equation.DSMT4">
-                  <p:embed/>
-                </p:oleObj>
-              </mc:Choice>
-              <mc:Fallback>
-                <p:oleObj name="Equation" r:id="rId4" imgW="1346200" imgH="266700" progId="Equation.DSMT4">
-                  <p:embed/>
-                  <p:pic>
-                    <p:nvPicPr>
-                      <p:cNvPr id="0" name=""/>
-                      <p:cNvPicPr>
-                        <a:picLocks noChangeAspect="1" noChangeArrowheads="1"/>
-                      </p:cNvPicPr>
-                      <p:nvPr/>
-                    </p:nvPicPr>
-                    <p:blipFill>
-                      <a:blip r:embed="rId5"/>
-                      <a:srcRect/>
-                      <a:stretch>
-                        <a:fillRect/>
-                      </a:stretch>
-                    </p:blipFill>
-                    <p:spPr bwMode="auto">
-                      <a:xfrm>
-                        <a:off x="217488" y="1187450"/>
-                        <a:ext cx="6877050" cy="1360488"/>
-                      </a:xfrm>
-                      <a:prstGeom prst="rect">
-                        <a:avLst/>
-                      </a:prstGeom>
-                      <a:noFill/>
-                      <a:extLst>
-                        <a:ext uri="{909E8E84-426E-40dd-AFC4-6F175D3DCCD1}">
-                          <a14:hiddenFill xmlns:a14="http://schemas.microsoft.com/office/drawing/2010/main">
-                            <a:solidFill>
-                              <a:srgbClr val="FFFFFF"/>
-                            </a:solidFill>
-                          </a14:hiddenFill>
-                        </a:ext>
-                      </a:extLst>
-                    </p:spPr>
-                  </p:pic>
-                </p:oleObj>
-              </mc:Fallback>
-            </mc:AlternateContent>
-          </a:graphicData>
-        </a:graphic>
-      </p:graphicFrame>
-      <p:graphicFrame>
-        <p:nvGraphicFramePr>
-          <p:cNvPr id="571396" name="Object 4"/>
-          <p:cNvGraphicFramePr>
-            <a:graphicFrameLocks noChangeAspect="1"/>
-          </p:cNvGraphicFramePr>
-          <p:nvPr>
-            <p:extLst>
-              <p:ext uri="{D42A27DB-BD31-4B8C-83A1-F6EECF244321}">
-                <p14:modId xmlns:p14="http://schemas.microsoft.com/office/powerpoint/2010/main" val="2926669800"/>
-              </p:ext>
-            </p:extLst>
-          </p:nvPr>
-        </p:nvGraphicFramePr>
-        <p:xfrm>
-          <a:off x="933450" y="2451100"/>
-          <a:ext cx="7307263" cy="2493963"/>
-        </p:xfrm>
-        <a:graphic>
-          <a:graphicData uri="http://schemas.openxmlformats.org/presentationml/2006/ole">
-            <mc:AlternateContent xmlns:mc="http://schemas.openxmlformats.org/markup-compatibility/2006">
-              <mc:Choice xmlns:v="urn:schemas-microsoft-com:vml" Requires="v">
-                <p:oleObj spid="_x0000_s1073" name="Equation" r:id="rId6" imgW="1447800" imgH="495300" progId="Equation.DSMT4">
-                  <p:embed/>
-                </p:oleObj>
-              </mc:Choice>
-              <mc:Fallback>
-                <p:oleObj name="Equation" r:id="rId6" imgW="1447800" imgH="495300" progId="Equation.DSMT4">
-                  <p:embed/>
-                  <p:pic>
-                    <p:nvPicPr>
-                      <p:cNvPr id="0" name=""/>
-                      <p:cNvPicPr>
-                        <a:picLocks noChangeAspect="1" noChangeArrowheads="1"/>
-                      </p:cNvPicPr>
-                      <p:nvPr/>
-                    </p:nvPicPr>
-                    <p:blipFill>
-                      <a:blip r:embed="rId7"/>
-                      <a:srcRect/>
-                      <a:stretch>
-                        <a:fillRect/>
-                      </a:stretch>
-                    </p:blipFill>
-                    <p:spPr bwMode="auto">
-                      <a:xfrm>
-                        <a:off x="933450" y="2451100"/>
-                        <a:ext cx="7307263" cy="2493963"/>
-                      </a:xfrm>
-                      <a:prstGeom prst="rect">
-                        <a:avLst/>
-                      </a:prstGeom>
-                      <a:noFill/>
-                      <a:extLst>
-                        <a:ext uri="{909E8E84-426E-40dd-AFC4-6F175D3DCCD1}">
-                          <a14:hiddenFill xmlns:a14="http://schemas.microsoft.com/office/drawing/2010/main">
-                            <a:solidFill>
-                              <a:srgbClr val="FFFFFF"/>
-                            </a:solidFill>
-                          </a14:hiddenFill>
-                        </a:ext>
-                      </a:extLst>
-                    </p:spPr>
-                  </p:pic>
-                </p:oleObj>
-              </mc:Fallback>
-            </mc:AlternateContent>
-          </a:graphicData>
-        </a:graphic>
-      </p:graphicFrame>
-      <p:sp>
-        <p:nvSpPr>
-          <p:cNvPr id="5124" name="Rectangle 2"/>
-          <p:cNvSpPr>
-            <a:spLocks noGrp="1" noChangeArrowheads="1"/>
-          </p:cNvSpPr>
-          <p:nvPr>
-            <p:ph type="title"/>
-          </p:nvPr>
-        </p:nvSpPr>
-        <p:spPr>
-          <a:xfrm>
-            <a:off x="1600200" y="304800"/>
-            <a:ext cx="6019800" cy="1143000"/>
-          </a:xfrm>
-        </p:spPr>
-        <p:txBody>
-          <a:bodyPr/>
-          <a:lstStyle/>
-          <a:p>
-            <a:pPr eaLnBrk="1" hangingPunct="1"/>
-            <a:r>
-              <a:rPr lang="en-US" dirty="0" err="1" smtClean="0">
-                <a:latin typeface="Comic Sans MS" pitchFamily="66" charset="0"/>
-              </a:rPr>
-              <a:t>Incl-Excl</a:t>
-            </a:r>
-            <a:r>
-              <a:rPr lang="en-US" dirty="0" smtClean="0">
-                <a:latin typeface="Comic Sans MS" pitchFamily="66" charset="0"/>
-              </a:rPr>
-              <a:t> </a:t>
-            </a:r>
-            <a:r>
-              <a:rPr lang="en-US" dirty="0" smtClean="0">
-                <a:solidFill>
-                  <a:srgbClr val="0000FF"/>
-                </a:solidFill>
-                <a:latin typeface="Comic Sans MS" pitchFamily="66" charset="0"/>
-              </a:rPr>
-              <a:t>n</a:t>
-            </a:r>
-            <a:r>
-              <a:rPr lang="en-US" dirty="0" smtClean="0">
-                <a:latin typeface="Comic Sans MS" pitchFamily="66" charset="0"/>
-              </a:rPr>
-              <a:t> sets</a:t>
-            </a:r>
-          </a:p>
-        </p:txBody>
-      </p:sp>
-      <p:sp>
-        <p:nvSpPr>
-          <p:cNvPr id="5125" name="Slide Number Placeholder 7"/>
-          <p:cNvSpPr>
-            <a:spLocks noGrp="1"/>
-          </p:cNvSpPr>
-          <p:nvPr>
-            <p:ph type="sldNum" sz="quarter" idx="10"/>
-          </p:nvPr>
-        </p:nvSpPr>
-        <p:spPr>
-          <a:noFill/>
-        </p:spPr>
-        <p:txBody>
-          <a:bodyPr/>
-          <a:lstStyle/>
-          <a:p>
-            <a:r>
-              <a:rPr lang="en-US" dirty="0" err="1" smtClean="0"/>
-              <a:t>incexcbinom</a:t>
-            </a:r>
-            <a:r>
-              <a:rPr lang="en-US" dirty="0" smtClean="0"/>
-              <a:t>.</a:t>
-            </a:r>
-            <a:fld id="{440333D2-3154-4D4B-AAB9-AB5679BA8A30}" type="slidenum">
-              <a:rPr lang="en-US" smtClean="0"/>
-              <a:pPr/>
-              <a:t>2</a:t>
-            </a:fld>
-            <a:endParaRPr lang="en-US" dirty="0" smtClean="0"/>
-          </a:p>
-        </p:txBody>
-      </p:sp>
-    </p:spTree>
-    <p:extLst>
-      <p:ext uri="{BB962C8B-B14F-4D97-AF65-F5344CB8AC3E}">
-        <p14:creationId xmlns:p14="http://schemas.microsoft.com/office/powerpoint/2010/main" val="371793121"/>
-      </p:ext>
-    </p:extLst>
-  </p:cSld>
-  <p:clrMapOvr>
-    <a:masterClrMapping/>
-  </p:clrMapOvr>
-  <p:transition xmlns:p14="http://schemas.microsoft.com/office/powerpoint/2010/main" spd="slow" advClick="0">
-    <p:fade thruBlk="1"/>
-  </p:transition>
-  <p:timing>
-    <p:tnLst>
-      <p:par>
-        <p:cTn xmlns:p14="http://schemas.microsoft.com/office/powerpoint/2010/main" id="1" dur="indefinite" restart="never" nodeType="tmRoot">
-          <p:childTnLst>
-            <p:seq concurrent="1" nextAc="seek">
-              <p:cTn id="2" dur="indefinite" nodeType="mainSeq">
-                <p:childTnLst>
-                  <p:par>
-                    <p:cTn id="3" fill="hold">
-                      <p:stCondLst>
-                        <p:cond delay="indefinite"/>
-                      </p:stCondLst>
-                      <p:childTnLst>
-                        <p:par>
-                          <p:cTn id="4" fill="hold">
-                            <p:stCondLst>
-                              <p:cond delay="0"/>
-                            </p:stCondLst>
-                            <p:childTnLst>
-                              <p:par>
-                                <p:cTn id="5" presetID="22" presetClass="entr" presetSubtype="8" fill="hold" nodeType="clickEffect">
-                                  <p:stCondLst>
-                                    <p:cond delay="0"/>
-                                  </p:stCondLst>
-                                  <p:childTnLst>
-                                    <p:set>
-                                      <p:cBhvr>
-                                        <p:cTn id="6" dur="1" fill="hold">
-                                          <p:stCondLst>
-                                            <p:cond delay="0"/>
-                                          </p:stCondLst>
-                                        </p:cTn>
-                                        <p:tgtEl>
-                                          <p:spTgt spid="571396"/>
-                                        </p:tgtEl>
-                                        <p:attrNameLst>
-                                          <p:attrName>style.visibility</p:attrName>
-                                        </p:attrNameLst>
-                                      </p:cBhvr>
-                                      <p:to>
-                                        <p:strVal val="visible"/>
-                                      </p:to>
-                                    </p:set>
-                                    <p:animEffect transition="in" filter="wipe(left)">
-                                      <p:cBhvr>
-                                        <p:cTn id="7" dur="2000"/>
-                                        <p:tgtEl>
-                                          <p:spTgt spid="571396"/>
-                                        </p:tgtEl>
-                                      </p:cBhvr>
-                                    </p:animEffect>
-                                  </p:childTnLst>
-                                </p:cTn>
-                              </p:par>
-                            </p:childTnLst>
-                          </p:cTn>
-                        </p:par>
-                      </p:childTnLst>
-                    </p:cTn>
-                  </p:par>
-                </p:childTnLst>
-              </p:cTn>
-              <p:prevCondLst>
-                <p:cond evt="onPrev" delay="0">
-                  <p:tgtEl>
-                    <p:sldTgt/>
-                  </p:tgtEl>
-                </p:cond>
-              </p:prevCondLst>
-              <p:nextCondLst>
-                <p:cond evt="onNext" delay="0">
-                  <p:tgtEl>
-                    <p:sldTgt/>
-                  </p:tgtEl>
-                </p:cond>
-              </p:nextCondLst>
-            </p:seq>
-          </p:childTnLst>
-        </p:cTn>
-      </p:par>
-    </p:tnLst>
-  </p:timing>
-</p:sld>
-</file>
-
-<file path=ppt/slides/slide20.xml><?xml version="1.0" encoding="utf-8"?>
+<file path=ppt/slides/slide19.xml><?xml version="1.0" encoding="utf-8"?>
 <p:sld xmlns:a="http://schemas.openxmlformats.org/drawingml/2006/main" xmlns:r="http://schemas.openxmlformats.org/officeDocument/2006/relationships" xmlns:p="http://schemas.openxmlformats.org/presentationml/2006/main">
   <p:cSld>
     <p:spTree>
@@ -9890,7 +9009,7 @@
             <a:fld id="{440333D2-3154-4D4B-AAB9-AB5679BA8A30}" type="slidenum">
               <a:rPr lang="en-US" smtClean="0"/>
               <a:pPr/>
-              <a:t>20</a:t>
+              <a:t>19</a:t>
             </a:fld>
             <a:endParaRPr lang="en-US" dirty="0" smtClean="0"/>
           </a:p>
@@ -9918,7 +9037,7 @@
           <a:graphicData uri="http://schemas.openxmlformats.org/presentationml/2006/ole">
             <mc:AlternateContent xmlns:mc="http://schemas.openxmlformats.org/markup-compatibility/2006">
               <mc:Choice xmlns:v="urn:schemas-microsoft-com:vml" Requires="v">
-                <p:oleObj spid="_x0000_s278541" name="Equation" r:id="rId4" imgW="139700" imgH="215900" progId="Equation.DSMT4">
+                <p:oleObj spid="_x0000_s278564" name="Equation" r:id="rId4" imgW="139700" imgH="215900" progId="Equation.DSMT4">
                   <p:embed/>
                 </p:oleObj>
               </mc:Choice>
@@ -9975,7 +9094,7 @@
           <a:graphicData uri="http://schemas.openxmlformats.org/presentationml/2006/ole">
             <mc:AlternateContent xmlns:mc="http://schemas.openxmlformats.org/markup-compatibility/2006">
               <mc:Choice xmlns:v="urn:schemas-microsoft-com:vml" Requires="v">
-                <p:oleObj spid="_x0000_s278542" name="Equation" r:id="rId6" imgW="139700" imgH="215900" progId="Equation.DSMT4">
+                <p:oleObj spid="_x0000_s278565" name="Equation" r:id="rId6" imgW="139700" imgH="215900" progId="Equation.DSMT4">
                   <p:embed/>
                 </p:oleObj>
               </mc:Choice>
@@ -10032,7 +9151,7 @@
           <a:graphicData uri="http://schemas.openxmlformats.org/presentationml/2006/ole">
             <mc:AlternateContent xmlns:mc="http://schemas.openxmlformats.org/markup-compatibility/2006">
               <mc:Choice xmlns:v="urn:schemas-microsoft-com:vml" Requires="v">
-                <p:oleObj spid="_x0000_s278543" name="Equation" r:id="rId7" imgW="469900" imgH="381000" progId="Equation.DSMT4">
+                <p:oleObj spid="_x0000_s278566" name="Equation" r:id="rId7" imgW="469900" imgH="381000" progId="Equation.DSMT4">
                   <p:embed/>
                 </p:oleObj>
               </mc:Choice>
@@ -10094,7 +9213,7 @@
           <a:graphicData uri="http://schemas.openxmlformats.org/presentationml/2006/ole">
             <mc:AlternateContent xmlns:mc="http://schemas.openxmlformats.org/markup-compatibility/2006">
               <mc:Choice xmlns:v="urn:schemas-microsoft-com:vml" Requires="v">
-                <p:oleObj spid="_x0000_s278544" name="Equation" r:id="rId9" imgW="1803400" imgH="495300" progId="Equation.DSMT4">
+                <p:oleObj spid="_x0000_s278567" name="Equation" r:id="rId9" imgW="1803400" imgH="495300" progId="Equation.DSMT4">
                   <p:embed/>
                 </p:oleObj>
               </mc:Choice>
@@ -10231,7 +9350,348 @@
 </p:sld>
 </file>
 
-<file path=ppt/slides/slide21.xml><?xml version="1.0" encoding="utf-8"?>
+<file path=ppt/slides/slide2.xml><?xml version="1.0" encoding="utf-8"?>
+<p:sld xmlns:a="http://schemas.openxmlformats.org/drawingml/2006/main" xmlns:r="http://schemas.openxmlformats.org/officeDocument/2006/relationships" xmlns:p="http://schemas.openxmlformats.org/presentationml/2006/main">
+  <p:cSld>
+    <p:spTree>
+      <p:nvGrpSpPr>
+        <p:cNvPr id="1" name=""/>
+        <p:cNvGrpSpPr/>
+        <p:nvPr/>
+      </p:nvGrpSpPr>
+      <p:grpSpPr>
+        <a:xfrm>
+          <a:off x="0" y="0"/>
+          <a:ext cx="0" cy="0"/>
+          <a:chOff x="0" y="0"/>
+          <a:chExt cx="0" cy="0"/>
+        </a:xfrm>
+      </p:grpSpPr>
+      <p:graphicFrame>
+        <p:nvGraphicFramePr>
+          <p:cNvPr id="5122" name="Object 3"/>
+          <p:cNvGraphicFramePr>
+            <a:graphicFrameLocks noChangeAspect="1"/>
+          </p:cNvGraphicFramePr>
+          <p:nvPr>
+            <p:extLst>
+              <p:ext uri="{D42A27DB-BD31-4B8C-83A1-F6EECF244321}">
+                <p14:modId xmlns:p14="http://schemas.microsoft.com/office/powerpoint/2010/main" val="1940869011"/>
+              </p:ext>
+            </p:extLst>
+          </p:nvPr>
+        </p:nvGraphicFramePr>
+        <p:xfrm>
+          <a:off x="217488" y="1187450"/>
+          <a:ext cx="6877050" cy="1360488"/>
+        </p:xfrm>
+        <a:graphic>
+          <a:graphicData uri="http://schemas.openxmlformats.org/presentationml/2006/ole">
+            <mc:AlternateContent xmlns:mc="http://schemas.openxmlformats.org/markup-compatibility/2006">
+              <mc:Choice xmlns:v="urn:schemas-microsoft-com:vml" Requires="v">
+                <p:oleObj spid="_x0000_s1085" name="Equation" r:id="rId4" imgW="1346200" imgH="266700" progId="Equation.DSMT4">
+                  <p:embed/>
+                </p:oleObj>
+              </mc:Choice>
+              <mc:Fallback>
+                <p:oleObj name="Equation" r:id="rId4" imgW="1346200" imgH="266700" progId="Equation.DSMT4">
+                  <p:embed/>
+                  <p:pic>
+                    <p:nvPicPr>
+                      <p:cNvPr id="0" name=""/>
+                      <p:cNvPicPr>
+                        <a:picLocks noChangeAspect="1" noChangeArrowheads="1"/>
+                      </p:cNvPicPr>
+                      <p:nvPr/>
+                    </p:nvPicPr>
+                    <p:blipFill>
+                      <a:blip r:embed="rId5"/>
+                      <a:srcRect/>
+                      <a:stretch>
+                        <a:fillRect/>
+                      </a:stretch>
+                    </p:blipFill>
+                    <p:spPr bwMode="auto">
+                      <a:xfrm>
+                        <a:off x="217488" y="1187450"/>
+                        <a:ext cx="6877050" cy="1360488"/>
+                      </a:xfrm>
+                      <a:prstGeom prst="rect">
+                        <a:avLst/>
+                      </a:prstGeom>
+                      <a:noFill/>
+                      <a:extLst>
+                        <a:ext uri="{909E8E84-426E-40dd-AFC4-6F175D3DCCD1}">
+                          <a14:hiddenFill xmlns:a14="http://schemas.microsoft.com/office/drawing/2010/main">
+                            <a:solidFill>
+                              <a:srgbClr val="FFFFFF"/>
+                            </a:solidFill>
+                          </a14:hiddenFill>
+                        </a:ext>
+                      </a:extLst>
+                    </p:spPr>
+                  </p:pic>
+                </p:oleObj>
+              </mc:Fallback>
+            </mc:AlternateContent>
+          </a:graphicData>
+        </a:graphic>
+      </p:graphicFrame>
+      <p:graphicFrame>
+        <p:nvGraphicFramePr>
+          <p:cNvPr id="571396" name="Object 4"/>
+          <p:cNvGraphicFramePr>
+            <a:graphicFrameLocks noChangeAspect="1"/>
+          </p:cNvGraphicFramePr>
+          <p:nvPr>
+            <p:extLst>
+              <p:ext uri="{D42A27DB-BD31-4B8C-83A1-F6EECF244321}">
+                <p14:modId xmlns:p14="http://schemas.microsoft.com/office/powerpoint/2010/main" val="2926669800"/>
+              </p:ext>
+            </p:extLst>
+          </p:nvPr>
+        </p:nvGraphicFramePr>
+        <p:xfrm>
+          <a:off x="933450" y="2451100"/>
+          <a:ext cx="7307263" cy="2493963"/>
+        </p:xfrm>
+        <a:graphic>
+          <a:graphicData uri="http://schemas.openxmlformats.org/presentationml/2006/ole">
+            <mc:AlternateContent xmlns:mc="http://schemas.openxmlformats.org/markup-compatibility/2006">
+              <mc:Choice xmlns:v="urn:schemas-microsoft-com:vml" Requires="v">
+                <p:oleObj spid="_x0000_s1086" name="Equation" r:id="rId6" imgW="1447800" imgH="495300" progId="Equation.DSMT4">
+                  <p:embed/>
+                </p:oleObj>
+              </mc:Choice>
+              <mc:Fallback>
+                <p:oleObj name="Equation" r:id="rId6" imgW="1447800" imgH="495300" progId="Equation.DSMT4">
+                  <p:embed/>
+                  <p:pic>
+                    <p:nvPicPr>
+                      <p:cNvPr id="0" name=""/>
+                      <p:cNvPicPr>
+                        <a:picLocks noChangeAspect="1" noChangeArrowheads="1"/>
+                      </p:cNvPicPr>
+                      <p:nvPr/>
+                    </p:nvPicPr>
+                    <p:blipFill>
+                      <a:blip r:embed="rId7"/>
+                      <a:srcRect/>
+                      <a:stretch>
+                        <a:fillRect/>
+                      </a:stretch>
+                    </p:blipFill>
+                    <p:spPr bwMode="auto">
+                      <a:xfrm>
+                        <a:off x="933450" y="2451100"/>
+                        <a:ext cx="7307263" cy="2493963"/>
+                      </a:xfrm>
+                      <a:prstGeom prst="rect">
+                        <a:avLst/>
+                      </a:prstGeom>
+                      <a:noFill/>
+                      <a:extLst>
+                        <a:ext uri="{909E8E84-426E-40dd-AFC4-6F175D3DCCD1}">
+                          <a14:hiddenFill xmlns:a14="http://schemas.microsoft.com/office/drawing/2010/main">
+                            <a:solidFill>
+                              <a:srgbClr val="FFFFFF"/>
+                            </a:solidFill>
+                          </a14:hiddenFill>
+                        </a:ext>
+                      </a:extLst>
+                    </p:spPr>
+                  </p:pic>
+                </p:oleObj>
+              </mc:Fallback>
+            </mc:AlternateContent>
+          </a:graphicData>
+        </a:graphic>
+      </p:graphicFrame>
+      <p:sp>
+        <p:nvSpPr>
+          <p:cNvPr id="5124" name="Rectangle 2"/>
+          <p:cNvSpPr>
+            <a:spLocks noGrp="1" noChangeArrowheads="1"/>
+          </p:cNvSpPr>
+          <p:nvPr>
+            <p:ph type="title"/>
+          </p:nvPr>
+        </p:nvSpPr>
+        <p:spPr>
+          <a:xfrm>
+            <a:off x="1600200" y="304800"/>
+            <a:ext cx="6019800" cy="1143000"/>
+          </a:xfrm>
+        </p:spPr>
+        <p:txBody>
+          <a:bodyPr/>
+          <a:lstStyle/>
+          <a:p>
+            <a:pPr eaLnBrk="1" hangingPunct="1"/>
+            <a:r>
+              <a:rPr lang="en-US" dirty="0" err="1" smtClean="0">
+                <a:latin typeface="Comic Sans MS" pitchFamily="66" charset="0"/>
+              </a:rPr>
+              <a:t>Incl-Excl</a:t>
+            </a:r>
+            <a:r>
+              <a:rPr lang="en-US" dirty="0" smtClean="0">
+                <a:latin typeface="Comic Sans MS" pitchFamily="66" charset="0"/>
+              </a:rPr>
+              <a:t> </a:t>
+            </a:r>
+            <a:r>
+              <a:rPr lang="en-US" dirty="0" smtClean="0">
+                <a:solidFill>
+                  <a:srgbClr val="0000FF"/>
+                </a:solidFill>
+                <a:latin typeface="Comic Sans MS" pitchFamily="66" charset="0"/>
+              </a:rPr>
+              <a:t>n</a:t>
+            </a:r>
+            <a:r>
+              <a:rPr lang="en-US" dirty="0" smtClean="0">
+                <a:latin typeface="Comic Sans MS" pitchFamily="66" charset="0"/>
+              </a:rPr>
+              <a:t> sets</a:t>
+            </a:r>
+          </a:p>
+        </p:txBody>
+      </p:sp>
+      <p:sp>
+        <p:nvSpPr>
+          <p:cNvPr id="5125" name="Slide Number Placeholder 7"/>
+          <p:cNvSpPr>
+            <a:spLocks noGrp="1"/>
+          </p:cNvSpPr>
+          <p:nvPr>
+            <p:ph type="sldNum" sz="quarter" idx="10"/>
+          </p:nvPr>
+        </p:nvSpPr>
+        <p:spPr>
+          <a:noFill/>
+        </p:spPr>
+        <p:txBody>
+          <a:bodyPr/>
+          <a:lstStyle/>
+          <a:p>
+            <a:r>
+              <a:rPr lang="en-US" dirty="0" err="1" smtClean="0"/>
+              <a:t>incexcbinom</a:t>
+            </a:r>
+            <a:r>
+              <a:rPr lang="en-US" dirty="0" smtClean="0"/>
+              <a:t>.</a:t>
+            </a:r>
+            <a:fld id="{440333D2-3154-4D4B-AAB9-AB5679BA8A30}" type="slidenum">
+              <a:rPr lang="en-US" smtClean="0"/>
+              <a:pPr/>
+              <a:t>2</a:t>
+            </a:fld>
+            <a:endParaRPr lang="en-US" dirty="0" smtClean="0"/>
+          </a:p>
+        </p:txBody>
+      </p:sp>
+    </p:spTree>
+    <p:extLst>
+      <p:ext uri="{BB962C8B-B14F-4D97-AF65-F5344CB8AC3E}">
+        <p14:creationId xmlns:p14="http://schemas.microsoft.com/office/powerpoint/2010/main" val="371793121"/>
+      </p:ext>
+    </p:extLst>
+  </p:cSld>
+  <p:clrMapOvr>
+    <a:masterClrMapping/>
+  </p:clrMapOvr>
+  <p:transition xmlns:p14="http://schemas.microsoft.com/office/powerpoint/2010/main" spd="slow" advClick="0">
+    <p:fade thruBlk="1"/>
+  </p:transition>
+  <p:timing>
+    <p:tnLst>
+      <p:par>
+        <p:cTn xmlns:p14="http://schemas.microsoft.com/office/powerpoint/2010/main" id="1" dur="indefinite" restart="never" nodeType="tmRoot">
+          <p:childTnLst>
+            <p:seq concurrent="1" nextAc="seek">
+              <p:cTn id="2" dur="indefinite" nodeType="mainSeq">
+                <p:childTnLst>
+                  <p:par>
+                    <p:cTn id="3" fill="hold">
+                      <p:stCondLst>
+                        <p:cond delay="indefinite"/>
+                      </p:stCondLst>
+                      <p:childTnLst>
+                        <p:par>
+                          <p:cTn id="4" fill="hold">
+                            <p:stCondLst>
+                              <p:cond delay="0"/>
+                            </p:stCondLst>
+                            <p:childTnLst>
+                              <p:par>
+                                <p:cTn id="5" presetID="22" presetClass="entr" presetSubtype="8" fill="hold" nodeType="clickEffect">
+                                  <p:stCondLst>
+                                    <p:cond delay="0"/>
+                                  </p:stCondLst>
+                                  <p:childTnLst>
+                                    <p:set>
+                                      <p:cBhvr>
+                                        <p:cTn id="6" dur="1" fill="hold">
+                                          <p:stCondLst>
+                                            <p:cond delay="0"/>
+                                          </p:stCondLst>
+                                        </p:cTn>
+                                        <p:tgtEl>
+                                          <p:spTgt spid="571396"/>
+                                        </p:tgtEl>
+                                        <p:attrNameLst>
+                                          <p:attrName>style.visibility</p:attrName>
+                                        </p:attrNameLst>
+                                      </p:cBhvr>
+                                      <p:to>
+                                        <p:strVal val="visible"/>
+                                      </p:to>
+                                    </p:set>
+                                    <p:animEffect transition="in" filter="wipe(left)">
+                                      <p:cBhvr>
+                                        <p:cTn id="7" dur="2000"/>
+                                        <p:tgtEl>
+                                          <p:spTgt spid="571396"/>
+                                        </p:tgtEl>
+                                      </p:cBhvr>
+                                    </p:animEffect>
+                                  </p:childTnLst>
+                                </p:cTn>
+                              </p:par>
+                            </p:childTnLst>
+                          </p:cTn>
+                        </p:par>
+                      </p:childTnLst>
+                    </p:cTn>
+                  </p:par>
+                </p:childTnLst>
+              </p:cTn>
+              <p:prevCondLst>
+                <p:cond evt="onPrev" delay="0">
+                  <p:tgtEl>
+                    <p:sldTgt/>
+                  </p:tgtEl>
+                </p:cond>
+              </p:prevCondLst>
+              <p:nextCondLst>
+                <p:cond evt="onNext" delay="0">
+                  <p:tgtEl>
+                    <p:sldTgt/>
+                  </p:tgtEl>
+                </p:cond>
+              </p:nextCondLst>
+            </p:seq>
+          </p:childTnLst>
+        </p:cTn>
+      </p:par>
+    </p:tnLst>
+  </p:timing>
+</p:sld>
+</file>
+
+<file path=ppt/slides/slide20.xml><?xml version="1.0" encoding="utf-8"?>
 <p:sld xmlns:a="http://schemas.openxmlformats.org/drawingml/2006/main" xmlns:r="http://schemas.openxmlformats.org/officeDocument/2006/relationships" xmlns:p="http://schemas.openxmlformats.org/presentationml/2006/main">
   <p:cSld>
     <p:spTree>
@@ -10327,7 +9787,7 @@
             <a:fld id="{440333D2-3154-4D4B-AAB9-AB5679BA8A30}" type="slidenum">
               <a:rPr lang="en-US" smtClean="0"/>
               <a:pPr/>
-              <a:t>21</a:t>
+              <a:t>20</a:t>
             </a:fld>
             <a:endParaRPr lang="en-US" dirty="0" smtClean="0"/>
           </a:p>
@@ -10355,7 +9815,7 @@
           <a:graphicData uri="http://schemas.openxmlformats.org/presentationml/2006/ole">
             <mc:AlternateContent xmlns:mc="http://schemas.openxmlformats.org/markup-compatibility/2006">
               <mc:Choice xmlns:v="urn:schemas-microsoft-com:vml" Requires="v">
-                <p:oleObj spid="_x0000_s280583" name="Equation" r:id="rId4" imgW="139700" imgH="215900" progId="Equation.DSMT4">
+                <p:oleObj spid="_x0000_s280601" name="Equation" r:id="rId4" imgW="139700" imgH="215900" progId="Equation.DSMT4">
                   <p:embed/>
                 </p:oleObj>
               </mc:Choice>
@@ -10412,7 +9872,7 @@
           <a:graphicData uri="http://schemas.openxmlformats.org/presentationml/2006/ole">
             <mc:AlternateContent xmlns:mc="http://schemas.openxmlformats.org/markup-compatibility/2006">
               <mc:Choice xmlns:v="urn:schemas-microsoft-com:vml" Requires="v">
-                <p:oleObj spid="_x0000_s280584" name="Equation" r:id="rId6" imgW="139700" imgH="215900" progId="Equation.DSMT4">
+                <p:oleObj spid="_x0000_s280602" name="Equation" r:id="rId6" imgW="139700" imgH="215900" progId="Equation.DSMT4">
                   <p:embed/>
                 </p:oleObj>
               </mc:Choice>
@@ -10469,7 +9929,7 @@
           <a:graphicData uri="http://schemas.openxmlformats.org/presentationml/2006/ole">
             <mc:AlternateContent xmlns:mc="http://schemas.openxmlformats.org/markup-compatibility/2006">
               <mc:Choice xmlns:v="urn:schemas-microsoft-com:vml" Requires="v">
-                <p:oleObj spid="_x0000_s280585" name="Equation" r:id="rId7" imgW="1803400" imgH="495300" progId="Equation.DSMT4">
+                <p:oleObj spid="_x0000_s280603" name="Equation" r:id="rId7" imgW="1803400" imgH="495300" progId="Equation.DSMT4">
                   <p:embed/>
                 </p:oleObj>
               </mc:Choice>
@@ -10549,14 +10009,6 @@
               </a:rPr>
               <a:t>S</a:t>
             </a:r>
-            <a:endParaRPr lang="en-US" sz="5400" dirty="0" smtClean="0">
-              <a:solidFill>
-                <a:schemeClr val="accent1">
-                  <a:lumMod val="50000"/>
-                </a:schemeClr>
-              </a:solidFill>
-              <a:latin typeface="Comic Sans MS" pitchFamily="66" charset="0"/>
-            </a:endParaRPr>
           </a:p>
         </p:txBody>
       </p:sp>
@@ -10583,7 +10035,7 @@
 </p:sld>
 </file>
 
-<file path=ppt/slides/slide22.xml><?xml version="1.0" encoding="utf-8"?>
+<file path=ppt/slides/slide21.xml><?xml version="1.0" encoding="utf-8"?>
 <p:sld xmlns:a="http://schemas.openxmlformats.org/drawingml/2006/main" xmlns:r="http://schemas.openxmlformats.org/officeDocument/2006/relationships" xmlns:p="http://schemas.openxmlformats.org/presentationml/2006/main">
   <p:cSld>
     <p:spTree>
@@ -10679,7 +10131,7 @@
             <a:fld id="{440333D2-3154-4D4B-AAB9-AB5679BA8A30}" type="slidenum">
               <a:rPr lang="en-US" smtClean="0"/>
               <a:pPr/>
-              <a:t>22</a:t>
+              <a:t>21</a:t>
             </a:fld>
             <a:endParaRPr lang="en-US" dirty="0" smtClean="0"/>
           </a:p>
@@ -10707,7 +10159,7 @@
           <a:graphicData uri="http://schemas.openxmlformats.org/presentationml/2006/ole">
             <mc:AlternateContent xmlns:mc="http://schemas.openxmlformats.org/markup-compatibility/2006">
               <mc:Choice xmlns:v="urn:schemas-microsoft-com:vml" Requires="v">
-                <p:oleObj spid="_x0000_s279573" name="Equation" r:id="rId4" imgW="139700" imgH="215900" progId="Equation.DSMT4">
+                <p:oleObj spid="_x0000_s279596" name="Equation" r:id="rId4" imgW="139700" imgH="215900" progId="Equation.DSMT4">
                   <p:embed/>
                 </p:oleObj>
               </mc:Choice>
@@ -10764,7 +10216,7 @@
           <a:graphicData uri="http://schemas.openxmlformats.org/presentationml/2006/ole">
             <mc:AlternateContent xmlns:mc="http://schemas.openxmlformats.org/markup-compatibility/2006">
               <mc:Choice xmlns:v="urn:schemas-microsoft-com:vml" Requires="v">
-                <p:oleObj spid="_x0000_s279574" name="Equation" r:id="rId6" imgW="139700" imgH="215900" progId="Equation.DSMT4">
+                <p:oleObj spid="_x0000_s279597" name="Equation" r:id="rId6" imgW="139700" imgH="215900" progId="Equation.DSMT4">
                   <p:embed/>
                 </p:oleObj>
               </mc:Choice>
@@ -10821,7 +10273,7 @@
           <a:graphicData uri="http://schemas.openxmlformats.org/presentationml/2006/ole">
             <mc:AlternateContent xmlns:mc="http://schemas.openxmlformats.org/markup-compatibility/2006">
               <mc:Choice xmlns:v="urn:schemas-microsoft-com:vml" Requires="v">
-                <p:oleObj spid="_x0000_s279575" name="Equation" r:id="rId7" imgW="1803400" imgH="495300" progId="Equation.DSMT4">
+                <p:oleObj spid="_x0000_s279598" name="Equation" r:id="rId7" imgW="1803400" imgH="495300" progId="Equation.DSMT4">
                   <p:embed/>
                 </p:oleObj>
               </mc:Choice>
@@ -10878,7 +10330,7 @@
           <a:graphicData uri="http://schemas.openxmlformats.org/presentationml/2006/ole">
             <mc:AlternateContent xmlns:mc="http://schemas.openxmlformats.org/markup-compatibility/2006">
               <mc:Choice xmlns:v="urn:schemas-microsoft-com:vml" Requires="v">
-                <p:oleObj spid="_x0000_s279576" name="Equation" r:id="rId9" imgW="1625600" imgH="482600" progId="Equation.DSMT4">
+                <p:oleObj spid="_x0000_s279599" name="Equation" r:id="rId9" imgW="1625600" imgH="482600" progId="Equation.DSMT4">
                   <p:embed/>
                 </p:oleObj>
               </mc:Choice>
@@ -10921,7 +10373,7 @@
         </p:nvSpPr>
         <p:spPr bwMode="auto">
           <a:xfrm>
-            <a:off x="5105400" y="1676400"/>
+            <a:off x="5181600" y="1676400"/>
             <a:ext cx="2971800" cy="1828800"/>
           </a:xfrm>
           <a:prstGeom prst="roundRect">
@@ -11078,7 +10530,7 @@
 </p:sld>
 </file>
 
-<file path=ppt/slides/slide23.xml><?xml version="1.0" encoding="utf-8"?>
+<file path=ppt/slides/slide22.xml><?xml version="1.0" encoding="utf-8"?>
 <p:sld xmlns:a="http://schemas.openxmlformats.org/drawingml/2006/main" xmlns:r="http://schemas.openxmlformats.org/officeDocument/2006/relationships" xmlns:p="http://schemas.openxmlformats.org/presentationml/2006/main">
   <p:cSld>
     <p:spTree>
@@ -11123,7 +10575,7 @@
             <a:fld id="{83D78B86-54BD-4C40-B154-E0B4BEB7EE49}" type="slidenum">
               <a:rPr lang="en-US" smtClean="0"/>
               <a:pPr/>
-              <a:t>23</a:t>
+              <a:t>22</a:t>
             </a:fld>
             <a:endParaRPr lang="en-US" dirty="0" smtClean="0"/>
           </a:p>
@@ -11187,7 +10639,7 @@
           <a:graphicData uri="http://schemas.openxmlformats.org/presentationml/2006/ole">
             <mc:AlternateContent xmlns:mc="http://schemas.openxmlformats.org/markup-compatibility/2006">
               <mc:Choice xmlns:v="urn:schemas-microsoft-com:vml" Requires="v">
-                <p:oleObj spid="_x0000_s206014" name="Equation" r:id="rId4" imgW="139700" imgH="215900" progId="Equation.DSMT4">
+                <p:oleObj spid="_x0000_s206047" name="Equation" r:id="rId4" imgW="139700" imgH="215900" progId="Equation.DSMT4">
                   <p:embed/>
                 </p:oleObj>
               </mc:Choice>
@@ -11244,7 +10696,7 @@
           <a:graphicData uri="http://schemas.openxmlformats.org/presentationml/2006/ole">
             <mc:AlternateContent xmlns:mc="http://schemas.openxmlformats.org/markup-compatibility/2006">
               <mc:Choice xmlns:v="urn:schemas-microsoft-com:vml" Requires="v">
-                <p:oleObj spid="_x0000_s206015" name="Equation" r:id="rId6" imgW="139700" imgH="215900" progId="Equation.DSMT4">
+                <p:oleObj spid="_x0000_s206048" name="Equation" r:id="rId6" imgW="139700" imgH="215900" progId="Equation.DSMT4">
                   <p:embed/>
                 </p:oleObj>
               </mc:Choice>
@@ -11301,7 +10753,7 @@
           <a:graphicData uri="http://schemas.openxmlformats.org/presentationml/2006/ole">
             <mc:AlternateContent xmlns:mc="http://schemas.openxmlformats.org/markup-compatibility/2006">
               <mc:Choice xmlns:v="urn:schemas-microsoft-com:vml" Requires="v">
-                <p:oleObj spid="_x0000_s206016" name="Equation" r:id="rId7" imgW="647700" imgH="393700" progId="Equation.DSMT4">
+                <p:oleObj spid="_x0000_s206049" name="Equation" r:id="rId7" imgW="647700" imgH="393700" progId="Equation.DSMT4">
                   <p:embed/>
                 </p:oleObj>
               </mc:Choice>
@@ -11422,9 +10874,6 @@
               </a:rPr>
               <a:t>’s</a:t>
             </a:r>
-            <a:endParaRPr lang="en-US" sz="5400" dirty="0" smtClean="0">
-              <a:latin typeface="Comic Sans MS" pitchFamily="66" charset="0"/>
-            </a:endParaRPr>
           </a:p>
         </p:txBody>
       </p:sp>
@@ -11454,13 +10903,7 @@
               <a:rPr lang="en-US" sz="5400" dirty="0" smtClean="0">
                 <a:latin typeface="Comic Sans MS" pitchFamily="66" charset="0"/>
               </a:rPr>
-              <a:t>t</a:t>
-            </a:r>
-            <a:r>
-              <a:rPr lang="en-US" sz="5400" dirty="0" smtClean="0">
-                <a:latin typeface="Comic Sans MS" pitchFamily="66" charset="0"/>
-              </a:rPr>
-              <a:t>hen </a:t>
+              <a:t>then </a:t>
             </a:r>
             <a:r>
               <a:rPr lang="en-US" sz="5400" dirty="0" err="1" smtClean="0">
@@ -11512,12 +10955,6 @@
               </a:rPr>
               <a:t> S’s </a:t>
             </a:r>
-            <a:endParaRPr lang="en-US" sz="5400" dirty="0" smtClean="0">
-              <a:solidFill>
-                <a:srgbClr val="0000E5"/>
-              </a:solidFill>
-              <a:latin typeface="Comic Sans MS" pitchFamily="66" charset="0"/>
-            </a:endParaRPr>
           </a:p>
         </p:txBody>
       </p:sp>
@@ -11543,7 +10980,7 @@
           <a:graphicData uri="http://schemas.openxmlformats.org/presentationml/2006/ole">
             <mc:AlternateContent xmlns:mc="http://schemas.openxmlformats.org/markup-compatibility/2006">
               <mc:Choice xmlns:v="urn:schemas-microsoft-com:vml" Requires="v">
-                <p:oleObj spid="_x0000_s206017" name="Equation" r:id="rId9" imgW="139700" imgH="215900" progId="Equation.DSMT4">
+                <p:oleObj spid="_x0000_s206050" name="Equation" r:id="rId9" imgW="139700" imgH="215900" progId="Equation.DSMT4">
                   <p:embed/>
                 </p:oleObj>
               </mc:Choice>
@@ -11600,7 +11037,7 @@
           <a:graphicData uri="http://schemas.openxmlformats.org/presentationml/2006/ole">
             <mc:AlternateContent xmlns:mc="http://schemas.openxmlformats.org/markup-compatibility/2006">
               <mc:Choice xmlns:v="urn:schemas-microsoft-com:vml" Requires="v">
-                <p:oleObj spid="_x0000_s206018" name="Equation" r:id="rId11" imgW="419100" imgH="533400" progId="Equation.DSMT4">
+                <p:oleObj spid="_x0000_s206051" name="Equation" r:id="rId11" imgW="419100" imgH="533400" progId="Equation.DSMT4">
                   <p:embed/>
                 </p:oleObj>
               </mc:Choice>
@@ -11657,7 +11094,7 @@
           <a:graphicData uri="http://schemas.openxmlformats.org/presentationml/2006/ole">
             <mc:AlternateContent xmlns:mc="http://schemas.openxmlformats.org/markup-compatibility/2006">
               <mc:Choice xmlns:v="urn:schemas-microsoft-com:vml" Requires="v">
-                <p:oleObj spid="_x0000_s206019" name="Equation" r:id="rId13" imgW="266700" imgH="533400" progId="Equation.DSMT4">
+                <p:oleObj spid="_x0000_s206052" name="Equation" r:id="rId13" imgW="266700" imgH="533400" progId="Equation.DSMT4">
                   <p:embed/>
                 </p:oleObj>
               </mc:Choice>
@@ -11974,7 +11411,7 @@
 </p:sld>
 </file>
 
-<file path=ppt/slides/slide24.xml><?xml version="1.0" encoding="utf-8"?>
+<file path=ppt/slides/slide23.xml><?xml version="1.0" encoding="utf-8"?>
 <p:sld xmlns:a="http://schemas.openxmlformats.org/drawingml/2006/main" xmlns:r="http://schemas.openxmlformats.org/officeDocument/2006/relationships" xmlns:p="http://schemas.openxmlformats.org/presentationml/2006/main">
   <p:cSld>
     <p:spTree>
@@ -12019,7 +11456,7 @@
             <a:fld id="{83D78B86-54BD-4C40-B154-E0B4BEB7EE49}" type="slidenum">
               <a:rPr lang="en-US" smtClean="0"/>
               <a:pPr/>
-              <a:t>24</a:t>
+              <a:t>23</a:t>
             </a:fld>
             <a:endParaRPr lang="en-US" dirty="0" smtClean="0"/>
           </a:p>
@@ -12083,7 +11520,7 @@
           <a:graphicData uri="http://schemas.openxmlformats.org/presentationml/2006/ole">
             <mc:AlternateContent xmlns:mc="http://schemas.openxmlformats.org/markup-compatibility/2006">
               <mc:Choice xmlns:v="urn:schemas-microsoft-com:vml" Requires="v">
-                <p:oleObj spid="_x0000_s245814" name="Equation" r:id="rId4" imgW="139700" imgH="215900" progId="Equation.DSMT4">
+                <p:oleObj spid="_x0000_s245837" name="Equation" r:id="rId4" imgW="139700" imgH="215900" progId="Equation.DSMT4">
                   <p:embed/>
                 </p:oleObj>
               </mc:Choice>
@@ -12140,7 +11577,7 @@
           <a:graphicData uri="http://schemas.openxmlformats.org/presentationml/2006/ole">
             <mc:AlternateContent xmlns:mc="http://schemas.openxmlformats.org/markup-compatibility/2006">
               <mc:Choice xmlns:v="urn:schemas-microsoft-com:vml" Requires="v">
-                <p:oleObj spid="_x0000_s245815" name="Equation" r:id="rId6" imgW="139700" imgH="215900" progId="Equation.DSMT4">
+                <p:oleObj spid="_x0000_s245838" name="Equation" r:id="rId6" imgW="139700" imgH="215900" progId="Equation.DSMT4">
                   <p:embed/>
                 </p:oleObj>
               </mc:Choice>
@@ -12197,7 +11634,7 @@
           <a:graphicData uri="http://schemas.openxmlformats.org/presentationml/2006/ole">
             <mc:AlternateContent xmlns:mc="http://schemas.openxmlformats.org/markup-compatibility/2006">
               <mc:Choice xmlns:v="urn:schemas-microsoft-com:vml" Requires="v">
-                <p:oleObj spid="_x0000_s245816" name="Equation" r:id="rId7" imgW="1193800" imgH="533400" progId="Equation.DSMT4">
+                <p:oleObj spid="_x0000_s245839" name="Equation" r:id="rId7" imgW="1193800" imgH="533400" progId="Equation.DSMT4">
                   <p:embed/>
                 </p:oleObj>
               </mc:Choice>
@@ -12254,7 +11691,7 @@
           <a:graphicData uri="http://schemas.openxmlformats.org/presentationml/2006/ole">
             <mc:AlternateContent xmlns:mc="http://schemas.openxmlformats.org/markup-compatibility/2006">
               <mc:Choice xmlns:v="urn:schemas-microsoft-com:vml" Requires="v">
-                <p:oleObj spid="_x0000_s245817" name="Equation" r:id="rId9" imgW="1625600" imgH="482600" progId="Equation.DSMT4">
+                <p:oleObj spid="_x0000_s245840" name="Equation" r:id="rId9" imgW="1625600" imgH="482600" progId="Equation.DSMT4">
                   <p:embed/>
                 </p:oleObj>
               </mc:Choice>
@@ -12297,7 +11734,7 @@
         </p:nvSpPr>
         <p:spPr bwMode="auto">
           <a:xfrm>
-            <a:off x="5105400" y="1676400"/>
+            <a:off x="5181600" y="1676400"/>
             <a:ext cx="2971800" cy="1828800"/>
           </a:xfrm>
           <a:prstGeom prst="roundRect">
@@ -12451,7 +11888,7 @@
 </p:sld>
 </file>
 
-<file path=ppt/slides/slide25.xml><?xml version="1.0" encoding="utf-8"?>
+<file path=ppt/slides/slide24.xml><?xml version="1.0" encoding="utf-8"?>
 <p:sld xmlns:a="http://schemas.openxmlformats.org/drawingml/2006/main" xmlns:r="http://schemas.openxmlformats.org/officeDocument/2006/relationships" xmlns:p="http://schemas.openxmlformats.org/presentationml/2006/main">
   <p:cSld>
     <p:spTree>
@@ -12496,7 +11933,7 @@
             <a:fld id="{83D78B86-54BD-4C40-B154-E0B4BEB7EE49}" type="slidenum">
               <a:rPr lang="en-US" smtClean="0"/>
               <a:pPr/>
-              <a:t>25</a:t>
+              <a:t>24</a:t>
             </a:fld>
             <a:endParaRPr lang="en-US" dirty="0" smtClean="0"/>
           </a:p>
@@ -12560,7 +11997,7 @@
           <a:graphicData uri="http://schemas.openxmlformats.org/presentationml/2006/ole">
             <mc:AlternateContent xmlns:mc="http://schemas.openxmlformats.org/markup-compatibility/2006">
               <mc:Choice xmlns:v="urn:schemas-microsoft-com:vml" Requires="v">
-                <p:oleObj spid="_x0000_s283657" name="Equation" r:id="rId4" imgW="139700" imgH="215900" progId="Equation.DSMT4">
+                <p:oleObj spid="_x0000_s283680" name="Equation" r:id="rId4" imgW="139700" imgH="215900" progId="Equation.DSMT4">
                   <p:embed/>
                 </p:oleObj>
               </mc:Choice>
@@ -12617,7 +12054,7 @@
           <a:graphicData uri="http://schemas.openxmlformats.org/presentationml/2006/ole">
             <mc:AlternateContent xmlns:mc="http://schemas.openxmlformats.org/markup-compatibility/2006">
               <mc:Choice xmlns:v="urn:schemas-microsoft-com:vml" Requires="v">
-                <p:oleObj spid="_x0000_s283658" name="Equation" r:id="rId6" imgW="139700" imgH="215900" progId="Equation.DSMT4">
+                <p:oleObj spid="_x0000_s283681" name="Equation" r:id="rId6" imgW="139700" imgH="215900" progId="Equation.DSMT4">
                   <p:embed/>
                 </p:oleObj>
               </mc:Choice>
@@ -12674,7 +12111,7 @@
           <a:graphicData uri="http://schemas.openxmlformats.org/presentationml/2006/ole">
             <mc:AlternateContent xmlns:mc="http://schemas.openxmlformats.org/markup-compatibility/2006">
               <mc:Choice xmlns:v="urn:schemas-microsoft-com:vml" Requires="v">
-                <p:oleObj spid="_x0000_s283659" name="Equation" r:id="rId7" imgW="1346200" imgH="533400" progId="Equation.DSMT4">
+                <p:oleObj spid="_x0000_s283682" name="Equation" r:id="rId7" imgW="1346200" imgH="533400" progId="Equation.DSMT4">
                   <p:embed/>
                 </p:oleObj>
               </mc:Choice>
@@ -12731,7 +12168,7 @@
           <a:graphicData uri="http://schemas.openxmlformats.org/presentationml/2006/ole">
             <mc:AlternateContent xmlns:mc="http://schemas.openxmlformats.org/markup-compatibility/2006">
               <mc:Choice xmlns:v="urn:schemas-microsoft-com:vml" Requires="v">
-                <p:oleObj spid="_x0000_s283660" name="Equation" r:id="rId9" imgW="774700" imgH="254000" progId="Equation.DSMT4">
+                <p:oleObj spid="_x0000_s283683" name="Equation" r:id="rId9" imgW="774700" imgH="254000" progId="Equation.DSMT4">
                   <p:embed/>
                 </p:oleObj>
               </mc:Choice>
@@ -13268,7 +12705,7 @@
           <a:graphicData uri="http://schemas.openxmlformats.org/presentationml/2006/ole">
             <mc:AlternateContent xmlns:mc="http://schemas.openxmlformats.org/markup-compatibility/2006">
               <mc:Choice xmlns:v="urn:schemas-microsoft-com:vml" Requires="v">
-                <p:oleObj spid="_x0000_s5313" name="Equation" r:id="rId4" imgW="139700" imgH="215900" progId="Equation.DSMT4">
+                <p:oleObj spid="_x0000_s5336" name="Equation" r:id="rId4" imgW="139700" imgH="215900" progId="Equation.DSMT4">
                   <p:embed/>
                 </p:oleObj>
               </mc:Choice>
@@ -13325,7 +12762,7 @@
           <a:graphicData uri="http://schemas.openxmlformats.org/presentationml/2006/ole">
             <mc:AlternateContent xmlns:mc="http://schemas.openxmlformats.org/markup-compatibility/2006">
               <mc:Choice xmlns:v="urn:schemas-microsoft-com:vml" Requires="v">
-                <p:oleObj spid="_x0000_s5314" name="Equation" r:id="rId6" imgW="571500" imgH="203200" progId="Equation.DSMT4">
+                <p:oleObj spid="_x0000_s5337" name="Equation" r:id="rId6" imgW="571500" imgH="203200" progId="Equation.DSMT4">
                   <p:embed/>
                 </p:oleObj>
               </mc:Choice>
@@ -13382,7 +12819,7 @@
           <a:graphicData uri="http://schemas.openxmlformats.org/presentationml/2006/ole">
             <mc:AlternateContent xmlns:mc="http://schemas.openxmlformats.org/markup-compatibility/2006">
               <mc:Choice xmlns:v="urn:schemas-microsoft-com:vml" Requires="v">
-                <p:oleObj spid="_x0000_s5315" name="Equation" r:id="rId8" imgW="1612900" imgH="393700" progId="Equation.DSMT4">
+                <p:oleObj spid="_x0000_s5338" name="Equation" r:id="rId8" imgW="1612900" imgH="393700" progId="Equation.DSMT4">
                   <p:embed/>
                 </p:oleObj>
               </mc:Choice>
@@ -13439,7 +12876,7 @@
           <a:graphicData uri="http://schemas.openxmlformats.org/presentationml/2006/ole">
             <mc:AlternateContent xmlns:mc="http://schemas.openxmlformats.org/markup-compatibility/2006">
               <mc:Choice xmlns:v="urn:schemas-microsoft-com:vml" Requires="v">
-                <p:oleObj spid="_x0000_s5316" name="Equation" r:id="rId10" imgW="1549400" imgH="292100" progId="Equation.DSMT4">
+                <p:oleObj spid="_x0000_s5339" name="Equation" r:id="rId10" imgW="1549400" imgH="292100" progId="Equation.DSMT4">
                   <p:embed/>
                 </p:oleObj>
               </mc:Choice>
@@ -13669,7 +13106,7 @@
           <a:graphicData uri="http://schemas.openxmlformats.org/presentationml/2006/ole">
             <mc:AlternateContent xmlns:mc="http://schemas.openxmlformats.org/markup-compatibility/2006">
               <mc:Choice xmlns:v="urn:schemas-microsoft-com:vml" Requires="v">
-                <p:oleObj spid="_x0000_s213044" name="Equation" r:id="rId4" imgW="1346200" imgH="266700" progId="Equation.DSMT4">
+                <p:oleObj spid="_x0000_s213057" name="Equation" r:id="rId4" imgW="1346200" imgH="266700" progId="Equation.DSMT4">
                   <p:embed/>
                 </p:oleObj>
               </mc:Choice>
@@ -13824,7 +13261,7 @@
           <a:graphicData uri="http://schemas.openxmlformats.org/presentationml/2006/ole">
             <mc:AlternateContent xmlns:mc="http://schemas.openxmlformats.org/markup-compatibility/2006">
               <mc:Choice xmlns:v="urn:schemas-microsoft-com:vml" Requires="v">
-                <p:oleObj spid="_x0000_s213045" name="Equation" r:id="rId6" imgW="1447800" imgH="495300" progId="Equation.DSMT4">
+                <p:oleObj spid="_x0000_s213058" name="Equation" r:id="rId6" imgW="1447800" imgH="495300" progId="Equation.DSMT4">
                   <p:embed/>
                 </p:oleObj>
               </mc:Choice>
@@ -14028,7 +13465,7 @@
           <a:graphicData uri="http://schemas.openxmlformats.org/presentationml/2006/ole">
             <mc:AlternateContent xmlns:mc="http://schemas.openxmlformats.org/markup-compatibility/2006">
               <mc:Choice xmlns:v="urn:schemas-microsoft-com:vml" Requires="v">
-                <p:oleObj spid="_x0000_s214058" name="Equation" r:id="rId4" imgW="393700" imgH="266700" progId="Equation.DSMT4">
+                <p:oleObj spid="_x0000_s214071" name="Equation" r:id="rId4" imgW="393700" imgH="266700" progId="Equation.DSMT4">
                   <p:embed/>
                 </p:oleObj>
               </mc:Choice>
@@ -14098,7 +13535,7 @@
           <a:graphicData uri="http://schemas.openxmlformats.org/presentationml/2006/ole">
             <mc:AlternateContent xmlns:mc="http://schemas.openxmlformats.org/markup-compatibility/2006">
               <mc:Choice xmlns:v="urn:schemas-microsoft-com:vml" Requires="v">
-                <p:oleObj spid="_x0000_s214059" name="Equation" r:id="rId6" imgW="1447800" imgH="495300" progId="Equation.DSMT4">
+                <p:oleObj spid="_x0000_s214072" name="Equation" r:id="rId6" imgW="1447800" imgH="495300" progId="Equation.DSMT4">
                   <p:embed/>
                 </p:oleObj>
               </mc:Choice>
@@ -14293,7 +13730,7 @@
           <a:graphicData uri="http://schemas.openxmlformats.org/presentationml/2006/ole">
             <mc:AlternateContent xmlns:mc="http://schemas.openxmlformats.org/markup-compatibility/2006">
               <mc:Choice xmlns:v="urn:schemas-microsoft-com:vml" Requires="v">
-                <p:oleObj spid="_x0000_s216108" name="Equation" r:id="rId4" imgW="393700" imgH="266700" progId="Equation.DSMT4">
+                <p:oleObj spid="_x0000_s216121" name="Equation" r:id="rId4" imgW="393700" imgH="266700" progId="Equation.DSMT4">
                   <p:embed/>
                 </p:oleObj>
               </mc:Choice>
@@ -14363,7 +13800,7 @@
           <a:graphicData uri="http://schemas.openxmlformats.org/presentationml/2006/ole">
             <mc:AlternateContent xmlns:mc="http://schemas.openxmlformats.org/markup-compatibility/2006">
               <mc:Choice xmlns:v="urn:schemas-microsoft-com:vml" Requires="v">
-                <p:oleObj spid="_x0000_s216109" name="Equation" r:id="rId6" imgW="1308100" imgH="419100" progId="Equation.DSMT4">
+                <p:oleObj spid="_x0000_s216122" name="Equation" r:id="rId6" imgW="1308100" imgH="419100" progId="Equation.DSMT4">
                   <p:embed/>
                 </p:oleObj>
               </mc:Choice>
@@ -14550,7 +13987,7 @@
           <a:graphicData uri="http://schemas.openxmlformats.org/presentationml/2006/ole">
             <mc:AlternateContent xmlns:mc="http://schemas.openxmlformats.org/markup-compatibility/2006">
               <mc:Choice xmlns:v="urn:schemas-microsoft-com:vml" Requires="v">
-                <p:oleObj spid="_x0000_s248860" name="Equation" r:id="rId4" imgW="393700" imgH="266700" progId="Equation.DSMT4">
+                <p:oleObj spid="_x0000_s248873" name="Equation" r:id="rId4" imgW="393700" imgH="266700" progId="Equation.DSMT4">
                   <p:embed/>
                 </p:oleObj>
               </mc:Choice>
@@ -14620,7 +14057,7 @@
           <a:graphicData uri="http://schemas.openxmlformats.org/presentationml/2006/ole">
             <mc:AlternateContent xmlns:mc="http://schemas.openxmlformats.org/markup-compatibility/2006">
               <mc:Choice xmlns:v="urn:schemas-microsoft-com:vml" Requires="v">
-                <p:oleObj spid="_x0000_s248861" name="Equation" r:id="rId6" imgW="1308100" imgH="419100" progId="Equation.DSMT4">
+                <p:oleObj spid="_x0000_s248874" name="Equation" r:id="rId6" imgW="1308100" imgH="419100" progId="Equation.DSMT4">
                   <p:embed/>
                 </p:oleObj>
               </mc:Choice>
@@ -14807,7 +14244,7 @@
           <a:graphicData uri="http://schemas.openxmlformats.org/presentationml/2006/ole">
             <mc:AlternateContent xmlns:mc="http://schemas.openxmlformats.org/markup-compatibility/2006">
               <mc:Choice xmlns:v="urn:schemas-microsoft-com:vml" Requires="v">
-                <p:oleObj spid="_x0000_s217132" name="Equation" r:id="rId4" imgW="266700" imgH="177800" progId="Equation.DSMT4">
+                <p:oleObj spid="_x0000_s217145" name="Equation" r:id="rId4" imgW="266700" imgH="177800" progId="Equation.DSMT4">
                   <p:embed/>
                 </p:oleObj>
               </mc:Choice>
@@ -14877,7 +14314,7 @@
           <a:graphicData uri="http://schemas.openxmlformats.org/presentationml/2006/ole">
             <mc:AlternateContent xmlns:mc="http://schemas.openxmlformats.org/markup-compatibility/2006">
               <mc:Choice xmlns:v="urn:schemas-microsoft-com:vml" Requires="v">
-                <p:oleObj spid="_x0000_s217133" name="Equation" r:id="rId6" imgW="1206500" imgH="482600" progId="Equation.DSMT4">
+                <p:oleObj spid="_x0000_s217146" name="Equation" r:id="rId6" imgW="1206500" imgH="482600" progId="Equation.DSMT4">
                   <p:embed/>
                 </p:oleObj>
               </mc:Choice>
@@ -14979,7 +14416,7 @@
           <a:graphicData uri="http://schemas.openxmlformats.org/presentationml/2006/ole">
             <mc:AlternateContent xmlns:mc="http://schemas.openxmlformats.org/markup-compatibility/2006">
               <mc:Choice xmlns:v="urn:schemas-microsoft-com:vml" Requires="v">
-                <p:oleObj spid="_x0000_s235586" name="Equation" r:id="rId4" imgW="1473200" imgH="482600" progId="Equation.DSMT4">
+                <p:oleObj spid="_x0000_s235604" name="Equation" r:id="rId4" imgW="1473200" imgH="482600" progId="Equation.DSMT4">
                   <p:embed/>
                 </p:oleObj>
               </mc:Choice>
@@ -15126,7 +14563,7 @@
           <a:graphicData uri="http://schemas.openxmlformats.org/presentationml/2006/ole">
             <mc:AlternateContent xmlns:mc="http://schemas.openxmlformats.org/markup-compatibility/2006">
               <mc:Choice xmlns:v="urn:schemas-microsoft-com:vml" Requires="v">
-                <p:oleObj spid="_x0000_s235587" name="Equation" r:id="rId6" imgW="139700" imgH="215900" progId="Equation.DSMT4">
+                <p:oleObj spid="_x0000_s235605" name="Equation" r:id="rId6" imgW="139700" imgH="215900" progId="Equation.DSMT4">
                   <p:embed/>
                 </p:oleObj>
               </mc:Choice>
@@ -15183,7 +14620,7 @@
           <a:graphicData uri="http://schemas.openxmlformats.org/presentationml/2006/ole">
             <mc:AlternateContent xmlns:mc="http://schemas.openxmlformats.org/markup-compatibility/2006">
               <mc:Choice xmlns:v="urn:schemas-microsoft-com:vml" Requires="v">
-                <p:oleObj spid="_x0000_s235588" name="Equation" r:id="rId8" imgW="139700" imgH="215900" progId="Equation.DSMT4">
+                <p:oleObj spid="_x0000_s235606" name="Equation" r:id="rId8" imgW="139700" imgH="215900" progId="Equation.DSMT4">
                   <p:embed/>
                 </p:oleObj>
               </mc:Choice>

--- a/fall17/slidesF17/incexcbinom.pptx
+++ b/fall17/slidesF17/incexcbinom.pptx
@@ -20,19 +20,19 @@
     <p:sldId id="593" r:id="rId8"/>
     <p:sldId id="577" r:id="rId9"/>
     <p:sldId id="581" r:id="rId10"/>
-    <p:sldId id="611" r:id="rId11"/>
-    <p:sldId id="612" r:id="rId12"/>
-    <p:sldId id="580" r:id="rId13"/>
-    <p:sldId id="585" r:id="rId14"/>
-    <p:sldId id="597" r:id="rId15"/>
-    <p:sldId id="605" r:id="rId16"/>
-    <p:sldId id="598" r:id="rId17"/>
-    <p:sldId id="600" r:id="rId18"/>
-    <p:sldId id="613" r:id="rId19"/>
-    <p:sldId id="606" r:id="rId20"/>
-    <p:sldId id="608" r:id="rId21"/>
-    <p:sldId id="607" r:id="rId22"/>
-    <p:sldId id="566" r:id="rId23"/>
+    <p:sldId id="612" r:id="rId11"/>
+    <p:sldId id="580" r:id="rId12"/>
+    <p:sldId id="585" r:id="rId13"/>
+    <p:sldId id="597" r:id="rId14"/>
+    <p:sldId id="605" r:id="rId15"/>
+    <p:sldId id="598" r:id="rId16"/>
+    <p:sldId id="600" r:id="rId17"/>
+    <p:sldId id="613" r:id="rId18"/>
+    <p:sldId id="606" r:id="rId19"/>
+    <p:sldId id="608" r:id="rId20"/>
+    <p:sldId id="607" r:id="rId21"/>
+    <p:sldId id="566" r:id="rId22"/>
+    <p:sldId id="616" r:id="rId23"/>
     <p:sldId id="590" r:id="rId24"/>
     <p:sldId id="610" r:id="rId25"/>
   </p:sldIdLst>
@@ -1067,7 +1067,7 @@
             <a:fld id="{38AFA472-19A2-4BBD-B046-EAF111414CE2}" type="slidenum">
               <a:rPr lang="en-US" smtClean="0"/>
               <a:pPr/>
-              <a:t>11</a:t>
+              <a:t>13</a:t>
             </a:fld>
             <a:endParaRPr lang="en-US" smtClean="0"/>
           </a:p>
@@ -1825,7 +1825,7 @@
       </p:grpSpPr>
       <p:sp>
         <p:nvSpPr>
-          <p:cNvPr id="60418" name="Rectangle 7"/>
+          <p:cNvPr id="61442" name="Rectangle 7"/>
           <p:cNvSpPr>
             <a:spLocks noGrp="1" noChangeArrowheads="1"/>
           </p:cNvSpPr>
@@ -1840,7 +1840,7 @@
           <a:bodyPr/>
           <a:lstStyle/>
           <a:p>
-            <a:fld id="{38AFA472-19A2-4BBD-B046-EAF111414CE2}" type="slidenum">
+            <a:fld id="{FB67ED51-D6E5-49E3-B2E6-337A7D163646}" type="slidenum">
               <a:rPr lang="en-US" smtClean="0"/>
               <a:pPr/>
               <a:t>21</a:t>
@@ -1851,7 +1851,7 @@
       </p:sp>
       <p:sp>
         <p:nvSpPr>
-          <p:cNvPr id="60419" name="Rectangle 2"/>
+          <p:cNvPr id="61443" name="Rectangle 2"/>
           <p:cNvSpPr>
             <a:spLocks noGrp="1" noRot="1" noChangeAspect="1" noChangeArrowheads="1" noTextEdit="1"/>
           </p:cNvSpPr>
@@ -1868,7 +1868,7 @@
       </p:sp>
       <p:sp>
         <p:nvSpPr>
-          <p:cNvPr id="60420" name="Rectangle 3"/>
+          <p:cNvPr id="61444" name="Rectangle 3"/>
           <p:cNvSpPr>
             <a:spLocks noGrp="1" noChangeArrowheads="1"/>
           </p:cNvSpPr>
@@ -4405,307 +4405,6 @@
 </file>
 
 <file path=ppt/slides/slide10.xml><?xml version="1.0" encoding="utf-8"?>
-<p:sld xmlns:a="http://schemas.openxmlformats.org/drawingml/2006/main" xmlns:r="http://schemas.openxmlformats.org/officeDocument/2006/relationships" xmlns:p="http://schemas.openxmlformats.org/presentationml/2006/main" show="0">
-  <p:cSld>
-    <p:spTree>
-      <p:nvGrpSpPr>
-        <p:cNvPr id="1" name=""/>
-        <p:cNvGrpSpPr/>
-        <p:nvPr/>
-      </p:nvGrpSpPr>
-      <p:grpSpPr>
-        <a:xfrm>
-          <a:off x="0" y="0"/>
-          <a:ext cx="0" cy="0"/>
-          <a:chOff x="0" y="0"/>
-          <a:chExt cx="0" cy="0"/>
-        </a:xfrm>
-      </p:grpSpPr>
-      <p:graphicFrame>
-        <p:nvGraphicFramePr>
-          <p:cNvPr id="9" name="Object 4"/>
-          <p:cNvGraphicFramePr>
-            <a:graphicFrameLocks noChangeAspect="1"/>
-          </p:cNvGraphicFramePr>
-          <p:nvPr>
-            <p:extLst>
-              <p:ext uri="{D42A27DB-BD31-4B8C-83A1-F6EECF244321}">
-                <p14:modId xmlns:p14="http://schemas.microsoft.com/office/powerpoint/2010/main" val="4105545674"/>
-              </p:ext>
-            </p:extLst>
-          </p:nvPr>
-        </p:nvGraphicFramePr>
-        <p:xfrm>
-          <a:off x="898525" y="1905000"/>
-          <a:ext cx="7175500" cy="2497138"/>
-        </p:xfrm>
-        <a:graphic>
-          <a:graphicData uri="http://schemas.openxmlformats.org/presentationml/2006/ole">
-            <mc:AlternateContent xmlns:mc="http://schemas.openxmlformats.org/markup-compatibility/2006">
-              <mc:Choice xmlns:v="urn:schemas-microsoft-com:vml" Requires="v">
-                <p:oleObj spid="_x0000_s284697" name="Equation" r:id="rId4" imgW="1384300" imgH="482600" progId="Equation.DSMT4">
-                  <p:embed/>
-                </p:oleObj>
-              </mc:Choice>
-              <mc:Fallback>
-                <p:oleObj name="Equation" r:id="rId4" imgW="1384300" imgH="482600" progId="Equation.DSMT4">
-                  <p:embed/>
-                  <p:pic>
-                    <p:nvPicPr>
-                      <p:cNvPr id="0" name=""/>
-                      <p:cNvPicPr>
-                        <a:picLocks noChangeAspect="1" noChangeArrowheads="1"/>
-                      </p:cNvPicPr>
-                      <p:nvPr/>
-                    </p:nvPicPr>
-                    <p:blipFill>
-                      <a:blip r:embed="rId5"/>
-                      <a:srcRect/>
-                      <a:stretch>
-                        <a:fillRect/>
-                      </a:stretch>
-                    </p:blipFill>
-                    <p:spPr bwMode="auto">
-                      <a:xfrm>
-                        <a:off x="898525" y="1905000"/>
-                        <a:ext cx="7175500" cy="2497138"/>
-                      </a:xfrm>
-                      <a:prstGeom prst="rect">
-                        <a:avLst/>
-                      </a:prstGeom>
-                      <a:noFill/>
-                      <a:extLst/>
-                    </p:spPr>
-                  </p:pic>
-                </p:oleObj>
-              </mc:Fallback>
-            </mc:AlternateContent>
-          </a:graphicData>
-        </a:graphic>
-      </p:graphicFrame>
-      <p:sp>
-        <p:nvSpPr>
-          <p:cNvPr id="5124" name="Rectangle 2"/>
-          <p:cNvSpPr>
-            <a:spLocks noGrp="1" noChangeArrowheads="1"/>
-          </p:cNvSpPr>
-          <p:nvPr>
-            <p:ph type="title"/>
-          </p:nvPr>
-        </p:nvSpPr>
-        <p:spPr>
-          <a:xfrm>
-            <a:off x="1600200" y="304800"/>
-            <a:ext cx="6019800" cy="1143000"/>
-          </a:xfrm>
-        </p:spPr>
-        <p:txBody>
-          <a:bodyPr/>
-          <a:lstStyle/>
-          <a:p>
-            <a:pPr eaLnBrk="1" hangingPunct="1"/>
-            <a:r>
-              <a:rPr lang="en-US" dirty="0" err="1" smtClean="0">
-                <a:latin typeface="Comic Sans MS" pitchFamily="66" charset="0"/>
-              </a:rPr>
-              <a:t>Incl-Excl</a:t>
-            </a:r>
-            <a:r>
-              <a:rPr lang="en-US" dirty="0" smtClean="0">
-                <a:latin typeface="Comic Sans MS" pitchFamily="66" charset="0"/>
-              </a:rPr>
-              <a:t> </a:t>
-            </a:r>
-            <a:r>
-              <a:rPr lang="en-US" dirty="0" smtClean="0">
-                <a:solidFill>
-                  <a:srgbClr val="0000FF"/>
-                </a:solidFill>
-                <a:latin typeface="Comic Sans MS" pitchFamily="66" charset="0"/>
-              </a:rPr>
-              <a:t>n</a:t>
-            </a:r>
-            <a:r>
-              <a:rPr lang="en-US" dirty="0" smtClean="0">
-                <a:latin typeface="Comic Sans MS" pitchFamily="66" charset="0"/>
-              </a:rPr>
-              <a:t> sets</a:t>
-            </a:r>
-          </a:p>
-        </p:txBody>
-      </p:sp>
-      <p:sp>
-        <p:nvSpPr>
-          <p:cNvPr id="5125" name="Slide Number Placeholder 7"/>
-          <p:cNvSpPr>
-            <a:spLocks noGrp="1"/>
-          </p:cNvSpPr>
-          <p:nvPr>
-            <p:ph type="sldNum" sz="quarter" idx="10"/>
-          </p:nvPr>
-        </p:nvSpPr>
-        <p:spPr>
-          <a:noFill/>
-        </p:spPr>
-        <p:txBody>
-          <a:bodyPr/>
-          <a:lstStyle/>
-          <a:p>
-            <a:r>
-              <a:rPr lang="en-US" dirty="0" err="1" smtClean="0"/>
-              <a:t>incexcbinom</a:t>
-            </a:r>
-            <a:r>
-              <a:rPr lang="en-US" dirty="0" smtClean="0"/>
-              <a:t>.</a:t>
-            </a:r>
-            <a:fld id="{440333D2-3154-4D4B-AAB9-AB5679BA8A30}" type="slidenum">
-              <a:rPr lang="en-US" smtClean="0"/>
-              <a:pPr/>
-              <a:t>10</a:t>
-            </a:fld>
-            <a:endParaRPr lang="en-US" dirty="0" smtClean="0"/>
-          </a:p>
-        </p:txBody>
-      </p:sp>
-      <p:graphicFrame>
-        <p:nvGraphicFramePr>
-          <p:cNvPr id="3" name="Object 2"/>
-          <p:cNvGraphicFramePr>
-            <a:graphicFrameLocks noChangeAspect="1"/>
-          </p:cNvGraphicFramePr>
-          <p:nvPr>
-            <p:extLst>
-              <p:ext uri="{D42A27DB-BD31-4B8C-83A1-F6EECF244321}">
-                <p14:modId xmlns:p14="http://schemas.microsoft.com/office/powerpoint/2010/main" val="755610884"/>
-              </p:ext>
-            </p:extLst>
-          </p:nvPr>
-        </p:nvGraphicFramePr>
-        <p:xfrm>
-          <a:off x="5994400" y="4038600"/>
-          <a:ext cx="139700" cy="215900"/>
-        </p:xfrm>
-        <a:graphic>
-          <a:graphicData uri="http://schemas.openxmlformats.org/presentationml/2006/ole">
-            <mc:AlternateContent xmlns:mc="http://schemas.openxmlformats.org/markup-compatibility/2006">
-              <mc:Choice xmlns:v="urn:schemas-microsoft-com:vml" Requires="v">
-                <p:oleObj spid="_x0000_s284698" name="Equation" r:id="rId6" imgW="139700" imgH="215900" progId="Equation.DSMT4">
-                  <p:embed/>
-                </p:oleObj>
-              </mc:Choice>
-              <mc:Fallback>
-                <p:oleObj name="Equation" r:id="rId6" imgW="139700" imgH="215900" progId="Equation.DSMT4">
-                  <p:embed/>
-                  <p:pic>
-                    <p:nvPicPr>
-                      <p:cNvPr id="0" name=""/>
-                      <p:cNvPicPr/>
-                      <p:nvPr/>
-                    </p:nvPicPr>
-                    <p:blipFill>
-                      <a:blip r:embed="rId7"/>
-                      <a:stretch>
-                        <a:fillRect/>
-                      </a:stretch>
-                    </p:blipFill>
-                    <p:spPr>
-                      <a:xfrm>
-                        <a:off x="5994400" y="4038600"/>
-                        <a:ext cx="139700" cy="215900"/>
-                      </a:xfrm>
-                      <a:prstGeom prst="rect">
-                        <a:avLst/>
-                      </a:prstGeom>
-                    </p:spPr>
-                  </p:pic>
-                </p:oleObj>
-              </mc:Fallback>
-            </mc:AlternateContent>
-          </a:graphicData>
-        </a:graphic>
-      </p:graphicFrame>
-      <p:graphicFrame>
-        <p:nvGraphicFramePr>
-          <p:cNvPr id="4" name="Object 3"/>
-          <p:cNvGraphicFramePr>
-            <a:graphicFrameLocks noChangeAspect="1"/>
-          </p:cNvGraphicFramePr>
-          <p:nvPr>
-            <p:extLst>
-              <p:ext uri="{D42A27DB-BD31-4B8C-83A1-F6EECF244321}">
-                <p14:modId xmlns:p14="http://schemas.microsoft.com/office/powerpoint/2010/main" val="2201423328"/>
-              </p:ext>
-            </p:extLst>
-          </p:nvPr>
-        </p:nvGraphicFramePr>
-        <p:xfrm>
-          <a:off x="5994400" y="4038600"/>
-          <a:ext cx="139700" cy="215900"/>
-        </p:xfrm>
-        <a:graphic>
-          <a:graphicData uri="http://schemas.openxmlformats.org/presentationml/2006/ole">
-            <mc:AlternateContent xmlns:mc="http://schemas.openxmlformats.org/markup-compatibility/2006">
-              <mc:Choice xmlns:v="urn:schemas-microsoft-com:vml" Requires="v">
-                <p:oleObj spid="_x0000_s284699" name="Equation" r:id="rId8" imgW="139700" imgH="215900" progId="Equation.DSMT4">
-                  <p:embed/>
-                </p:oleObj>
-              </mc:Choice>
-              <mc:Fallback>
-                <p:oleObj name="Equation" r:id="rId8" imgW="139700" imgH="215900" progId="Equation.DSMT4">
-                  <p:embed/>
-                  <p:pic>
-                    <p:nvPicPr>
-                      <p:cNvPr id="0" name=""/>
-                      <p:cNvPicPr/>
-                      <p:nvPr/>
-                    </p:nvPicPr>
-                    <p:blipFill>
-                      <a:blip r:embed="rId7"/>
-                      <a:stretch>
-                        <a:fillRect/>
-                      </a:stretch>
-                    </p:blipFill>
-                    <p:spPr>
-                      <a:xfrm>
-                        <a:off x="5994400" y="4038600"/>
-                        <a:ext cx="139700" cy="215900"/>
-                      </a:xfrm>
-                      <a:prstGeom prst="rect">
-                        <a:avLst/>
-                      </a:prstGeom>
-                    </p:spPr>
-                  </p:pic>
-                </p:oleObj>
-              </mc:Fallback>
-            </mc:AlternateContent>
-          </a:graphicData>
-        </a:graphic>
-      </p:graphicFrame>
-    </p:spTree>
-    <p:extLst>
-      <p:ext uri="{BB962C8B-B14F-4D97-AF65-F5344CB8AC3E}">
-        <p14:creationId xmlns:p14="http://schemas.microsoft.com/office/powerpoint/2010/main" val="636444525"/>
-      </p:ext>
-    </p:extLst>
-  </p:cSld>
-  <p:clrMapOvr>
-    <a:masterClrMapping/>
-  </p:clrMapOvr>
-  <p:transition xmlns:p14="http://schemas.microsoft.com/office/powerpoint/2010/main" advClick="0">
-    <p:fade/>
-  </p:transition>
-  <p:timing>
-    <p:tnLst>
-      <p:par>
-        <p:cTn xmlns:p14="http://schemas.microsoft.com/office/powerpoint/2010/main" id="1" dur="indefinite" restart="never" nodeType="tmRoot"/>
-      </p:par>
-    </p:tnLst>
-  </p:timing>
-</p:sld>
-</file>
-
-<file path=ppt/slides/slide11.xml><?xml version="1.0" encoding="utf-8"?>
 <p:sld xmlns:a="http://schemas.openxmlformats.org/drawingml/2006/main" xmlns:r="http://schemas.openxmlformats.org/officeDocument/2006/relationships" xmlns:p="http://schemas.openxmlformats.org/presentationml/2006/main">
   <p:cSld>
     <p:spTree>
@@ -4744,7 +4443,7 @@
           <a:graphicData uri="http://schemas.openxmlformats.org/presentationml/2006/ole">
             <mc:AlternateContent xmlns:mc="http://schemas.openxmlformats.org/markup-compatibility/2006">
               <mc:Choice xmlns:v="urn:schemas-microsoft-com:vml" Requires="v">
-                <p:oleObj spid="_x0000_s285724" name="Equation" r:id="rId4" imgW="1384300" imgH="482600" progId="Equation.DSMT4">
+                <p:oleObj spid="_x0000_s285733" name="Equation" r:id="rId4" imgW="1384300" imgH="482600" progId="Equation.DSMT4">
                   <p:embed/>
                 </p:oleObj>
               </mc:Choice>
@@ -4806,7 +4505,7 @@
           <a:graphicData uri="http://schemas.openxmlformats.org/presentationml/2006/ole">
             <mc:AlternateContent xmlns:mc="http://schemas.openxmlformats.org/markup-compatibility/2006">
               <mc:Choice xmlns:v="urn:schemas-microsoft-com:vml" Requires="v">
-                <p:oleObj spid="_x0000_s285725" name="Equation" r:id="rId6" imgW="1295400" imgH="596900" progId="Equation.DSMT4">
+                <p:oleObj spid="_x0000_s285734" name="Equation" r:id="rId6" imgW="1295400" imgH="596900" progId="Equation.DSMT4">
                   <p:embed/>
                 </p:oleObj>
               </mc:Choice>
@@ -4920,7 +4619,7 @@
             <a:fld id="{440333D2-3154-4D4B-AAB9-AB5679BA8A30}" type="slidenum">
               <a:rPr lang="en-US" smtClean="0"/>
               <a:pPr/>
-              <a:t>11</a:t>
+              <a:t>10</a:t>
             </a:fld>
             <a:endParaRPr lang="en-US" dirty="0" smtClean="0"/>
           </a:p>
@@ -5011,7 +4710,7 @@
           <a:graphicData uri="http://schemas.openxmlformats.org/presentationml/2006/ole">
             <mc:AlternateContent xmlns:mc="http://schemas.openxmlformats.org/markup-compatibility/2006">
               <mc:Choice xmlns:v="urn:schemas-microsoft-com:vml" Requires="v">
-                <p:oleObj spid="_x0000_s285726" name="Equation" r:id="rId8" imgW="139700" imgH="215900" progId="Equation.DSMT4">
+                <p:oleObj spid="_x0000_s285735" name="Equation" r:id="rId8" imgW="139700" imgH="215900" progId="Equation.DSMT4">
                   <p:embed/>
                 </p:oleObj>
               </mc:Choice>
@@ -5068,7 +4767,7 @@
           <a:graphicData uri="http://schemas.openxmlformats.org/presentationml/2006/ole">
             <mc:AlternateContent xmlns:mc="http://schemas.openxmlformats.org/markup-compatibility/2006">
               <mc:Choice xmlns:v="urn:schemas-microsoft-com:vml" Requires="v">
-                <p:oleObj spid="_x0000_s285727" name="Equation" r:id="rId10" imgW="139700" imgH="215900" progId="Equation.DSMT4">
+                <p:oleObj spid="_x0000_s285736" name="Equation" r:id="rId10" imgW="139700" imgH="215900" progId="Equation.DSMT4">
                   <p:embed/>
                 </p:oleObj>
               </mc:Choice>
@@ -5296,7 +4995,7 @@
 </p:sld>
 </file>
 
-<file path=ppt/slides/slide12.xml><?xml version="1.0" encoding="utf-8"?>
+<file path=ppt/slides/slide11.xml><?xml version="1.0" encoding="utf-8"?>
 <p:sld xmlns:a="http://schemas.openxmlformats.org/drawingml/2006/main" xmlns:r="http://schemas.openxmlformats.org/officeDocument/2006/relationships" xmlns:p="http://schemas.openxmlformats.org/presentationml/2006/main">
   <p:cSld>
     <p:spTree>
@@ -5696,7 +5395,7 @@
               <a:pPr>
                 <a:defRPr/>
               </a:pPr>
-              <a:t>12</a:t>
+              <a:t>11</a:t>
             </a:fld>
             <a:endParaRPr lang="en-US" dirty="0"/>
           </a:p>
@@ -5724,7 +5423,7 @@
           <a:graphicData uri="http://schemas.openxmlformats.org/presentationml/2006/ole">
             <mc:AlternateContent xmlns:mc="http://schemas.openxmlformats.org/markup-compatibility/2006">
               <mc:Choice xmlns:v="urn:schemas-microsoft-com:vml" Requires="v">
-                <p:oleObj spid="_x0000_s234552" name="Equation" r:id="rId3" imgW="1816100" imgH="381000" progId="Equation.DSMT4">
+                <p:oleObj spid="_x0000_s234557" name="Equation" r:id="rId3" imgW="1816100" imgH="381000" progId="Equation.DSMT4">
                   <p:embed/>
                 </p:oleObj>
               </mc:Choice>
@@ -5781,7 +5480,7 @@
           <a:graphicData uri="http://schemas.openxmlformats.org/presentationml/2006/ole">
             <mc:AlternateContent xmlns:mc="http://schemas.openxmlformats.org/markup-compatibility/2006">
               <mc:Choice xmlns:v="urn:schemas-microsoft-com:vml" Requires="v">
-                <p:oleObj spid="_x0000_s234553" name="Equation" r:id="rId5" imgW="406400" imgH="292100" progId="Equation.DSMT4">
+                <p:oleObj spid="_x0000_s234558" name="Equation" r:id="rId5" imgW="406400" imgH="292100" progId="Equation.DSMT4">
                   <p:embed/>
                 </p:oleObj>
               </mc:Choice>
@@ -6374,7 +6073,7 @@
 </p:sld>
 </file>
 
-<file path=ppt/slides/slide13.xml><?xml version="1.0" encoding="utf-8"?>
+<file path=ppt/slides/slide12.xml><?xml version="1.0" encoding="utf-8"?>
 <p:sld xmlns:a="http://schemas.openxmlformats.org/drawingml/2006/main" xmlns:r="http://schemas.openxmlformats.org/officeDocument/2006/relationships" xmlns:p="http://schemas.openxmlformats.org/presentationml/2006/main">
   <p:cSld>
     <p:spTree>
@@ -6505,7 +6204,7 @@
               <a:pPr>
                 <a:defRPr/>
               </a:pPr>
-              <a:t>13</a:t>
+              <a:t>12</a:t>
             </a:fld>
             <a:endParaRPr lang="en-US" dirty="0"/>
           </a:p>
@@ -6533,7 +6232,7 @@
           <a:graphicData uri="http://schemas.openxmlformats.org/presentationml/2006/ole">
             <mc:AlternateContent xmlns:mc="http://schemas.openxmlformats.org/markup-compatibility/2006">
               <mc:Choice xmlns:v="urn:schemas-microsoft-com:vml" Requires="v">
-                <p:oleObj spid="_x0000_s268301" name="Equation" r:id="rId3" imgW="1638300" imgH="558800" progId="Equation.DSMT4">
+                <p:oleObj spid="_x0000_s268304" name="Equation" r:id="rId3" imgW="1638300" imgH="558800" progId="Equation.DSMT4">
                   <p:embed/>
                 </p:oleObj>
               </mc:Choice>
@@ -6676,7 +6375,7 @@
 </p:sld>
 </file>
 
-<file path=ppt/slides/slide14.xml><?xml version="1.0" encoding="utf-8"?>
+<file path=ppt/slides/slide13.xml><?xml version="1.0" encoding="utf-8"?>
 <p:sld xmlns:a="http://schemas.openxmlformats.org/drawingml/2006/main" xmlns:r="http://schemas.openxmlformats.org/officeDocument/2006/relationships" xmlns:p="http://schemas.openxmlformats.org/presentationml/2006/main">
   <p:cSld>
     <p:spTree>
@@ -6772,7 +6471,7 @@
             <a:fld id="{440333D2-3154-4D4B-AAB9-AB5679BA8A30}" type="slidenum">
               <a:rPr lang="en-US" smtClean="0"/>
               <a:pPr/>
-              <a:t>14</a:t>
+              <a:t>13</a:t>
             </a:fld>
             <a:endParaRPr lang="en-US" dirty="0" smtClean="0"/>
           </a:p>
@@ -6800,7 +6499,7 @@
           <a:graphicData uri="http://schemas.openxmlformats.org/presentationml/2006/ole">
             <mc:AlternateContent xmlns:mc="http://schemas.openxmlformats.org/markup-compatibility/2006">
               <mc:Choice xmlns:v="urn:schemas-microsoft-com:vml" Requires="v">
-                <p:oleObj spid="_x0000_s263228" name="Equation" r:id="rId4" imgW="139700" imgH="215900" progId="Equation.DSMT4">
+                <p:oleObj spid="_x0000_s263235" name="Equation" r:id="rId4" imgW="139700" imgH="215900" progId="Equation.DSMT4">
                   <p:embed/>
                 </p:oleObj>
               </mc:Choice>
@@ -6857,7 +6556,7 @@
           <a:graphicData uri="http://schemas.openxmlformats.org/presentationml/2006/ole">
             <mc:AlternateContent xmlns:mc="http://schemas.openxmlformats.org/markup-compatibility/2006">
               <mc:Choice xmlns:v="urn:schemas-microsoft-com:vml" Requires="v">
-                <p:oleObj spid="_x0000_s263229" name="Equation" r:id="rId6" imgW="139700" imgH="215900" progId="Equation.DSMT4">
+                <p:oleObj spid="_x0000_s263236" name="Equation" r:id="rId6" imgW="139700" imgH="215900" progId="Equation.DSMT4">
                   <p:embed/>
                 </p:oleObj>
               </mc:Choice>
@@ -6914,7 +6613,7 @@
           <a:graphicData uri="http://schemas.openxmlformats.org/presentationml/2006/ole">
             <mc:AlternateContent xmlns:mc="http://schemas.openxmlformats.org/markup-compatibility/2006">
               <mc:Choice xmlns:v="urn:schemas-microsoft-com:vml" Requires="v">
-                <p:oleObj spid="_x0000_s263230" name="Equation" r:id="rId7" imgW="393700" imgH="304800" progId="Equation.DSMT4">
+                <p:oleObj spid="_x0000_s263237" name="Equation" r:id="rId7" imgW="393700" imgH="304800" progId="Equation.DSMT4">
                   <p:embed/>
                 </p:oleObj>
               </mc:Choice>
@@ -6972,7 +6671,7 @@
 </p:sld>
 </file>
 
-<file path=ppt/slides/slide15.xml><?xml version="1.0" encoding="utf-8"?>
+<file path=ppt/slides/slide14.xml><?xml version="1.0" encoding="utf-8"?>
 <p:sld xmlns:a="http://schemas.openxmlformats.org/drawingml/2006/main" xmlns:r="http://schemas.openxmlformats.org/officeDocument/2006/relationships" xmlns:p="http://schemas.openxmlformats.org/presentationml/2006/main">
   <p:cSld>
     <p:spTree>
@@ -7068,7 +6767,7 @@
             <a:fld id="{440333D2-3154-4D4B-AAB9-AB5679BA8A30}" type="slidenum">
               <a:rPr lang="en-US" smtClean="0"/>
               <a:pPr/>
-              <a:t>15</a:t>
+              <a:t>14</a:t>
             </a:fld>
             <a:endParaRPr lang="en-US" dirty="0" smtClean="0"/>
           </a:p>
@@ -7083,20 +6782,20 @@
           <p:nvPr>
             <p:extLst>
               <p:ext uri="{D42A27DB-BD31-4B8C-83A1-F6EECF244321}">
-                <p14:modId xmlns:p14="http://schemas.microsoft.com/office/powerpoint/2010/main" val="1761747866"/>
+                <p14:modId xmlns:p14="http://schemas.microsoft.com/office/powerpoint/2010/main" val="540487757"/>
               </p:ext>
             </p:extLst>
           </p:nvPr>
         </p:nvGraphicFramePr>
         <p:xfrm>
-          <a:off x="1676400" y="1184275"/>
+          <a:off x="1143000" y="1184275"/>
           <a:ext cx="5662612" cy="2168525"/>
         </p:xfrm>
         <a:graphic>
           <a:graphicData uri="http://schemas.openxmlformats.org/presentationml/2006/ole">
             <mc:AlternateContent xmlns:mc="http://schemas.openxmlformats.org/markup-compatibility/2006">
               <mc:Choice xmlns:v="urn:schemas-microsoft-com:vml" Requires="v">
-                <p:oleObj spid="_x0000_s277536" name="Equation" r:id="rId4" imgW="1092200" imgH="419100" progId="Equation.DSMT4">
+                <p:oleObj spid="_x0000_s277549" name="Equation" r:id="rId4" imgW="1092200" imgH="419100" progId="Equation.DSMT4">
                   <p:embed/>
                 </p:oleObj>
               </mc:Choice>
@@ -7120,7 +6819,7 @@
                     </p:blipFill>
                     <p:spPr bwMode="auto">
                       <a:xfrm>
-                        <a:off x="1676400" y="1184275"/>
+                        <a:off x="1143000" y="1184275"/>
                         <a:ext cx="5662612" cy="2168525"/>
                       </a:xfrm>
                       <a:prstGeom prst="rect">
@@ -7158,7 +6857,7 @@
           <a:graphicData uri="http://schemas.openxmlformats.org/presentationml/2006/ole">
             <mc:AlternateContent xmlns:mc="http://schemas.openxmlformats.org/markup-compatibility/2006">
               <mc:Choice xmlns:v="urn:schemas-microsoft-com:vml" Requires="v">
-                <p:oleObj spid="_x0000_s277537" name="Equation" r:id="rId6" imgW="139700" imgH="215900" progId="Equation.DSMT4">
+                <p:oleObj spid="_x0000_s277550" name="Equation" r:id="rId6" imgW="139700" imgH="215900" progId="Equation.DSMT4">
                   <p:embed/>
                 </p:oleObj>
               </mc:Choice>
@@ -7215,7 +6914,7 @@
           <a:graphicData uri="http://schemas.openxmlformats.org/presentationml/2006/ole">
             <mc:AlternateContent xmlns:mc="http://schemas.openxmlformats.org/markup-compatibility/2006">
               <mc:Choice xmlns:v="urn:schemas-microsoft-com:vml" Requires="v">
-                <p:oleObj spid="_x0000_s277538" name="Equation" r:id="rId8" imgW="139700" imgH="215900" progId="Equation.DSMT4">
+                <p:oleObj spid="_x0000_s277551" name="Equation" r:id="rId8" imgW="139700" imgH="215900" progId="Equation.DSMT4">
                   <p:embed/>
                 </p:oleObj>
               </mc:Choice>
@@ -7272,7 +6971,7 @@
           <a:graphicData uri="http://schemas.openxmlformats.org/presentationml/2006/ole">
             <mc:AlternateContent xmlns:mc="http://schemas.openxmlformats.org/markup-compatibility/2006">
               <mc:Choice xmlns:v="urn:schemas-microsoft-com:vml" Requires="v">
-                <p:oleObj spid="_x0000_s277539" name="Equation" r:id="rId9" imgW="1054100" imgH="393700" progId="Equation.DSMT4">
+                <p:oleObj spid="_x0000_s277552" name="Equation" r:id="rId9" imgW="1054100" imgH="393700" progId="Equation.DSMT4">
                   <p:embed/>
                 </p:oleObj>
               </mc:Choice>
@@ -7406,7 +7105,7 @@
 </p:sld>
 </file>
 
-<file path=ppt/slides/slide16.xml><?xml version="1.0" encoding="utf-8"?>
+<file path=ppt/slides/slide15.xml><?xml version="1.0" encoding="utf-8"?>
 <p:sld xmlns:a="http://schemas.openxmlformats.org/drawingml/2006/main" xmlns:r="http://schemas.openxmlformats.org/officeDocument/2006/relationships" xmlns:p="http://schemas.openxmlformats.org/presentationml/2006/main">
   <p:cSld>
     <p:spTree>
@@ -7502,7 +7201,7 @@
             <a:fld id="{440333D2-3154-4D4B-AAB9-AB5679BA8A30}" type="slidenum">
               <a:rPr lang="en-US" smtClean="0"/>
               <a:pPr/>
-              <a:t>16</a:t>
+              <a:t>15</a:t>
             </a:fld>
             <a:endParaRPr lang="en-US" dirty="0" smtClean="0"/>
           </a:p>
@@ -7517,20 +7216,20 @@
           <p:nvPr>
             <p:extLst>
               <p:ext uri="{D42A27DB-BD31-4B8C-83A1-F6EECF244321}">
-                <p14:modId xmlns:p14="http://schemas.microsoft.com/office/powerpoint/2010/main" val="1262343243"/>
+                <p14:modId xmlns:p14="http://schemas.microsoft.com/office/powerpoint/2010/main" val="448759707"/>
               </p:ext>
             </p:extLst>
           </p:nvPr>
         </p:nvGraphicFramePr>
         <p:xfrm>
-          <a:off x="1266825" y="1143000"/>
-          <a:ext cx="6589713" cy="2173288"/>
+          <a:off x="1143279" y="1143000"/>
+          <a:ext cx="7162521" cy="2362200"/>
         </p:xfrm>
         <a:graphic>
           <a:graphicData uri="http://schemas.openxmlformats.org/presentationml/2006/ole">
             <mc:AlternateContent xmlns:mc="http://schemas.openxmlformats.org/markup-compatibility/2006">
               <mc:Choice xmlns:v="urn:schemas-microsoft-com:vml" Requires="v">
-                <p:oleObj spid="_x0000_s269352" name="Equation" r:id="rId4" imgW="1460500" imgH="482600" progId="Equation.DSMT4">
+                <p:oleObj spid="_x0000_s269365" name="Equation" r:id="rId4" imgW="1460500" imgH="482600" progId="Equation.DSMT4">
                   <p:embed/>
                 </p:oleObj>
               </mc:Choice>
@@ -7554,8 +7253,8 @@
                     </p:blipFill>
                     <p:spPr bwMode="auto">
                       <a:xfrm>
-                        <a:off x="1266825" y="1143000"/>
-                        <a:ext cx="6589713" cy="2173288"/>
+                        <a:off x="1143279" y="1143000"/>
+                        <a:ext cx="7162521" cy="2362200"/>
                       </a:xfrm>
                       <a:prstGeom prst="rect">
                         <a:avLst/>
@@ -7592,7 +7291,7 @@
           <a:graphicData uri="http://schemas.openxmlformats.org/presentationml/2006/ole">
             <mc:AlternateContent xmlns:mc="http://schemas.openxmlformats.org/markup-compatibility/2006">
               <mc:Choice xmlns:v="urn:schemas-microsoft-com:vml" Requires="v">
-                <p:oleObj spid="_x0000_s269353" name="Equation" r:id="rId6" imgW="139700" imgH="215900" progId="Equation.DSMT4">
+                <p:oleObj spid="_x0000_s269366" name="Equation" r:id="rId6" imgW="139700" imgH="215900" progId="Equation.DSMT4">
                   <p:embed/>
                 </p:oleObj>
               </mc:Choice>
@@ -7649,7 +7348,7 @@
           <a:graphicData uri="http://schemas.openxmlformats.org/presentationml/2006/ole">
             <mc:AlternateContent xmlns:mc="http://schemas.openxmlformats.org/markup-compatibility/2006">
               <mc:Choice xmlns:v="urn:schemas-microsoft-com:vml" Requires="v">
-                <p:oleObj spid="_x0000_s269354" name="Equation" r:id="rId8" imgW="139700" imgH="215900" progId="Equation.DSMT4">
+                <p:oleObj spid="_x0000_s269367" name="Equation" r:id="rId8" imgW="139700" imgH="215900" progId="Equation.DSMT4">
                   <p:embed/>
                 </p:oleObj>
               </mc:Choice>
@@ -7706,7 +7405,7 @@
           <a:graphicData uri="http://schemas.openxmlformats.org/presentationml/2006/ole">
             <mc:AlternateContent xmlns:mc="http://schemas.openxmlformats.org/markup-compatibility/2006">
               <mc:Choice xmlns:v="urn:schemas-microsoft-com:vml" Requires="v">
-                <p:oleObj spid="_x0000_s269355" name="Equation" r:id="rId9" imgW="1460500" imgH="482600" progId="Equation.DSMT4">
+                <p:oleObj spid="_x0000_s269368" name="Equation" r:id="rId9" imgW="1460500" imgH="482600" progId="Equation.DSMT4">
                   <p:embed/>
                 </p:oleObj>
               </mc:Choice>
@@ -7960,7 +7659,7 @@
 </p:sld>
 </file>
 
-<file path=ppt/slides/slide17.xml><?xml version="1.0" encoding="utf-8"?>
+<file path=ppt/slides/slide16.xml><?xml version="1.0" encoding="utf-8"?>
 <p:sld xmlns:a="http://schemas.openxmlformats.org/drawingml/2006/main" xmlns:r="http://schemas.openxmlformats.org/officeDocument/2006/relationships" xmlns:p="http://schemas.openxmlformats.org/presentationml/2006/main">
   <p:cSld>
     <p:spTree>
@@ -8056,7 +7755,7 @@
             <a:fld id="{440333D2-3154-4D4B-AAB9-AB5679BA8A30}" type="slidenum">
               <a:rPr lang="en-US" smtClean="0"/>
               <a:pPr/>
-              <a:t>17</a:t>
+              <a:t>16</a:t>
             </a:fld>
             <a:endParaRPr lang="en-US" dirty="0" smtClean="0"/>
           </a:p>
@@ -8084,7 +7783,7 @@
           <a:graphicData uri="http://schemas.openxmlformats.org/presentationml/2006/ole">
             <mc:AlternateContent xmlns:mc="http://schemas.openxmlformats.org/markup-compatibility/2006">
               <mc:Choice xmlns:v="urn:schemas-microsoft-com:vml" Requires="v">
-                <p:oleObj spid="_x0000_s272424" name="Equation" r:id="rId4" imgW="139700" imgH="215900" progId="Equation.DSMT4">
+                <p:oleObj spid="_x0000_s272433" name="Equation" r:id="rId4" imgW="139700" imgH="215900" progId="Equation.DSMT4">
                   <p:embed/>
                 </p:oleObj>
               </mc:Choice>
@@ -8141,7 +7840,7 @@
           <a:graphicData uri="http://schemas.openxmlformats.org/presentationml/2006/ole">
             <mc:AlternateContent xmlns:mc="http://schemas.openxmlformats.org/markup-compatibility/2006">
               <mc:Choice xmlns:v="urn:schemas-microsoft-com:vml" Requires="v">
-                <p:oleObj spid="_x0000_s272425" name="Equation" r:id="rId6" imgW="139700" imgH="215900" progId="Equation.DSMT4">
+                <p:oleObj spid="_x0000_s272434" name="Equation" r:id="rId6" imgW="139700" imgH="215900" progId="Equation.DSMT4">
                   <p:embed/>
                 </p:oleObj>
               </mc:Choice>
@@ -8198,7 +7897,7 @@
           <a:graphicData uri="http://schemas.openxmlformats.org/presentationml/2006/ole">
             <mc:AlternateContent xmlns:mc="http://schemas.openxmlformats.org/markup-compatibility/2006">
               <mc:Choice xmlns:v="urn:schemas-microsoft-com:vml" Requires="v">
-                <p:oleObj spid="_x0000_s272426" name="Equation" r:id="rId7" imgW="1460500" imgH="482600" progId="Equation.DSMT4">
+                <p:oleObj spid="_x0000_s272435" name="Equation" r:id="rId7" imgW="1460500" imgH="482600" progId="Equation.DSMT4">
                   <p:embed/>
                 </p:oleObj>
               </mc:Choice>
@@ -8297,7 +7996,7 @@
           <a:graphicData uri="http://schemas.openxmlformats.org/presentationml/2006/ole">
             <mc:AlternateContent xmlns:mc="http://schemas.openxmlformats.org/markup-compatibility/2006">
               <mc:Choice xmlns:v="urn:schemas-microsoft-com:vml" Requires="v">
-                <p:oleObj spid="_x0000_s272427" name="Equation" r:id="rId9" imgW="1460500" imgH="482600" progId="Equation.DSMT4">
+                <p:oleObj spid="_x0000_s272436" name="Equation" r:id="rId9" imgW="1460500" imgH="482600" progId="Equation.DSMT4">
                   <p:embed/>
                 </p:oleObj>
               </mc:Choice>
@@ -8436,7 +8135,7 @@
 </p:sld>
 </file>
 
-<file path=ppt/slides/slide18.xml><?xml version="1.0" encoding="utf-8"?>
+<file path=ppt/slides/slide17.xml><?xml version="1.0" encoding="utf-8"?>
 <p:sld xmlns:a="http://schemas.openxmlformats.org/drawingml/2006/main" xmlns:r="http://schemas.openxmlformats.org/officeDocument/2006/relationships" xmlns:p="http://schemas.openxmlformats.org/presentationml/2006/main">
   <p:cSld>
     <p:spTree>
@@ -8532,7 +8231,7 @@
             <a:fld id="{440333D2-3154-4D4B-AAB9-AB5679BA8A30}" type="slidenum">
               <a:rPr lang="en-US" smtClean="0"/>
               <a:pPr/>
-              <a:t>18</a:t>
+              <a:t>17</a:t>
             </a:fld>
             <a:endParaRPr lang="en-US" dirty="0" smtClean="0"/>
           </a:p>
@@ -8560,7 +8259,7 @@
           <a:graphicData uri="http://schemas.openxmlformats.org/presentationml/2006/ole">
             <mc:AlternateContent xmlns:mc="http://schemas.openxmlformats.org/markup-compatibility/2006">
               <mc:Choice xmlns:v="urn:schemas-microsoft-com:vml" Requires="v">
-                <p:oleObj spid="_x0000_s286745" name="Equation" r:id="rId4" imgW="139700" imgH="215900" progId="Equation.DSMT4">
+                <p:oleObj spid="_x0000_s286752" name="Equation" r:id="rId4" imgW="139700" imgH="215900" progId="Equation.DSMT4">
                   <p:embed/>
                 </p:oleObj>
               </mc:Choice>
@@ -8617,7 +8316,7 @@
           <a:graphicData uri="http://schemas.openxmlformats.org/presentationml/2006/ole">
             <mc:AlternateContent xmlns:mc="http://schemas.openxmlformats.org/markup-compatibility/2006">
               <mc:Choice xmlns:v="urn:schemas-microsoft-com:vml" Requires="v">
-                <p:oleObj spid="_x0000_s286746" name="Equation" r:id="rId6" imgW="139700" imgH="215900" progId="Equation.DSMT4">
+                <p:oleObj spid="_x0000_s286753" name="Equation" r:id="rId6" imgW="139700" imgH="215900" progId="Equation.DSMT4">
                   <p:embed/>
                 </p:oleObj>
               </mc:Choice>
@@ -8674,7 +8373,7 @@
           <a:graphicData uri="http://schemas.openxmlformats.org/presentationml/2006/ole">
             <mc:AlternateContent xmlns:mc="http://schemas.openxmlformats.org/markup-compatibility/2006">
               <mc:Choice xmlns:v="urn:schemas-microsoft-com:vml" Requires="v">
-                <p:oleObj spid="_x0000_s286747" name="Equation" r:id="rId7" imgW="1460500" imgH="482600" progId="Equation.DSMT4">
+                <p:oleObj spid="_x0000_s286754" name="Equation" r:id="rId7" imgW="1460500" imgH="482600" progId="Equation.DSMT4">
                   <p:embed/>
                 </p:oleObj>
               </mc:Choice>
@@ -8913,7 +8612,7 @@
 </p:sld>
 </file>
 
-<file path=ppt/slides/slide19.xml><?xml version="1.0" encoding="utf-8"?>
+<file path=ppt/slides/slide18.xml><?xml version="1.0" encoding="utf-8"?>
 <p:sld xmlns:a="http://schemas.openxmlformats.org/drawingml/2006/main" xmlns:r="http://schemas.openxmlformats.org/officeDocument/2006/relationships" xmlns:p="http://schemas.openxmlformats.org/presentationml/2006/main">
   <p:cSld>
     <p:spTree>
@@ -9009,7 +8708,7 @@
             <a:fld id="{440333D2-3154-4D4B-AAB9-AB5679BA8A30}" type="slidenum">
               <a:rPr lang="en-US" smtClean="0"/>
               <a:pPr/>
-              <a:t>19</a:t>
+              <a:t>18</a:t>
             </a:fld>
             <a:endParaRPr lang="en-US" dirty="0" smtClean="0"/>
           </a:p>
@@ -9037,7 +8736,7 @@
           <a:graphicData uri="http://schemas.openxmlformats.org/presentationml/2006/ole">
             <mc:AlternateContent xmlns:mc="http://schemas.openxmlformats.org/markup-compatibility/2006">
               <mc:Choice xmlns:v="urn:schemas-microsoft-com:vml" Requires="v">
-                <p:oleObj spid="_x0000_s278564" name="Equation" r:id="rId4" imgW="139700" imgH="215900" progId="Equation.DSMT4">
+                <p:oleObj spid="_x0000_s278573" name="Equation" r:id="rId4" imgW="139700" imgH="215900" progId="Equation.DSMT4">
                   <p:embed/>
                 </p:oleObj>
               </mc:Choice>
@@ -9094,7 +8793,7 @@
           <a:graphicData uri="http://schemas.openxmlformats.org/presentationml/2006/ole">
             <mc:AlternateContent xmlns:mc="http://schemas.openxmlformats.org/markup-compatibility/2006">
               <mc:Choice xmlns:v="urn:schemas-microsoft-com:vml" Requires="v">
-                <p:oleObj spid="_x0000_s278565" name="Equation" r:id="rId6" imgW="139700" imgH="215900" progId="Equation.DSMT4">
+                <p:oleObj spid="_x0000_s278574" name="Equation" r:id="rId6" imgW="139700" imgH="215900" progId="Equation.DSMT4">
                   <p:embed/>
                 </p:oleObj>
               </mc:Choice>
@@ -9151,7 +8850,7 @@
           <a:graphicData uri="http://schemas.openxmlformats.org/presentationml/2006/ole">
             <mc:AlternateContent xmlns:mc="http://schemas.openxmlformats.org/markup-compatibility/2006">
               <mc:Choice xmlns:v="urn:schemas-microsoft-com:vml" Requires="v">
-                <p:oleObj spid="_x0000_s278566" name="Equation" r:id="rId7" imgW="469900" imgH="381000" progId="Equation.DSMT4">
+                <p:oleObj spid="_x0000_s278575" name="Equation" r:id="rId7" imgW="469900" imgH="381000" progId="Equation.DSMT4">
                   <p:embed/>
                 </p:oleObj>
               </mc:Choice>
@@ -9213,7 +8912,7 @@
           <a:graphicData uri="http://schemas.openxmlformats.org/presentationml/2006/ole">
             <mc:AlternateContent xmlns:mc="http://schemas.openxmlformats.org/markup-compatibility/2006">
               <mc:Choice xmlns:v="urn:schemas-microsoft-com:vml" Requires="v">
-                <p:oleObj spid="_x0000_s278567" name="Equation" r:id="rId9" imgW="1803400" imgH="495300" progId="Equation.DSMT4">
+                <p:oleObj spid="_x0000_s278576" name="Equation" r:id="rId9" imgW="1803400" imgH="495300" progId="Equation.DSMT4">
                   <p:embed/>
                 </p:oleObj>
               </mc:Choice>
@@ -9350,6 +9049,350 @@
 </p:sld>
 </file>
 
+<file path=ppt/slides/slide19.xml><?xml version="1.0" encoding="utf-8"?>
+<p:sld xmlns:a="http://schemas.openxmlformats.org/drawingml/2006/main" xmlns:r="http://schemas.openxmlformats.org/officeDocument/2006/relationships" xmlns:p="http://schemas.openxmlformats.org/presentationml/2006/main">
+  <p:cSld>
+    <p:spTree>
+      <p:nvGrpSpPr>
+        <p:cNvPr id="1" name=""/>
+        <p:cNvGrpSpPr/>
+        <p:nvPr/>
+      </p:nvGrpSpPr>
+      <p:grpSpPr>
+        <a:xfrm>
+          <a:off x="0" y="0"/>
+          <a:ext cx="0" cy="0"/>
+          <a:chOff x="0" y="0"/>
+          <a:chExt cx="0" cy="0"/>
+        </a:xfrm>
+      </p:grpSpPr>
+      <p:sp>
+        <p:nvSpPr>
+          <p:cNvPr id="5124" name="Rectangle 2"/>
+          <p:cNvSpPr>
+            <a:spLocks noGrp="1" noChangeArrowheads="1"/>
+          </p:cNvSpPr>
+          <p:nvPr>
+            <p:ph type="title"/>
+          </p:nvPr>
+        </p:nvSpPr>
+        <p:spPr>
+          <a:xfrm>
+            <a:off x="1600200" y="304800"/>
+            <a:ext cx="6019800" cy="1143000"/>
+          </a:xfrm>
+        </p:spPr>
+        <p:txBody>
+          <a:bodyPr/>
+          <a:lstStyle/>
+          <a:p>
+            <a:pPr eaLnBrk="1" hangingPunct="1"/>
+            <a:r>
+              <a:rPr lang="en-US" dirty="0" err="1" smtClean="0">
+                <a:latin typeface="Comic Sans MS" pitchFamily="66" charset="0"/>
+              </a:rPr>
+              <a:t>Incl-Excl</a:t>
+            </a:r>
+            <a:r>
+              <a:rPr lang="en-US" dirty="0" smtClean="0">
+                <a:latin typeface="Comic Sans MS" pitchFamily="66" charset="0"/>
+              </a:rPr>
+              <a:t> </a:t>
+            </a:r>
+            <a:r>
+              <a:rPr lang="en-US" dirty="0" smtClean="0">
+                <a:solidFill>
+                  <a:srgbClr val="0000FF"/>
+                </a:solidFill>
+                <a:latin typeface="Comic Sans MS" pitchFamily="66" charset="0"/>
+              </a:rPr>
+              <a:t>n</a:t>
+            </a:r>
+            <a:r>
+              <a:rPr lang="en-US" dirty="0" smtClean="0">
+                <a:latin typeface="Comic Sans MS" pitchFamily="66" charset="0"/>
+              </a:rPr>
+              <a:t> sets</a:t>
+            </a:r>
+          </a:p>
+        </p:txBody>
+      </p:sp>
+      <p:sp>
+        <p:nvSpPr>
+          <p:cNvPr id="5125" name="Slide Number Placeholder 7"/>
+          <p:cNvSpPr>
+            <a:spLocks noGrp="1"/>
+          </p:cNvSpPr>
+          <p:nvPr>
+            <p:ph type="sldNum" sz="quarter" idx="10"/>
+          </p:nvPr>
+        </p:nvSpPr>
+        <p:spPr>
+          <a:noFill/>
+        </p:spPr>
+        <p:txBody>
+          <a:bodyPr/>
+          <a:lstStyle/>
+          <a:p>
+            <a:r>
+              <a:rPr lang="en-US" dirty="0" err="1" smtClean="0"/>
+              <a:t>incexcbinom</a:t>
+            </a:r>
+            <a:r>
+              <a:rPr lang="en-US" dirty="0" smtClean="0"/>
+              <a:t>.</a:t>
+            </a:r>
+            <a:fld id="{440333D2-3154-4D4B-AAB9-AB5679BA8A30}" type="slidenum">
+              <a:rPr lang="en-US" smtClean="0"/>
+              <a:pPr/>
+              <a:t>19</a:t>
+            </a:fld>
+            <a:endParaRPr lang="en-US" dirty="0" smtClean="0"/>
+          </a:p>
+        </p:txBody>
+      </p:sp>
+      <p:graphicFrame>
+        <p:nvGraphicFramePr>
+          <p:cNvPr id="3" name="Object 2"/>
+          <p:cNvGraphicFramePr>
+            <a:graphicFrameLocks noChangeAspect="1"/>
+          </p:cNvGraphicFramePr>
+          <p:nvPr>
+            <p:extLst>
+              <p:ext uri="{D42A27DB-BD31-4B8C-83A1-F6EECF244321}">
+                <p14:modId xmlns:p14="http://schemas.microsoft.com/office/powerpoint/2010/main" val="1157260027"/>
+              </p:ext>
+            </p:extLst>
+          </p:nvPr>
+        </p:nvGraphicFramePr>
+        <p:xfrm>
+          <a:off x="5994400" y="4038600"/>
+          <a:ext cx="139700" cy="215900"/>
+        </p:xfrm>
+        <a:graphic>
+          <a:graphicData uri="http://schemas.openxmlformats.org/presentationml/2006/ole">
+            <mc:AlternateContent xmlns:mc="http://schemas.openxmlformats.org/markup-compatibility/2006">
+              <mc:Choice xmlns:v="urn:schemas-microsoft-com:vml" Requires="v">
+                <p:oleObj spid="_x0000_s280608" name="Equation" r:id="rId4" imgW="139700" imgH="215900" progId="Equation.DSMT4">
+                  <p:embed/>
+                </p:oleObj>
+              </mc:Choice>
+              <mc:Fallback>
+                <p:oleObj name="Equation" r:id="rId4" imgW="139700" imgH="215900" progId="Equation.DSMT4">
+                  <p:embed/>
+                  <p:pic>
+                    <p:nvPicPr>
+                      <p:cNvPr id="0" name=""/>
+                      <p:cNvPicPr/>
+                      <p:nvPr/>
+                    </p:nvPicPr>
+                    <p:blipFill>
+                      <a:blip r:embed="rId5"/>
+                      <a:stretch>
+                        <a:fillRect/>
+                      </a:stretch>
+                    </p:blipFill>
+                    <p:spPr>
+                      <a:xfrm>
+                        <a:off x="5994400" y="4038600"/>
+                        <a:ext cx="139700" cy="215900"/>
+                      </a:xfrm>
+                      <a:prstGeom prst="rect">
+                        <a:avLst/>
+                      </a:prstGeom>
+                    </p:spPr>
+                  </p:pic>
+                </p:oleObj>
+              </mc:Fallback>
+            </mc:AlternateContent>
+          </a:graphicData>
+        </a:graphic>
+      </p:graphicFrame>
+      <p:graphicFrame>
+        <p:nvGraphicFramePr>
+          <p:cNvPr id="4" name="Object 3"/>
+          <p:cNvGraphicFramePr>
+            <a:graphicFrameLocks noChangeAspect="1"/>
+          </p:cNvGraphicFramePr>
+          <p:nvPr>
+            <p:extLst>
+              <p:ext uri="{D42A27DB-BD31-4B8C-83A1-F6EECF244321}">
+                <p14:modId xmlns:p14="http://schemas.microsoft.com/office/powerpoint/2010/main" val="2128628324"/>
+              </p:ext>
+            </p:extLst>
+          </p:nvPr>
+        </p:nvGraphicFramePr>
+        <p:xfrm>
+          <a:off x="5994400" y="4038600"/>
+          <a:ext cx="139700" cy="215900"/>
+        </p:xfrm>
+        <a:graphic>
+          <a:graphicData uri="http://schemas.openxmlformats.org/presentationml/2006/ole">
+            <mc:AlternateContent xmlns:mc="http://schemas.openxmlformats.org/markup-compatibility/2006">
+              <mc:Choice xmlns:v="urn:schemas-microsoft-com:vml" Requires="v">
+                <p:oleObj spid="_x0000_s280609" name="Equation" r:id="rId6" imgW="139700" imgH="215900" progId="Equation.DSMT4">
+                  <p:embed/>
+                </p:oleObj>
+              </mc:Choice>
+              <mc:Fallback>
+                <p:oleObj name="Equation" r:id="rId6" imgW="139700" imgH="215900" progId="Equation.DSMT4">
+                  <p:embed/>
+                  <p:pic>
+                    <p:nvPicPr>
+                      <p:cNvPr id="0" name=""/>
+                      <p:cNvPicPr/>
+                      <p:nvPr/>
+                    </p:nvPicPr>
+                    <p:blipFill>
+                      <a:blip r:embed="rId5"/>
+                      <a:stretch>
+                        <a:fillRect/>
+                      </a:stretch>
+                    </p:blipFill>
+                    <p:spPr>
+                      <a:xfrm>
+                        <a:off x="5994400" y="4038600"/>
+                        <a:ext cx="139700" cy="215900"/>
+                      </a:xfrm>
+                      <a:prstGeom prst="rect">
+                        <a:avLst/>
+                      </a:prstGeom>
+                    </p:spPr>
+                  </p:pic>
+                </p:oleObj>
+              </mc:Fallback>
+            </mc:AlternateContent>
+          </a:graphicData>
+        </a:graphic>
+      </p:graphicFrame>
+      <p:graphicFrame>
+        <p:nvGraphicFramePr>
+          <p:cNvPr id="9" name="Object 8"/>
+          <p:cNvGraphicFramePr>
+            <a:graphicFrameLocks noChangeAspect="1"/>
+          </p:cNvGraphicFramePr>
+          <p:nvPr>
+            <p:extLst>
+              <p:ext uri="{D42A27DB-BD31-4B8C-83A1-F6EECF244321}">
+                <p14:modId xmlns:p14="http://schemas.microsoft.com/office/powerpoint/2010/main" val="1719750266"/>
+              </p:ext>
+            </p:extLst>
+          </p:nvPr>
+        </p:nvGraphicFramePr>
+        <p:xfrm>
+          <a:off x="681037" y="3581400"/>
+          <a:ext cx="7781925" cy="2137289"/>
+        </p:xfrm>
+        <a:graphic>
+          <a:graphicData uri="http://schemas.openxmlformats.org/presentationml/2006/ole">
+            <mc:AlternateContent xmlns:mc="http://schemas.openxmlformats.org/markup-compatibility/2006">
+              <mc:Choice xmlns:v="urn:schemas-microsoft-com:vml" Requires="v">
+                <p:oleObj spid="_x0000_s280610" name="Equation" r:id="rId7" imgW="1803400" imgH="495300" progId="Equation.DSMT4">
+                  <p:embed/>
+                </p:oleObj>
+              </mc:Choice>
+              <mc:Fallback>
+                <p:oleObj name="Equation" r:id="rId7" imgW="1803400" imgH="495300" progId="Equation.DSMT4">
+                  <p:embed/>
+                  <p:pic>
+                    <p:nvPicPr>
+                      <p:cNvPr id="0" name=""/>
+                      <p:cNvPicPr/>
+                      <p:nvPr/>
+                    </p:nvPicPr>
+                    <p:blipFill>
+                      <a:blip r:embed="rId8"/>
+                      <a:stretch>
+                        <a:fillRect/>
+                      </a:stretch>
+                    </p:blipFill>
+                    <p:spPr>
+                      <a:xfrm>
+                        <a:off x="681037" y="3581400"/>
+                        <a:ext cx="7781925" cy="2137289"/>
+                      </a:xfrm>
+                      <a:prstGeom prst="rect">
+                        <a:avLst/>
+                      </a:prstGeom>
+                    </p:spPr>
+                  </p:pic>
+                </p:oleObj>
+              </mc:Fallback>
+            </mc:AlternateContent>
+          </a:graphicData>
+        </a:graphic>
+      </p:graphicFrame>
+      <p:sp>
+        <p:nvSpPr>
+          <p:cNvPr id="2" name="TextBox 1"/>
+          <p:cNvSpPr txBox="1"/>
+          <p:nvPr/>
+        </p:nvSpPr>
+        <p:spPr>
+          <a:xfrm>
+            <a:off x="304800" y="1828800"/>
+            <a:ext cx="8493957" cy="923330"/>
+          </a:xfrm>
+          <a:prstGeom prst="rect">
+            <a:avLst/>
+          </a:prstGeom>
+          <a:noFill/>
+        </p:spPr>
+        <p:txBody>
+          <a:bodyPr wrap="none" rtlCol="0">
+            <a:spAutoFit/>
+          </a:bodyPr>
+          <a:lstStyle/>
+          <a:p>
+            <a:r>
+              <a:rPr lang="en-US" sz="5400" dirty="0">
+                <a:latin typeface="Comic Sans MS" pitchFamily="66" charset="0"/>
+              </a:rPr>
+              <a:t>b</a:t>
+            </a:r>
+            <a:r>
+              <a:rPr lang="en-US" sz="5400" dirty="0" smtClean="0">
+                <a:latin typeface="Comic Sans MS" pitchFamily="66" charset="0"/>
+              </a:rPr>
+              <a:t>reak up sum by size of </a:t>
+            </a:r>
+            <a:r>
+              <a:rPr lang="en-US" sz="5400" dirty="0" smtClean="0">
+                <a:solidFill>
+                  <a:schemeClr val="accent1">
+                    <a:lumMod val="50000"/>
+                  </a:schemeClr>
+                </a:solidFill>
+                <a:latin typeface="Comic Sans MS" pitchFamily="66" charset="0"/>
+              </a:rPr>
+              <a:t>S</a:t>
+            </a:r>
+          </a:p>
+        </p:txBody>
+      </p:sp>
+    </p:spTree>
+    <p:extLst>
+      <p:ext uri="{BB962C8B-B14F-4D97-AF65-F5344CB8AC3E}">
+        <p14:creationId xmlns:p14="http://schemas.microsoft.com/office/powerpoint/2010/main" val="3045493306"/>
+      </p:ext>
+    </p:extLst>
+  </p:cSld>
+  <p:clrMapOvr>
+    <a:masterClrMapping/>
+  </p:clrMapOvr>
+  <p:transition xmlns:p14="http://schemas.microsoft.com/office/powerpoint/2010/main" advClick="0">
+    <p:fade/>
+  </p:transition>
+  <p:timing>
+    <p:tnLst>
+      <p:par>
+        <p:cTn xmlns:p14="http://schemas.microsoft.com/office/powerpoint/2010/main" id="1" dur="indefinite" restart="never" nodeType="tmRoot"/>
+      </p:par>
+    </p:tnLst>
+  </p:timing>
+</p:sld>
+</file>
+
 <file path=ppt/slides/slide2.xml><?xml version="1.0" encoding="utf-8"?>
 <p:sld xmlns:a="http://schemas.openxmlformats.org/drawingml/2006/main" xmlns:r="http://schemas.openxmlformats.org/officeDocument/2006/relationships" xmlns:p="http://schemas.openxmlformats.org/presentationml/2006/main">
   <p:cSld>
@@ -9389,7 +9432,7 @@
           <a:graphicData uri="http://schemas.openxmlformats.org/presentationml/2006/ole">
             <mc:AlternateContent xmlns:mc="http://schemas.openxmlformats.org/markup-compatibility/2006">
               <mc:Choice xmlns:v="urn:schemas-microsoft-com:vml" Requires="v">
-                <p:oleObj spid="_x0000_s1085" name="Equation" r:id="rId4" imgW="1346200" imgH="266700" progId="Equation.DSMT4">
+                <p:oleObj spid="_x0000_s1090" name="Equation" r:id="rId4" imgW="1346200" imgH="266700" progId="Equation.DSMT4">
                   <p:embed/>
                 </p:oleObj>
               </mc:Choice>
@@ -9459,7 +9502,7 @@
           <a:graphicData uri="http://schemas.openxmlformats.org/presentationml/2006/ole">
             <mc:AlternateContent xmlns:mc="http://schemas.openxmlformats.org/markup-compatibility/2006">
               <mc:Choice xmlns:v="urn:schemas-microsoft-com:vml" Requires="v">
-                <p:oleObj spid="_x0000_s1086" name="Equation" r:id="rId6" imgW="1447800" imgH="495300" progId="Equation.DSMT4">
+                <p:oleObj spid="_x0000_s1091" name="Equation" r:id="rId6" imgW="1447800" imgH="495300" progId="Equation.DSMT4">
                   <p:embed/>
                 </p:oleObj>
               </mc:Choice>
@@ -9802,7 +9845,7 @@
           <p:nvPr>
             <p:extLst>
               <p:ext uri="{D42A27DB-BD31-4B8C-83A1-F6EECF244321}">
-                <p14:modId xmlns:p14="http://schemas.microsoft.com/office/powerpoint/2010/main" val="1157260027"/>
+                <p14:modId xmlns:p14="http://schemas.microsoft.com/office/powerpoint/2010/main" val="2483208613"/>
               </p:ext>
             </p:extLst>
           </p:nvPr>
@@ -9815,7 +9858,7 @@
           <a:graphicData uri="http://schemas.openxmlformats.org/presentationml/2006/ole">
             <mc:AlternateContent xmlns:mc="http://schemas.openxmlformats.org/markup-compatibility/2006">
               <mc:Choice xmlns:v="urn:schemas-microsoft-com:vml" Requires="v">
-                <p:oleObj spid="_x0000_s280601" name="Equation" r:id="rId4" imgW="139700" imgH="215900" progId="Equation.DSMT4">
+                <p:oleObj spid="_x0000_s279613" name="Equation" r:id="rId4" imgW="139700" imgH="215900" progId="Equation.DSMT4">
                   <p:embed/>
                 </p:oleObj>
               </mc:Choice>
@@ -9859,7 +9902,7 @@
           <p:nvPr>
             <p:extLst>
               <p:ext uri="{D42A27DB-BD31-4B8C-83A1-F6EECF244321}">
-                <p14:modId xmlns:p14="http://schemas.microsoft.com/office/powerpoint/2010/main" val="2128628324"/>
+                <p14:modId xmlns:p14="http://schemas.microsoft.com/office/powerpoint/2010/main" val="4250596440"/>
               </p:ext>
             </p:extLst>
           </p:nvPr>
@@ -9872,7 +9915,7 @@
           <a:graphicData uri="http://schemas.openxmlformats.org/presentationml/2006/ole">
             <mc:AlternateContent xmlns:mc="http://schemas.openxmlformats.org/markup-compatibility/2006">
               <mc:Choice xmlns:v="urn:schemas-microsoft-com:vml" Requires="v">
-                <p:oleObj spid="_x0000_s280602" name="Equation" r:id="rId6" imgW="139700" imgH="215900" progId="Equation.DSMT4">
+                <p:oleObj spid="_x0000_s279614" name="Equation" r:id="rId6" imgW="139700" imgH="215900" progId="Equation.DSMT4">
                   <p:embed/>
                 </p:oleObj>
               </mc:Choice>
@@ -9916,7 +9959,7 @@
           <p:nvPr>
             <p:extLst>
               <p:ext uri="{D42A27DB-BD31-4B8C-83A1-F6EECF244321}">
-                <p14:modId xmlns:p14="http://schemas.microsoft.com/office/powerpoint/2010/main" val="1719750266"/>
+                <p14:modId xmlns:p14="http://schemas.microsoft.com/office/powerpoint/2010/main" val="1861983627"/>
               </p:ext>
             </p:extLst>
           </p:nvPr>
@@ -9929,351 +9972,7 @@
           <a:graphicData uri="http://schemas.openxmlformats.org/presentationml/2006/ole">
             <mc:AlternateContent xmlns:mc="http://schemas.openxmlformats.org/markup-compatibility/2006">
               <mc:Choice xmlns:v="urn:schemas-microsoft-com:vml" Requires="v">
-                <p:oleObj spid="_x0000_s280603" name="Equation" r:id="rId7" imgW="1803400" imgH="495300" progId="Equation.DSMT4">
-                  <p:embed/>
-                </p:oleObj>
-              </mc:Choice>
-              <mc:Fallback>
-                <p:oleObj name="Equation" r:id="rId7" imgW="1803400" imgH="495300" progId="Equation.DSMT4">
-                  <p:embed/>
-                  <p:pic>
-                    <p:nvPicPr>
-                      <p:cNvPr id="0" name=""/>
-                      <p:cNvPicPr/>
-                      <p:nvPr/>
-                    </p:nvPicPr>
-                    <p:blipFill>
-                      <a:blip r:embed="rId8"/>
-                      <a:stretch>
-                        <a:fillRect/>
-                      </a:stretch>
-                    </p:blipFill>
-                    <p:spPr>
-                      <a:xfrm>
-                        <a:off x="681037" y="3581400"/>
-                        <a:ext cx="7781925" cy="2137289"/>
-                      </a:xfrm>
-                      <a:prstGeom prst="rect">
-                        <a:avLst/>
-                      </a:prstGeom>
-                    </p:spPr>
-                  </p:pic>
-                </p:oleObj>
-              </mc:Fallback>
-            </mc:AlternateContent>
-          </a:graphicData>
-        </a:graphic>
-      </p:graphicFrame>
-      <p:sp>
-        <p:nvSpPr>
-          <p:cNvPr id="2" name="TextBox 1"/>
-          <p:cNvSpPr txBox="1"/>
-          <p:nvPr/>
-        </p:nvSpPr>
-        <p:spPr>
-          <a:xfrm>
-            <a:off x="304800" y="1828800"/>
-            <a:ext cx="8493957" cy="923330"/>
-          </a:xfrm>
-          <a:prstGeom prst="rect">
-            <a:avLst/>
-          </a:prstGeom>
-          <a:noFill/>
-        </p:spPr>
-        <p:txBody>
-          <a:bodyPr wrap="none" rtlCol="0">
-            <a:spAutoFit/>
-          </a:bodyPr>
-          <a:lstStyle/>
-          <a:p>
-            <a:r>
-              <a:rPr lang="en-US" sz="5400" dirty="0">
-                <a:latin typeface="Comic Sans MS" pitchFamily="66" charset="0"/>
-              </a:rPr>
-              <a:t>b</a:t>
-            </a:r>
-            <a:r>
-              <a:rPr lang="en-US" sz="5400" dirty="0" smtClean="0">
-                <a:latin typeface="Comic Sans MS" pitchFamily="66" charset="0"/>
-              </a:rPr>
-              <a:t>reak up sum by size of </a:t>
-            </a:r>
-            <a:r>
-              <a:rPr lang="en-US" sz="5400" dirty="0" smtClean="0">
-                <a:solidFill>
-                  <a:schemeClr val="accent1">
-                    <a:lumMod val="50000"/>
-                  </a:schemeClr>
-                </a:solidFill>
-                <a:latin typeface="Comic Sans MS" pitchFamily="66" charset="0"/>
-              </a:rPr>
-              <a:t>S</a:t>
-            </a:r>
-          </a:p>
-        </p:txBody>
-      </p:sp>
-    </p:spTree>
-    <p:extLst>
-      <p:ext uri="{BB962C8B-B14F-4D97-AF65-F5344CB8AC3E}">
-        <p14:creationId xmlns:p14="http://schemas.microsoft.com/office/powerpoint/2010/main" val="3045493306"/>
-      </p:ext>
-    </p:extLst>
-  </p:cSld>
-  <p:clrMapOvr>
-    <a:masterClrMapping/>
-  </p:clrMapOvr>
-  <p:transition xmlns:p14="http://schemas.microsoft.com/office/powerpoint/2010/main" advClick="0">
-    <p:fade/>
-  </p:transition>
-  <p:timing>
-    <p:tnLst>
-      <p:par>
-        <p:cTn xmlns:p14="http://schemas.microsoft.com/office/powerpoint/2010/main" id="1" dur="indefinite" restart="never" nodeType="tmRoot"/>
-      </p:par>
-    </p:tnLst>
-  </p:timing>
-</p:sld>
-</file>
-
-<file path=ppt/slides/slide21.xml><?xml version="1.0" encoding="utf-8"?>
-<p:sld xmlns:a="http://schemas.openxmlformats.org/drawingml/2006/main" xmlns:r="http://schemas.openxmlformats.org/officeDocument/2006/relationships" xmlns:p="http://schemas.openxmlformats.org/presentationml/2006/main">
-  <p:cSld>
-    <p:spTree>
-      <p:nvGrpSpPr>
-        <p:cNvPr id="1" name=""/>
-        <p:cNvGrpSpPr/>
-        <p:nvPr/>
-      </p:nvGrpSpPr>
-      <p:grpSpPr>
-        <a:xfrm>
-          <a:off x="0" y="0"/>
-          <a:ext cx="0" cy="0"/>
-          <a:chOff x="0" y="0"/>
-          <a:chExt cx="0" cy="0"/>
-        </a:xfrm>
-      </p:grpSpPr>
-      <p:sp>
-        <p:nvSpPr>
-          <p:cNvPr id="5124" name="Rectangle 2"/>
-          <p:cNvSpPr>
-            <a:spLocks noGrp="1" noChangeArrowheads="1"/>
-          </p:cNvSpPr>
-          <p:nvPr>
-            <p:ph type="title"/>
-          </p:nvPr>
-        </p:nvSpPr>
-        <p:spPr>
-          <a:xfrm>
-            <a:off x="1600200" y="304800"/>
-            <a:ext cx="6019800" cy="1143000"/>
-          </a:xfrm>
-        </p:spPr>
-        <p:txBody>
-          <a:bodyPr/>
-          <a:lstStyle/>
-          <a:p>
-            <a:pPr eaLnBrk="1" hangingPunct="1"/>
-            <a:r>
-              <a:rPr lang="en-US" dirty="0" err="1" smtClean="0">
-                <a:latin typeface="Comic Sans MS" pitchFamily="66" charset="0"/>
-              </a:rPr>
-              <a:t>Incl-Excl</a:t>
-            </a:r>
-            <a:r>
-              <a:rPr lang="en-US" dirty="0" smtClean="0">
-                <a:latin typeface="Comic Sans MS" pitchFamily="66" charset="0"/>
-              </a:rPr>
-              <a:t> </a:t>
-            </a:r>
-            <a:r>
-              <a:rPr lang="en-US" dirty="0" smtClean="0">
-                <a:solidFill>
-                  <a:srgbClr val="0000FF"/>
-                </a:solidFill>
-                <a:latin typeface="Comic Sans MS" pitchFamily="66" charset="0"/>
-              </a:rPr>
-              <a:t>n</a:t>
-            </a:r>
-            <a:r>
-              <a:rPr lang="en-US" dirty="0" smtClean="0">
-                <a:latin typeface="Comic Sans MS" pitchFamily="66" charset="0"/>
-              </a:rPr>
-              <a:t> sets</a:t>
-            </a:r>
-          </a:p>
-        </p:txBody>
-      </p:sp>
-      <p:sp>
-        <p:nvSpPr>
-          <p:cNvPr id="5125" name="Slide Number Placeholder 7"/>
-          <p:cNvSpPr>
-            <a:spLocks noGrp="1"/>
-          </p:cNvSpPr>
-          <p:nvPr>
-            <p:ph type="sldNum" sz="quarter" idx="10"/>
-          </p:nvPr>
-        </p:nvSpPr>
-        <p:spPr>
-          <a:noFill/>
-        </p:spPr>
-        <p:txBody>
-          <a:bodyPr/>
-          <a:lstStyle/>
-          <a:p>
-            <a:r>
-              <a:rPr lang="en-US" dirty="0" err="1" smtClean="0"/>
-              <a:t>incexcbinom</a:t>
-            </a:r>
-            <a:r>
-              <a:rPr lang="en-US" dirty="0" smtClean="0"/>
-              <a:t>.</a:t>
-            </a:r>
-            <a:fld id="{440333D2-3154-4D4B-AAB9-AB5679BA8A30}" type="slidenum">
-              <a:rPr lang="en-US" smtClean="0"/>
-              <a:pPr/>
-              <a:t>21</a:t>
-            </a:fld>
-            <a:endParaRPr lang="en-US" dirty="0" smtClean="0"/>
-          </a:p>
-        </p:txBody>
-      </p:sp>
-      <p:graphicFrame>
-        <p:nvGraphicFramePr>
-          <p:cNvPr id="3" name="Object 2"/>
-          <p:cNvGraphicFramePr>
-            <a:graphicFrameLocks noChangeAspect="1"/>
-          </p:cNvGraphicFramePr>
-          <p:nvPr>
-            <p:extLst>
-              <p:ext uri="{D42A27DB-BD31-4B8C-83A1-F6EECF244321}">
-                <p14:modId xmlns:p14="http://schemas.microsoft.com/office/powerpoint/2010/main" val="2483208613"/>
-              </p:ext>
-            </p:extLst>
-          </p:nvPr>
-        </p:nvGraphicFramePr>
-        <p:xfrm>
-          <a:off x="5994400" y="4038600"/>
-          <a:ext cx="139700" cy="215900"/>
-        </p:xfrm>
-        <a:graphic>
-          <a:graphicData uri="http://schemas.openxmlformats.org/presentationml/2006/ole">
-            <mc:AlternateContent xmlns:mc="http://schemas.openxmlformats.org/markup-compatibility/2006">
-              <mc:Choice xmlns:v="urn:schemas-microsoft-com:vml" Requires="v">
-                <p:oleObj spid="_x0000_s279596" name="Equation" r:id="rId4" imgW="139700" imgH="215900" progId="Equation.DSMT4">
-                  <p:embed/>
-                </p:oleObj>
-              </mc:Choice>
-              <mc:Fallback>
-                <p:oleObj name="Equation" r:id="rId4" imgW="139700" imgH="215900" progId="Equation.DSMT4">
-                  <p:embed/>
-                  <p:pic>
-                    <p:nvPicPr>
-                      <p:cNvPr id="0" name=""/>
-                      <p:cNvPicPr/>
-                      <p:nvPr/>
-                    </p:nvPicPr>
-                    <p:blipFill>
-                      <a:blip r:embed="rId5"/>
-                      <a:stretch>
-                        <a:fillRect/>
-                      </a:stretch>
-                    </p:blipFill>
-                    <p:spPr>
-                      <a:xfrm>
-                        <a:off x="5994400" y="4038600"/>
-                        <a:ext cx="139700" cy="215900"/>
-                      </a:xfrm>
-                      <a:prstGeom prst="rect">
-                        <a:avLst/>
-                      </a:prstGeom>
-                    </p:spPr>
-                  </p:pic>
-                </p:oleObj>
-              </mc:Fallback>
-            </mc:AlternateContent>
-          </a:graphicData>
-        </a:graphic>
-      </p:graphicFrame>
-      <p:graphicFrame>
-        <p:nvGraphicFramePr>
-          <p:cNvPr id="4" name="Object 3"/>
-          <p:cNvGraphicFramePr>
-            <a:graphicFrameLocks noChangeAspect="1"/>
-          </p:cNvGraphicFramePr>
-          <p:nvPr>
-            <p:extLst>
-              <p:ext uri="{D42A27DB-BD31-4B8C-83A1-F6EECF244321}">
-                <p14:modId xmlns:p14="http://schemas.microsoft.com/office/powerpoint/2010/main" val="4250596440"/>
-              </p:ext>
-            </p:extLst>
-          </p:nvPr>
-        </p:nvGraphicFramePr>
-        <p:xfrm>
-          <a:off x="5994400" y="4038600"/>
-          <a:ext cx="139700" cy="215900"/>
-        </p:xfrm>
-        <a:graphic>
-          <a:graphicData uri="http://schemas.openxmlformats.org/presentationml/2006/ole">
-            <mc:AlternateContent xmlns:mc="http://schemas.openxmlformats.org/markup-compatibility/2006">
-              <mc:Choice xmlns:v="urn:schemas-microsoft-com:vml" Requires="v">
-                <p:oleObj spid="_x0000_s279597" name="Equation" r:id="rId6" imgW="139700" imgH="215900" progId="Equation.DSMT4">
-                  <p:embed/>
-                </p:oleObj>
-              </mc:Choice>
-              <mc:Fallback>
-                <p:oleObj name="Equation" r:id="rId6" imgW="139700" imgH="215900" progId="Equation.DSMT4">
-                  <p:embed/>
-                  <p:pic>
-                    <p:nvPicPr>
-                      <p:cNvPr id="0" name=""/>
-                      <p:cNvPicPr/>
-                      <p:nvPr/>
-                    </p:nvPicPr>
-                    <p:blipFill>
-                      <a:blip r:embed="rId5"/>
-                      <a:stretch>
-                        <a:fillRect/>
-                      </a:stretch>
-                    </p:blipFill>
-                    <p:spPr>
-                      <a:xfrm>
-                        <a:off x="5994400" y="4038600"/>
-                        <a:ext cx="139700" cy="215900"/>
-                      </a:xfrm>
-                      <a:prstGeom prst="rect">
-                        <a:avLst/>
-                      </a:prstGeom>
-                    </p:spPr>
-                  </p:pic>
-                </p:oleObj>
-              </mc:Fallback>
-            </mc:AlternateContent>
-          </a:graphicData>
-        </a:graphic>
-      </p:graphicFrame>
-      <p:graphicFrame>
-        <p:nvGraphicFramePr>
-          <p:cNvPr id="9" name="Object 8"/>
-          <p:cNvGraphicFramePr>
-            <a:graphicFrameLocks noChangeAspect="1"/>
-          </p:cNvGraphicFramePr>
-          <p:nvPr>
-            <p:extLst>
-              <p:ext uri="{D42A27DB-BD31-4B8C-83A1-F6EECF244321}">
-                <p14:modId xmlns:p14="http://schemas.microsoft.com/office/powerpoint/2010/main" val="1861983627"/>
-              </p:ext>
-            </p:extLst>
-          </p:nvPr>
-        </p:nvGraphicFramePr>
-        <p:xfrm>
-          <a:off x="681037" y="3581400"/>
-          <a:ext cx="7781925" cy="2137289"/>
-        </p:xfrm>
-        <a:graphic>
-          <a:graphicData uri="http://schemas.openxmlformats.org/presentationml/2006/ole">
-            <mc:AlternateContent xmlns:mc="http://schemas.openxmlformats.org/markup-compatibility/2006">
-              <mc:Choice xmlns:v="urn:schemas-microsoft-com:vml" Requires="v">
-                <p:oleObj spid="_x0000_s279598" name="Equation" r:id="rId7" imgW="1803400" imgH="495300" progId="Equation.DSMT4">
+                <p:oleObj spid="_x0000_s279615" name="Equation" r:id="rId7" imgW="1803400" imgH="495300" progId="Equation.DSMT4">
                   <p:embed/>
                 </p:oleObj>
               </mc:Choice>
@@ -10317,25 +10016,25 @@
           <p:nvPr>
             <p:extLst>
               <p:ext uri="{D42A27DB-BD31-4B8C-83A1-F6EECF244321}">
-                <p14:modId xmlns:p14="http://schemas.microsoft.com/office/powerpoint/2010/main" val="3989698755"/>
+                <p14:modId xmlns:p14="http://schemas.microsoft.com/office/powerpoint/2010/main" val="3524646949"/>
               </p:ext>
             </p:extLst>
           </p:nvPr>
         </p:nvGraphicFramePr>
         <p:xfrm>
-          <a:off x="684213" y="1336675"/>
-          <a:ext cx="7470775" cy="2217738"/>
+          <a:off x="627063" y="1308100"/>
+          <a:ext cx="7586662" cy="2276475"/>
         </p:xfrm>
         <a:graphic>
           <a:graphicData uri="http://schemas.openxmlformats.org/presentationml/2006/ole">
             <mc:AlternateContent xmlns:mc="http://schemas.openxmlformats.org/markup-compatibility/2006">
               <mc:Choice xmlns:v="urn:schemas-microsoft-com:vml" Requires="v">
-                <p:oleObj spid="_x0000_s279599" name="Equation" r:id="rId9" imgW="1625600" imgH="482600" progId="Equation.DSMT4">
+                <p:oleObj spid="_x0000_s279616" name="Equation" r:id="rId9" imgW="1651000" imgH="495300" progId="Equation.DSMT4">
                   <p:embed/>
                 </p:oleObj>
               </mc:Choice>
               <mc:Fallback>
-                <p:oleObj name="Equation" r:id="rId9" imgW="1625600" imgH="482600" progId="Equation.DSMT4">
+                <p:oleObj name="Equation" r:id="rId9" imgW="1651000" imgH="495300" progId="Equation.DSMT4">
                   <p:embed/>
                   <p:pic>
                     <p:nvPicPr>
@@ -10351,8 +10050,8 @@
                     </p:blipFill>
                     <p:spPr>
                       <a:xfrm>
-                        <a:off x="684213" y="1336675"/>
-                        <a:ext cx="7470775" cy="2217738"/>
+                        <a:off x="627063" y="1308100"/>
+                        <a:ext cx="7586662" cy="2276475"/>
                       </a:xfrm>
                       <a:prstGeom prst="rect">
                         <a:avLst/>
@@ -10530,7 +10229,7 @@
 </p:sld>
 </file>
 
-<file path=ppt/slides/slide22.xml><?xml version="1.0" encoding="utf-8"?>
+<file path=ppt/slides/slide21.xml><?xml version="1.0" encoding="utf-8"?>
 <p:sld xmlns:a="http://schemas.openxmlformats.org/drawingml/2006/main" xmlns:r="http://schemas.openxmlformats.org/officeDocument/2006/relationships" xmlns:p="http://schemas.openxmlformats.org/presentationml/2006/main">
   <p:cSld>
     <p:spTree>
@@ -10575,7 +10274,7 @@
             <a:fld id="{83D78B86-54BD-4C40-B154-E0B4BEB7EE49}" type="slidenum">
               <a:rPr lang="en-US" smtClean="0"/>
               <a:pPr/>
-              <a:t>22</a:t>
+              <a:t>21</a:t>
             </a:fld>
             <a:endParaRPr lang="en-US" dirty="0" smtClean="0"/>
           </a:p>
@@ -10639,7 +10338,7 @@
           <a:graphicData uri="http://schemas.openxmlformats.org/presentationml/2006/ole">
             <mc:AlternateContent xmlns:mc="http://schemas.openxmlformats.org/markup-compatibility/2006">
               <mc:Choice xmlns:v="urn:schemas-microsoft-com:vml" Requires="v">
-                <p:oleObj spid="_x0000_s206047" name="Equation" r:id="rId4" imgW="139700" imgH="215900" progId="Equation.DSMT4">
+                <p:oleObj spid="_x0000_s206089" name="Equation" r:id="rId4" imgW="139700" imgH="215900" progId="Equation.DSMT4">
                   <p:embed/>
                 </p:oleObj>
               </mc:Choice>
@@ -10696,7 +10395,7 @@
           <a:graphicData uri="http://schemas.openxmlformats.org/presentationml/2006/ole">
             <mc:AlternateContent xmlns:mc="http://schemas.openxmlformats.org/markup-compatibility/2006">
               <mc:Choice xmlns:v="urn:schemas-microsoft-com:vml" Requires="v">
-                <p:oleObj spid="_x0000_s206048" name="Equation" r:id="rId6" imgW="139700" imgH="215900" progId="Equation.DSMT4">
+                <p:oleObj spid="_x0000_s206090" name="Equation" r:id="rId6" imgW="139700" imgH="215900" progId="Equation.DSMT4">
                   <p:embed/>
                 </p:oleObj>
               </mc:Choice>
@@ -10740,25 +10439,25 @@
           <p:nvPr>
             <p:extLst>
               <p:ext uri="{D42A27DB-BD31-4B8C-83A1-F6EECF244321}">
-                <p14:modId xmlns:p14="http://schemas.microsoft.com/office/powerpoint/2010/main" val="3191602764"/>
+                <p14:modId xmlns:p14="http://schemas.microsoft.com/office/powerpoint/2010/main" val="719425558"/>
               </p:ext>
             </p:extLst>
           </p:nvPr>
         </p:nvGraphicFramePr>
         <p:xfrm>
-          <a:off x="1828800" y="1009650"/>
-          <a:ext cx="2976563" cy="1809750"/>
+          <a:off x="1800225" y="981075"/>
+          <a:ext cx="3033713" cy="1866900"/>
         </p:xfrm>
         <a:graphic>
           <a:graphicData uri="http://schemas.openxmlformats.org/presentationml/2006/ole">
             <mc:AlternateContent xmlns:mc="http://schemas.openxmlformats.org/markup-compatibility/2006">
               <mc:Choice xmlns:v="urn:schemas-microsoft-com:vml" Requires="v">
-                <p:oleObj spid="_x0000_s206049" name="Equation" r:id="rId7" imgW="647700" imgH="393700" progId="Equation.DSMT4">
+                <p:oleObj spid="_x0000_s206091" name="Equation" r:id="rId7" imgW="660400" imgH="406400" progId="Equation.DSMT4">
                   <p:embed/>
                 </p:oleObj>
               </mc:Choice>
               <mc:Fallback>
-                <p:oleObj name="Equation" r:id="rId7" imgW="647700" imgH="393700" progId="Equation.DSMT4">
+                <p:oleObj name="Equation" r:id="rId7" imgW="660400" imgH="406400" progId="Equation.DSMT4">
                   <p:embed/>
                   <p:pic>
                     <p:nvPicPr>
@@ -10774,8 +10473,8 @@
                     </p:blipFill>
                     <p:spPr>
                       <a:xfrm>
-                        <a:off x="1828800" y="1009650"/>
-                        <a:ext cx="2976563" cy="1809750"/>
+                        <a:off x="1800225" y="981075"/>
+                        <a:ext cx="3033713" cy="1866900"/>
                       </a:xfrm>
                       <a:prstGeom prst="rect">
                         <a:avLst/>
@@ -10860,20 +10559,53 @@
               <a:t>A</a:t>
             </a:r>
             <a:r>
+              <a:rPr lang="en-US" sz="5400" baseline="-25000" dirty="0">
+                <a:solidFill>
+                  <a:srgbClr val="0000E5"/>
+                </a:solidFill>
+                <a:latin typeface="Comic Sans MS" pitchFamily="66" charset="0"/>
+              </a:rPr>
+              <a:t>1</a:t>
+            </a:r>
+            <a:r>
+              <a:rPr lang="en-US" sz="5400" dirty="0" smtClean="0">
+                <a:solidFill>
+                  <a:srgbClr val="0000E5"/>
+                </a:solidFill>
+                <a:latin typeface="Comic Sans MS" pitchFamily="66" charset="0"/>
+              </a:rPr>
+              <a:t>,</a:t>
+            </a:r>
+            <a:r>
+              <a:rPr lang="is-IS" sz="5400" dirty="0" smtClean="0">
+                <a:solidFill>
+                  <a:srgbClr val="0000E5"/>
+                </a:solidFill>
+                <a:latin typeface="Comic Sans MS" pitchFamily="66" charset="0"/>
+              </a:rPr>
+              <a:t>…,</a:t>
+            </a:r>
+            <a:r>
+              <a:rPr lang="en-US" sz="5400" dirty="0" smtClean="0">
+                <a:solidFill>
+                  <a:srgbClr val="0000E5"/>
+                </a:solidFill>
+                <a:latin typeface="Comic Sans MS" pitchFamily="66" charset="0"/>
+              </a:rPr>
+              <a:t>A</a:t>
+            </a:r>
+            <a:r>
               <a:rPr lang="en-US" sz="5400" baseline="-25000" dirty="0" smtClean="0">
                 <a:solidFill>
                   <a:srgbClr val="0000E5"/>
                 </a:solidFill>
                 <a:latin typeface="Comic Sans MS" pitchFamily="66" charset="0"/>
               </a:rPr>
-              <a:t>i</a:t>
-            </a:r>
-            <a:r>
-              <a:rPr lang="en-US" sz="5400" dirty="0" smtClean="0">
-                <a:latin typeface="Comic Sans MS" pitchFamily="66" charset="0"/>
-              </a:rPr>
-              <a:t>’s</a:t>
-            </a:r>
+              <a:t>n</a:t>
+            </a:r>
+            <a:endParaRPr lang="en-US" sz="5400" dirty="0" smtClean="0">
+              <a:latin typeface="Comic Sans MS" pitchFamily="66" charset="0"/>
+            </a:endParaRPr>
           </a:p>
         </p:txBody>
       </p:sp>
@@ -10885,8 +10617,8 @@
         </p:nvSpPr>
         <p:spPr>
           <a:xfrm>
-            <a:off x="1248576" y="4038600"/>
-            <a:ext cx="5914224" cy="1754327"/>
+            <a:off x="762000" y="4191000"/>
+            <a:ext cx="7772400" cy="1754327"/>
           </a:xfrm>
           <a:prstGeom prst="rect">
             <a:avLst/>
@@ -10894,7 +10626,7 @@
           <a:noFill/>
         </p:spPr>
         <p:txBody>
-          <a:bodyPr wrap="none" rtlCol="0">
+          <a:bodyPr wrap="square" rtlCol="0">
             <a:spAutoFit/>
           </a:bodyPr>
           <a:lstStyle/>
@@ -10934,17 +10666,12 @@
             </a:r>
             <a:r>
               <a:rPr lang="en-US" sz="5400" dirty="0" smtClean="0">
+                <a:solidFill>
+                  <a:srgbClr val="000000"/>
+                </a:solidFill>
                 <a:latin typeface="Comic Sans MS" pitchFamily="66" charset="0"/>
               </a:rPr>
-              <a:t>for</a:t>
-            </a:r>
-          </a:p>
-          <a:p>
-            <a:r>
-              <a:rPr lang="en-US" sz="5400" dirty="0" smtClean="0">
-                <a:latin typeface="Comic Sans MS" pitchFamily="66" charset="0"/>
-              </a:rPr>
-              <a:t>         of the</a:t>
+              <a:t>when</a:t>
             </a:r>
             <a:r>
               <a:rPr lang="en-US" sz="5400" dirty="0" smtClean="0">
@@ -10953,8 +10680,73 @@
                 </a:solidFill>
                 <a:latin typeface="Comic Sans MS" pitchFamily="66" charset="0"/>
               </a:rPr>
-              <a:t> S’s </a:t>
-            </a:r>
+              <a:t> I</a:t>
+            </a:r>
+            <a:r>
+              <a:rPr lang="en-US" sz="5400" baseline="-25000" dirty="0" smtClean="0">
+                <a:solidFill>
+                  <a:srgbClr val="0000E5"/>
+                </a:solidFill>
+                <a:latin typeface="Comic Sans MS" pitchFamily="66" charset="0"/>
+              </a:rPr>
+              <a:t>S</a:t>
+            </a:r>
+            <a:r>
+              <a:rPr lang="en-US" sz="5400" baseline="-25000" dirty="0" smtClean="0">
+                <a:solidFill>
+                  <a:srgbClr val="000000"/>
+                </a:solidFill>
+                <a:latin typeface="Comic Sans MS" pitchFamily="66" charset="0"/>
+              </a:rPr>
+              <a:t> </a:t>
+            </a:r>
+            <a:r>
+              <a:rPr lang="en-US" sz="5400" dirty="0" smtClean="0">
+                <a:solidFill>
+                  <a:srgbClr val="000000"/>
+                </a:solidFill>
+                <a:latin typeface="Comic Sans MS" pitchFamily="66" charset="0"/>
+              </a:rPr>
+              <a:t>consists of </a:t>
+            </a:r>
+            <a:r>
+              <a:rPr lang="en-US" sz="5400" dirty="0" smtClean="0">
+                <a:solidFill>
+                  <a:schemeClr val="accent1">
+                    <a:lumMod val="50000"/>
+                  </a:schemeClr>
+                </a:solidFill>
+                <a:latin typeface="Comic Sans MS" pitchFamily="66" charset="0"/>
+              </a:rPr>
+              <a:t>j</a:t>
+            </a:r>
+            <a:r>
+              <a:rPr lang="en-US" sz="5400" dirty="0" smtClean="0">
+                <a:solidFill>
+                  <a:srgbClr val="000000"/>
+                </a:solidFill>
+                <a:latin typeface="Comic Sans MS" pitchFamily="66" charset="0"/>
+              </a:rPr>
+              <a:t> these</a:t>
+            </a:r>
+            <a:r>
+              <a:rPr lang="en-US" sz="5400" dirty="0" smtClean="0">
+                <a:solidFill>
+                  <a:srgbClr val="0000E5"/>
+                </a:solidFill>
+                <a:latin typeface="Comic Sans MS" pitchFamily="66" charset="0"/>
+              </a:rPr>
+              <a:t> k</a:t>
+            </a:r>
+            <a:r>
+              <a:rPr lang="en-US" sz="5400" dirty="0" smtClean="0">
+                <a:latin typeface="Comic Sans MS" pitchFamily="66" charset="0"/>
+              </a:rPr>
+              <a:t> </a:t>
+            </a:r>
+            <a:endParaRPr lang="en-US" sz="5400" dirty="0" smtClean="0">
+              <a:latin typeface="Comic Sans MS" pitchFamily="66" charset="0"/>
+            </a:endParaRPr>
           </a:p>
         </p:txBody>
       </p:sp>
@@ -10980,7 +10772,7 @@
           <a:graphicData uri="http://schemas.openxmlformats.org/presentationml/2006/ole">
             <mc:AlternateContent xmlns:mc="http://schemas.openxmlformats.org/markup-compatibility/2006">
               <mc:Choice xmlns:v="urn:schemas-microsoft-com:vml" Requires="v">
-                <p:oleObj spid="_x0000_s206050" name="Equation" r:id="rId9" imgW="139700" imgH="215900" progId="Equation.DSMT4">
+                <p:oleObj spid="_x0000_s206092" name="Equation" r:id="rId9" imgW="139700" imgH="215900" progId="Equation.DSMT4">
                   <p:embed/>
                 </p:oleObj>
               </mc:Choice>
@@ -11015,120 +10807,69 @@
           </a:graphicData>
         </a:graphic>
       </p:graphicFrame>
-      <p:graphicFrame>
-        <p:nvGraphicFramePr>
-          <p:cNvPr id="11" name="Object 10"/>
-          <p:cNvGraphicFramePr>
-            <a:graphicFrameLocks noChangeAspect="1"/>
-          </p:cNvGraphicFramePr>
-          <p:nvPr>
-            <p:extLst>
-              <p:ext uri="{D42A27DB-BD31-4B8C-83A1-F6EECF244321}">
-                <p14:modId xmlns:p14="http://schemas.microsoft.com/office/powerpoint/2010/main" val="793242284"/>
-              </p:ext>
-            </p:extLst>
-          </p:nvPr>
-        </p:nvGraphicFramePr>
-        <p:xfrm>
-          <a:off x="4876800" y="838199"/>
-          <a:ext cx="1600200" cy="2036279"/>
-        </p:xfrm>
-        <a:graphic>
-          <a:graphicData uri="http://schemas.openxmlformats.org/presentationml/2006/ole">
-            <mc:AlternateContent xmlns:mc="http://schemas.openxmlformats.org/markup-compatibility/2006">
-              <mc:Choice xmlns:v="urn:schemas-microsoft-com:vml" Requires="v">
-                <p:oleObj spid="_x0000_s206051" name="Equation" r:id="rId11" imgW="419100" imgH="533400" progId="Equation.DSMT4">
-                  <p:embed/>
-                </p:oleObj>
-              </mc:Choice>
-              <mc:Fallback>
-                <p:oleObj name="Equation" r:id="rId11" imgW="419100" imgH="533400" progId="Equation.DSMT4">
-                  <p:embed/>
-                  <p:pic>
-                    <p:nvPicPr>
-                      <p:cNvPr id="0" name=""/>
-                      <p:cNvPicPr/>
-                      <p:nvPr/>
-                    </p:nvPicPr>
-                    <p:blipFill>
-                      <a:blip r:embed="rId12"/>
-                      <a:stretch>
-                        <a:fillRect/>
-                      </a:stretch>
-                    </p:blipFill>
-                    <p:spPr>
-                      <a:xfrm>
-                        <a:off x="4876800" y="838199"/>
-                        <a:ext cx="1600200" cy="2036279"/>
-                      </a:xfrm>
-                      <a:prstGeom prst="rect">
-                        <a:avLst/>
-                      </a:prstGeom>
-                    </p:spPr>
-                  </p:pic>
-                </p:oleObj>
-              </mc:Fallback>
-            </mc:AlternateContent>
-          </a:graphicData>
-        </a:graphic>
-      </p:graphicFrame>
-      <p:graphicFrame>
-        <p:nvGraphicFramePr>
-          <p:cNvPr id="14" name="Object 13"/>
-          <p:cNvGraphicFramePr>
-            <a:graphicFrameLocks noChangeAspect="1"/>
-          </p:cNvGraphicFramePr>
-          <p:nvPr>
-            <p:extLst>
-              <p:ext uri="{D42A27DB-BD31-4B8C-83A1-F6EECF244321}">
-                <p14:modId xmlns:p14="http://schemas.microsoft.com/office/powerpoint/2010/main" val="3268489819"/>
-              </p:ext>
-            </p:extLst>
-          </p:nvPr>
-        </p:nvGraphicFramePr>
-        <p:xfrm>
-          <a:off x="2133600" y="4648200"/>
-          <a:ext cx="838200" cy="1676400"/>
-        </p:xfrm>
-        <a:graphic>
-          <a:graphicData uri="http://schemas.openxmlformats.org/presentationml/2006/ole">
-            <mc:AlternateContent xmlns:mc="http://schemas.openxmlformats.org/markup-compatibility/2006">
-              <mc:Choice xmlns:v="urn:schemas-microsoft-com:vml" Requires="v">
-                <p:oleObj spid="_x0000_s206052" name="Equation" r:id="rId13" imgW="266700" imgH="533400" progId="Equation.DSMT4">
-                  <p:embed/>
-                </p:oleObj>
-              </mc:Choice>
-              <mc:Fallback>
-                <p:oleObj name="Equation" r:id="rId13" imgW="266700" imgH="533400" progId="Equation.DSMT4">
-                  <p:embed/>
-                  <p:pic>
-                    <p:nvPicPr>
-                      <p:cNvPr id="0" name=""/>
-                      <p:cNvPicPr/>
-                      <p:nvPr/>
-                    </p:nvPicPr>
-                    <p:blipFill>
-                      <a:blip r:embed="rId14"/>
-                      <a:stretch>
-                        <a:fillRect/>
-                      </a:stretch>
-                    </p:blipFill>
-                    <p:spPr>
-                      <a:xfrm>
-                        <a:off x="2133600" y="4648200"/>
-                        <a:ext cx="838200" cy="1676400"/>
-                      </a:xfrm>
-                      <a:prstGeom prst="rect">
-                        <a:avLst/>
-                      </a:prstGeom>
-                    </p:spPr>
-                  </p:pic>
-                </p:oleObj>
-              </mc:Fallback>
-            </mc:AlternateContent>
-          </a:graphicData>
-        </a:graphic>
-      </p:graphicFrame>
+      <p:sp>
+        <p:nvSpPr>
+          <p:cNvPr id="12" name="Rounded Rectangle 11"/>
+          <p:cNvSpPr/>
+          <p:nvPr/>
+        </p:nvSpPr>
+        <p:spPr bwMode="auto">
+          <a:xfrm>
+            <a:off x="1818884" y="1066800"/>
+            <a:ext cx="2981716" cy="1676400"/>
+          </a:xfrm>
+          <a:prstGeom prst="roundRect">
+            <a:avLst/>
+          </a:prstGeom>
+          <a:noFill/>
+          <a:ln w="44450" cap="flat" cmpd="sng" algn="ctr">
+            <a:solidFill>
+              <a:srgbClr val="FF00FF"/>
+            </a:solidFill>
+            <a:prstDash val="sysDash"/>
+            <a:round/>
+            <a:headEnd type="none" w="med" len="med"/>
+            <a:tailEnd type="none" w="med" len="med"/>
+          </a:ln>
+          <a:effectLst/>
+        </p:spPr>
+        <p:txBody>
+          <a:bodyPr vert="horz" wrap="square" lIns="91440" tIns="45720" rIns="91440" bIns="45720" numCol="1" rtlCol="0" anchor="t" anchorCtr="0" compatLnSpc="1">
+            <a:prstTxWarp prst="textNoShape">
+              <a:avLst/>
+            </a:prstTxWarp>
+          </a:bodyPr>
+          <a:lstStyle/>
+          <a:p>
+            <a:pPr marL="0" marR="0" indent="0" algn="l" defTabSz="914400" rtl="0" eaLnBrk="1" fontAlgn="base" latinLnBrk="0" hangingPunct="1">
+              <a:lnSpc>
+                <a:spcPct val="100000"/>
+              </a:lnSpc>
+              <a:spcBef>
+                <a:spcPct val="0"/>
+              </a:spcBef>
+              <a:spcAft>
+                <a:spcPct val="0"/>
+              </a:spcAft>
+              <a:buClrTx/>
+              <a:buSzTx/>
+              <a:buFontTx/>
+              <a:buNone/>
+              <a:tabLst/>
+            </a:pPr>
+            <a:endParaRPr kumimoji="0" lang="en-US" sz="3600" b="0" i="0" u="none" strike="noStrike" cap="none" normalizeH="0" baseline="0" smtClean="0">
+              <a:ln>
+                <a:noFill/>
+              </a:ln>
+              <a:solidFill>
+                <a:schemeClr val="tx1"/>
+              </a:solidFill>
+              <a:effectLst/>
+              <a:latin typeface="Times New Roman" pitchFamily="8" charset="0"/>
+            </a:endParaRPr>
+          </a:p>
+        </p:txBody>
+      </p:sp>
     </p:spTree>
     <p:extLst>
       <p:ext uri="{BB962C8B-B14F-4D97-AF65-F5344CB8AC3E}">
@@ -11139,9 +10880,18 @@
   <p:clrMapOvr>
     <a:masterClrMapping/>
   </p:clrMapOvr>
-  <p:transition xmlns:p14="http://schemas.microsoft.com/office/powerpoint/2010/main" spd="slow" advClick="0">
-    <p:fade thruBlk="1"/>
-  </p:transition>
+  <mc:AlternateContent xmlns:mc="http://schemas.openxmlformats.org/markup-compatibility/2006">
+    <mc:Choice xmlns:p14="http://schemas.microsoft.com/office/powerpoint/2010/main" Requires="p14">
+      <p:transition spd="med" p14:dur="700" advClick="0">
+        <p:fade/>
+      </p:transition>
+    </mc:Choice>
+    <mc:Fallback>
+      <p:transition xmlns:p14="http://schemas.microsoft.com/office/powerpoint/2010/main" spd="med" advClick="0">
+        <p:fade/>
+      </p:transition>
+    </mc:Fallback>
+  </mc:AlternateContent>
   <p:timing>
     <p:tnLst>
       <p:par>
@@ -11250,132 +11000,6 @@
                                   </p:childTnLst>
                                 </p:cTn>
                               </p:par>
-                              <p:par>
-                                <p:cTn id="13" presetID="10" presetClass="entr" presetSubtype="0" fill="hold" nodeType="withEffect">
-                                  <p:stCondLst>
-                                    <p:cond delay="0"/>
-                                  </p:stCondLst>
-                                  <p:childTnLst>
-                                    <p:set>
-                                      <p:cBhvr>
-                                        <p:cTn id="14" dur="1" fill="hold">
-                                          <p:stCondLst>
-                                            <p:cond delay="0"/>
-                                          </p:stCondLst>
-                                        </p:cTn>
-                                        <p:tgtEl>
-                                          <p:spTgt spid="14"/>
-                                        </p:tgtEl>
-                                        <p:attrNameLst>
-                                          <p:attrName>style.visibility</p:attrName>
-                                        </p:attrNameLst>
-                                      </p:cBhvr>
-                                      <p:to>
-                                        <p:strVal val="visible"/>
-                                      </p:to>
-                                    </p:set>
-                                    <p:animEffect transition="in" filter="fade">
-                                      <p:cBhvr>
-                                        <p:cTn id="15" dur="500"/>
-                                        <p:tgtEl>
-                                          <p:spTgt spid="14"/>
-                                        </p:tgtEl>
-                                      </p:cBhvr>
-                                    </p:animEffect>
-                                  </p:childTnLst>
-                                </p:cTn>
-                              </p:par>
-                            </p:childTnLst>
-                          </p:cTn>
-                        </p:par>
-                      </p:childTnLst>
-                    </p:cTn>
-                  </p:par>
-                  <p:par>
-                    <p:cTn id="16" fill="hold">
-                      <p:stCondLst>
-                        <p:cond delay="indefinite"/>
-                      </p:stCondLst>
-                      <p:childTnLst>
-                        <p:par>
-                          <p:cTn id="17" fill="hold">
-                            <p:stCondLst>
-                              <p:cond delay="0"/>
-                            </p:stCondLst>
-                            <p:childTnLst>
-                              <p:par>
-                                <p:cTn id="18" presetID="23" presetClass="entr" presetSubtype="16" fill="hold" nodeType="clickEffect">
-                                  <p:stCondLst>
-                                    <p:cond delay="0"/>
-                                  </p:stCondLst>
-                                  <p:childTnLst>
-                                    <p:set>
-                                      <p:cBhvr>
-                                        <p:cTn id="19" dur="1" fill="hold">
-                                          <p:stCondLst>
-                                            <p:cond delay="0"/>
-                                          </p:stCondLst>
-                                        </p:cTn>
-                                        <p:tgtEl>
-                                          <p:spTgt spid="11"/>
-                                        </p:tgtEl>
-                                        <p:attrNameLst>
-                                          <p:attrName>style.visibility</p:attrName>
-                                        </p:attrNameLst>
-                                      </p:cBhvr>
-                                      <p:to>
-                                        <p:strVal val="visible"/>
-                                      </p:to>
-                                    </p:set>
-                                    <p:anim calcmode="lin" valueType="num">
-                                      <p:cBhvr>
-                                        <p:cTn id="20" dur="500" fill="hold"/>
-                                        <p:tgtEl>
-                                          <p:spTgt spid="11"/>
-                                        </p:tgtEl>
-                                        <p:attrNameLst>
-                                          <p:attrName>ppt_w</p:attrName>
-                                        </p:attrNameLst>
-                                      </p:cBhvr>
-                                      <p:tavLst>
-                                        <p:tav tm="0">
-                                          <p:val>
-                                            <p:fltVal val="0"/>
-                                          </p:val>
-                                        </p:tav>
-                                        <p:tav tm="100000">
-                                          <p:val>
-                                            <p:strVal val="#ppt_w"/>
-                                          </p:val>
-                                        </p:tav>
-                                      </p:tavLst>
-                                    </p:anim>
-                                    <p:anim calcmode="lin" valueType="num">
-                                      <p:cBhvr>
-                                        <p:cTn id="21" dur="500" fill="hold"/>
-                                        <p:tgtEl>
-                                          <p:spTgt spid="11"/>
-                                        </p:tgtEl>
-                                        <p:attrNameLst>
-                                          <p:attrName>ppt_h</p:attrName>
-                                        </p:attrNameLst>
-                                      </p:cBhvr>
-                                      <p:tavLst>
-                                        <p:tav tm="0">
-                                          <p:val>
-                                            <p:fltVal val="0"/>
-                                          </p:val>
-                                        </p:tav>
-                                        <p:tav tm="100000">
-                                          <p:val>
-                                            <p:strVal val="#ppt_h"/>
-                                          </p:val>
-                                        </p:tav>
-                                      </p:tavLst>
-                                    </p:anim>
-                                  </p:childTnLst>
-                                </p:cTn>
-                              </p:par>
                             </p:childTnLst>
                           </p:cTn>
                         </p:par>
@@ -11411,7 +11035,7 @@
 </p:sld>
 </file>
 
-<file path=ppt/slides/slide23.xml><?xml version="1.0" encoding="utf-8"?>
+<file path=ppt/slides/slide22.xml><?xml version="1.0" encoding="utf-8"?>
 <p:sld xmlns:a="http://schemas.openxmlformats.org/drawingml/2006/main" xmlns:r="http://schemas.openxmlformats.org/officeDocument/2006/relationships" xmlns:p="http://schemas.openxmlformats.org/presentationml/2006/main">
   <p:cSld>
     <p:spTree>
@@ -11456,7 +11080,7 @@
             <a:fld id="{83D78B86-54BD-4C40-B154-E0B4BEB7EE49}" type="slidenum">
               <a:rPr lang="en-US" smtClean="0"/>
               <a:pPr/>
-              <a:t>23</a:t>
+              <a:t>22</a:t>
             </a:fld>
             <a:endParaRPr lang="en-US" dirty="0" smtClean="0"/>
           </a:p>
@@ -11507,7 +11131,7 @@
           <p:nvPr>
             <p:extLst>
               <p:ext uri="{D42A27DB-BD31-4B8C-83A1-F6EECF244321}">
-                <p14:modId xmlns:p14="http://schemas.microsoft.com/office/powerpoint/2010/main" val="1311331584"/>
+                <p14:modId xmlns:p14="http://schemas.microsoft.com/office/powerpoint/2010/main" val="1441458264"/>
               </p:ext>
             </p:extLst>
           </p:nvPr>
@@ -11520,7 +11144,7 @@
           <a:graphicData uri="http://schemas.openxmlformats.org/presentationml/2006/ole">
             <mc:AlternateContent xmlns:mc="http://schemas.openxmlformats.org/markup-compatibility/2006">
               <mc:Choice xmlns:v="urn:schemas-microsoft-com:vml" Requires="v">
-                <p:oleObj spid="_x0000_s245837" name="Equation" r:id="rId4" imgW="139700" imgH="215900" progId="Equation.DSMT4">
+                <p:oleObj spid="_x0000_s302099" name="Equation" r:id="rId4" imgW="139700" imgH="215900" progId="Equation.DSMT4">
                   <p:embed/>
                 </p:oleObj>
               </mc:Choice>
@@ -11564,7 +11188,7 @@
           <p:nvPr>
             <p:extLst>
               <p:ext uri="{D42A27DB-BD31-4B8C-83A1-F6EECF244321}">
-                <p14:modId xmlns:p14="http://schemas.microsoft.com/office/powerpoint/2010/main" val="3999775030"/>
+                <p14:modId xmlns:p14="http://schemas.microsoft.com/office/powerpoint/2010/main" val="3781874973"/>
               </p:ext>
             </p:extLst>
           </p:nvPr>
@@ -11577,7 +11201,931 @@
           <a:graphicData uri="http://schemas.openxmlformats.org/presentationml/2006/ole">
             <mc:AlternateContent xmlns:mc="http://schemas.openxmlformats.org/markup-compatibility/2006">
               <mc:Choice xmlns:v="urn:schemas-microsoft-com:vml" Requires="v">
-                <p:oleObj spid="_x0000_s245838" name="Equation" r:id="rId6" imgW="139700" imgH="215900" progId="Equation.DSMT4">
+                <p:oleObj spid="_x0000_s302100" name="Equation" r:id="rId6" imgW="139700" imgH="215900" progId="Equation.DSMT4">
+                  <p:embed/>
+                </p:oleObj>
+              </mc:Choice>
+              <mc:Fallback>
+                <p:oleObj name="Equation" r:id="rId6" imgW="139700" imgH="215900" progId="Equation.DSMT4">
+                  <p:embed/>
+                  <p:pic>
+                    <p:nvPicPr>
+                      <p:cNvPr id="0" name=""/>
+                      <p:cNvPicPr/>
+                      <p:nvPr/>
+                    </p:nvPicPr>
+                    <p:blipFill>
+                      <a:blip r:embed="rId5"/>
+                      <a:stretch>
+                        <a:fillRect/>
+                      </a:stretch>
+                    </p:blipFill>
+                    <p:spPr>
+                      <a:xfrm>
+                        <a:off x="7404100" y="4406900"/>
+                        <a:ext cx="139700" cy="215900"/>
+                      </a:xfrm>
+                      <a:prstGeom prst="rect">
+                        <a:avLst/>
+                      </a:prstGeom>
+                    </p:spPr>
+                  </p:pic>
+                </p:oleObj>
+              </mc:Fallback>
+            </mc:AlternateContent>
+          </a:graphicData>
+        </a:graphic>
+      </p:graphicFrame>
+      <p:graphicFrame>
+        <p:nvGraphicFramePr>
+          <p:cNvPr id="9" name="Object 8"/>
+          <p:cNvGraphicFramePr>
+            <a:graphicFrameLocks noChangeAspect="1"/>
+          </p:cNvGraphicFramePr>
+          <p:nvPr>
+            <p:extLst>
+              <p:ext uri="{D42A27DB-BD31-4B8C-83A1-F6EECF244321}">
+                <p14:modId xmlns:p14="http://schemas.microsoft.com/office/powerpoint/2010/main" val="3834669819"/>
+              </p:ext>
+            </p:extLst>
+          </p:nvPr>
+        </p:nvGraphicFramePr>
+        <p:xfrm>
+          <a:off x="1800225" y="981075"/>
+          <a:ext cx="3033713" cy="1866900"/>
+        </p:xfrm>
+        <a:graphic>
+          <a:graphicData uri="http://schemas.openxmlformats.org/presentationml/2006/ole">
+            <mc:AlternateContent xmlns:mc="http://schemas.openxmlformats.org/markup-compatibility/2006">
+              <mc:Choice xmlns:v="urn:schemas-microsoft-com:vml" Requires="v">
+                <p:oleObj spid="_x0000_s302101" name="Equation" r:id="rId7" imgW="660400" imgH="406400" progId="Equation.DSMT4">
+                  <p:embed/>
+                </p:oleObj>
+              </mc:Choice>
+              <mc:Fallback>
+                <p:oleObj name="Equation" r:id="rId7" imgW="660400" imgH="406400" progId="Equation.DSMT4">
+                  <p:embed/>
+                  <p:pic>
+                    <p:nvPicPr>
+                      <p:cNvPr id="0" name=""/>
+                      <p:cNvPicPr/>
+                      <p:nvPr/>
+                    </p:nvPicPr>
+                    <p:blipFill>
+                      <a:blip r:embed="rId8"/>
+                      <a:stretch>
+                        <a:fillRect/>
+                      </a:stretch>
+                    </p:blipFill>
+                    <p:spPr>
+                      <a:xfrm>
+                        <a:off x="1800225" y="981075"/>
+                        <a:ext cx="3033713" cy="1866900"/>
+                      </a:xfrm>
+                      <a:prstGeom prst="rect">
+                        <a:avLst/>
+                      </a:prstGeom>
+                    </p:spPr>
+                  </p:pic>
+                </p:oleObj>
+              </mc:Fallback>
+            </mc:AlternateContent>
+          </a:graphicData>
+        </a:graphic>
+      </p:graphicFrame>
+      <p:sp>
+        <p:nvSpPr>
+          <p:cNvPr id="7" name="TextBox 6"/>
+          <p:cNvSpPr txBox="1"/>
+          <p:nvPr/>
+        </p:nvSpPr>
+        <p:spPr>
+          <a:xfrm>
+            <a:off x="838200" y="2438400"/>
+            <a:ext cx="7490715" cy="1754327"/>
+          </a:xfrm>
+          <a:prstGeom prst="rect">
+            <a:avLst/>
+          </a:prstGeom>
+          <a:noFill/>
+        </p:spPr>
+        <p:txBody>
+          <a:bodyPr wrap="none" rtlCol="0">
+            <a:spAutoFit/>
+          </a:bodyPr>
+          <a:lstStyle/>
+          <a:p>
+            <a:pPr algn="ctr"/>
+            <a:r>
+              <a:rPr lang="en-US" sz="5400" dirty="0" smtClean="0">
+                <a:latin typeface="Comic Sans MS" pitchFamily="66" charset="0"/>
+              </a:rPr>
+              <a:t>Suppose </a:t>
+            </a:r>
+            <a:r>
+              <a:rPr lang="en-US" sz="5400" dirty="0" smtClean="0">
+                <a:solidFill>
+                  <a:srgbClr val="0000E5"/>
+                </a:solidFill>
+                <a:latin typeface="Comic Sans MS" pitchFamily="66" charset="0"/>
+              </a:rPr>
+              <a:t>a</a:t>
+            </a:r>
+            <a:r>
+              <a:rPr lang="en-US" sz="5400" dirty="0" smtClean="0">
+                <a:latin typeface="Comic Sans MS" pitchFamily="66" charset="0"/>
+              </a:rPr>
+              <a:t> is in exactly</a:t>
+            </a:r>
+          </a:p>
+          <a:p>
+            <a:pPr algn="ctr"/>
+            <a:r>
+              <a:rPr lang="en-US" sz="5400" dirty="0" smtClean="0">
+                <a:solidFill>
+                  <a:srgbClr val="0000E5"/>
+                </a:solidFill>
+                <a:latin typeface="Comic Sans MS" pitchFamily="66" charset="0"/>
+              </a:rPr>
+              <a:t>k</a:t>
+            </a:r>
+            <a:r>
+              <a:rPr lang="en-US" sz="5400" dirty="0" smtClean="0">
+                <a:latin typeface="Comic Sans MS" pitchFamily="66" charset="0"/>
+              </a:rPr>
+              <a:t> of the </a:t>
+            </a:r>
+            <a:r>
+              <a:rPr lang="en-US" sz="5400" dirty="0" smtClean="0">
+                <a:solidFill>
+                  <a:srgbClr val="0000E5"/>
+                </a:solidFill>
+                <a:latin typeface="Comic Sans MS" pitchFamily="66" charset="0"/>
+              </a:rPr>
+              <a:t>A</a:t>
+            </a:r>
+            <a:r>
+              <a:rPr lang="en-US" sz="5400" baseline="-25000" dirty="0">
+                <a:solidFill>
+                  <a:srgbClr val="0000E5"/>
+                </a:solidFill>
+                <a:latin typeface="Comic Sans MS" pitchFamily="66" charset="0"/>
+              </a:rPr>
+              <a:t>1</a:t>
+            </a:r>
+            <a:r>
+              <a:rPr lang="en-US" sz="5400" dirty="0" smtClean="0">
+                <a:solidFill>
+                  <a:srgbClr val="0000E5"/>
+                </a:solidFill>
+                <a:latin typeface="Comic Sans MS" pitchFamily="66" charset="0"/>
+              </a:rPr>
+              <a:t>,</a:t>
+            </a:r>
+            <a:r>
+              <a:rPr lang="is-IS" sz="5400" dirty="0" smtClean="0">
+                <a:solidFill>
+                  <a:srgbClr val="0000E5"/>
+                </a:solidFill>
+                <a:latin typeface="Comic Sans MS" pitchFamily="66" charset="0"/>
+              </a:rPr>
+              <a:t>…,</a:t>
+            </a:r>
+            <a:r>
+              <a:rPr lang="en-US" sz="5400" dirty="0" smtClean="0">
+                <a:solidFill>
+                  <a:srgbClr val="0000E5"/>
+                </a:solidFill>
+                <a:latin typeface="Comic Sans MS" pitchFamily="66" charset="0"/>
+              </a:rPr>
+              <a:t>A</a:t>
+            </a:r>
+            <a:r>
+              <a:rPr lang="en-US" sz="5400" baseline="-25000" dirty="0" smtClean="0">
+                <a:solidFill>
+                  <a:srgbClr val="0000E5"/>
+                </a:solidFill>
+                <a:latin typeface="Comic Sans MS" pitchFamily="66" charset="0"/>
+              </a:rPr>
+              <a:t>n</a:t>
+            </a:r>
+            <a:endParaRPr lang="en-US" sz="5400" dirty="0" smtClean="0">
+              <a:latin typeface="Comic Sans MS" pitchFamily="66" charset="0"/>
+            </a:endParaRPr>
+          </a:p>
+        </p:txBody>
+      </p:sp>
+      <p:sp>
+        <p:nvSpPr>
+          <p:cNvPr id="8" name="TextBox 7"/>
+          <p:cNvSpPr txBox="1"/>
+          <p:nvPr/>
+        </p:nvSpPr>
+        <p:spPr>
+          <a:xfrm>
+            <a:off x="762000" y="4191000"/>
+            <a:ext cx="7772400" cy="2585323"/>
+          </a:xfrm>
+          <a:prstGeom prst="rect">
+            <a:avLst/>
+          </a:prstGeom>
+          <a:noFill/>
+        </p:spPr>
+        <p:txBody>
+          <a:bodyPr wrap="square" rtlCol="0">
+            <a:spAutoFit/>
+          </a:bodyPr>
+          <a:lstStyle/>
+          <a:p>
+            <a:r>
+              <a:rPr lang="en-US" sz="5400" dirty="0" smtClean="0">
+                <a:latin typeface="Comic Sans MS" pitchFamily="66" charset="0"/>
+              </a:rPr>
+              <a:t>then </a:t>
+            </a:r>
+            <a:r>
+              <a:rPr lang="en-US" sz="5400" dirty="0" err="1" smtClean="0">
+                <a:solidFill>
+                  <a:srgbClr val="0000E5"/>
+                </a:solidFill>
+                <a:latin typeface="Comic Sans MS" pitchFamily="66" charset="0"/>
+              </a:rPr>
+              <a:t>m</a:t>
+            </a:r>
+            <a:r>
+              <a:rPr lang="en-US" sz="5400" baseline="-25000" dirty="0" err="1" smtClean="0">
+                <a:solidFill>
+                  <a:srgbClr val="0000E5"/>
+                </a:solidFill>
+                <a:latin typeface="Comic Sans MS" pitchFamily="66" charset="0"/>
+              </a:rPr>
+              <a:t>S</a:t>
+            </a:r>
+            <a:r>
+              <a:rPr lang="en-US" sz="5400" dirty="0" smtClean="0">
+                <a:solidFill>
+                  <a:srgbClr val="0000E5"/>
+                </a:solidFill>
+                <a:latin typeface="Comic Sans MS" pitchFamily="66" charset="0"/>
+              </a:rPr>
+              <a:t>(a) = 1 </a:t>
+            </a:r>
+            <a:r>
+              <a:rPr lang="en-US" sz="5400" dirty="0" smtClean="0">
+                <a:solidFill>
+                  <a:srgbClr val="000000"/>
+                </a:solidFill>
+                <a:latin typeface="Comic Sans MS" pitchFamily="66" charset="0"/>
+              </a:rPr>
+              <a:t>when</a:t>
+            </a:r>
+            <a:r>
+              <a:rPr lang="en-US" sz="5400" dirty="0" smtClean="0">
+                <a:solidFill>
+                  <a:srgbClr val="0000E5"/>
+                </a:solidFill>
+                <a:latin typeface="Comic Sans MS" pitchFamily="66" charset="0"/>
+              </a:rPr>
+              <a:t> I</a:t>
+            </a:r>
+            <a:r>
+              <a:rPr lang="en-US" sz="5400" baseline="-25000" dirty="0" smtClean="0">
+                <a:solidFill>
+                  <a:srgbClr val="0000E5"/>
+                </a:solidFill>
+                <a:latin typeface="Comic Sans MS" pitchFamily="66" charset="0"/>
+              </a:rPr>
+              <a:t>S</a:t>
+            </a:r>
+            <a:r>
+              <a:rPr lang="en-US" sz="5400" baseline="-25000" dirty="0" smtClean="0">
+                <a:solidFill>
+                  <a:srgbClr val="000000"/>
+                </a:solidFill>
+                <a:latin typeface="Comic Sans MS" pitchFamily="66" charset="0"/>
+              </a:rPr>
+              <a:t> </a:t>
+            </a:r>
+            <a:r>
+              <a:rPr lang="en-US" sz="5400" dirty="0" smtClean="0">
+                <a:solidFill>
+                  <a:srgbClr val="000000"/>
+                </a:solidFill>
+                <a:latin typeface="Comic Sans MS" pitchFamily="66" charset="0"/>
+              </a:rPr>
+              <a:t>is one of these</a:t>
+            </a:r>
+          </a:p>
+          <a:p>
+            <a:r>
+              <a:rPr lang="en-US" sz="5400" dirty="0" smtClean="0">
+                <a:solidFill>
+                  <a:srgbClr val="000000"/>
+                </a:solidFill>
+                <a:latin typeface="Comic Sans MS" pitchFamily="66" charset="0"/>
+              </a:rPr>
+              <a:t>intersections</a:t>
+            </a:r>
+            <a:endParaRPr lang="en-US" sz="5400" dirty="0" smtClean="0">
+              <a:latin typeface="Comic Sans MS" pitchFamily="66" charset="0"/>
+            </a:endParaRPr>
+          </a:p>
+        </p:txBody>
+      </p:sp>
+      <p:graphicFrame>
+        <p:nvGraphicFramePr>
+          <p:cNvPr id="10" name="Object 9"/>
+          <p:cNvGraphicFramePr>
+            <a:graphicFrameLocks noChangeAspect="1"/>
+          </p:cNvGraphicFramePr>
+          <p:nvPr>
+            <p:extLst>
+              <p:ext uri="{D42A27DB-BD31-4B8C-83A1-F6EECF244321}">
+                <p14:modId xmlns:p14="http://schemas.microsoft.com/office/powerpoint/2010/main" val="714484203"/>
+              </p:ext>
+            </p:extLst>
+          </p:nvPr>
+        </p:nvGraphicFramePr>
+        <p:xfrm>
+          <a:off x="4305300" y="3390900"/>
+          <a:ext cx="139700" cy="215900"/>
+        </p:xfrm>
+        <a:graphic>
+          <a:graphicData uri="http://schemas.openxmlformats.org/presentationml/2006/ole">
+            <mc:AlternateContent xmlns:mc="http://schemas.openxmlformats.org/markup-compatibility/2006">
+              <mc:Choice xmlns:v="urn:schemas-microsoft-com:vml" Requires="v">
+                <p:oleObj spid="_x0000_s302102" name="Equation" r:id="rId9" imgW="139700" imgH="215900" progId="Equation.DSMT4">
+                  <p:embed/>
+                </p:oleObj>
+              </mc:Choice>
+              <mc:Fallback>
+                <p:oleObj name="Equation" r:id="rId9" imgW="139700" imgH="215900" progId="Equation.DSMT4">
+                  <p:embed/>
+                  <p:pic>
+                    <p:nvPicPr>
+                      <p:cNvPr id="0" name=""/>
+                      <p:cNvPicPr/>
+                      <p:nvPr/>
+                    </p:nvPicPr>
+                    <p:blipFill>
+                      <a:blip r:embed="rId10"/>
+                      <a:stretch>
+                        <a:fillRect/>
+                      </a:stretch>
+                    </p:blipFill>
+                    <p:spPr>
+                      <a:xfrm>
+                        <a:off x="4305300" y="3390900"/>
+                        <a:ext cx="139700" cy="215900"/>
+                      </a:xfrm>
+                      <a:prstGeom prst="rect">
+                        <a:avLst/>
+                      </a:prstGeom>
+                    </p:spPr>
+                  </p:pic>
+                </p:oleObj>
+              </mc:Fallback>
+            </mc:AlternateContent>
+          </a:graphicData>
+        </a:graphic>
+      </p:graphicFrame>
+      <p:graphicFrame>
+        <p:nvGraphicFramePr>
+          <p:cNvPr id="11" name="Object 10"/>
+          <p:cNvGraphicFramePr>
+            <a:graphicFrameLocks noChangeAspect="1"/>
+          </p:cNvGraphicFramePr>
+          <p:nvPr>
+            <p:extLst>
+              <p:ext uri="{D42A27DB-BD31-4B8C-83A1-F6EECF244321}">
+                <p14:modId xmlns:p14="http://schemas.microsoft.com/office/powerpoint/2010/main" val="2607523787"/>
+              </p:ext>
+            </p:extLst>
+          </p:nvPr>
+        </p:nvGraphicFramePr>
+        <p:xfrm>
+          <a:off x="4876800" y="838200"/>
+          <a:ext cx="1600200" cy="2036763"/>
+        </p:xfrm>
+        <a:graphic>
+          <a:graphicData uri="http://schemas.openxmlformats.org/presentationml/2006/ole">
+            <mc:AlternateContent xmlns:mc="http://schemas.openxmlformats.org/markup-compatibility/2006">
+              <mc:Choice xmlns:v="urn:schemas-microsoft-com:vml" Requires="v">
+                <p:oleObj spid="_x0000_s302103" name="Equation" r:id="rId11" imgW="419100" imgH="533400" progId="Equation.DSMT4">
+                  <p:embed/>
+                </p:oleObj>
+              </mc:Choice>
+              <mc:Fallback>
+                <p:oleObj name="Equation" r:id="rId11" imgW="419100" imgH="533400" progId="Equation.DSMT4">
+                  <p:embed/>
+                  <p:pic>
+                    <p:nvPicPr>
+                      <p:cNvPr id="0" name=""/>
+                      <p:cNvPicPr/>
+                      <p:nvPr/>
+                    </p:nvPicPr>
+                    <p:blipFill>
+                      <a:blip r:embed="rId12"/>
+                      <a:stretch>
+                        <a:fillRect/>
+                      </a:stretch>
+                    </p:blipFill>
+                    <p:spPr>
+                      <a:xfrm>
+                        <a:off x="4876800" y="838200"/>
+                        <a:ext cx="1600200" cy="2036763"/>
+                      </a:xfrm>
+                      <a:prstGeom prst="rect">
+                        <a:avLst/>
+                      </a:prstGeom>
+                    </p:spPr>
+                  </p:pic>
+                </p:oleObj>
+              </mc:Fallback>
+            </mc:AlternateContent>
+          </a:graphicData>
+        </a:graphic>
+      </p:graphicFrame>
+      <p:graphicFrame>
+        <p:nvGraphicFramePr>
+          <p:cNvPr id="12" name="Object 11"/>
+          <p:cNvGraphicFramePr>
+            <a:graphicFrameLocks noChangeAspect="1"/>
+          </p:cNvGraphicFramePr>
+          <p:nvPr>
+            <p:extLst>
+              <p:ext uri="{D42A27DB-BD31-4B8C-83A1-F6EECF244321}">
+                <p14:modId xmlns:p14="http://schemas.microsoft.com/office/powerpoint/2010/main" val="3728431069"/>
+              </p:ext>
+            </p:extLst>
+          </p:nvPr>
+        </p:nvGraphicFramePr>
+        <p:xfrm>
+          <a:off x="5943600" y="4821237"/>
+          <a:ext cx="1019175" cy="2036763"/>
+        </p:xfrm>
+        <a:graphic>
+          <a:graphicData uri="http://schemas.openxmlformats.org/presentationml/2006/ole">
+            <mc:AlternateContent xmlns:mc="http://schemas.openxmlformats.org/markup-compatibility/2006">
+              <mc:Choice xmlns:v="urn:schemas-microsoft-com:vml" Requires="v">
+                <p:oleObj spid="_x0000_s302104" name="Equation" r:id="rId13" imgW="266700" imgH="533400" progId="Equation.DSMT4">
+                  <p:embed/>
+                </p:oleObj>
+              </mc:Choice>
+              <mc:Fallback>
+                <p:oleObj name="Equation" r:id="rId13" imgW="266700" imgH="533400" progId="Equation.DSMT4">
+                  <p:embed/>
+                  <p:pic>
+                    <p:nvPicPr>
+                      <p:cNvPr id="0" name=""/>
+                      <p:cNvPicPr/>
+                      <p:nvPr/>
+                    </p:nvPicPr>
+                    <p:blipFill>
+                      <a:blip r:embed="rId14"/>
+                      <a:stretch>
+                        <a:fillRect/>
+                      </a:stretch>
+                    </p:blipFill>
+                    <p:spPr>
+                      <a:xfrm>
+                        <a:off x="5943600" y="4821237"/>
+                        <a:ext cx="1019175" cy="2036763"/>
+                      </a:xfrm>
+                      <a:prstGeom prst="rect">
+                        <a:avLst/>
+                      </a:prstGeom>
+                    </p:spPr>
+                  </p:pic>
+                </p:oleObj>
+              </mc:Fallback>
+            </mc:AlternateContent>
+          </a:graphicData>
+        </a:graphic>
+      </p:graphicFrame>
+      <p:sp>
+        <p:nvSpPr>
+          <p:cNvPr id="13" name="Rounded Rectangle 12"/>
+          <p:cNvSpPr/>
+          <p:nvPr/>
+        </p:nvSpPr>
+        <p:spPr bwMode="auto">
+          <a:xfrm>
+            <a:off x="1818884" y="1066800"/>
+            <a:ext cx="2981716" cy="1676400"/>
+          </a:xfrm>
+          <a:prstGeom prst="roundRect">
+            <a:avLst/>
+          </a:prstGeom>
+          <a:noFill/>
+          <a:ln w="44450" cap="flat" cmpd="sng" algn="ctr">
+            <a:solidFill>
+              <a:srgbClr val="FF00FF"/>
+            </a:solidFill>
+            <a:prstDash val="sysDash"/>
+            <a:round/>
+            <a:headEnd type="none" w="med" len="med"/>
+            <a:tailEnd type="none" w="med" len="med"/>
+          </a:ln>
+          <a:effectLst/>
+        </p:spPr>
+        <p:txBody>
+          <a:bodyPr vert="horz" wrap="square" lIns="91440" tIns="45720" rIns="91440" bIns="45720" numCol="1" rtlCol="0" anchor="t" anchorCtr="0" compatLnSpc="1">
+            <a:prstTxWarp prst="textNoShape">
+              <a:avLst/>
+            </a:prstTxWarp>
+          </a:bodyPr>
+          <a:lstStyle/>
+          <a:p>
+            <a:pPr marL="0" marR="0" indent="0" algn="l" defTabSz="914400" rtl="0" eaLnBrk="1" fontAlgn="base" latinLnBrk="0" hangingPunct="1">
+              <a:lnSpc>
+                <a:spcPct val="100000"/>
+              </a:lnSpc>
+              <a:spcBef>
+                <a:spcPct val="0"/>
+              </a:spcBef>
+              <a:spcAft>
+                <a:spcPct val="0"/>
+              </a:spcAft>
+              <a:buClrTx/>
+              <a:buSzTx/>
+              <a:buFontTx/>
+              <a:buNone/>
+              <a:tabLst/>
+            </a:pPr>
+            <a:endParaRPr kumimoji="0" lang="en-US" sz="3600" b="0" i="0" u="none" strike="noStrike" cap="none" normalizeH="0" baseline="0" smtClean="0">
+              <a:ln>
+                <a:noFill/>
+              </a:ln>
+              <a:solidFill>
+                <a:schemeClr val="tx1"/>
+              </a:solidFill>
+              <a:effectLst/>
+              <a:latin typeface="Times New Roman" pitchFamily="8" charset="0"/>
+            </a:endParaRPr>
+          </a:p>
+        </p:txBody>
+      </p:sp>
+    </p:spTree>
+    <p:extLst>
+      <p:ext uri="{BB962C8B-B14F-4D97-AF65-F5344CB8AC3E}">
+        <p14:creationId xmlns:p14="http://schemas.microsoft.com/office/powerpoint/2010/main" val="1055527040"/>
+      </p:ext>
+    </p:extLst>
+  </p:cSld>
+  <p:clrMapOvr>
+    <a:masterClrMapping/>
+  </p:clrMapOvr>
+  <mc:AlternateContent xmlns:mc="http://schemas.openxmlformats.org/markup-compatibility/2006">
+    <mc:Choice xmlns:p14="http://schemas.microsoft.com/office/powerpoint/2010/main" Requires="p14">
+      <p:transition spd="med" p14:dur="600" advClick="0">
+        <p:fade/>
+      </p:transition>
+    </mc:Choice>
+    <mc:Fallback>
+      <p:transition xmlns:p14="http://schemas.microsoft.com/office/powerpoint/2010/main" spd="med" advClick="0">
+        <p:fade/>
+      </p:transition>
+    </mc:Fallback>
+  </mc:AlternateContent>
+  <p:timing>
+    <p:tnLst>
+      <p:par>
+        <p:cTn xmlns:p14="http://schemas.microsoft.com/office/powerpoint/2010/main" id="1" dur="indefinite" restart="never" nodeType="tmRoot">
+          <p:childTnLst>
+            <p:seq concurrent="1" nextAc="seek">
+              <p:cTn id="2" dur="indefinite" nodeType="mainSeq">
+                <p:childTnLst>
+                  <p:par>
+                    <p:cTn id="3" fill="hold">
+                      <p:stCondLst>
+                        <p:cond delay="indefinite"/>
+                      </p:stCondLst>
+                      <p:childTnLst>
+                        <p:par>
+                          <p:cTn id="4" fill="hold">
+                            <p:stCondLst>
+                              <p:cond delay="0"/>
+                            </p:stCondLst>
+                            <p:childTnLst>
+                              <p:par>
+                                <p:cTn id="5" presetID="23" presetClass="entr" presetSubtype="16" fill="hold" nodeType="clickEffect">
+                                  <p:stCondLst>
+                                    <p:cond delay="0"/>
+                                  </p:stCondLst>
+                                  <p:childTnLst>
+                                    <p:set>
+                                      <p:cBhvr>
+                                        <p:cTn id="6" dur="1" fill="hold">
+                                          <p:stCondLst>
+                                            <p:cond delay="0"/>
+                                          </p:stCondLst>
+                                        </p:cTn>
+                                        <p:tgtEl>
+                                          <p:spTgt spid="11"/>
+                                        </p:tgtEl>
+                                        <p:attrNameLst>
+                                          <p:attrName>style.visibility</p:attrName>
+                                        </p:attrNameLst>
+                                      </p:cBhvr>
+                                      <p:to>
+                                        <p:strVal val="visible"/>
+                                      </p:to>
+                                    </p:set>
+                                    <p:anim calcmode="lin" valueType="num">
+                                      <p:cBhvr>
+                                        <p:cTn id="7" dur="500" fill="hold"/>
+                                        <p:tgtEl>
+                                          <p:spTgt spid="11"/>
+                                        </p:tgtEl>
+                                        <p:attrNameLst>
+                                          <p:attrName>ppt_w</p:attrName>
+                                        </p:attrNameLst>
+                                      </p:cBhvr>
+                                      <p:tavLst>
+                                        <p:tav tm="0">
+                                          <p:val>
+                                            <p:fltVal val="0"/>
+                                          </p:val>
+                                        </p:tav>
+                                        <p:tav tm="100000">
+                                          <p:val>
+                                            <p:strVal val="#ppt_w"/>
+                                          </p:val>
+                                        </p:tav>
+                                      </p:tavLst>
+                                    </p:anim>
+                                    <p:anim calcmode="lin" valueType="num">
+                                      <p:cBhvr>
+                                        <p:cTn id="8" dur="500" fill="hold"/>
+                                        <p:tgtEl>
+                                          <p:spTgt spid="11"/>
+                                        </p:tgtEl>
+                                        <p:attrNameLst>
+                                          <p:attrName>ppt_h</p:attrName>
+                                        </p:attrNameLst>
+                                      </p:cBhvr>
+                                      <p:tavLst>
+                                        <p:tav tm="0">
+                                          <p:val>
+                                            <p:fltVal val="0"/>
+                                          </p:val>
+                                        </p:tav>
+                                        <p:tav tm="100000">
+                                          <p:val>
+                                            <p:strVal val="#ppt_h"/>
+                                          </p:val>
+                                        </p:tav>
+                                      </p:tavLst>
+                                    </p:anim>
+                                  </p:childTnLst>
+                                </p:cTn>
+                              </p:par>
+                            </p:childTnLst>
+                          </p:cTn>
+                        </p:par>
+                        <p:par>
+                          <p:cTn id="9" fill="hold">
+                            <p:stCondLst>
+                              <p:cond delay="500"/>
+                            </p:stCondLst>
+                            <p:childTnLst>
+                              <p:par>
+                                <p:cTn id="10" presetID="10" presetClass="exit" presetSubtype="0" fill="hold" grpId="1" nodeType="afterEffect">
+                                  <p:stCondLst>
+                                    <p:cond delay="0"/>
+                                  </p:stCondLst>
+                                  <p:childTnLst>
+                                    <p:animEffect transition="out" filter="fade">
+                                      <p:cBhvr>
+                                        <p:cTn id="11" dur="1000"/>
+                                        <p:tgtEl>
+                                          <p:spTgt spid="13"/>
+                                        </p:tgtEl>
+                                      </p:cBhvr>
+                                    </p:animEffect>
+                                    <p:set>
+                                      <p:cBhvr>
+                                        <p:cTn id="12" dur="1" fill="hold">
+                                          <p:stCondLst>
+                                            <p:cond delay="999"/>
+                                          </p:stCondLst>
+                                        </p:cTn>
+                                        <p:tgtEl>
+                                          <p:spTgt spid="13"/>
+                                        </p:tgtEl>
+                                        <p:attrNameLst>
+                                          <p:attrName>style.visibility</p:attrName>
+                                        </p:attrNameLst>
+                                      </p:cBhvr>
+                                      <p:to>
+                                        <p:strVal val="hidden"/>
+                                      </p:to>
+                                    </p:set>
+                                  </p:childTnLst>
+                                </p:cTn>
+                              </p:par>
+                            </p:childTnLst>
+                          </p:cTn>
+                        </p:par>
+                      </p:childTnLst>
+                    </p:cTn>
+                  </p:par>
+                </p:childTnLst>
+              </p:cTn>
+              <p:prevCondLst>
+                <p:cond evt="onPrev" delay="0">
+                  <p:tgtEl>
+                    <p:sldTgt/>
+                  </p:tgtEl>
+                </p:cond>
+              </p:prevCondLst>
+              <p:nextCondLst>
+                <p:cond evt="onNext" delay="0">
+                  <p:tgtEl>
+                    <p:sldTgt/>
+                  </p:tgtEl>
+                </p:cond>
+              </p:nextCondLst>
+            </p:seq>
+          </p:childTnLst>
+        </p:cTn>
+      </p:par>
+    </p:tnLst>
+    <p:bldLst>
+      <p:bldP spid="13" grpId="1" animBg="1"/>
+    </p:bldLst>
+  </p:timing>
+</p:sld>
+</file>
+
+<file path=ppt/slides/slide23.xml><?xml version="1.0" encoding="utf-8"?>
+<p:sld xmlns:a="http://schemas.openxmlformats.org/drawingml/2006/main" xmlns:r="http://schemas.openxmlformats.org/officeDocument/2006/relationships" xmlns:p="http://schemas.openxmlformats.org/presentationml/2006/main">
+  <p:cSld>
+    <p:spTree>
+      <p:nvGrpSpPr>
+        <p:cNvPr id="1" name=""/>
+        <p:cNvGrpSpPr/>
+        <p:nvPr/>
+      </p:nvGrpSpPr>
+      <p:grpSpPr>
+        <a:xfrm>
+          <a:off x="0" y="0"/>
+          <a:ext cx="0" cy="0"/>
+          <a:chOff x="0" y="0"/>
+          <a:chExt cx="0" cy="0"/>
+        </a:xfrm>
+      </p:grpSpPr>
+      <p:sp>
+        <p:nvSpPr>
+          <p:cNvPr id="17412" name="Slide Number Placeholder 5"/>
+          <p:cNvSpPr>
+            <a:spLocks noGrp="1"/>
+          </p:cNvSpPr>
+          <p:nvPr>
+            <p:ph type="sldNum" sz="quarter" idx="10"/>
+          </p:nvPr>
+        </p:nvSpPr>
+        <p:spPr>
+          <a:noFill/>
+        </p:spPr>
+        <p:txBody>
+          <a:bodyPr/>
+          <a:lstStyle/>
+          <a:p>
+            <a:r>
+              <a:rPr lang="en-US" dirty="0" err="1" smtClean="0"/>
+              <a:t>incexcbinom</a:t>
+            </a:r>
+            <a:r>
+              <a:rPr lang="en-US" dirty="0" smtClean="0"/>
+              <a:t>.</a:t>
+            </a:r>
+            <a:fld id="{83D78B86-54BD-4C40-B154-E0B4BEB7EE49}" type="slidenum">
+              <a:rPr lang="en-US" smtClean="0"/>
+              <a:pPr/>
+              <a:t>23</a:t>
+            </a:fld>
+            <a:endParaRPr lang="en-US" dirty="0" smtClean="0"/>
+          </a:p>
+        </p:txBody>
+      </p:sp>
+      <p:sp>
+        <p:nvSpPr>
+          <p:cNvPr id="17413" name="Rectangle 2"/>
+          <p:cNvSpPr>
+            <a:spLocks noGrp="1" noChangeArrowheads="1"/>
+          </p:cNvSpPr>
+          <p:nvPr>
+            <p:ph type="title"/>
+          </p:nvPr>
+        </p:nvSpPr>
+        <p:spPr>
+          <a:xfrm>
+            <a:off x="1295400" y="152400"/>
+            <a:ext cx="6781800" cy="1219200"/>
+          </a:xfrm>
+        </p:spPr>
+        <p:txBody>
+          <a:bodyPr/>
+          <a:lstStyle/>
+          <a:p>
+            <a:pPr eaLnBrk="1" hangingPunct="1"/>
+            <a:r>
+              <a:rPr lang="en-US" sz="4400" dirty="0" smtClean="0"/>
+              <a:t>Binomial </a:t>
+            </a:r>
+            <a:r>
+              <a:rPr lang="en-US" sz="4400" dirty="0"/>
+              <a:t>C</a:t>
+            </a:r>
+            <a:r>
+              <a:rPr lang="en-US" sz="4400" dirty="0" smtClean="0"/>
+              <a:t>ounting proof</a:t>
+            </a:r>
+          </a:p>
+        </p:txBody>
+      </p:sp>
+      <p:graphicFrame>
+        <p:nvGraphicFramePr>
+          <p:cNvPr id="3" name="Object 2"/>
+          <p:cNvGraphicFramePr>
+            <a:graphicFrameLocks noChangeAspect="1"/>
+          </p:cNvGraphicFramePr>
+          <p:nvPr>
+            <p:extLst>
+              <p:ext uri="{D42A27DB-BD31-4B8C-83A1-F6EECF244321}">
+                <p14:modId xmlns:p14="http://schemas.microsoft.com/office/powerpoint/2010/main" val="1311331584"/>
+              </p:ext>
+            </p:extLst>
+          </p:nvPr>
+        </p:nvGraphicFramePr>
+        <p:xfrm>
+          <a:off x="7404100" y="4406900"/>
+          <a:ext cx="139700" cy="215900"/>
+        </p:xfrm>
+        <a:graphic>
+          <a:graphicData uri="http://schemas.openxmlformats.org/presentationml/2006/ole">
+            <mc:AlternateContent xmlns:mc="http://schemas.openxmlformats.org/markup-compatibility/2006">
+              <mc:Choice xmlns:v="urn:schemas-microsoft-com:vml" Requires="v">
+                <p:oleObj spid="_x0000_s245862" name="Equation" r:id="rId4" imgW="139700" imgH="215900" progId="Equation.DSMT4">
+                  <p:embed/>
+                </p:oleObj>
+              </mc:Choice>
+              <mc:Fallback>
+                <p:oleObj name="Equation" r:id="rId4" imgW="139700" imgH="215900" progId="Equation.DSMT4">
+                  <p:embed/>
+                  <p:pic>
+                    <p:nvPicPr>
+                      <p:cNvPr id="0" name=""/>
+                      <p:cNvPicPr/>
+                      <p:nvPr/>
+                    </p:nvPicPr>
+                    <p:blipFill>
+                      <a:blip r:embed="rId5"/>
+                      <a:stretch>
+                        <a:fillRect/>
+                      </a:stretch>
+                    </p:blipFill>
+                    <p:spPr>
+                      <a:xfrm>
+                        <a:off x="7404100" y="4406900"/>
+                        <a:ext cx="139700" cy="215900"/>
+                      </a:xfrm>
+                      <a:prstGeom prst="rect">
+                        <a:avLst/>
+                      </a:prstGeom>
+                    </p:spPr>
+                  </p:pic>
+                </p:oleObj>
+              </mc:Fallback>
+            </mc:AlternateContent>
+          </a:graphicData>
+        </a:graphic>
+      </p:graphicFrame>
+      <p:graphicFrame>
+        <p:nvGraphicFramePr>
+          <p:cNvPr id="5" name="Object 4"/>
+          <p:cNvGraphicFramePr>
+            <a:graphicFrameLocks noChangeAspect="1"/>
+          </p:cNvGraphicFramePr>
+          <p:nvPr>
+            <p:extLst>
+              <p:ext uri="{D42A27DB-BD31-4B8C-83A1-F6EECF244321}">
+                <p14:modId xmlns:p14="http://schemas.microsoft.com/office/powerpoint/2010/main" val="3999775030"/>
+              </p:ext>
+            </p:extLst>
+          </p:nvPr>
+        </p:nvGraphicFramePr>
+        <p:xfrm>
+          <a:off x="7404100" y="4406900"/>
+          <a:ext cx="139700" cy="215900"/>
+        </p:xfrm>
+        <a:graphic>
+          <a:graphicData uri="http://schemas.openxmlformats.org/presentationml/2006/ole">
+            <mc:AlternateContent xmlns:mc="http://schemas.openxmlformats.org/markup-compatibility/2006">
+              <mc:Choice xmlns:v="urn:schemas-microsoft-com:vml" Requires="v">
+                <p:oleObj spid="_x0000_s245863" name="Equation" r:id="rId6" imgW="139700" imgH="215900" progId="Equation.DSMT4">
                   <p:embed/>
                 </p:oleObj>
               </mc:Choice>
@@ -11621,25 +12169,25 @@
           <p:nvPr>
             <p:extLst>
               <p:ext uri="{D42A27DB-BD31-4B8C-83A1-F6EECF244321}">
-                <p14:modId xmlns:p14="http://schemas.microsoft.com/office/powerpoint/2010/main" val="1212514066"/>
+                <p14:modId xmlns:p14="http://schemas.microsoft.com/office/powerpoint/2010/main" val="658803533"/>
               </p:ext>
             </p:extLst>
           </p:nvPr>
         </p:nvGraphicFramePr>
         <p:xfrm>
-          <a:off x="1143000" y="3796135"/>
-          <a:ext cx="5486400" cy="2452265"/>
+          <a:off x="585787" y="3795713"/>
+          <a:ext cx="6653213" cy="2452687"/>
         </p:xfrm>
         <a:graphic>
           <a:graphicData uri="http://schemas.openxmlformats.org/presentationml/2006/ole">
             <mc:AlternateContent xmlns:mc="http://schemas.openxmlformats.org/markup-compatibility/2006">
               <mc:Choice xmlns:v="urn:schemas-microsoft-com:vml" Requires="v">
-                <p:oleObj spid="_x0000_s245839" name="Equation" r:id="rId7" imgW="1193800" imgH="533400" progId="Equation.DSMT4">
+                <p:oleObj spid="_x0000_s245864" name="Equation" r:id="rId7" imgW="1447800" imgH="533400" progId="Equation.DSMT4">
                   <p:embed/>
                 </p:oleObj>
               </mc:Choice>
               <mc:Fallback>
-                <p:oleObj name="Equation" r:id="rId7" imgW="1193800" imgH="533400" progId="Equation.DSMT4">
+                <p:oleObj name="Equation" r:id="rId7" imgW="1447800" imgH="533400" progId="Equation.DSMT4">
                   <p:embed/>
                   <p:pic>
                     <p:nvPicPr>
@@ -11655,8 +12203,8 @@
                     </p:blipFill>
                     <p:spPr>
                       <a:xfrm>
-                        <a:off x="1143000" y="3796135"/>
-                        <a:ext cx="5486400" cy="2452265"/>
+                        <a:off x="585787" y="3795713"/>
+                        <a:ext cx="6653213" cy="2452687"/>
                       </a:xfrm>
                       <a:prstGeom prst="rect">
                         <a:avLst/>
@@ -11671,32 +12219,32 @@
       </p:graphicFrame>
       <p:graphicFrame>
         <p:nvGraphicFramePr>
-          <p:cNvPr id="8" name="Object 7"/>
+          <p:cNvPr id="10" name="Object 9"/>
           <p:cNvGraphicFramePr>
             <a:graphicFrameLocks noChangeAspect="1"/>
           </p:cNvGraphicFramePr>
           <p:nvPr>
             <p:extLst>
               <p:ext uri="{D42A27DB-BD31-4B8C-83A1-F6EECF244321}">
-                <p14:modId xmlns:p14="http://schemas.microsoft.com/office/powerpoint/2010/main" val="1725541838"/>
+                <p14:modId xmlns:p14="http://schemas.microsoft.com/office/powerpoint/2010/main" val="3454739208"/>
               </p:ext>
             </p:extLst>
           </p:nvPr>
         </p:nvGraphicFramePr>
         <p:xfrm>
-          <a:off x="684213" y="1336675"/>
-          <a:ext cx="7470775" cy="2217738"/>
+          <a:off x="627063" y="1308100"/>
+          <a:ext cx="7586662" cy="2276475"/>
         </p:xfrm>
         <a:graphic>
           <a:graphicData uri="http://schemas.openxmlformats.org/presentationml/2006/ole">
             <mc:AlternateContent xmlns:mc="http://schemas.openxmlformats.org/markup-compatibility/2006">
               <mc:Choice xmlns:v="urn:schemas-microsoft-com:vml" Requires="v">
-                <p:oleObj spid="_x0000_s245840" name="Equation" r:id="rId9" imgW="1625600" imgH="482600" progId="Equation.DSMT4">
+                <p:oleObj spid="_x0000_s245865" name="Equation" r:id="rId9" imgW="1651000" imgH="495300" progId="Equation.DSMT4">
                   <p:embed/>
                 </p:oleObj>
               </mc:Choice>
               <mc:Fallback>
-                <p:oleObj name="Equation" r:id="rId9" imgW="1625600" imgH="482600" progId="Equation.DSMT4">
+                <p:oleObj name="Equation" r:id="rId9" imgW="1651000" imgH="495300" progId="Equation.DSMT4">
                   <p:embed/>
                   <p:pic>
                     <p:nvPicPr>
@@ -11712,8 +12260,8 @@
                     </p:blipFill>
                     <p:spPr>
                       <a:xfrm>
-                        <a:off x="684213" y="1336675"/>
-                        <a:ext cx="7470775" cy="2217738"/>
+                        <a:off x="627063" y="1308100"/>
+                        <a:ext cx="7586662" cy="2276475"/>
                       </a:xfrm>
                       <a:prstGeom prst="rect">
                         <a:avLst/>
@@ -11728,7 +12276,7 @@
       </p:graphicFrame>
       <p:sp>
         <p:nvSpPr>
-          <p:cNvPr id="9" name="Rounded Rectangle 8"/>
+          <p:cNvPr id="11" name="Rounded Rectangle 10"/>
           <p:cNvSpPr/>
           <p:nvPr/>
         </p:nvSpPr>
@@ -11736,6 +12284,69 @@
           <a:xfrm>
             <a:off x="5181600" y="1676400"/>
             <a:ext cx="2971800" cy="1828800"/>
+          </a:xfrm>
+          <a:prstGeom prst="roundRect">
+            <a:avLst/>
+          </a:prstGeom>
+          <a:noFill/>
+          <a:ln w="44450" cap="flat" cmpd="sng" algn="ctr">
+            <a:solidFill>
+              <a:srgbClr val="FF00FF"/>
+            </a:solidFill>
+            <a:prstDash val="sysDash"/>
+            <a:round/>
+            <a:headEnd type="none" w="med" len="med"/>
+            <a:tailEnd type="none" w="med" len="med"/>
+          </a:ln>
+          <a:effectLst/>
+        </p:spPr>
+        <p:txBody>
+          <a:bodyPr vert="horz" wrap="square" lIns="91440" tIns="45720" rIns="91440" bIns="45720" numCol="1" rtlCol="0" anchor="t" anchorCtr="0" compatLnSpc="1">
+            <a:prstTxWarp prst="textNoShape">
+              <a:avLst/>
+            </a:prstTxWarp>
+          </a:bodyPr>
+          <a:lstStyle/>
+          <a:p>
+            <a:pPr marL="0" marR="0" indent="0" algn="l" defTabSz="914400" rtl="0" eaLnBrk="1" fontAlgn="base" latinLnBrk="0" hangingPunct="1">
+              <a:lnSpc>
+                <a:spcPct val="100000"/>
+              </a:lnSpc>
+              <a:spcBef>
+                <a:spcPct val="0"/>
+              </a:spcBef>
+              <a:spcAft>
+                <a:spcPct val="0"/>
+              </a:spcAft>
+              <a:buClrTx/>
+              <a:buSzTx/>
+              <a:buFontTx/>
+              <a:buNone/>
+              <a:tabLst/>
+            </a:pPr>
+            <a:endParaRPr kumimoji="0" lang="en-US" sz="3600" b="0" i="0" u="none" strike="noStrike" cap="none" normalizeH="0" baseline="0" smtClean="0">
+              <a:ln>
+                <a:noFill/>
+              </a:ln>
+              <a:solidFill>
+                <a:schemeClr val="tx1"/>
+              </a:solidFill>
+              <a:effectLst/>
+              <a:latin typeface="Times New Roman" pitchFamily="8" charset="0"/>
+            </a:endParaRPr>
+          </a:p>
+        </p:txBody>
+      </p:sp>
+      <p:sp>
+        <p:nvSpPr>
+          <p:cNvPr id="12" name="Rounded Rectangle 11"/>
+          <p:cNvSpPr/>
+          <p:nvPr/>
+        </p:nvSpPr>
+        <p:spPr bwMode="auto">
+          <a:xfrm>
+            <a:off x="5715000" y="3733800"/>
+            <a:ext cx="1905000" cy="2514600"/>
           </a:xfrm>
           <a:prstGeom prst="roundRect">
             <a:avLst/>
@@ -11823,7 +12434,7 @@
                             </p:stCondLst>
                             <p:childTnLst>
                               <p:par>
-                                <p:cTn id="5" presetID="22" presetClass="entr" presetSubtype="8" fill="hold" nodeType="clickEffect">
+                                <p:cTn id="5" presetID="10" presetClass="entr" presetSubtype="0" fill="hold" nodeType="clickEffect">
                                   <p:stCondLst>
                                     <p:cond delay="0"/>
                                   </p:stCondLst>
@@ -11846,11 +12457,46 @@
                                         <p:strVal val="visible"/>
                                       </p:to>
                                     </p:set>
-                                    <p:animEffect transition="in" filter="wipe(left)">
+                                    <p:animEffect transition="in" filter="fade">
                                       <p:cBhvr>
-                                        <p:cTn id="7" dur="1000"/>
+                                        <p:cTn id="7" dur="500"/>
                                         <p:tgtEl>
                                           <p:spTgt spid="7"/>
+                                        </p:tgtEl>
+                                      </p:cBhvr>
+                                    </p:animEffect>
+                                  </p:childTnLst>
+                                </p:cTn>
+                              </p:par>
+                              <p:par>
+                                <p:cTn id="8" presetID="10" presetClass="entr" presetSubtype="0" fill="hold" grpId="0" nodeType="withEffect">
+                                  <p:stCondLst>
+                                    <p:cond delay="0"/>
+                                  </p:stCondLst>
+                                  <p:childTnLst>
+                                    <p:set>
+                                      <p:cBhvr>
+                                        <p:cTn id="9" dur="1" fill="hold">
+                                          <p:stCondLst>
+                                            <p:cond delay="0"/>
+                                          </p:stCondLst>
+                                        </p:cTn>
+                                        <p:tgtEl>
+                                          <p:spTgt spid="12"/>
+                                        </p:tgtEl>
+                                        <p:attrNameLst>
+                                          <p:attrName>style.visibility</p:attrName>
+                                        </p:attrNameLst>
+                                      </p:cBhvr>
+                                      <p:to>
+                                        <p:strVal val="visible"/>
+                                      </p:to>
+                                    </p:set>
+                                    <p:animEffect transition="in" filter="fade">
+                                      <p:cBhvr>
+                                        <p:cTn id="10" dur="500"/>
+                                        <p:tgtEl>
+                                          <p:spTgt spid="12"/>
                                         </p:tgtEl>
                                       </p:cBhvr>
                                     </p:animEffect>
@@ -11884,6 +12530,9 @@
         </p:cTn>
       </p:par>
     </p:tnLst>
+    <p:bldLst>
+      <p:bldP spid="12" grpId="0" animBg="1"/>
+    </p:bldLst>
   </p:timing>
 </p:sld>
 </file>
@@ -11997,7 +12646,7 @@
           <a:graphicData uri="http://schemas.openxmlformats.org/presentationml/2006/ole">
             <mc:AlternateContent xmlns:mc="http://schemas.openxmlformats.org/markup-compatibility/2006">
               <mc:Choice xmlns:v="urn:schemas-microsoft-com:vml" Requires="v">
-                <p:oleObj spid="_x0000_s283680" name="Equation" r:id="rId4" imgW="139700" imgH="215900" progId="Equation.DSMT4">
+                <p:oleObj spid="_x0000_s283693" name="Equation" r:id="rId4" imgW="139700" imgH="215900" progId="Equation.DSMT4">
                   <p:embed/>
                 </p:oleObj>
               </mc:Choice>
@@ -12054,7 +12703,7 @@
           <a:graphicData uri="http://schemas.openxmlformats.org/presentationml/2006/ole">
             <mc:AlternateContent xmlns:mc="http://schemas.openxmlformats.org/markup-compatibility/2006">
               <mc:Choice xmlns:v="urn:schemas-microsoft-com:vml" Requires="v">
-                <p:oleObj spid="_x0000_s283681" name="Equation" r:id="rId6" imgW="139700" imgH="215900" progId="Equation.DSMT4">
+                <p:oleObj spid="_x0000_s283694" name="Equation" r:id="rId6" imgW="139700" imgH="215900" progId="Equation.DSMT4">
                   <p:embed/>
                 </p:oleObj>
               </mc:Choice>
@@ -12098,25 +12747,25 @@
           <p:nvPr>
             <p:extLst>
               <p:ext uri="{D42A27DB-BD31-4B8C-83A1-F6EECF244321}">
-                <p14:modId xmlns:p14="http://schemas.microsoft.com/office/powerpoint/2010/main" val="1934031816"/>
+                <p14:modId xmlns:p14="http://schemas.microsoft.com/office/powerpoint/2010/main" val="1898153487"/>
               </p:ext>
             </p:extLst>
           </p:nvPr>
         </p:nvGraphicFramePr>
         <p:xfrm>
-          <a:off x="1128712" y="3795713"/>
-          <a:ext cx="6186488" cy="2452687"/>
+          <a:off x="1069975" y="3795713"/>
+          <a:ext cx="6303963" cy="2452687"/>
         </p:xfrm>
         <a:graphic>
           <a:graphicData uri="http://schemas.openxmlformats.org/presentationml/2006/ole">
             <mc:AlternateContent xmlns:mc="http://schemas.openxmlformats.org/markup-compatibility/2006">
               <mc:Choice xmlns:v="urn:schemas-microsoft-com:vml" Requires="v">
-                <p:oleObj spid="_x0000_s283682" name="Equation" r:id="rId7" imgW="1346200" imgH="533400" progId="Equation.DSMT4">
+                <p:oleObj spid="_x0000_s283695" name="Equation" r:id="rId7" imgW="1371600" imgH="533400" progId="Equation.DSMT4">
                   <p:embed/>
                 </p:oleObj>
               </mc:Choice>
               <mc:Fallback>
-                <p:oleObj name="Equation" r:id="rId7" imgW="1346200" imgH="533400" progId="Equation.DSMT4">
+                <p:oleObj name="Equation" r:id="rId7" imgW="1371600" imgH="533400" progId="Equation.DSMT4">
                   <p:embed/>
                   <p:pic>
                     <p:nvPicPr>
@@ -12132,8 +12781,8 @@
                     </p:blipFill>
                     <p:spPr>
                       <a:xfrm>
-                        <a:off x="1128712" y="3795713"/>
-                        <a:ext cx="6186488" cy="2452687"/>
+                        <a:off x="1069975" y="3795713"/>
+                        <a:ext cx="6303963" cy="2452687"/>
                       </a:xfrm>
                       <a:prstGeom prst="rect">
                         <a:avLst/>
@@ -12168,7 +12817,7 @@
           <a:graphicData uri="http://schemas.openxmlformats.org/presentationml/2006/ole">
             <mc:AlternateContent xmlns:mc="http://schemas.openxmlformats.org/markup-compatibility/2006">
               <mc:Choice xmlns:v="urn:schemas-microsoft-com:vml" Requires="v">
-                <p:oleObj spid="_x0000_s283683" name="Equation" r:id="rId9" imgW="774700" imgH="254000" progId="Equation.DSMT4">
+                <p:oleObj spid="_x0000_s283696" name="Equation" r:id="rId9" imgW="774700" imgH="254000" progId="Equation.DSMT4">
                   <p:embed/>
                 </p:oleObj>
               </mc:Choice>
@@ -12237,6 +12886,69 @@
           </a:p>
         </p:txBody>
       </p:sp>
+      <p:sp>
+        <p:nvSpPr>
+          <p:cNvPr id="9" name="Rounded Rectangle 8"/>
+          <p:cNvSpPr/>
+          <p:nvPr/>
+        </p:nvSpPr>
+        <p:spPr bwMode="auto">
+          <a:xfrm>
+            <a:off x="5715000" y="3733800"/>
+            <a:ext cx="914400" cy="2590800"/>
+          </a:xfrm>
+          <a:prstGeom prst="roundRect">
+            <a:avLst/>
+          </a:prstGeom>
+          <a:noFill/>
+          <a:ln w="44450" cap="flat" cmpd="sng" algn="ctr">
+            <a:solidFill>
+              <a:srgbClr val="FF00FF"/>
+            </a:solidFill>
+            <a:prstDash val="sysDash"/>
+            <a:round/>
+            <a:headEnd type="none" w="med" len="med"/>
+            <a:tailEnd type="none" w="med" len="med"/>
+          </a:ln>
+          <a:effectLst/>
+        </p:spPr>
+        <p:txBody>
+          <a:bodyPr vert="horz" wrap="square" lIns="91440" tIns="45720" rIns="91440" bIns="45720" numCol="1" rtlCol="0" anchor="t" anchorCtr="0" compatLnSpc="1">
+            <a:prstTxWarp prst="textNoShape">
+              <a:avLst/>
+            </a:prstTxWarp>
+          </a:bodyPr>
+          <a:lstStyle/>
+          <a:p>
+            <a:pPr marL="0" marR="0" indent="0" algn="l" defTabSz="914400" rtl="0" eaLnBrk="1" fontAlgn="base" latinLnBrk="0" hangingPunct="1">
+              <a:lnSpc>
+                <a:spcPct val="100000"/>
+              </a:lnSpc>
+              <a:spcBef>
+                <a:spcPct val="0"/>
+              </a:spcBef>
+              <a:spcAft>
+                <a:spcPct val="0"/>
+              </a:spcAft>
+              <a:buClrTx/>
+              <a:buSzTx/>
+              <a:buFontTx/>
+              <a:buNone/>
+              <a:tabLst/>
+            </a:pPr>
+            <a:endParaRPr kumimoji="0" lang="en-US" sz="3600" b="0" i="0" u="none" strike="noStrike" cap="none" normalizeH="0" baseline="0" smtClean="0">
+              <a:ln>
+                <a:noFill/>
+              </a:ln>
+              <a:solidFill>
+                <a:schemeClr val="tx1"/>
+              </a:solidFill>
+              <a:effectLst/>
+              <a:latin typeface="Times New Roman" pitchFamily="8" charset="0"/>
+            </a:endParaRPr>
+          </a:p>
+        </p:txBody>
+      </p:sp>
     </p:spTree>
     <p:extLst>
       <p:ext uri="{BB962C8B-B14F-4D97-AF65-F5344CB8AC3E}">
@@ -12271,14 +12983,67 @@
                             </p:stCondLst>
                             <p:childTnLst>
                               <p:par>
-                                <p:cTn id="5" presetID="25" presetClass="entr" presetSubtype="0" fill="hold" nodeType="clickEffect">
+                                <p:cTn id="5" presetID="10" presetClass="exit" presetSubtype="0" fill="hold" grpId="1" nodeType="clickEffect">
+                                  <p:stCondLst>
+                                    <p:cond delay="0"/>
+                                  </p:stCondLst>
+                                  <p:childTnLst>
+                                    <p:animEffect transition="out" filter="fade">
+                                      <p:cBhvr>
+                                        <p:cTn id="6" dur="500"/>
+                                        <p:tgtEl>
+                                          <p:spTgt spid="9"/>
+                                        </p:tgtEl>
+                                      </p:cBhvr>
+                                    </p:animEffect>
+                                    <p:set>
+                                      <p:cBhvr>
+                                        <p:cTn id="7" dur="1" fill="hold">
+                                          <p:stCondLst>
+                                            <p:cond delay="499"/>
+                                          </p:stCondLst>
+                                        </p:cTn>
+                                        <p:tgtEl>
+                                          <p:spTgt spid="9"/>
+                                        </p:tgtEl>
+                                        <p:attrNameLst>
+                                          <p:attrName>style.visibility</p:attrName>
+                                        </p:attrNameLst>
+                                      </p:cBhvr>
+                                      <p:to>
+                                        <p:strVal val="hidden"/>
+                                      </p:to>
+                                    </p:set>
+                                  </p:childTnLst>
+                                </p:cTn>
+                              </p:par>
+                            </p:childTnLst>
+                          </p:cTn>
+                        </p:par>
+                      </p:childTnLst>
+                    </p:cTn>
+                  </p:par>
+                  <p:par>
+                    <p:cTn id="8" fill="hold">
+                      <p:stCondLst>
+                        <p:cond delay="indefinite"/>
+                      </p:stCondLst>
+                      <p:childTnLst>
+                        <p:par>
+                          <p:cTn id="9" fill="hold">
+                            <p:stCondLst>
+                              <p:cond delay="0"/>
+                            </p:stCondLst>
+                            <p:childTnLst>
+                              <p:par>
+                                <p:cTn id="10" presetID="25" presetClass="entr" presetSubtype="0" fill="hold" nodeType="clickEffect">
                                   <p:stCondLst>
                                     <p:cond delay="0"/>
                                   </p:stCondLst>
                                   <p:childTnLst>
                                     <p:set>
                                       <p:cBhvr>
-                                        <p:cTn id="6" dur="1" fill="hold">
+                                        <p:cTn id="11" dur="1" fill="hold">
                                           <p:stCondLst>
                                             <p:cond delay="0"/>
                                           </p:stCondLst>
@@ -12296,7 +13061,7 @@
                                     </p:set>
                                     <p:anim calcmode="lin" valueType="num">
                                       <p:cBhvr>
-                                        <p:cTn id="7" dur="500" decel="50000" fill="hold">
+                                        <p:cTn id="12" dur="500" decel="50000" fill="hold">
                                           <p:stCondLst>
                                             <p:cond delay="0"/>
                                           </p:stCondLst>
@@ -12323,7 +13088,7 @@
                                     </p:anim>
                                     <p:anim calcmode="lin" valueType="num">
                                       <p:cBhvr>
-                                        <p:cTn id="8" dur="500" decel="50000" fill="hold">
+                                        <p:cTn id="13" dur="500" decel="50000" fill="hold">
                                           <p:stCondLst>
                                             <p:cond delay="0"/>
                                           </p:stCondLst>
@@ -12350,7 +13115,7 @@
                                     </p:anim>
                                     <p:anim calcmode="lin" valueType="num">
                                       <p:cBhvr>
-                                        <p:cTn id="9" dur="500" accel="50000" fill="hold">
+                                        <p:cTn id="14" dur="500" accel="50000" fill="hold">
                                           <p:stCondLst>
                                             <p:cond delay="500"/>
                                           </p:stCondLst>
@@ -12377,7 +13142,7 @@
                                     </p:anim>
                                     <p:anim calcmode="lin" valueType="num">
                                       <p:cBhvr>
-                                        <p:cTn id="10" dur="1000" fill="hold"/>
+                                        <p:cTn id="15" dur="1000" fill="hold"/>
                                         <p:tgtEl>
                                           <p:spTgt spid="10"/>
                                         </p:tgtEl>
@@ -12400,7 +13165,7 @@
                                     </p:anim>
                                     <p:anim calcmode="lin" valueType="num">
                                       <p:cBhvr>
-                                        <p:cTn id="11" dur="500" decel="50000" fill="hold">
+                                        <p:cTn id="16" dur="500" decel="50000" fill="hold">
                                           <p:stCondLst>
                                             <p:cond delay="0"/>
                                           </p:stCondLst>
@@ -12427,7 +13192,7 @@
                                     </p:anim>
                                     <p:anim calcmode="lin" valueType="num">
                                       <p:cBhvr>
-                                        <p:cTn id="12" dur="500" decel="50000" fill="hold">
+                                        <p:cTn id="17" dur="500" decel="50000" fill="hold">
                                           <p:stCondLst>
                                             <p:cond delay="0"/>
                                           </p:stCondLst>
@@ -12454,7 +13219,7 @@
                                     </p:anim>
                                     <p:anim calcmode="lin" valueType="num">
                                       <p:cBhvr>
-                                        <p:cTn id="13" dur="500" accel="50000" fill="hold">
+                                        <p:cTn id="18" dur="500" accel="50000" fill="hold">
                                           <p:stCondLst>
                                             <p:cond delay="500"/>
                                           </p:stCondLst>
@@ -12481,7 +13246,7 @@
                                     </p:anim>
                                     <p:animEffect transition="in" filter="fade">
                                       <p:cBhvr>
-                                        <p:cTn id="14" dur="1000" decel="50000">
+                                        <p:cTn id="19" dur="1000" decel="50000">
                                           <p:stCondLst>
                                             <p:cond delay="0"/>
                                           </p:stCondLst>
@@ -12501,26 +13266,26 @@
                     </p:cTn>
                   </p:par>
                   <p:par>
-                    <p:cTn id="15" fill="hold">
+                    <p:cTn id="20" fill="hold">
                       <p:stCondLst>
                         <p:cond delay="indefinite"/>
                       </p:stCondLst>
                       <p:childTnLst>
                         <p:par>
-                          <p:cTn id="16" fill="hold">
+                          <p:cTn id="21" fill="hold">
                             <p:stCondLst>
                               <p:cond delay="0"/>
                             </p:stCondLst>
                             <p:childTnLst>
                               <p:par>
-                                <p:cTn id="17" presetID="10" presetClass="entr" presetSubtype="0" fill="hold" grpId="0" nodeType="clickEffect">
+                                <p:cTn id="22" presetID="10" presetClass="entr" presetSubtype="0" fill="hold" grpId="0" nodeType="clickEffect">
                                   <p:stCondLst>
                                     <p:cond delay="0"/>
                                   </p:stCondLst>
                                   <p:childTnLst>
                                     <p:set>
                                       <p:cBhvr>
-                                        <p:cTn id="18" dur="1" fill="hold">
+                                        <p:cTn id="23" dur="1" fill="hold">
                                           <p:stCondLst>
                                             <p:cond delay="0"/>
                                           </p:stCondLst>
@@ -12538,7 +13303,7 @@
                                     </p:set>
                                     <p:animEffect transition="in" filter="fade">
                                       <p:cBhvr>
-                                        <p:cTn id="19" dur="500"/>
+                                        <p:cTn id="24" dur="500"/>
                                         <p:tgtEl>
                                           <p:spTgt spid="11"/>
                                         </p:tgtEl>
@@ -12576,6 +13341,7 @@
     </p:tnLst>
     <p:bldLst>
       <p:bldP spid="11" grpId="0"/>
+      <p:bldP spid="9" grpId="1" animBg="1"/>
     </p:bldLst>
   </p:timing>
 </p:sld>
@@ -12705,7 +13471,7 @@
           <a:graphicData uri="http://schemas.openxmlformats.org/presentationml/2006/ole">
             <mc:AlternateContent xmlns:mc="http://schemas.openxmlformats.org/markup-compatibility/2006">
               <mc:Choice xmlns:v="urn:schemas-microsoft-com:vml" Requires="v">
-                <p:oleObj spid="_x0000_s5336" name="Equation" r:id="rId4" imgW="139700" imgH="215900" progId="Equation.DSMT4">
+                <p:oleObj spid="_x0000_s5345" name="Equation" r:id="rId4" imgW="139700" imgH="215900" progId="Equation.DSMT4">
                   <p:embed/>
                 </p:oleObj>
               </mc:Choice>
@@ -12762,7 +13528,7 @@
           <a:graphicData uri="http://schemas.openxmlformats.org/presentationml/2006/ole">
             <mc:AlternateContent xmlns:mc="http://schemas.openxmlformats.org/markup-compatibility/2006">
               <mc:Choice xmlns:v="urn:schemas-microsoft-com:vml" Requires="v">
-                <p:oleObj spid="_x0000_s5337" name="Equation" r:id="rId6" imgW="571500" imgH="203200" progId="Equation.DSMT4">
+                <p:oleObj spid="_x0000_s5346" name="Equation" r:id="rId6" imgW="571500" imgH="203200" progId="Equation.DSMT4">
                   <p:embed/>
                 </p:oleObj>
               </mc:Choice>
@@ -12819,7 +13585,7 @@
           <a:graphicData uri="http://schemas.openxmlformats.org/presentationml/2006/ole">
             <mc:AlternateContent xmlns:mc="http://schemas.openxmlformats.org/markup-compatibility/2006">
               <mc:Choice xmlns:v="urn:schemas-microsoft-com:vml" Requires="v">
-                <p:oleObj spid="_x0000_s5338" name="Equation" r:id="rId8" imgW="1612900" imgH="393700" progId="Equation.DSMT4">
+                <p:oleObj spid="_x0000_s5347" name="Equation" r:id="rId8" imgW="1612900" imgH="393700" progId="Equation.DSMT4">
                   <p:embed/>
                 </p:oleObj>
               </mc:Choice>
@@ -12876,7 +13642,7 @@
           <a:graphicData uri="http://schemas.openxmlformats.org/presentationml/2006/ole">
             <mc:AlternateContent xmlns:mc="http://schemas.openxmlformats.org/markup-compatibility/2006">
               <mc:Choice xmlns:v="urn:schemas-microsoft-com:vml" Requires="v">
-                <p:oleObj spid="_x0000_s5339" name="Equation" r:id="rId10" imgW="1549400" imgH="292100" progId="Equation.DSMT4">
+                <p:oleObj spid="_x0000_s5348" name="Equation" r:id="rId10" imgW="1549400" imgH="292100" progId="Equation.DSMT4">
                   <p:embed/>
                 </p:oleObj>
               </mc:Choice>
@@ -13106,7 +13872,7 @@
           <a:graphicData uri="http://schemas.openxmlformats.org/presentationml/2006/ole">
             <mc:AlternateContent xmlns:mc="http://schemas.openxmlformats.org/markup-compatibility/2006">
               <mc:Choice xmlns:v="urn:schemas-microsoft-com:vml" Requires="v">
-                <p:oleObj spid="_x0000_s213057" name="Equation" r:id="rId4" imgW="1346200" imgH="266700" progId="Equation.DSMT4">
+                <p:oleObj spid="_x0000_s213062" name="Equation" r:id="rId4" imgW="1346200" imgH="266700" progId="Equation.DSMT4">
                   <p:embed/>
                 </p:oleObj>
               </mc:Choice>
@@ -13261,7 +14027,7 @@
           <a:graphicData uri="http://schemas.openxmlformats.org/presentationml/2006/ole">
             <mc:AlternateContent xmlns:mc="http://schemas.openxmlformats.org/markup-compatibility/2006">
               <mc:Choice xmlns:v="urn:schemas-microsoft-com:vml" Requires="v">
-                <p:oleObj spid="_x0000_s213058" name="Equation" r:id="rId6" imgW="1447800" imgH="495300" progId="Equation.DSMT4">
+                <p:oleObj spid="_x0000_s213063" name="Equation" r:id="rId6" imgW="1447800" imgH="495300" progId="Equation.DSMT4">
                   <p:embed/>
                 </p:oleObj>
               </mc:Choice>
@@ -13465,7 +14231,7 @@
           <a:graphicData uri="http://schemas.openxmlformats.org/presentationml/2006/ole">
             <mc:AlternateContent xmlns:mc="http://schemas.openxmlformats.org/markup-compatibility/2006">
               <mc:Choice xmlns:v="urn:schemas-microsoft-com:vml" Requires="v">
-                <p:oleObj spid="_x0000_s214071" name="Equation" r:id="rId4" imgW="393700" imgH="266700" progId="Equation.DSMT4">
+                <p:oleObj spid="_x0000_s214076" name="Equation" r:id="rId4" imgW="393700" imgH="266700" progId="Equation.DSMT4">
                   <p:embed/>
                 </p:oleObj>
               </mc:Choice>
@@ -13535,7 +14301,7 @@
           <a:graphicData uri="http://schemas.openxmlformats.org/presentationml/2006/ole">
             <mc:AlternateContent xmlns:mc="http://schemas.openxmlformats.org/markup-compatibility/2006">
               <mc:Choice xmlns:v="urn:schemas-microsoft-com:vml" Requires="v">
-                <p:oleObj spid="_x0000_s214072" name="Equation" r:id="rId6" imgW="1447800" imgH="495300" progId="Equation.DSMT4">
+                <p:oleObj spid="_x0000_s214077" name="Equation" r:id="rId6" imgW="1447800" imgH="495300" progId="Equation.DSMT4">
                   <p:embed/>
                 </p:oleObj>
               </mc:Choice>
@@ -13730,7 +14496,7 @@
           <a:graphicData uri="http://schemas.openxmlformats.org/presentationml/2006/ole">
             <mc:AlternateContent xmlns:mc="http://schemas.openxmlformats.org/markup-compatibility/2006">
               <mc:Choice xmlns:v="urn:schemas-microsoft-com:vml" Requires="v">
-                <p:oleObj spid="_x0000_s216121" name="Equation" r:id="rId4" imgW="393700" imgH="266700" progId="Equation.DSMT4">
+                <p:oleObj spid="_x0000_s216126" name="Equation" r:id="rId4" imgW="393700" imgH="266700" progId="Equation.DSMT4">
                   <p:embed/>
                 </p:oleObj>
               </mc:Choice>
@@ -13800,7 +14566,7 @@
           <a:graphicData uri="http://schemas.openxmlformats.org/presentationml/2006/ole">
             <mc:AlternateContent xmlns:mc="http://schemas.openxmlformats.org/markup-compatibility/2006">
               <mc:Choice xmlns:v="urn:schemas-microsoft-com:vml" Requires="v">
-                <p:oleObj spid="_x0000_s216122" name="Equation" r:id="rId6" imgW="1308100" imgH="419100" progId="Equation.DSMT4">
+                <p:oleObj spid="_x0000_s216127" name="Equation" r:id="rId6" imgW="1308100" imgH="419100" progId="Equation.DSMT4">
                   <p:embed/>
                 </p:oleObj>
               </mc:Choice>
@@ -13987,7 +14753,7 @@
           <a:graphicData uri="http://schemas.openxmlformats.org/presentationml/2006/ole">
             <mc:AlternateContent xmlns:mc="http://schemas.openxmlformats.org/markup-compatibility/2006">
               <mc:Choice xmlns:v="urn:schemas-microsoft-com:vml" Requires="v">
-                <p:oleObj spid="_x0000_s248873" name="Equation" r:id="rId4" imgW="393700" imgH="266700" progId="Equation.DSMT4">
+                <p:oleObj spid="_x0000_s248878" name="Equation" r:id="rId4" imgW="393700" imgH="266700" progId="Equation.DSMT4">
                   <p:embed/>
                 </p:oleObj>
               </mc:Choice>
@@ -14057,7 +14823,7 @@
           <a:graphicData uri="http://schemas.openxmlformats.org/presentationml/2006/ole">
             <mc:AlternateContent xmlns:mc="http://schemas.openxmlformats.org/markup-compatibility/2006">
               <mc:Choice xmlns:v="urn:schemas-microsoft-com:vml" Requires="v">
-                <p:oleObj spid="_x0000_s248874" name="Equation" r:id="rId6" imgW="1308100" imgH="419100" progId="Equation.DSMT4">
+                <p:oleObj spid="_x0000_s248879" name="Equation" r:id="rId6" imgW="1308100" imgH="419100" progId="Equation.DSMT4">
                   <p:embed/>
                 </p:oleObj>
               </mc:Choice>
@@ -14244,7 +15010,7 @@
           <a:graphicData uri="http://schemas.openxmlformats.org/presentationml/2006/ole">
             <mc:AlternateContent xmlns:mc="http://schemas.openxmlformats.org/markup-compatibility/2006">
               <mc:Choice xmlns:v="urn:schemas-microsoft-com:vml" Requires="v">
-                <p:oleObj spid="_x0000_s217145" name="Equation" r:id="rId4" imgW="266700" imgH="177800" progId="Equation.DSMT4">
+                <p:oleObj spid="_x0000_s217150" name="Equation" r:id="rId4" imgW="266700" imgH="177800" progId="Equation.DSMT4">
                   <p:embed/>
                 </p:oleObj>
               </mc:Choice>
@@ -14314,7 +15080,7 @@
           <a:graphicData uri="http://schemas.openxmlformats.org/presentationml/2006/ole">
             <mc:AlternateContent xmlns:mc="http://schemas.openxmlformats.org/markup-compatibility/2006">
               <mc:Choice xmlns:v="urn:schemas-microsoft-com:vml" Requires="v">
-                <p:oleObj spid="_x0000_s217146" name="Equation" r:id="rId6" imgW="1206500" imgH="482600" progId="Equation.DSMT4">
+                <p:oleObj spid="_x0000_s217151" name="Equation" r:id="rId6" imgW="1206500" imgH="482600" progId="Equation.DSMT4">
                   <p:embed/>
                 </p:oleObj>
               </mc:Choice>
@@ -14416,7 +15182,7 @@
           <a:graphicData uri="http://schemas.openxmlformats.org/presentationml/2006/ole">
             <mc:AlternateContent xmlns:mc="http://schemas.openxmlformats.org/markup-compatibility/2006">
               <mc:Choice xmlns:v="urn:schemas-microsoft-com:vml" Requires="v">
-                <p:oleObj spid="_x0000_s235604" name="Equation" r:id="rId4" imgW="1473200" imgH="482600" progId="Equation.DSMT4">
+                <p:oleObj spid="_x0000_s235611" name="Equation" r:id="rId4" imgW="1473200" imgH="482600" progId="Equation.DSMT4">
                   <p:embed/>
                 </p:oleObj>
               </mc:Choice>
@@ -14563,7 +15329,7 @@
           <a:graphicData uri="http://schemas.openxmlformats.org/presentationml/2006/ole">
             <mc:AlternateContent xmlns:mc="http://schemas.openxmlformats.org/markup-compatibility/2006">
               <mc:Choice xmlns:v="urn:schemas-microsoft-com:vml" Requires="v">
-                <p:oleObj spid="_x0000_s235605" name="Equation" r:id="rId6" imgW="139700" imgH="215900" progId="Equation.DSMT4">
+                <p:oleObj spid="_x0000_s235612" name="Equation" r:id="rId6" imgW="139700" imgH="215900" progId="Equation.DSMT4">
                   <p:embed/>
                 </p:oleObj>
               </mc:Choice>
@@ -14620,7 +15386,7 @@
           <a:graphicData uri="http://schemas.openxmlformats.org/presentationml/2006/ole">
             <mc:AlternateContent xmlns:mc="http://schemas.openxmlformats.org/markup-compatibility/2006">
               <mc:Choice xmlns:v="urn:schemas-microsoft-com:vml" Requires="v">
-                <p:oleObj spid="_x0000_s235606" name="Equation" r:id="rId8" imgW="139700" imgH="215900" progId="Equation.DSMT4">
+                <p:oleObj spid="_x0000_s235613" name="Equation" r:id="rId8" imgW="139700" imgH="215900" progId="Equation.DSMT4">
                   <p:embed/>
                 </p:oleObj>
               </mc:Choice>
@@ -14655,6 +15421,69 @@
           </a:graphicData>
         </a:graphic>
       </p:graphicFrame>
+      <p:sp>
+        <p:nvSpPr>
+          <p:cNvPr id="2" name="Oval 1"/>
+          <p:cNvSpPr/>
+          <p:nvPr/>
+        </p:nvSpPr>
+        <p:spPr bwMode="auto">
+          <a:xfrm>
+            <a:off x="4419600" y="2057400"/>
+            <a:ext cx="1371600" cy="762000"/>
+          </a:xfrm>
+          <a:prstGeom prst="ellipse">
+            <a:avLst/>
+          </a:prstGeom>
+          <a:noFill/>
+          <a:ln w="44450" cap="flat" cmpd="sng" algn="ctr">
+            <a:solidFill>
+              <a:srgbClr val="FF00FF"/>
+            </a:solidFill>
+            <a:prstDash val="sysDash"/>
+            <a:round/>
+            <a:headEnd type="none" w="med" len="med"/>
+            <a:tailEnd type="none" w="med" len="med"/>
+          </a:ln>
+          <a:effectLst/>
+        </p:spPr>
+        <p:txBody>
+          <a:bodyPr vert="horz" wrap="square" lIns="91440" tIns="45720" rIns="91440" bIns="45720" numCol="1" rtlCol="0" anchor="t" anchorCtr="0" compatLnSpc="1">
+            <a:prstTxWarp prst="textNoShape">
+              <a:avLst/>
+            </a:prstTxWarp>
+          </a:bodyPr>
+          <a:lstStyle/>
+          <a:p>
+            <a:pPr marL="0" marR="0" indent="0" algn="l" defTabSz="914400" rtl="0" eaLnBrk="1" fontAlgn="base" latinLnBrk="0" hangingPunct="1">
+              <a:lnSpc>
+                <a:spcPct val="100000"/>
+              </a:lnSpc>
+              <a:spcBef>
+                <a:spcPct val="0"/>
+              </a:spcBef>
+              <a:spcAft>
+                <a:spcPct val="0"/>
+              </a:spcAft>
+              <a:buClrTx/>
+              <a:buSzTx/>
+              <a:buFontTx/>
+              <a:buNone/>
+              <a:tabLst/>
+            </a:pPr>
+            <a:endParaRPr kumimoji="0" lang="en-US" sz="3600" b="0" i="0" u="none" strike="noStrike" cap="none" normalizeH="0" baseline="0" smtClean="0">
+              <a:ln>
+                <a:noFill/>
+              </a:ln>
+              <a:solidFill>
+                <a:schemeClr val="tx1"/>
+              </a:solidFill>
+              <a:effectLst/>
+              <a:latin typeface="Times New Roman" pitchFamily="8" charset="0"/>
+            </a:endParaRPr>
+          </a:p>
+        </p:txBody>
+      </p:sp>
     </p:spTree>
     <p:extLst>
       <p:ext uri="{BB962C8B-B14F-4D97-AF65-F5344CB8AC3E}">
@@ -14671,9 +15500,88 @@
   <p:timing>
     <p:tnLst>
       <p:par>
-        <p:cTn xmlns:p14="http://schemas.microsoft.com/office/powerpoint/2010/main" id="1" dur="indefinite" restart="never" nodeType="tmRoot"/>
+        <p:cTn xmlns:p14="http://schemas.microsoft.com/office/powerpoint/2010/main" id="1" dur="indefinite" restart="never" nodeType="tmRoot">
+          <p:childTnLst>
+            <p:seq concurrent="1" nextAc="seek">
+              <p:cTn id="2" dur="indefinite" nodeType="mainSeq">
+                <p:childTnLst>
+                  <p:par>
+                    <p:cTn id="3" fill="hold">
+                      <p:stCondLst>
+                        <p:cond delay="indefinite"/>
+                      </p:stCondLst>
+                      <p:childTnLst>
+                        <p:par>
+                          <p:cTn id="4" fill="hold">
+                            <p:stCondLst>
+                              <p:cond delay="0"/>
+                            </p:stCondLst>
+                            <p:childTnLst>
+                              <p:par>
+                                <p:cTn id="5" presetID="10" presetClass="entr" presetSubtype="0" fill="hold" grpId="0" nodeType="clickEffect">
+                                  <p:stCondLst>
+                                    <p:cond delay="0"/>
+                                  </p:stCondLst>
+                                  <p:childTnLst>
+                                    <p:set>
+                                      <p:cBhvr>
+                                        <p:cTn id="6" dur="1" fill="hold">
+                                          <p:stCondLst>
+                                            <p:cond delay="0"/>
+                                          </p:stCondLst>
+                                        </p:cTn>
+                                        <p:tgtEl>
+                                          <p:spTgt spid="2"/>
+                                        </p:tgtEl>
+                                        <p:attrNameLst>
+                                          <p:attrName>style.visibility</p:attrName>
+                                        </p:attrNameLst>
+                                      </p:cBhvr>
+                                      <p:to>
+                                        <p:strVal val="visible"/>
+                                      </p:to>
+                                    </p:set>
+                                    <p:animEffect transition="in" filter="fade">
+                                      <p:cBhvr>
+                                        <p:cTn id="7" dur="500"/>
+                                        <p:tgtEl>
+                                          <p:spTgt spid="2"/>
+                                        </p:tgtEl>
+                                      </p:cBhvr>
+                                    </p:animEffect>
+                                  </p:childTnLst>
+                                </p:cTn>
+                              </p:par>
+                            </p:childTnLst>
+                          </p:cTn>
+                        </p:par>
+                      </p:childTnLst>
+                    </p:cTn>
+                  </p:par>
+                </p:childTnLst>
+              </p:cTn>
+              <p:prevCondLst>
+                <p:cond evt="onPrev" delay="0">
+                  <p:tgtEl>
+                    <p:sldTgt/>
+                  </p:tgtEl>
+                </p:cond>
+              </p:prevCondLst>
+              <p:nextCondLst>
+                <p:cond evt="onNext" delay="0">
+                  <p:tgtEl>
+                    <p:sldTgt/>
+                  </p:tgtEl>
+                </p:cond>
+              </p:nextCondLst>
+            </p:seq>
+          </p:childTnLst>
+        </p:cTn>
       </p:par>
     </p:tnLst>
+    <p:bldLst>
+      <p:bldP spid="2" grpId="0" animBg="1"/>
+    </p:bldLst>
   </p:timing>
 </p:sld>
 </file>

--- a/fall17/slidesF17/incexcbinom.pptx
+++ b/fall17/slidesF17/incexcbinom.pptx
@@ -3720,7 +3720,7 @@
         <p:spPr>
           <a:xfrm>
             <a:off x="2971800" y="6553200"/>
-            <a:ext cx="3149600" cy="304800"/>
+            <a:ext cx="3276600" cy="304800"/>
           </a:xfrm>
           <a:prstGeom prst="rect">
             <a:avLst/>
@@ -3760,7 +3760,37 @@
                 <a:uFillTx/>
                 <a:latin typeface="Comic Sans MS" pitchFamily="66" charset="0"/>
               </a:rPr>
-              <a:t>Albert R Meyer,          November 3, 2017</a:t>
+              <a:t>Albert R Meyer,          November </a:t>
+            </a:r>
+            <a:r>
+              <a:rPr kumimoji="0" lang="en-US" sz="1200" b="0" i="0" u="none" strike="noStrike" kern="1200" cap="none" spc="0" normalizeH="0" baseline="0" noProof="0" dirty="0" smtClean="0">
+                <a:ln>
+                  <a:noFill/>
+                </a:ln>
+                <a:solidFill>
+                  <a:schemeClr val="tx1"/>
+                </a:solidFill>
+                <a:effectLst/>
+                <a:uLnTx/>
+                <a:uFillTx/>
+                <a:latin typeface="Comic Sans MS" pitchFamily="66" charset="0"/>
+              </a:rPr>
+              <a:t>12, </a:t>
+            </a:r>
+            <a:r>
+              <a:rPr kumimoji="0" lang="en-US" sz="1200" b="0" i="0" u="none" strike="noStrike" kern="1200" cap="none" spc="0" normalizeH="0" baseline="0" noProof="0" dirty="0" smtClean="0">
+                <a:ln>
+                  <a:noFill/>
+                </a:ln>
+                <a:solidFill>
+                  <a:schemeClr val="tx1"/>
+                </a:solidFill>
+                <a:effectLst/>
+                <a:uLnTx/>
+                <a:uFillTx/>
+                <a:latin typeface="Comic Sans MS" pitchFamily="66" charset="0"/>
+              </a:rPr>
+              <a:t>2017</a:t>
             </a:r>
             <a:endParaRPr kumimoji="0" lang="en-US" sz="1200" b="0" i="0" u="none" strike="noStrike" kern="1200" cap="none" spc="0" normalizeH="0" baseline="0" noProof="0" dirty="0">
               <a:ln>
@@ -4443,7 +4473,7 @@
           <a:graphicData uri="http://schemas.openxmlformats.org/presentationml/2006/ole">
             <mc:AlternateContent xmlns:mc="http://schemas.openxmlformats.org/markup-compatibility/2006">
               <mc:Choice xmlns:v="urn:schemas-microsoft-com:vml" Requires="v">
-                <p:oleObj spid="_x0000_s285733" name="Equation" r:id="rId4" imgW="1384300" imgH="482600" progId="Equation.DSMT4">
+                <p:oleObj spid="_x0000_s285738" name="Equation" r:id="rId4" imgW="1384300" imgH="482600" progId="Equation.DSMT4">
                   <p:embed/>
                 </p:oleObj>
               </mc:Choice>
@@ -4505,7 +4535,7 @@
           <a:graphicData uri="http://schemas.openxmlformats.org/presentationml/2006/ole">
             <mc:AlternateContent xmlns:mc="http://schemas.openxmlformats.org/markup-compatibility/2006">
               <mc:Choice xmlns:v="urn:schemas-microsoft-com:vml" Requires="v">
-                <p:oleObj spid="_x0000_s285734" name="Equation" r:id="rId6" imgW="1295400" imgH="596900" progId="Equation.DSMT4">
+                <p:oleObj spid="_x0000_s285739" name="Equation" r:id="rId6" imgW="1295400" imgH="596900" progId="Equation.DSMT4">
                   <p:embed/>
                 </p:oleObj>
               </mc:Choice>
@@ -4710,7 +4740,7 @@
           <a:graphicData uri="http://schemas.openxmlformats.org/presentationml/2006/ole">
             <mc:AlternateContent xmlns:mc="http://schemas.openxmlformats.org/markup-compatibility/2006">
               <mc:Choice xmlns:v="urn:schemas-microsoft-com:vml" Requires="v">
-                <p:oleObj spid="_x0000_s285735" name="Equation" r:id="rId8" imgW="139700" imgH="215900" progId="Equation.DSMT4">
+                <p:oleObj spid="_x0000_s285740" name="Equation" r:id="rId8" imgW="139700" imgH="215900" progId="Equation.DSMT4">
                   <p:embed/>
                 </p:oleObj>
               </mc:Choice>
@@ -4767,7 +4797,7 @@
           <a:graphicData uri="http://schemas.openxmlformats.org/presentationml/2006/ole">
             <mc:AlternateContent xmlns:mc="http://schemas.openxmlformats.org/markup-compatibility/2006">
               <mc:Choice xmlns:v="urn:schemas-microsoft-com:vml" Requires="v">
-                <p:oleObj spid="_x0000_s285736" name="Equation" r:id="rId10" imgW="139700" imgH="215900" progId="Equation.DSMT4">
+                <p:oleObj spid="_x0000_s285741" name="Equation" r:id="rId10" imgW="139700" imgH="215900" progId="Equation.DSMT4">
                   <p:embed/>
                 </p:oleObj>
               </mc:Choice>
@@ -5423,7 +5453,7 @@
           <a:graphicData uri="http://schemas.openxmlformats.org/presentationml/2006/ole">
             <mc:AlternateContent xmlns:mc="http://schemas.openxmlformats.org/markup-compatibility/2006">
               <mc:Choice xmlns:v="urn:schemas-microsoft-com:vml" Requires="v">
-                <p:oleObj spid="_x0000_s234557" name="Equation" r:id="rId3" imgW="1816100" imgH="381000" progId="Equation.DSMT4">
+                <p:oleObj spid="_x0000_s234560" name="Equation" r:id="rId3" imgW="1816100" imgH="381000" progId="Equation.DSMT4">
                   <p:embed/>
                 </p:oleObj>
               </mc:Choice>
@@ -5480,7 +5510,7 @@
           <a:graphicData uri="http://schemas.openxmlformats.org/presentationml/2006/ole">
             <mc:AlternateContent xmlns:mc="http://schemas.openxmlformats.org/markup-compatibility/2006">
               <mc:Choice xmlns:v="urn:schemas-microsoft-com:vml" Requires="v">
-                <p:oleObj spid="_x0000_s234558" name="Equation" r:id="rId5" imgW="406400" imgH="292100" progId="Equation.DSMT4">
+                <p:oleObj spid="_x0000_s234561" name="Equation" r:id="rId5" imgW="406400" imgH="292100" progId="Equation.DSMT4">
                   <p:embed/>
                 </p:oleObj>
               </mc:Choice>
@@ -6232,7 +6262,7 @@
           <a:graphicData uri="http://schemas.openxmlformats.org/presentationml/2006/ole">
             <mc:AlternateContent xmlns:mc="http://schemas.openxmlformats.org/markup-compatibility/2006">
               <mc:Choice xmlns:v="urn:schemas-microsoft-com:vml" Requires="v">
-                <p:oleObj spid="_x0000_s268304" name="Equation" r:id="rId3" imgW="1638300" imgH="558800" progId="Equation.DSMT4">
+                <p:oleObj spid="_x0000_s268306" name="Equation" r:id="rId3" imgW="1638300" imgH="558800" progId="Equation.DSMT4">
                   <p:embed/>
                 </p:oleObj>
               </mc:Choice>
@@ -6499,7 +6529,7 @@
           <a:graphicData uri="http://schemas.openxmlformats.org/presentationml/2006/ole">
             <mc:AlternateContent xmlns:mc="http://schemas.openxmlformats.org/markup-compatibility/2006">
               <mc:Choice xmlns:v="urn:schemas-microsoft-com:vml" Requires="v">
-                <p:oleObj spid="_x0000_s263235" name="Equation" r:id="rId4" imgW="139700" imgH="215900" progId="Equation.DSMT4">
+                <p:oleObj spid="_x0000_s263239" name="Equation" r:id="rId4" imgW="139700" imgH="215900" progId="Equation.DSMT4">
                   <p:embed/>
                 </p:oleObj>
               </mc:Choice>
@@ -6556,7 +6586,7 @@
           <a:graphicData uri="http://schemas.openxmlformats.org/presentationml/2006/ole">
             <mc:AlternateContent xmlns:mc="http://schemas.openxmlformats.org/markup-compatibility/2006">
               <mc:Choice xmlns:v="urn:schemas-microsoft-com:vml" Requires="v">
-                <p:oleObj spid="_x0000_s263236" name="Equation" r:id="rId6" imgW="139700" imgH="215900" progId="Equation.DSMT4">
+                <p:oleObj spid="_x0000_s263240" name="Equation" r:id="rId6" imgW="139700" imgH="215900" progId="Equation.DSMT4">
                   <p:embed/>
                 </p:oleObj>
               </mc:Choice>
@@ -6613,7 +6643,7 @@
           <a:graphicData uri="http://schemas.openxmlformats.org/presentationml/2006/ole">
             <mc:AlternateContent xmlns:mc="http://schemas.openxmlformats.org/markup-compatibility/2006">
               <mc:Choice xmlns:v="urn:schemas-microsoft-com:vml" Requires="v">
-                <p:oleObj spid="_x0000_s263237" name="Equation" r:id="rId7" imgW="393700" imgH="304800" progId="Equation.DSMT4">
+                <p:oleObj spid="_x0000_s263241" name="Equation" r:id="rId7" imgW="393700" imgH="304800" progId="Equation.DSMT4">
                   <p:embed/>
                 </p:oleObj>
               </mc:Choice>
@@ -6795,7 +6825,7 @@
           <a:graphicData uri="http://schemas.openxmlformats.org/presentationml/2006/ole">
             <mc:AlternateContent xmlns:mc="http://schemas.openxmlformats.org/markup-compatibility/2006">
               <mc:Choice xmlns:v="urn:schemas-microsoft-com:vml" Requires="v">
-                <p:oleObj spid="_x0000_s277549" name="Equation" r:id="rId4" imgW="1092200" imgH="419100" progId="Equation.DSMT4">
+                <p:oleObj spid="_x0000_s277554" name="Equation" r:id="rId4" imgW="1092200" imgH="419100" progId="Equation.DSMT4">
                   <p:embed/>
                 </p:oleObj>
               </mc:Choice>
@@ -6857,7 +6887,7 @@
           <a:graphicData uri="http://schemas.openxmlformats.org/presentationml/2006/ole">
             <mc:AlternateContent xmlns:mc="http://schemas.openxmlformats.org/markup-compatibility/2006">
               <mc:Choice xmlns:v="urn:schemas-microsoft-com:vml" Requires="v">
-                <p:oleObj spid="_x0000_s277550" name="Equation" r:id="rId6" imgW="139700" imgH="215900" progId="Equation.DSMT4">
+                <p:oleObj spid="_x0000_s277555" name="Equation" r:id="rId6" imgW="139700" imgH="215900" progId="Equation.DSMT4">
                   <p:embed/>
                 </p:oleObj>
               </mc:Choice>
@@ -6914,7 +6944,7 @@
           <a:graphicData uri="http://schemas.openxmlformats.org/presentationml/2006/ole">
             <mc:AlternateContent xmlns:mc="http://schemas.openxmlformats.org/markup-compatibility/2006">
               <mc:Choice xmlns:v="urn:schemas-microsoft-com:vml" Requires="v">
-                <p:oleObj spid="_x0000_s277551" name="Equation" r:id="rId8" imgW="139700" imgH="215900" progId="Equation.DSMT4">
+                <p:oleObj spid="_x0000_s277556" name="Equation" r:id="rId8" imgW="139700" imgH="215900" progId="Equation.DSMT4">
                   <p:embed/>
                 </p:oleObj>
               </mc:Choice>
@@ -6971,7 +7001,7 @@
           <a:graphicData uri="http://schemas.openxmlformats.org/presentationml/2006/ole">
             <mc:AlternateContent xmlns:mc="http://schemas.openxmlformats.org/markup-compatibility/2006">
               <mc:Choice xmlns:v="urn:schemas-microsoft-com:vml" Requires="v">
-                <p:oleObj spid="_x0000_s277552" name="Equation" r:id="rId9" imgW="1054100" imgH="393700" progId="Equation.DSMT4">
+                <p:oleObj spid="_x0000_s277557" name="Equation" r:id="rId9" imgW="1054100" imgH="393700" progId="Equation.DSMT4">
                   <p:embed/>
                 </p:oleObj>
               </mc:Choice>
@@ -7229,7 +7259,7 @@
           <a:graphicData uri="http://schemas.openxmlformats.org/presentationml/2006/ole">
             <mc:AlternateContent xmlns:mc="http://schemas.openxmlformats.org/markup-compatibility/2006">
               <mc:Choice xmlns:v="urn:schemas-microsoft-com:vml" Requires="v">
-                <p:oleObj spid="_x0000_s269365" name="Equation" r:id="rId4" imgW="1460500" imgH="482600" progId="Equation.DSMT4">
+                <p:oleObj spid="_x0000_s269370" name="Equation" r:id="rId4" imgW="1460500" imgH="482600" progId="Equation.DSMT4">
                   <p:embed/>
                 </p:oleObj>
               </mc:Choice>
@@ -7291,7 +7321,7 @@
           <a:graphicData uri="http://schemas.openxmlformats.org/presentationml/2006/ole">
             <mc:AlternateContent xmlns:mc="http://schemas.openxmlformats.org/markup-compatibility/2006">
               <mc:Choice xmlns:v="urn:schemas-microsoft-com:vml" Requires="v">
-                <p:oleObj spid="_x0000_s269366" name="Equation" r:id="rId6" imgW="139700" imgH="215900" progId="Equation.DSMT4">
+                <p:oleObj spid="_x0000_s269371" name="Equation" r:id="rId6" imgW="139700" imgH="215900" progId="Equation.DSMT4">
                   <p:embed/>
                 </p:oleObj>
               </mc:Choice>
@@ -7348,7 +7378,7 @@
           <a:graphicData uri="http://schemas.openxmlformats.org/presentationml/2006/ole">
             <mc:AlternateContent xmlns:mc="http://schemas.openxmlformats.org/markup-compatibility/2006">
               <mc:Choice xmlns:v="urn:schemas-microsoft-com:vml" Requires="v">
-                <p:oleObj spid="_x0000_s269367" name="Equation" r:id="rId8" imgW="139700" imgH="215900" progId="Equation.DSMT4">
+                <p:oleObj spid="_x0000_s269372" name="Equation" r:id="rId8" imgW="139700" imgH="215900" progId="Equation.DSMT4">
                   <p:embed/>
                 </p:oleObj>
               </mc:Choice>
@@ -7405,7 +7435,7 @@
           <a:graphicData uri="http://schemas.openxmlformats.org/presentationml/2006/ole">
             <mc:AlternateContent xmlns:mc="http://schemas.openxmlformats.org/markup-compatibility/2006">
               <mc:Choice xmlns:v="urn:schemas-microsoft-com:vml" Requires="v">
-                <p:oleObj spid="_x0000_s269368" name="Equation" r:id="rId9" imgW="1460500" imgH="482600" progId="Equation.DSMT4">
+                <p:oleObj spid="_x0000_s269373" name="Equation" r:id="rId9" imgW="1460500" imgH="482600" progId="Equation.DSMT4">
                   <p:embed/>
                 </p:oleObj>
               </mc:Choice>
@@ -7783,7 +7813,7 @@
           <a:graphicData uri="http://schemas.openxmlformats.org/presentationml/2006/ole">
             <mc:AlternateContent xmlns:mc="http://schemas.openxmlformats.org/markup-compatibility/2006">
               <mc:Choice xmlns:v="urn:schemas-microsoft-com:vml" Requires="v">
-                <p:oleObj spid="_x0000_s272433" name="Equation" r:id="rId4" imgW="139700" imgH="215900" progId="Equation.DSMT4">
+                <p:oleObj spid="_x0000_s272438" name="Equation" r:id="rId4" imgW="139700" imgH="215900" progId="Equation.DSMT4">
                   <p:embed/>
                 </p:oleObj>
               </mc:Choice>
@@ -7840,7 +7870,7 @@
           <a:graphicData uri="http://schemas.openxmlformats.org/presentationml/2006/ole">
             <mc:AlternateContent xmlns:mc="http://schemas.openxmlformats.org/markup-compatibility/2006">
               <mc:Choice xmlns:v="urn:schemas-microsoft-com:vml" Requires="v">
-                <p:oleObj spid="_x0000_s272434" name="Equation" r:id="rId6" imgW="139700" imgH="215900" progId="Equation.DSMT4">
+                <p:oleObj spid="_x0000_s272439" name="Equation" r:id="rId6" imgW="139700" imgH="215900" progId="Equation.DSMT4">
                   <p:embed/>
                 </p:oleObj>
               </mc:Choice>
@@ -7897,7 +7927,7 @@
           <a:graphicData uri="http://schemas.openxmlformats.org/presentationml/2006/ole">
             <mc:AlternateContent xmlns:mc="http://schemas.openxmlformats.org/markup-compatibility/2006">
               <mc:Choice xmlns:v="urn:schemas-microsoft-com:vml" Requires="v">
-                <p:oleObj spid="_x0000_s272435" name="Equation" r:id="rId7" imgW="1460500" imgH="482600" progId="Equation.DSMT4">
+                <p:oleObj spid="_x0000_s272440" name="Equation" r:id="rId7" imgW="1460500" imgH="482600" progId="Equation.DSMT4">
                   <p:embed/>
                 </p:oleObj>
               </mc:Choice>
@@ -7996,7 +8026,7 @@
           <a:graphicData uri="http://schemas.openxmlformats.org/presentationml/2006/ole">
             <mc:AlternateContent xmlns:mc="http://schemas.openxmlformats.org/markup-compatibility/2006">
               <mc:Choice xmlns:v="urn:schemas-microsoft-com:vml" Requires="v">
-                <p:oleObj spid="_x0000_s272436" name="Equation" r:id="rId9" imgW="1460500" imgH="482600" progId="Equation.DSMT4">
+                <p:oleObj spid="_x0000_s272441" name="Equation" r:id="rId9" imgW="1460500" imgH="482600" progId="Equation.DSMT4">
                   <p:embed/>
                 </p:oleObj>
               </mc:Choice>
@@ -8259,7 +8289,7 @@
           <a:graphicData uri="http://schemas.openxmlformats.org/presentationml/2006/ole">
             <mc:AlternateContent xmlns:mc="http://schemas.openxmlformats.org/markup-compatibility/2006">
               <mc:Choice xmlns:v="urn:schemas-microsoft-com:vml" Requires="v">
-                <p:oleObj spid="_x0000_s286752" name="Equation" r:id="rId4" imgW="139700" imgH="215900" progId="Equation.DSMT4">
+                <p:oleObj spid="_x0000_s286756" name="Equation" r:id="rId4" imgW="139700" imgH="215900" progId="Equation.DSMT4">
                   <p:embed/>
                 </p:oleObj>
               </mc:Choice>
@@ -8316,7 +8346,7 @@
           <a:graphicData uri="http://schemas.openxmlformats.org/presentationml/2006/ole">
             <mc:AlternateContent xmlns:mc="http://schemas.openxmlformats.org/markup-compatibility/2006">
               <mc:Choice xmlns:v="urn:schemas-microsoft-com:vml" Requires="v">
-                <p:oleObj spid="_x0000_s286753" name="Equation" r:id="rId6" imgW="139700" imgH="215900" progId="Equation.DSMT4">
+                <p:oleObj spid="_x0000_s286757" name="Equation" r:id="rId6" imgW="139700" imgH="215900" progId="Equation.DSMT4">
                   <p:embed/>
                 </p:oleObj>
               </mc:Choice>
@@ -8373,7 +8403,7 @@
           <a:graphicData uri="http://schemas.openxmlformats.org/presentationml/2006/ole">
             <mc:AlternateContent xmlns:mc="http://schemas.openxmlformats.org/markup-compatibility/2006">
               <mc:Choice xmlns:v="urn:schemas-microsoft-com:vml" Requires="v">
-                <p:oleObj spid="_x0000_s286754" name="Equation" r:id="rId7" imgW="1460500" imgH="482600" progId="Equation.DSMT4">
+                <p:oleObj spid="_x0000_s286758" name="Equation" r:id="rId7" imgW="1460500" imgH="482600" progId="Equation.DSMT4">
                   <p:embed/>
                 </p:oleObj>
               </mc:Choice>
@@ -8736,7 +8766,7 @@
           <a:graphicData uri="http://schemas.openxmlformats.org/presentationml/2006/ole">
             <mc:AlternateContent xmlns:mc="http://schemas.openxmlformats.org/markup-compatibility/2006">
               <mc:Choice xmlns:v="urn:schemas-microsoft-com:vml" Requires="v">
-                <p:oleObj spid="_x0000_s278573" name="Equation" r:id="rId4" imgW="139700" imgH="215900" progId="Equation.DSMT4">
+                <p:oleObj spid="_x0000_s278578" name="Equation" r:id="rId4" imgW="139700" imgH="215900" progId="Equation.DSMT4">
                   <p:embed/>
                 </p:oleObj>
               </mc:Choice>
@@ -8793,7 +8823,7 @@
           <a:graphicData uri="http://schemas.openxmlformats.org/presentationml/2006/ole">
             <mc:AlternateContent xmlns:mc="http://schemas.openxmlformats.org/markup-compatibility/2006">
               <mc:Choice xmlns:v="urn:schemas-microsoft-com:vml" Requires="v">
-                <p:oleObj spid="_x0000_s278574" name="Equation" r:id="rId6" imgW="139700" imgH="215900" progId="Equation.DSMT4">
+                <p:oleObj spid="_x0000_s278579" name="Equation" r:id="rId6" imgW="139700" imgH="215900" progId="Equation.DSMT4">
                   <p:embed/>
                 </p:oleObj>
               </mc:Choice>
@@ -8850,7 +8880,7 @@
           <a:graphicData uri="http://schemas.openxmlformats.org/presentationml/2006/ole">
             <mc:AlternateContent xmlns:mc="http://schemas.openxmlformats.org/markup-compatibility/2006">
               <mc:Choice xmlns:v="urn:schemas-microsoft-com:vml" Requires="v">
-                <p:oleObj spid="_x0000_s278575" name="Equation" r:id="rId7" imgW="469900" imgH="381000" progId="Equation.DSMT4">
+                <p:oleObj spid="_x0000_s278580" name="Equation" r:id="rId7" imgW="469900" imgH="381000" progId="Equation.DSMT4">
                   <p:embed/>
                 </p:oleObj>
               </mc:Choice>
@@ -8912,7 +8942,7 @@
           <a:graphicData uri="http://schemas.openxmlformats.org/presentationml/2006/ole">
             <mc:AlternateContent xmlns:mc="http://schemas.openxmlformats.org/markup-compatibility/2006">
               <mc:Choice xmlns:v="urn:schemas-microsoft-com:vml" Requires="v">
-                <p:oleObj spid="_x0000_s278576" name="Equation" r:id="rId9" imgW="1803400" imgH="495300" progId="Equation.DSMT4">
+                <p:oleObj spid="_x0000_s278581" name="Equation" r:id="rId9" imgW="1803400" imgH="495300" progId="Equation.DSMT4">
                   <p:embed/>
                 </p:oleObj>
               </mc:Choice>
@@ -9173,7 +9203,7 @@
           <a:graphicData uri="http://schemas.openxmlformats.org/presentationml/2006/ole">
             <mc:AlternateContent xmlns:mc="http://schemas.openxmlformats.org/markup-compatibility/2006">
               <mc:Choice xmlns:v="urn:schemas-microsoft-com:vml" Requires="v">
-                <p:oleObj spid="_x0000_s280608" name="Equation" r:id="rId4" imgW="139700" imgH="215900" progId="Equation.DSMT4">
+                <p:oleObj spid="_x0000_s280612" name="Equation" r:id="rId4" imgW="139700" imgH="215900" progId="Equation.DSMT4">
                   <p:embed/>
                 </p:oleObj>
               </mc:Choice>
@@ -9230,7 +9260,7 @@
           <a:graphicData uri="http://schemas.openxmlformats.org/presentationml/2006/ole">
             <mc:AlternateContent xmlns:mc="http://schemas.openxmlformats.org/markup-compatibility/2006">
               <mc:Choice xmlns:v="urn:schemas-microsoft-com:vml" Requires="v">
-                <p:oleObj spid="_x0000_s280609" name="Equation" r:id="rId6" imgW="139700" imgH="215900" progId="Equation.DSMT4">
+                <p:oleObj spid="_x0000_s280613" name="Equation" r:id="rId6" imgW="139700" imgH="215900" progId="Equation.DSMT4">
                   <p:embed/>
                 </p:oleObj>
               </mc:Choice>
@@ -9287,7 +9317,7 @@
           <a:graphicData uri="http://schemas.openxmlformats.org/presentationml/2006/ole">
             <mc:AlternateContent xmlns:mc="http://schemas.openxmlformats.org/markup-compatibility/2006">
               <mc:Choice xmlns:v="urn:schemas-microsoft-com:vml" Requires="v">
-                <p:oleObj spid="_x0000_s280610" name="Equation" r:id="rId7" imgW="1803400" imgH="495300" progId="Equation.DSMT4">
+                <p:oleObj spid="_x0000_s280614" name="Equation" r:id="rId7" imgW="1803400" imgH="495300" progId="Equation.DSMT4">
                   <p:embed/>
                 </p:oleObj>
               </mc:Choice>
@@ -9432,7 +9462,7 @@
           <a:graphicData uri="http://schemas.openxmlformats.org/presentationml/2006/ole">
             <mc:AlternateContent xmlns:mc="http://schemas.openxmlformats.org/markup-compatibility/2006">
               <mc:Choice xmlns:v="urn:schemas-microsoft-com:vml" Requires="v">
-                <p:oleObj spid="_x0000_s1090" name="Equation" r:id="rId4" imgW="1346200" imgH="266700" progId="Equation.DSMT4">
+                <p:oleObj spid="_x0000_s1093" name="Equation" r:id="rId4" imgW="1346200" imgH="266700" progId="Equation.DSMT4">
                   <p:embed/>
                 </p:oleObj>
               </mc:Choice>
@@ -9502,7 +9532,7 @@
           <a:graphicData uri="http://schemas.openxmlformats.org/presentationml/2006/ole">
             <mc:AlternateContent xmlns:mc="http://schemas.openxmlformats.org/markup-compatibility/2006">
               <mc:Choice xmlns:v="urn:schemas-microsoft-com:vml" Requires="v">
-                <p:oleObj spid="_x0000_s1091" name="Equation" r:id="rId6" imgW="1447800" imgH="495300" progId="Equation.DSMT4">
+                <p:oleObj spid="_x0000_s1094" name="Equation" r:id="rId6" imgW="1447800" imgH="495300" progId="Equation.DSMT4">
                   <p:embed/>
                 </p:oleObj>
               </mc:Choice>
@@ -9858,7 +9888,7 @@
           <a:graphicData uri="http://schemas.openxmlformats.org/presentationml/2006/ole">
             <mc:AlternateContent xmlns:mc="http://schemas.openxmlformats.org/markup-compatibility/2006">
               <mc:Choice xmlns:v="urn:schemas-microsoft-com:vml" Requires="v">
-                <p:oleObj spid="_x0000_s279613" name="Equation" r:id="rId4" imgW="139700" imgH="215900" progId="Equation.DSMT4">
+                <p:oleObj spid="_x0000_s279618" name="Equation" r:id="rId4" imgW="139700" imgH="215900" progId="Equation.DSMT4">
                   <p:embed/>
                 </p:oleObj>
               </mc:Choice>
@@ -9915,7 +9945,7 @@
           <a:graphicData uri="http://schemas.openxmlformats.org/presentationml/2006/ole">
             <mc:AlternateContent xmlns:mc="http://schemas.openxmlformats.org/markup-compatibility/2006">
               <mc:Choice xmlns:v="urn:schemas-microsoft-com:vml" Requires="v">
-                <p:oleObj spid="_x0000_s279614" name="Equation" r:id="rId6" imgW="139700" imgH="215900" progId="Equation.DSMT4">
+                <p:oleObj spid="_x0000_s279619" name="Equation" r:id="rId6" imgW="139700" imgH="215900" progId="Equation.DSMT4">
                   <p:embed/>
                 </p:oleObj>
               </mc:Choice>
@@ -9972,7 +10002,7 @@
           <a:graphicData uri="http://schemas.openxmlformats.org/presentationml/2006/ole">
             <mc:AlternateContent xmlns:mc="http://schemas.openxmlformats.org/markup-compatibility/2006">
               <mc:Choice xmlns:v="urn:schemas-microsoft-com:vml" Requires="v">
-                <p:oleObj spid="_x0000_s279615" name="Equation" r:id="rId7" imgW="1803400" imgH="495300" progId="Equation.DSMT4">
+                <p:oleObj spid="_x0000_s279620" name="Equation" r:id="rId7" imgW="1803400" imgH="495300" progId="Equation.DSMT4">
                   <p:embed/>
                 </p:oleObj>
               </mc:Choice>
@@ -10029,7 +10059,7 @@
           <a:graphicData uri="http://schemas.openxmlformats.org/presentationml/2006/ole">
             <mc:AlternateContent xmlns:mc="http://schemas.openxmlformats.org/markup-compatibility/2006">
               <mc:Choice xmlns:v="urn:schemas-microsoft-com:vml" Requires="v">
-                <p:oleObj spid="_x0000_s279616" name="Equation" r:id="rId9" imgW="1651000" imgH="495300" progId="Equation.DSMT4">
+                <p:oleObj spid="_x0000_s279621" name="Equation" r:id="rId9" imgW="1651000" imgH="495300" progId="Equation.DSMT4">
                   <p:embed/>
                 </p:oleObj>
               </mc:Choice>
@@ -10338,7 +10368,7 @@
           <a:graphicData uri="http://schemas.openxmlformats.org/presentationml/2006/ole">
             <mc:AlternateContent xmlns:mc="http://schemas.openxmlformats.org/markup-compatibility/2006">
               <mc:Choice xmlns:v="urn:schemas-microsoft-com:vml" Requires="v">
-                <p:oleObj spid="_x0000_s206089" name="Equation" r:id="rId4" imgW="139700" imgH="215900" progId="Equation.DSMT4">
+                <p:oleObj spid="_x0000_s206094" name="Equation" r:id="rId4" imgW="139700" imgH="215900" progId="Equation.DSMT4">
                   <p:embed/>
                 </p:oleObj>
               </mc:Choice>
@@ -10395,7 +10425,7 @@
           <a:graphicData uri="http://schemas.openxmlformats.org/presentationml/2006/ole">
             <mc:AlternateContent xmlns:mc="http://schemas.openxmlformats.org/markup-compatibility/2006">
               <mc:Choice xmlns:v="urn:schemas-microsoft-com:vml" Requires="v">
-                <p:oleObj spid="_x0000_s206090" name="Equation" r:id="rId6" imgW="139700" imgH="215900" progId="Equation.DSMT4">
+                <p:oleObj spid="_x0000_s206095" name="Equation" r:id="rId6" imgW="139700" imgH="215900" progId="Equation.DSMT4">
                   <p:embed/>
                 </p:oleObj>
               </mc:Choice>
@@ -10452,7 +10482,7 @@
           <a:graphicData uri="http://schemas.openxmlformats.org/presentationml/2006/ole">
             <mc:AlternateContent xmlns:mc="http://schemas.openxmlformats.org/markup-compatibility/2006">
               <mc:Choice xmlns:v="urn:schemas-microsoft-com:vml" Requires="v">
-                <p:oleObj spid="_x0000_s206091" name="Equation" r:id="rId7" imgW="660400" imgH="406400" progId="Equation.DSMT4">
+                <p:oleObj spid="_x0000_s206096" name="Equation" r:id="rId7" imgW="660400" imgH="406400" progId="Equation.DSMT4">
                   <p:embed/>
                 </p:oleObj>
               </mc:Choice>
@@ -10744,9 +10774,6 @@
               </a:rPr>
               <a:t> </a:t>
             </a:r>
-            <a:endParaRPr lang="en-US" sz="5400" dirty="0" smtClean="0">
-              <a:latin typeface="Comic Sans MS" pitchFamily="66" charset="0"/>
-            </a:endParaRPr>
           </a:p>
         </p:txBody>
       </p:sp>
@@ -10772,7 +10799,7 @@
           <a:graphicData uri="http://schemas.openxmlformats.org/presentationml/2006/ole">
             <mc:AlternateContent xmlns:mc="http://schemas.openxmlformats.org/markup-compatibility/2006">
               <mc:Choice xmlns:v="urn:schemas-microsoft-com:vml" Requires="v">
-                <p:oleObj spid="_x0000_s206092" name="Equation" r:id="rId9" imgW="139700" imgH="215900" progId="Equation.DSMT4">
+                <p:oleObj spid="_x0000_s206097" name="Equation" r:id="rId9" imgW="139700" imgH="215900" progId="Equation.DSMT4">
                   <p:embed/>
                 </p:oleObj>
               </mc:Choice>
@@ -10880,13 +10907,13 @@
   <p:clrMapOvr>
     <a:masterClrMapping/>
   </p:clrMapOvr>
-  <mc:AlternateContent xmlns:mc="http://schemas.openxmlformats.org/markup-compatibility/2006">
-    <mc:Choice xmlns:p14="http://schemas.microsoft.com/office/powerpoint/2010/main" Requires="p14">
+  <mc:AlternateContent xmlns:mc="http://schemas.openxmlformats.org/markup-compatibility/2006" xmlns:p14="http://schemas.microsoft.com/office/powerpoint/2010/main">
+    <mc:Choice Requires="p14">
       <p:transition spd="med" p14:dur="700" advClick="0">
         <p:fade/>
       </p:transition>
     </mc:Choice>
-    <mc:Fallback>
+    <mc:Fallback xmlns="">
       <p:transition xmlns:p14="http://schemas.microsoft.com/office/powerpoint/2010/main" spd="med" advClick="0">
         <p:fade/>
       </p:transition>
@@ -11144,7 +11171,7 @@
           <a:graphicData uri="http://schemas.openxmlformats.org/presentationml/2006/ole">
             <mc:AlternateContent xmlns:mc="http://schemas.openxmlformats.org/markup-compatibility/2006">
               <mc:Choice xmlns:v="urn:schemas-microsoft-com:vml" Requires="v">
-                <p:oleObj spid="_x0000_s302099" name="Equation" r:id="rId4" imgW="139700" imgH="215900" progId="Equation.DSMT4">
+                <p:oleObj spid="_x0000_s302106" name="Equation" r:id="rId4" imgW="139700" imgH="215900" progId="Equation.DSMT4">
                   <p:embed/>
                 </p:oleObj>
               </mc:Choice>
@@ -11201,7 +11228,7 @@
           <a:graphicData uri="http://schemas.openxmlformats.org/presentationml/2006/ole">
             <mc:AlternateContent xmlns:mc="http://schemas.openxmlformats.org/markup-compatibility/2006">
               <mc:Choice xmlns:v="urn:schemas-microsoft-com:vml" Requires="v">
-                <p:oleObj spid="_x0000_s302100" name="Equation" r:id="rId6" imgW="139700" imgH="215900" progId="Equation.DSMT4">
+                <p:oleObj spid="_x0000_s302107" name="Equation" r:id="rId6" imgW="139700" imgH="215900" progId="Equation.DSMT4">
                   <p:embed/>
                 </p:oleObj>
               </mc:Choice>
@@ -11258,7 +11285,7 @@
           <a:graphicData uri="http://schemas.openxmlformats.org/presentationml/2006/ole">
             <mc:AlternateContent xmlns:mc="http://schemas.openxmlformats.org/markup-compatibility/2006">
               <mc:Choice xmlns:v="urn:schemas-microsoft-com:vml" Requires="v">
-                <p:oleObj spid="_x0000_s302101" name="Equation" r:id="rId7" imgW="660400" imgH="406400" progId="Equation.DSMT4">
+                <p:oleObj spid="_x0000_s302108" name="Equation" r:id="rId7" imgW="660400" imgH="406400" progId="Equation.DSMT4">
                   <p:embed/>
                 </p:oleObj>
               </mc:Choice>
@@ -11554,7 +11581,7 @@
           <a:graphicData uri="http://schemas.openxmlformats.org/presentationml/2006/ole">
             <mc:AlternateContent xmlns:mc="http://schemas.openxmlformats.org/markup-compatibility/2006">
               <mc:Choice xmlns:v="urn:schemas-microsoft-com:vml" Requires="v">
-                <p:oleObj spid="_x0000_s302102" name="Equation" r:id="rId9" imgW="139700" imgH="215900" progId="Equation.DSMT4">
+                <p:oleObj spid="_x0000_s302109" name="Equation" r:id="rId9" imgW="139700" imgH="215900" progId="Equation.DSMT4">
                   <p:embed/>
                 </p:oleObj>
               </mc:Choice>
@@ -11611,7 +11638,7 @@
           <a:graphicData uri="http://schemas.openxmlformats.org/presentationml/2006/ole">
             <mc:AlternateContent xmlns:mc="http://schemas.openxmlformats.org/markup-compatibility/2006">
               <mc:Choice xmlns:v="urn:schemas-microsoft-com:vml" Requires="v">
-                <p:oleObj spid="_x0000_s302103" name="Equation" r:id="rId11" imgW="419100" imgH="533400" progId="Equation.DSMT4">
+                <p:oleObj spid="_x0000_s302110" name="Equation" r:id="rId11" imgW="419100" imgH="533400" progId="Equation.DSMT4">
                   <p:embed/>
                 </p:oleObj>
               </mc:Choice>
@@ -11668,7 +11695,7 @@
           <a:graphicData uri="http://schemas.openxmlformats.org/presentationml/2006/ole">
             <mc:AlternateContent xmlns:mc="http://schemas.openxmlformats.org/markup-compatibility/2006">
               <mc:Choice xmlns:v="urn:schemas-microsoft-com:vml" Requires="v">
-                <p:oleObj spid="_x0000_s302104" name="Equation" r:id="rId13" imgW="266700" imgH="533400" progId="Equation.DSMT4">
+                <p:oleObj spid="_x0000_s302111" name="Equation" r:id="rId13" imgW="266700" imgH="533400" progId="Equation.DSMT4">
                   <p:embed/>
                 </p:oleObj>
               </mc:Choice>
@@ -11776,13 +11803,13 @@
   <p:clrMapOvr>
     <a:masterClrMapping/>
   </p:clrMapOvr>
-  <mc:AlternateContent xmlns:mc="http://schemas.openxmlformats.org/markup-compatibility/2006">
-    <mc:Choice xmlns:p14="http://schemas.microsoft.com/office/powerpoint/2010/main" Requires="p14">
+  <mc:AlternateContent xmlns:mc="http://schemas.openxmlformats.org/markup-compatibility/2006" xmlns:p14="http://schemas.microsoft.com/office/powerpoint/2010/main">
+    <mc:Choice Requires="p14">
       <p:transition spd="med" p14:dur="600" advClick="0">
         <p:fade/>
       </p:transition>
     </mc:Choice>
-    <mc:Fallback>
+    <mc:Fallback xmlns="">
       <p:transition xmlns:p14="http://schemas.microsoft.com/office/powerpoint/2010/main" spd="med" advClick="0">
         <p:fade/>
       </p:transition>
@@ -12068,7 +12095,7 @@
           <a:graphicData uri="http://schemas.openxmlformats.org/presentationml/2006/ole">
             <mc:AlternateContent xmlns:mc="http://schemas.openxmlformats.org/markup-compatibility/2006">
               <mc:Choice xmlns:v="urn:schemas-microsoft-com:vml" Requires="v">
-                <p:oleObj spid="_x0000_s245862" name="Equation" r:id="rId4" imgW="139700" imgH="215900" progId="Equation.DSMT4">
+                <p:oleObj spid="_x0000_s245867" name="Equation" r:id="rId4" imgW="139700" imgH="215900" progId="Equation.DSMT4">
                   <p:embed/>
                 </p:oleObj>
               </mc:Choice>
@@ -12125,7 +12152,7 @@
           <a:graphicData uri="http://schemas.openxmlformats.org/presentationml/2006/ole">
             <mc:AlternateContent xmlns:mc="http://schemas.openxmlformats.org/markup-compatibility/2006">
               <mc:Choice xmlns:v="urn:schemas-microsoft-com:vml" Requires="v">
-                <p:oleObj spid="_x0000_s245863" name="Equation" r:id="rId6" imgW="139700" imgH="215900" progId="Equation.DSMT4">
+                <p:oleObj spid="_x0000_s245868" name="Equation" r:id="rId6" imgW="139700" imgH="215900" progId="Equation.DSMT4">
                   <p:embed/>
                 </p:oleObj>
               </mc:Choice>
@@ -12182,7 +12209,7 @@
           <a:graphicData uri="http://schemas.openxmlformats.org/presentationml/2006/ole">
             <mc:AlternateContent xmlns:mc="http://schemas.openxmlformats.org/markup-compatibility/2006">
               <mc:Choice xmlns:v="urn:schemas-microsoft-com:vml" Requires="v">
-                <p:oleObj spid="_x0000_s245864" name="Equation" r:id="rId7" imgW="1447800" imgH="533400" progId="Equation.DSMT4">
+                <p:oleObj spid="_x0000_s245869" name="Equation" r:id="rId7" imgW="1447800" imgH="533400" progId="Equation.DSMT4">
                   <p:embed/>
                 </p:oleObj>
               </mc:Choice>
@@ -12239,7 +12266,7 @@
           <a:graphicData uri="http://schemas.openxmlformats.org/presentationml/2006/ole">
             <mc:AlternateContent xmlns:mc="http://schemas.openxmlformats.org/markup-compatibility/2006">
               <mc:Choice xmlns:v="urn:schemas-microsoft-com:vml" Requires="v">
-                <p:oleObj spid="_x0000_s245865" name="Equation" r:id="rId9" imgW="1651000" imgH="495300" progId="Equation.DSMT4">
+                <p:oleObj spid="_x0000_s245870" name="Equation" r:id="rId9" imgW="1651000" imgH="495300" progId="Equation.DSMT4">
                   <p:embed/>
                 </p:oleObj>
               </mc:Choice>
@@ -12646,7 +12673,7 @@
           <a:graphicData uri="http://schemas.openxmlformats.org/presentationml/2006/ole">
             <mc:AlternateContent xmlns:mc="http://schemas.openxmlformats.org/markup-compatibility/2006">
               <mc:Choice xmlns:v="urn:schemas-microsoft-com:vml" Requires="v">
-                <p:oleObj spid="_x0000_s283693" name="Equation" r:id="rId4" imgW="139700" imgH="215900" progId="Equation.DSMT4">
+                <p:oleObj spid="_x0000_s283698" name="Equation" r:id="rId4" imgW="139700" imgH="215900" progId="Equation.DSMT4">
                   <p:embed/>
                 </p:oleObj>
               </mc:Choice>
@@ -12703,7 +12730,7 @@
           <a:graphicData uri="http://schemas.openxmlformats.org/presentationml/2006/ole">
             <mc:AlternateContent xmlns:mc="http://schemas.openxmlformats.org/markup-compatibility/2006">
               <mc:Choice xmlns:v="urn:schemas-microsoft-com:vml" Requires="v">
-                <p:oleObj spid="_x0000_s283694" name="Equation" r:id="rId6" imgW="139700" imgH="215900" progId="Equation.DSMT4">
+                <p:oleObj spid="_x0000_s283699" name="Equation" r:id="rId6" imgW="139700" imgH="215900" progId="Equation.DSMT4">
                   <p:embed/>
                 </p:oleObj>
               </mc:Choice>
@@ -12760,7 +12787,7 @@
           <a:graphicData uri="http://schemas.openxmlformats.org/presentationml/2006/ole">
             <mc:AlternateContent xmlns:mc="http://schemas.openxmlformats.org/markup-compatibility/2006">
               <mc:Choice xmlns:v="urn:schemas-microsoft-com:vml" Requires="v">
-                <p:oleObj spid="_x0000_s283695" name="Equation" r:id="rId7" imgW="1371600" imgH="533400" progId="Equation.DSMT4">
+                <p:oleObj spid="_x0000_s283700" name="Equation" r:id="rId7" imgW="1371600" imgH="533400" progId="Equation.DSMT4">
                   <p:embed/>
                 </p:oleObj>
               </mc:Choice>
@@ -12817,7 +12844,7 @@
           <a:graphicData uri="http://schemas.openxmlformats.org/presentationml/2006/ole">
             <mc:AlternateContent xmlns:mc="http://schemas.openxmlformats.org/markup-compatibility/2006">
               <mc:Choice xmlns:v="urn:schemas-microsoft-com:vml" Requires="v">
-                <p:oleObj spid="_x0000_s283696" name="Equation" r:id="rId9" imgW="774700" imgH="254000" progId="Equation.DSMT4">
+                <p:oleObj spid="_x0000_s283701" name="Equation" r:id="rId9" imgW="774700" imgH="254000" progId="Equation.DSMT4">
                   <p:embed/>
                 </p:oleObj>
               </mc:Choice>
@@ -13471,7 +13498,7 @@
           <a:graphicData uri="http://schemas.openxmlformats.org/presentationml/2006/ole">
             <mc:AlternateContent xmlns:mc="http://schemas.openxmlformats.org/markup-compatibility/2006">
               <mc:Choice xmlns:v="urn:schemas-microsoft-com:vml" Requires="v">
-                <p:oleObj spid="_x0000_s5345" name="Equation" r:id="rId4" imgW="139700" imgH="215900" progId="Equation.DSMT4">
+                <p:oleObj spid="_x0000_s5350" name="Equation" r:id="rId4" imgW="139700" imgH="215900" progId="Equation.DSMT4">
                   <p:embed/>
                 </p:oleObj>
               </mc:Choice>
@@ -13528,7 +13555,7 @@
           <a:graphicData uri="http://schemas.openxmlformats.org/presentationml/2006/ole">
             <mc:AlternateContent xmlns:mc="http://schemas.openxmlformats.org/markup-compatibility/2006">
               <mc:Choice xmlns:v="urn:schemas-microsoft-com:vml" Requires="v">
-                <p:oleObj spid="_x0000_s5346" name="Equation" r:id="rId6" imgW="571500" imgH="203200" progId="Equation.DSMT4">
+                <p:oleObj spid="_x0000_s5351" name="Equation" r:id="rId6" imgW="571500" imgH="203200" progId="Equation.DSMT4">
                   <p:embed/>
                 </p:oleObj>
               </mc:Choice>
@@ -13585,7 +13612,7 @@
           <a:graphicData uri="http://schemas.openxmlformats.org/presentationml/2006/ole">
             <mc:AlternateContent xmlns:mc="http://schemas.openxmlformats.org/markup-compatibility/2006">
               <mc:Choice xmlns:v="urn:schemas-microsoft-com:vml" Requires="v">
-                <p:oleObj spid="_x0000_s5347" name="Equation" r:id="rId8" imgW="1612900" imgH="393700" progId="Equation.DSMT4">
+                <p:oleObj spid="_x0000_s5352" name="Equation" r:id="rId8" imgW="1612900" imgH="393700" progId="Equation.DSMT4">
                   <p:embed/>
                 </p:oleObj>
               </mc:Choice>
@@ -13642,7 +13669,7 @@
           <a:graphicData uri="http://schemas.openxmlformats.org/presentationml/2006/ole">
             <mc:AlternateContent xmlns:mc="http://schemas.openxmlformats.org/markup-compatibility/2006">
               <mc:Choice xmlns:v="urn:schemas-microsoft-com:vml" Requires="v">
-                <p:oleObj spid="_x0000_s5348" name="Equation" r:id="rId10" imgW="1549400" imgH="292100" progId="Equation.DSMT4">
+                <p:oleObj spid="_x0000_s5353" name="Equation" r:id="rId10" imgW="1549400" imgH="292100" progId="Equation.DSMT4">
                   <p:embed/>
                 </p:oleObj>
               </mc:Choice>
@@ -13872,7 +13899,7 @@
           <a:graphicData uri="http://schemas.openxmlformats.org/presentationml/2006/ole">
             <mc:AlternateContent xmlns:mc="http://schemas.openxmlformats.org/markup-compatibility/2006">
               <mc:Choice xmlns:v="urn:schemas-microsoft-com:vml" Requires="v">
-                <p:oleObj spid="_x0000_s213062" name="Equation" r:id="rId4" imgW="1346200" imgH="266700" progId="Equation.DSMT4">
+                <p:oleObj spid="_x0000_s213065" name="Equation" r:id="rId4" imgW="1346200" imgH="266700" progId="Equation.DSMT4">
                   <p:embed/>
                 </p:oleObj>
               </mc:Choice>
@@ -14027,7 +14054,7 @@
           <a:graphicData uri="http://schemas.openxmlformats.org/presentationml/2006/ole">
             <mc:AlternateContent xmlns:mc="http://schemas.openxmlformats.org/markup-compatibility/2006">
               <mc:Choice xmlns:v="urn:schemas-microsoft-com:vml" Requires="v">
-                <p:oleObj spid="_x0000_s213063" name="Equation" r:id="rId6" imgW="1447800" imgH="495300" progId="Equation.DSMT4">
+                <p:oleObj spid="_x0000_s213066" name="Equation" r:id="rId6" imgW="1447800" imgH="495300" progId="Equation.DSMT4">
                   <p:embed/>
                 </p:oleObj>
               </mc:Choice>
@@ -14231,7 +14258,7 @@
           <a:graphicData uri="http://schemas.openxmlformats.org/presentationml/2006/ole">
             <mc:AlternateContent xmlns:mc="http://schemas.openxmlformats.org/markup-compatibility/2006">
               <mc:Choice xmlns:v="urn:schemas-microsoft-com:vml" Requires="v">
-                <p:oleObj spid="_x0000_s214076" name="Equation" r:id="rId4" imgW="393700" imgH="266700" progId="Equation.DSMT4">
+                <p:oleObj spid="_x0000_s214079" name="Equation" r:id="rId4" imgW="393700" imgH="266700" progId="Equation.DSMT4">
                   <p:embed/>
                 </p:oleObj>
               </mc:Choice>
@@ -14301,7 +14328,7 @@
           <a:graphicData uri="http://schemas.openxmlformats.org/presentationml/2006/ole">
             <mc:AlternateContent xmlns:mc="http://schemas.openxmlformats.org/markup-compatibility/2006">
               <mc:Choice xmlns:v="urn:schemas-microsoft-com:vml" Requires="v">
-                <p:oleObj spid="_x0000_s214077" name="Equation" r:id="rId6" imgW="1447800" imgH="495300" progId="Equation.DSMT4">
+                <p:oleObj spid="_x0000_s214080" name="Equation" r:id="rId6" imgW="1447800" imgH="495300" progId="Equation.DSMT4">
                   <p:embed/>
                 </p:oleObj>
               </mc:Choice>
@@ -14496,7 +14523,7 @@
           <a:graphicData uri="http://schemas.openxmlformats.org/presentationml/2006/ole">
             <mc:AlternateContent xmlns:mc="http://schemas.openxmlformats.org/markup-compatibility/2006">
               <mc:Choice xmlns:v="urn:schemas-microsoft-com:vml" Requires="v">
-                <p:oleObj spid="_x0000_s216126" name="Equation" r:id="rId4" imgW="393700" imgH="266700" progId="Equation.DSMT4">
+                <p:oleObj spid="_x0000_s216129" name="Equation" r:id="rId4" imgW="393700" imgH="266700" progId="Equation.DSMT4">
                   <p:embed/>
                 </p:oleObj>
               </mc:Choice>
@@ -14566,7 +14593,7 @@
           <a:graphicData uri="http://schemas.openxmlformats.org/presentationml/2006/ole">
             <mc:AlternateContent xmlns:mc="http://schemas.openxmlformats.org/markup-compatibility/2006">
               <mc:Choice xmlns:v="urn:schemas-microsoft-com:vml" Requires="v">
-                <p:oleObj spid="_x0000_s216127" name="Equation" r:id="rId6" imgW="1308100" imgH="419100" progId="Equation.DSMT4">
+                <p:oleObj spid="_x0000_s216130" name="Equation" r:id="rId6" imgW="1308100" imgH="419100" progId="Equation.DSMT4">
                   <p:embed/>
                 </p:oleObj>
               </mc:Choice>
@@ -14753,7 +14780,7 @@
           <a:graphicData uri="http://schemas.openxmlformats.org/presentationml/2006/ole">
             <mc:AlternateContent xmlns:mc="http://schemas.openxmlformats.org/markup-compatibility/2006">
               <mc:Choice xmlns:v="urn:schemas-microsoft-com:vml" Requires="v">
-                <p:oleObj spid="_x0000_s248878" name="Equation" r:id="rId4" imgW="393700" imgH="266700" progId="Equation.DSMT4">
+                <p:oleObj spid="_x0000_s248881" name="Equation" r:id="rId4" imgW="393700" imgH="266700" progId="Equation.DSMT4">
                   <p:embed/>
                 </p:oleObj>
               </mc:Choice>
@@ -14823,7 +14850,7 @@
           <a:graphicData uri="http://schemas.openxmlformats.org/presentationml/2006/ole">
             <mc:AlternateContent xmlns:mc="http://schemas.openxmlformats.org/markup-compatibility/2006">
               <mc:Choice xmlns:v="urn:schemas-microsoft-com:vml" Requires="v">
-                <p:oleObj spid="_x0000_s248879" name="Equation" r:id="rId6" imgW="1308100" imgH="419100" progId="Equation.DSMT4">
+                <p:oleObj spid="_x0000_s248882" name="Equation" r:id="rId6" imgW="1308100" imgH="419100" progId="Equation.DSMT4">
                   <p:embed/>
                 </p:oleObj>
               </mc:Choice>
@@ -15010,7 +15037,7 @@
           <a:graphicData uri="http://schemas.openxmlformats.org/presentationml/2006/ole">
             <mc:AlternateContent xmlns:mc="http://schemas.openxmlformats.org/markup-compatibility/2006">
               <mc:Choice xmlns:v="urn:schemas-microsoft-com:vml" Requires="v">
-                <p:oleObj spid="_x0000_s217150" name="Equation" r:id="rId4" imgW="266700" imgH="177800" progId="Equation.DSMT4">
+                <p:oleObj spid="_x0000_s217153" name="Equation" r:id="rId4" imgW="266700" imgH="177800" progId="Equation.DSMT4">
                   <p:embed/>
                 </p:oleObj>
               </mc:Choice>
@@ -15080,7 +15107,7 @@
           <a:graphicData uri="http://schemas.openxmlformats.org/presentationml/2006/ole">
             <mc:AlternateContent xmlns:mc="http://schemas.openxmlformats.org/markup-compatibility/2006">
               <mc:Choice xmlns:v="urn:schemas-microsoft-com:vml" Requires="v">
-                <p:oleObj spid="_x0000_s217151" name="Equation" r:id="rId6" imgW="1206500" imgH="482600" progId="Equation.DSMT4">
+                <p:oleObj spid="_x0000_s217154" name="Equation" r:id="rId6" imgW="1206500" imgH="482600" progId="Equation.DSMT4">
                   <p:embed/>
                 </p:oleObj>
               </mc:Choice>
@@ -15182,7 +15209,7 @@
           <a:graphicData uri="http://schemas.openxmlformats.org/presentationml/2006/ole">
             <mc:AlternateContent xmlns:mc="http://schemas.openxmlformats.org/markup-compatibility/2006">
               <mc:Choice xmlns:v="urn:schemas-microsoft-com:vml" Requires="v">
-                <p:oleObj spid="_x0000_s235611" name="Equation" r:id="rId4" imgW="1473200" imgH="482600" progId="Equation.DSMT4">
+                <p:oleObj spid="_x0000_s235615" name="Equation" r:id="rId4" imgW="1473200" imgH="482600" progId="Equation.DSMT4">
                   <p:embed/>
                 </p:oleObj>
               </mc:Choice>
@@ -15329,7 +15356,7 @@
           <a:graphicData uri="http://schemas.openxmlformats.org/presentationml/2006/ole">
             <mc:AlternateContent xmlns:mc="http://schemas.openxmlformats.org/markup-compatibility/2006">
               <mc:Choice xmlns:v="urn:schemas-microsoft-com:vml" Requires="v">
-                <p:oleObj spid="_x0000_s235612" name="Equation" r:id="rId6" imgW="139700" imgH="215900" progId="Equation.DSMT4">
+                <p:oleObj spid="_x0000_s235616" name="Equation" r:id="rId6" imgW="139700" imgH="215900" progId="Equation.DSMT4">
                   <p:embed/>
                 </p:oleObj>
               </mc:Choice>
@@ -15386,7 +15413,7 @@
           <a:graphicData uri="http://schemas.openxmlformats.org/presentationml/2006/ole">
             <mc:AlternateContent xmlns:mc="http://schemas.openxmlformats.org/markup-compatibility/2006">
               <mc:Choice xmlns:v="urn:schemas-microsoft-com:vml" Requires="v">
-                <p:oleObj spid="_x0000_s235613" name="Equation" r:id="rId8" imgW="139700" imgH="215900" progId="Equation.DSMT4">
+                <p:oleObj spid="_x0000_s235617" name="Equation" r:id="rId8" imgW="139700" imgH="215900" progId="Equation.DSMT4">
                   <p:embed/>
                 </p:oleObj>
               </mc:Choice>

--- a/fall17/slidesF17/incexcbinom.pptx
+++ b/fall17/slidesF17/incexcbinom.pptx
@@ -5,10 +5,10 @@
     <p:sldMasterId id="2147483650" r:id="rId1"/>
   </p:sldMasterIdLst>
   <p:notesMasterIdLst>
-    <p:notesMasterId r:id="rId26"/>
+    <p:notesMasterId r:id="rId29"/>
   </p:notesMasterIdLst>
   <p:handoutMasterIdLst>
-    <p:handoutMasterId r:id="rId27"/>
+    <p:handoutMasterId r:id="rId30"/>
   </p:handoutMasterIdLst>
   <p:sldIdLst>
     <p:sldId id="524" r:id="rId2"/>
@@ -32,14 +32,17 @@
     <p:sldId id="608" r:id="rId20"/>
     <p:sldId id="607" r:id="rId21"/>
     <p:sldId id="566" r:id="rId22"/>
-    <p:sldId id="616" r:id="rId23"/>
-    <p:sldId id="590" r:id="rId24"/>
-    <p:sldId id="610" r:id="rId25"/>
+    <p:sldId id="618" r:id="rId23"/>
+    <p:sldId id="620" r:id="rId24"/>
+    <p:sldId id="617" r:id="rId25"/>
+    <p:sldId id="616" r:id="rId26"/>
+    <p:sldId id="590" r:id="rId27"/>
+    <p:sldId id="610" r:id="rId28"/>
   </p:sldIdLst>
   <p:sldSz cx="9144000" cy="6858000" type="screen4x3"/>
   <p:notesSz cx="9601200" cy="7315200"/>
   <p:custDataLst>
-    <p:tags r:id="rId29"/>
+    <p:tags r:id="rId32"/>
   </p:custDataLst>
   <p:defaultTextStyle>
     <a:defPPr>
@@ -2291,6 +2294,297 @@
 </p:notes>
 </file>
 
+<file path=ppt/notesSlides/notesSlide23.xml><?xml version="1.0" encoding="utf-8"?>
+<p:notes xmlns:a="http://schemas.openxmlformats.org/drawingml/2006/main" xmlns:r="http://schemas.openxmlformats.org/officeDocument/2006/relationships" xmlns:p="http://schemas.openxmlformats.org/presentationml/2006/main">
+  <p:cSld>
+    <p:spTree>
+      <p:nvGrpSpPr>
+        <p:cNvPr id="1" name=""/>
+        <p:cNvGrpSpPr/>
+        <p:nvPr/>
+      </p:nvGrpSpPr>
+      <p:grpSpPr>
+        <a:xfrm>
+          <a:off x="0" y="0"/>
+          <a:ext cx="0" cy="0"/>
+          <a:chOff x="0" y="0"/>
+          <a:chExt cx="0" cy="0"/>
+        </a:xfrm>
+      </p:grpSpPr>
+      <p:sp>
+        <p:nvSpPr>
+          <p:cNvPr id="61442" name="Rectangle 7"/>
+          <p:cNvSpPr>
+            <a:spLocks noGrp="1" noChangeArrowheads="1"/>
+          </p:cNvSpPr>
+          <p:nvPr>
+            <p:ph type="sldNum" sz="quarter" idx="5"/>
+          </p:nvPr>
+        </p:nvSpPr>
+        <p:spPr>
+          <a:noFill/>
+        </p:spPr>
+        <p:txBody>
+          <a:bodyPr/>
+          <a:lstStyle/>
+          <a:p>
+            <a:fld id="{FB67ED51-D6E5-49E3-B2E6-337A7D163646}" type="slidenum">
+              <a:rPr lang="en-US" smtClean="0"/>
+              <a:pPr/>
+              <a:t>25</a:t>
+            </a:fld>
+            <a:endParaRPr lang="en-US" smtClean="0"/>
+          </a:p>
+        </p:txBody>
+      </p:sp>
+      <p:sp>
+        <p:nvSpPr>
+          <p:cNvPr id="61443" name="Rectangle 2"/>
+          <p:cNvSpPr>
+            <a:spLocks noGrp="1" noRot="1" noChangeAspect="1" noChangeArrowheads="1" noTextEdit="1"/>
+          </p:cNvSpPr>
+          <p:nvPr>
+            <p:ph type="sldImg"/>
+          </p:nvPr>
+        </p:nvSpPr>
+        <p:spPr>
+          <a:solidFill>
+            <a:srgbClr val="FFFFFF"/>
+          </a:solidFill>
+          <a:ln/>
+        </p:spPr>
+      </p:sp>
+      <p:sp>
+        <p:nvSpPr>
+          <p:cNvPr id="61444" name="Rectangle 3"/>
+          <p:cNvSpPr>
+            <a:spLocks noGrp="1" noChangeArrowheads="1"/>
+          </p:cNvSpPr>
+          <p:nvPr>
+            <p:ph type="body" idx="1"/>
+          </p:nvPr>
+        </p:nvSpPr>
+        <p:spPr>
+          <a:solidFill>
+            <a:srgbClr val="FFFFFF"/>
+          </a:solidFill>
+          <a:ln>
+            <a:solidFill>
+              <a:srgbClr val="000000"/>
+            </a:solidFill>
+          </a:ln>
+        </p:spPr>
+        <p:txBody>
+          <a:bodyPr/>
+          <a:lstStyle/>
+          <a:p>
+            <a:pPr eaLnBrk="1" hangingPunct="1"/>
+            <a:endParaRPr lang="en-US" smtClean="0"/>
+          </a:p>
+        </p:txBody>
+      </p:sp>
+    </p:spTree>
+  </p:cSld>
+  <p:clrMapOvr>
+    <a:masterClrMapping/>
+  </p:clrMapOvr>
+</p:notes>
+</file>
+
+<file path=ppt/notesSlides/notesSlide24.xml><?xml version="1.0" encoding="utf-8"?>
+<p:notes xmlns:a="http://schemas.openxmlformats.org/drawingml/2006/main" xmlns:r="http://schemas.openxmlformats.org/officeDocument/2006/relationships" xmlns:p="http://schemas.openxmlformats.org/presentationml/2006/main">
+  <p:cSld>
+    <p:spTree>
+      <p:nvGrpSpPr>
+        <p:cNvPr id="1" name=""/>
+        <p:cNvGrpSpPr/>
+        <p:nvPr/>
+      </p:nvGrpSpPr>
+      <p:grpSpPr>
+        <a:xfrm>
+          <a:off x="0" y="0"/>
+          <a:ext cx="0" cy="0"/>
+          <a:chOff x="0" y="0"/>
+          <a:chExt cx="0" cy="0"/>
+        </a:xfrm>
+      </p:grpSpPr>
+      <p:sp>
+        <p:nvSpPr>
+          <p:cNvPr id="61442" name="Rectangle 7"/>
+          <p:cNvSpPr>
+            <a:spLocks noGrp="1" noChangeArrowheads="1"/>
+          </p:cNvSpPr>
+          <p:nvPr>
+            <p:ph type="sldNum" sz="quarter" idx="5"/>
+          </p:nvPr>
+        </p:nvSpPr>
+        <p:spPr>
+          <a:noFill/>
+        </p:spPr>
+        <p:txBody>
+          <a:bodyPr/>
+          <a:lstStyle/>
+          <a:p>
+            <a:fld id="{FB67ED51-D6E5-49E3-B2E6-337A7D163646}" type="slidenum">
+              <a:rPr lang="en-US" smtClean="0"/>
+              <a:pPr/>
+              <a:t>26</a:t>
+            </a:fld>
+            <a:endParaRPr lang="en-US" smtClean="0"/>
+          </a:p>
+        </p:txBody>
+      </p:sp>
+      <p:sp>
+        <p:nvSpPr>
+          <p:cNvPr id="61443" name="Rectangle 2"/>
+          <p:cNvSpPr>
+            <a:spLocks noGrp="1" noRot="1" noChangeAspect="1" noChangeArrowheads="1" noTextEdit="1"/>
+          </p:cNvSpPr>
+          <p:nvPr>
+            <p:ph type="sldImg"/>
+          </p:nvPr>
+        </p:nvSpPr>
+        <p:spPr>
+          <a:solidFill>
+            <a:srgbClr val="FFFFFF"/>
+          </a:solidFill>
+          <a:ln/>
+        </p:spPr>
+      </p:sp>
+      <p:sp>
+        <p:nvSpPr>
+          <p:cNvPr id="61444" name="Rectangle 3"/>
+          <p:cNvSpPr>
+            <a:spLocks noGrp="1" noChangeArrowheads="1"/>
+          </p:cNvSpPr>
+          <p:nvPr>
+            <p:ph type="body" idx="1"/>
+          </p:nvPr>
+        </p:nvSpPr>
+        <p:spPr>
+          <a:solidFill>
+            <a:srgbClr val="FFFFFF"/>
+          </a:solidFill>
+          <a:ln>
+            <a:solidFill>
+              <a:srgbClr val="000000"/>
+            </a:solidFill>
+          </a:ln>
+        </p:spPr>
+        <p:txBody>
+          <a:bodyPr/>
+          <a:lstStyle/>
+          <a:p>
+            <a:pPr eaLnBrk="1" hangingPunct="1"/>
+            <a:endParaRPr lang="en-US" smtClean="0"/>
+          </a:p>
+        </p:txBody>
+      </p:sp>
+    </p:spTree>
+  </p:cSld>
+  <p:clrMapOvr>
+    <a:masterClrMapping/>
+  </p:clrMapOvr>
+</p:notes>
+</file>
+
+<file path=ppt/notesSlides/notesSlide25.xml><?xml version="1.0" encoding="utf-8"?>
+<p:notes xmlns:a="http://schemas.openxmlformats.org/drawingml/2006/main" xmlns:r="http://schemas.openxmlformats.org/officeDocument/2006/relationships" xmlns:p="http://schemas.openxmlformats.org/presentationml/2006/main">
+  <p:cSld>
+    <p:spTree>
+      <p:nvGrpSpPr>
+        <p:cNvPr id="1" name=""/>
+        <p:cNvGrpSpPr/>
+        <p:nvPr/>
+      </p:nvGrpSpPr>
+      <p:grpSpPr>
+        <a:xfrm>
+          <a:off x="0" y="0"/>
+          <a:ext cx="0" cy="0"/>
+          <a:chOff x="0" y="0"/>
+          <a:chExt cx="0" cy="0"/>
+        </a:xfrm>
+      </p:grpSpPr>
+      <p:sp>
+        <p:nvSpPr>
+          <p:cNvPr id="61442" name="Rectangle 7"/>
+          <p:cNvSpPr>
+            <a:spLocks noGrp="1" noChangeArrowheads="1"/>
+          </p:cNvSpPr>
+          <p:nvPr>
+            <p:ph type="sldNum" sz="quarter" idx="5"/>
+          </p:nvPr>
+        </p:nvSpPr>
+        <p:spPr>
+          <a:noFill/>
+        </p:spPr>
+        <p:txBody>
+          <a:bodyPr/>
+          <a:lstStyle/>
+          <a:p>
+            <a:fld id="{FB67ED51-D6E5-49E3-B2E6-337A7D163646}" type="slidenum">
+              <a:rPr lang="en-US" smtClean="0"/>
+              <a:pPr/>
+              <a:t>27</a:t>
+            </a:fld>
+            <a:endParaRPr lang="en-US" smtClean="0"/>
+          </a:p>
+        </p:txBody>
+      </p:sp>
+      <p:sp>
+        <p:nvSpPr>
+          <p:cNvPr id="61443" name="Rectangle 2"/>
+          <p:cNvSpPr>
+            <a:spLocks noGrp="1" noRot="1" noChangeAspect="1" noChangeArrowheads="1" noTextEdit="1"/>
+          </p:cNvSpPr>
+          <p:nvPr>
+            <p:ph type="sldImg"/>
+          </p:nvPr>
+        </p:nvSpPr>
+        <p:spPr>
+          <a:solidFill>
+            <a:srgbClr val="FFFFFF"/>
+          </a:solidFill>
+          <a:ln/>
+        </p:spPr>
+      </p:sp>
+      <p:sp>
+        <p:nvSpPr>
+          <p:cNvPr id="61444" name="Rectangle 3"/>
+          <p:cNvSpPr>
+            <a:spLocks noGrp="1" noChangeArrowheads="1"/>
+          </p:cNvSpPr>
+          <p:nvPr>
+            <p:ph type="body" idx="1"/>
+          </p:nvPr>
+        </p:nvSpPr>
+        <p:spPr>
+          <a:solidFill>
+            <a:srgbClr val="FFFFFF"/>
+          </a:solidFill>
+          <a:ln>
+            <a:solidFill>
+              <a:srgbClr val="000000"/>
+            </a:solidFill>
+          </a:ln>
+        </p:spPr>
+        <p:txBody>
+          <a:bodyPr/>
+          <a:lstStyle/>
+          <a:p>
+            <a:pPr eaLnBrk="1" hangingPunct="1"/>
+            <a:endParaRPr lang="en-US" smtClean="0"/>
+          </a:p>
+        </p:txBody>
+      </p:sp>
+    </p:spTree>
+  </p:cSld>
+  <p:clrMapOvr>
+    <a:masterClrMapping/>
+  </p:clrMapOvr>
+</p:notes>
+</file>
+
 <file path=ppt/notesSlides/notesSlide3.xml><?xml version="1.0" encoding="utf-8"?>
 <p:notes xmlns:a="http://schemas.openxmlformats.org/drawingml/2006/main" xmlns:r="http://schemas.openxmlformats.org/officeDocument/2006/relationships" xmlns:p="http://schemas.openxmlformats.org/presentationml/2006/main">
   <p:cSld>
@@ -3760,37 +4054,7 @@
                 <a:uFillTx/>
                 <a:latin typeface="Comic Sans MS" pitchFamily="66" charset="0"/>
               </a:rPr>
-              <a:t>Albert R Meyer,          November </a:t>
-            </a:r>
-            <a:r>
-              <a:rPr kumimoji="0" lang="en-US" sz="1200" b="0" i="0" u="none" strike="noStrike" kern="1200" cap="none" spc="0" normalizeH="0" baseline="0" noProof="0" dirty="0" smtClean="0">
-                <a:ln>
-                  <a:noFill/>
-                </a:ln>
-                <a:solidFill>
-                  <a:schemeClr val="tx1"/>
-                </a:solidFill>
-                <a:effectLst/>
-                <a:uLnTx/>
-                <a:uFillTx/>
-                <a:latin typeface="Comic Sans MS" pitchFamily="66" charset="0"/>
-              </a:rPr>
-              <a:t>12, </a:t>
-            </a:r>
-            <a:r>
-              <a:rPr kumimoji="0" lang="en-US" sz="1200" b="0" i="0" u="none" strike="noStrike" kern="1200" cap="none" spc="0" normalizeH="0" baseline="0" noProof="0" dirty="0" smtClean="0">
-                <a:ln>
-                  <a:noFill/>
-                </a:ln>
-                <a:solidFill>
-                  <a:schemeClr val="tx1"/>
-                </a:solidFill>
-                <a:effectLst/>
-                <a:uLnTx/>
-                <a:uFillTx/>
-                <a:latin typeface="Comic Sans MS" pitchFamily="66" charset="0"/>
-              </a:rPr>
-              <a:t>2017</a:t>
+              <a:t>Albert R Meyer,          November 12, 2017</a:t>
             </a:r>
             <a:endParaRPr kumimoji="0" lang="en-US" sz="1200" b="0" i="0" u="none" strike="noStrike" kern="1200" cap="none" spc="0" normalizeH="0" baseline="0" noProof="0" dirty="0">
               <a:ln>
@@ -4473,7 +4737,7 @@
           <a:graphicData uri="http://schemas.openxmlformats.org/presentationml/2006/ole">
             <mc:AlternateContent xmlns:mc="http://schemas.openxmlformats.org/markup-compatibility/2006">
               <mc:Choice xmlns:v="urn:schemas-microsoft-com:vml" Requires="v">
-                <p:oleObj spid="_x0000_s285738" name="Equation" r:id="rId4" imgW="1384300" imgH="482600" progId="Equation.DSMT4">
+                <p:oleObj spid="_x0000_s285755" name="Equation" r:id="rId4" imgW="1384300" imgH="482600" progId="Equation.DSMT4">
                   <p:embed/>
                 </p:oleObj>
               </mc:Choice>
@@ -4535,7 +4799,7 @@
           <a:graphicData uri="http://schemas.openxmlformats.org/presentationml/2006/ole">
             <mc:AlternateContent xmlns:mc="http://schemas.openxmlformats.org/markup-compatibility/2006">
               <mc:Choice xmlns:v="urn:schemas-microsoft-com:vml" Requires="v">
-                <p:oleObj spid="_x0000_s285739" name="Equation" r:id="rId6" imgW="1295400" imgH="596900" progId="Equation.DSMT4">
+                <p:oleObj spid="_x0000_s285756" name="Equation" r:id="rId6" imgW="1295400" imgH="596900" progId="Equation.DSMT4">
                   <p:embed/>
                 </p:oleObj>
               </mc:Choice>
@@ -4740,7 +5004,7 @@
           <a:graphicData uri="http://schemas.openxmlformats.org/presentationml/2006/ole">
             <mc:AlternateContent xmlns:mc="http://schemas.openxmlformats.org/markup-compatibility/2006">
               <mc:Choice xmlns:v="urn:schemas-microsoft-com:vml" Requires="v">
-                <p:oleObj spid="_x0000_s285740" name="Equation" r:id="rId8" imgW="139700" imgH="215900" progId="Equation.DSMT4">
+                <p:oleObj spid="_x0000_s285757" name="Equation" r:id="rId8" imgW="139700" imgH="215900" progId="Equation.DSMT4">
                   <p:embed/>
                 </p:oleObj>
               </mc:Choice>
@@ -4797,7 +5061,7 @@
           <a:graphicData uri="http://schemas.openxmlformats.org/presentationml/2006/ole">
             <mc:AlternateContent xmlns:mc="http://schemas.openxmlformats.org/markup-compatibility/2006">
               <mc:Choice xmlns:v="urn:schemas-microsoft-com:vml" Requires="v">
-                <p:oleObj spid="_x0000_s285741" name="Equation" r:id="rId10" imgW="139700" imgH="215900" progId="Equation.DSMT4">
+                <p:oleObj spid="_x0000_s285758" name="Equation" r:id="rId10" imgW="139700" imgH="215900" progId="Equation.DSMT4">
                   <p:embed/>
                 </p:oleObj>
               </mc:Choice>
@@ -5453,7 +5717,7 @@
           <a:graphicData uri="http://schemas.openxmlformats.org/presentationml/2006/ole">
             <mc:AlternateContent xmlns:mc="http://schemas.openxmlformats.org/markup-compatibility/2006">
               <mc:Choice xmlns:v="urn:schemas-microsoft-com:vml" Requires="v">
-                <p:oleObj spid="_x0000_s234560" name="Equation" r:id="rId3" imgW="1816100" imgH="381000" progId="Equation.DSMT4">
+                <p:oleObj spid="_x0000_s234569" name="Equation" r:id="rId3" imgW="1816100" imgH="381000" progId="Equation.DSMT4">
                   <p:embed/>
                 </p:oleObj>
               </mc:Choice>
@@ -5510,7 +5774,7 @@
           <a:graphicData uri="http://schemas.openxmlformats.org/presentationml/2006/ole">
             <mc:AlternateContent xmlns:mc="http://schemas.openxmlformats.org/markup-compatibility/2006">
               <mc:Choice xmlns:v="urn:schemas-microsoft-com:vml" Requires="v">
-                <p:oleObj spid="_x0000_s234561" name="Equation" r:id="rId5" imgW="406400" imgH="292100" progId="Equation.DSMT4">
+                <p:oleObj spid="_x0000_s234570" name="Equation" r:id="rId5" imgW="406400" imgH="292100" progId="Equation.DSMT4">
                   <p:embed/>
                 </p:oleObj>
               </mc:Choice>
@@ -6262,7 +6526,7 @@
           <a:graphicData uri="http://schemas.openxmlformats.org/presentationml/2006/ole">
             <mc:AlternateContent xmlns:mc="http://schemas.openxmlformats.org/markup-compatibility/2006">
               <mc:Choice xmlns:v="urn:schemas-microsoft-com:vml" Requires="v">
-                <p:oleObj spid="_x0000_s268306" name="Equation" r:id="rId3" imgW="1638300" imgH="558800" progId="Equation.DSMT4">
+                <p:oleObj spid="_x0000_s268312" name="Equation" r:id="rId3" imgW="1638300" imgH="558800" progId="Equation.DSMT4">
                   <p:embed/>
                 </p:oleObj>
               </mc:Choice>
@@ -6307,14 +6571,14 @@
   <p:clrMapOvr>
     <a:masterClrMapping/>
   </p:clrMapOvr>
-  <mc:AlternateContent xmlns:mc="http://schemas.openxmlformats.org/markup-compatibility/2006" xmlns:p14="http://schemas.microsoft.com/office/powerpoint/2010/main">
-    <mc:Choice Requires="p14">
-      <p:transition spd="med" p14:dur="700" advClick="0">
+  <mc:AlternateContent xmlns:mc="http://schemas.openxmlformats.org/markup-compatibility/2006">
+    <mc:Choice xmlns:p14="http://schemas.microsoft.com/office/powerpoint/2010/main" Requires="p14">
+      <p:transition p14:dur="400" advClick="0">
         <p:fade thruBlk="1"/>
       </p:transition>
     </mc:Choice>
-    <mc:Fallback xmlns="">
-      <p:transition xmlns:p14="http://schemas.microsoft.com/office/powerpoint/2010/main" spd="med" advClick="0">
+    <mc:Fallback>
+      <p:transition xmlns:p14="http://schemas.microsoft.com/office/powerpoint/2010/main" advClick="0">
         <p:fade thruBlk="1"/>
       </p:transition>
     </mc:Fallback>
@@ -6529,7 +6793,7 @@
           <a:graphicData uri="http://schemas.openxmlformats.org/presentationml/2006/ole">
             <mc:AlternateContent xmlns:mc="http://schemas.openxmlformats.org/markup-compatibility/2006">
               <mc:Choice xmlns:v="urn:schemas-microsoft-com:vml" Requires="v">
-                <p:oleObj spid="_x0000_s263239" name="Equation" r:id="rId4" imgW="139700" imgH="215900" progId="Equation.DSMT4">
+                <p:oleObj spid="_x0000_s263252" name="Equation" r:id="rId4" imgW="139700" imgH="215900" progId="Equation.DSMT4">
                   <p:embed/>
                 </p:oleObj>
               </mc:Choice>
@@ -6586,7 +6850,7 @@
           <a:graphicData uri="http://schemas.openxmlformats.org/presentationml/2006/ole">
             <mc:AlternateContent xmlns:mc="http://schemas.openxmlformats.org/markup-compatibility/2006">
               <mc:Choice xmlns:v="urn:schemas-microsoft-com:vml" Requires="v">
-                <p:oleObj spid="_x0000_s263240" name="Equation" r:id="rId6" imgW="139700" imgH="215900" progId="Equation.DSMT4">
+                <p:oleObj spid="_x0000_s263253" name="Equation" r:id="rId6" imgW="139700" imgH="215900" progId="Equation.DSMT4">
                   <p:embed/>
                 </p:oleObj>
               </mc:Choice>
@@ -6643,7 +6907,7 @@
           <a:graphicData uri="http://schemas.openxmlformats.org/presentationml/2006/ole">
             <mc:AlternateContent xmlns:mc="http://schemas.openxmlformats.org/markup-compatibility/2006">
               <mc:Choice xmlns:v="urn:schemas-microsoft-com:vml" Requires="v">
-                <p:oleObj spid="_x0000_s263241" name="Equation" r:id="rId7" imgW="393700" imgH="304800" progId="Equation.DSMT4">
+                <p:oleObj spid="_x0000_s263254" name="Equation" r:id="rId7" imgW="393700" imgH="304800" progId="Equation.DSMT4">
                   <p:embed/>
                 </p:oleObj>
               </mc:Choice>
@@ -6825,7 +7089,7 @@
           <a:graphicData uri="http://schemas.openxmlformats.org/presentationml/2006/ole">
             <mc:AlternateContent xmlns:mc="http://schemas.openxmlformats.org/markup-compatibility/2006">
               <mc:Choice xmlns:v="urn:schemas-microsoft-com:vml" Requires="v">
-                <p:oleObj spid="_x0000_s277554" name="Equation" r:id="rId4" imgW="1092200" imgH="419100" progId="Equation.DSMT4">
+                <p:oleObj spid="_x0000_s277571" name="Equation" r:id="rId4" imgW="1092200" imgH="419100" progId="Equation.DSMT4">
                   <p:embed/>
                 </p:oleObj>
               </mc:Choice>
@@ -6887,7 +7151,7 @@
           <a:graphicData uri="http://schemas.openxmlformats.org/presentationml/2006/ole">
             <mc:AlternateContent xmlns:mc="http://schemas.openxmlformats.org/markup-compatibility/2006">
               <mc:Choice xmlns:v="urn:schemas-microsoft-com:vml" Requires="v">
-                <p:oleObj spid="_x0000_s277555" name="Equation" r:id="rId6" imgW="139700" imgH="215900" progId="Equation.DSMT4">
+                <p:oleObj spid="_x0000_s277572" name="Equation" r:id="rId6" imgW="139700" imgH="215900" progId="Equation.DSMT4">
                   <p:embed/>
                 </p:oleObj>
               </mc:Choice>
@@ -6944,7 +7208,7 @@
           <a:graphicData uri="http://schemas.openxmlformats.org/presentationml/2006/ole">
             <mc:AlternateContent xmlns:mc="http://schemas.openxmlformats.org/markup-compatibility/2006">
               <mc:Choice xmlns:v="urn:schemas-microsoft-com:vml" Requires="v">
-                <p:oleObj spid="_x0000_s277556" name="Equation" r:id="rId8" imgW="139700" imgH="215900" progId="Equation.DSMT4">
+                <p:oleObj spid="_x0000_s277573" name="Equation" r:id="rId8" imgW="139700" imgH="215900" progId="Equation.DSMT4">
                   <p:embed/>
                 </p:oleObj>
               </mc:Choice>
@@ -7001,7 +7265,7 @@
           <a:graphicData uri="http://schemas.openxmlformats.org/presentationml/2006/ole">
             <mc:AlternateContent xmlns:mc="http://schemas.openxmlformats.org/markup-compatibility/2006">
               <mc:Choice xmlns:v="urn:schemas-microsoft-com:vml" Requires="v">
-                <p:oleObj spid="_x0000_s277557" name="Equation" r:id="rId9" imgW="1054100" imgH="393700" progId="Equation.DSMT4">
+                <p:oleObj spid="_x0000_s277574" name="Equation" r:id="rId9" imgW="1054100" imgH="393700" progId="Equation.DSMT4">
                   <p:embed/>
                 </p:oleObj>
               </mc:Choice>
@@ -7259,7 +7523,7 @@
           <a:graphicData uri="http://schemas.openxmlformats.org/presentationml/2006/ole">
             <mc:AlternateContent xmlns:mc="http://schemas.openxmlformats.org/markup-compatibility/2006">
               <mc:Choice xmlns:v="urn:schemas-microsoft-com:vml" Requires="v">
-                <p:oleObj spid="_x0000_s269370" name="Equation" r:id="rId4" imgW="1460500" imgH="482600" progId="Equation.DSMT4">
+                <p:oleObj spid="_x0000_s269387" name="Equation" r:id="rId4" imgW="1460500" imgH="482600" progId="Equation.DSMT4">
                   <p:embed/>
                 </p:oleObj>
               </mc:Choice>
@@ -7321,7 +7585,7 @@
           <a:graphicData uri="http://schemas.openxmlformats.org/presentationml/2006/ole">
             <mc:AlternateContent xmlns:mc="http://schemas.openxmlformats.org/markup-compatibility/2006">
               <mc:Choice xmlns:v="urn:schemas-microsoft-com:vml" Requires="v">
-                <p:oleObj spid="_x0000_s269371" name="Equation" r:id="rId6" imgW="139700" imgH="215900" progId="Equation.DSMT4">
+                <p:oleObj spid="_x0000_s269388" name="Equation" r:id="rId6" imgW="139700" imgH="215900" progId="Equation.DSMT4">
                   <p:embed/>
                 </p:oleObj>
               </mc:Choice>
@@ -7378,7 +7642,7 @@
           <a:graphicData uri="http://schemas.openxmlformats.org/presentationml/2006/ole">
             <mc:AlternateContent xmlns:mc="http://schemas.openxmlformats.org/markup-compatibility/2006">
               <mc:Choice xmlns:v="urn:schemas-microsoft-com:vml" Requires="v">
-                <p:oleObj spid="_x0000_s269372" name="Equation" r:id="rId8" imgW="139700" imgH="215900" progId="Equation.DSMT4">
+                <p:oleObj spid="_x0000_s269389" name="Equation" r:id="rId8" imgW="139700" imgH="215900" progId="Equation.DSMT4">
                   <p:embed/>
                 </p:oleObj>
               </mc:Choice>
@@ -7435,7 +7699,7 @@
           <a:graphicData uri="http://schemas.openxmlformats.org/presentationml/2006/ole">
             <mc:AlternateContent xmlns:mc="http://schemas.openxmlformats.org/markup-compatibility/2006">
               <mc:Choice xmlns:v="urn:schemas-microsoft-com:vml" Requires="v">
-                <p:oleObj spid="_x0000_s269373" name="Equation" r:id="rId9" imgW="1460500" imgH="482600" progId="Equation.DSMT4">
+                <p:oleObj spid="_x0000_s269390" name="Equation" r:id="rId9" imgW="1460500" imgH="482600" progId="Equation.DSMT4">
                   <p:embed/>
                 </p:oleObj>
               </mc:Choice>
@@ -7813,7 +8077,7 @@
           <a:graphicData uri="http://schemas.openxmlformats.org/presentationml/2006/ole">
             <mc:AlternateContent xmlns:mc="http://schemas.openxmlformats.org/markup-compatibility/2006">
               <mc:Choice xmlns:v="urn:schemas-microsoft-com:vml" Requires="v">
-                <p:oleObj spid="_x0000_s272438" name="Equation" r:id="rId4" imgW="139700" imgH="215900" progId="Equation.DSMT4">
+                <p:oleObj spid="_x0000_s272455" name="Equation" r:id="rId4" imgW="139700" imgH="215900" progId="Equation.DSMT4">
                   <p:embed/>
                 </p:oleObj>
               </mc:Choice>
@@ -7870,7 +8134,7 @@
           <a:graphicData uri="http://schemas.openxmlformats.org/presentationml/2006/ole">
             <mc:AlternateContent xmlns:mc="http://schemas.openxmlformats.org/markup-compatibility/2006">
               <mc:Choice xmlns:v="urn:schemas-microsoft-com:vml" Requires="v">
-                <p:oleObj spid="_x0000_s272439" name="Equation" r:id="rId6" imgW="139700" imgH="215900" progId="Equation.DSMT4">
+                <p:oleObj spid="_x0000_s272456" name="Equation" r:id="rId6" imgW="139700" imgH="215900" progId="Equation.DSMT4">
                   <p:embed/>
                 </p:oleObj>
               </mc:Choice>
@@ -7927,7 +8191,7 @@
           <a:graphicData uri="http://schemas.openxmlformats.org/presentationml/2006/ole">
             <mc:AlternateContent xmlns:mc="http://schemas.openxmlformats.org/markup-compatibility/2006">
               <mc:Choice xmlns:v="urn:schemas-microsoft-com:vml" Requires="v">
-                <p:oleObj spid="_x0000_s272440" name="Equation" r:id="rId7" imgW="1460500" imgH="482600" progId="Equation.DSMT4">
+                <p:oleObj spid="_x0000_s272457" name="Equation" r:id="rId7" imgW="1460500" imgH="482600" progId="Equation.DSMT4">
                   <p:embed/>
                 </p:oleObj>
               </mc:Choice>
@@ -8026,7 +8290,7 @@
           <a:graphicData uri="http://schemas.openxmlformats.org/presentationml/2006/ole">
             <mc:AlternateContent xmlns:mc="http://schemas.openxmlformats.org/markup-compatibility/2006">
               <mc:Choice xmlns:v="urn:schemas-microsoft-com:vml" Requires="v">
-                <p:oleObj spid="_x0000_s272441" name="Equation" r:id="rId9" imgW="1460500" imgH="482600" progId="Equation.DSMT4">
+                <p:oleObj spid="_x0000_s272458" name="Equation" r:id="rId9" imgW="1460500" imgH="482600" progId="Equation.DSMT4">
                   <p:embed/>
                 </p:oleObj>
               </mc:Choice>
@@ -8289,7 +8553,7 @@
           <a:graphicData uri="http://schemas.openxmlformats.org/presentationml/2006/ole">
             <mc:AlternateContent xmlns:mc="http://schemas.openxmlformats.org/markup-compatibility/2006">
               <mc:Choice xmlns:v="urn:schemas-microsoft-com:vml" Requires="v">
-                <p:oleObj spid="_x0000_s286756" name="Equation" r:id="rId4" imgW="139700" imgH="215900" progId="Equation.DSMT4">
+                <p:oleObj spid="_x0000_s286769" name="Equation" r:id="rId4" imgW="139700" imgH="215900" progId="Equation.DSMT4">
                   <p:embed/>
                 </p:oleObj>
               </mc:Choice>
@@ -8346,7 +8610,7 @@
           <a:graphicData uri="http://schemas.openxmlformats.org/presentationml/2006/ole">
             <mc:AlternateContent xmlns:mc="http://schemas.openxmlformats.org/markup-compatibility/2006">
               <mc:Choice xmlns:v="urn:schemas-microsoft-com:vml" Requires="v">
-                <p:oleObj spid="_x0000_s286757" name="Equation" r:id="rId6" imgW="139700" imgH="215900" progId="Equation.DSMT4">
+                <p:oleObj spid="_x0000_s286770" name="Equation" r:id="rId6" imgW="139700" imgH="215900" progId="Equation.DSMT4">
                   <p:embed/>
                 </p:oleObj>
               </mc:Choice>
@@ -8403,7 +8667,7 @@
           <a:graphicData uri="http://schemas.openxmlformats.org/presentationml/2006/ole">
             <mc:AlternateContent xmlns:mc="http://schemas.openxmlformats.org/markup-compatibility/2006">
               <mc:Choice xmlns:v="urn:schemas-microsoft-com:vml" Requires="v">
-                <p:oleObj spid="_x0000_s286758" name="Equation" r:id="rId7" imgW="1460500" imgH="482600" progId="Equation.DSMT4">
+                <p:oleObj spid="_x0000_s286771" name="Equation" r:id="rId7" imgW="1460500" imgH="482600" progId="Equation.DSMT4">
                   <p:embed/>
                 </p:oleObj>
               </mc:Choice>
@@ -8766,7 +9030,7 @@
           <a:graphicData uri="http://schemas.openxmlformats.org/presentationml/2006/ole">
             <mc:AlternateContent xmlns:mc="http://schemas.openxmlformats.org/markup-compatibility/2006">
               <mc:Choice xmlns:v="urn:schemas-microsoft-com:vml" Requires="v">
-                <p:oleObj spid="_x0000_s278578" name="Equation" r:id="rId4" imgW="139700" imgH="215900" progId="Equation.DSMT4">
+                <p:oleObj spid="_x0000_s278595" name="Equation" r:id="rId4" imgW="139700" imgH="215900" progId="Equation.DSMT4">
                   <p:embed/>
                 </p:oleObj>
               </mc:Choice>
@@ -8823,7 +9087,7 @@
           <a:graphicData uri="http://schemas.openxmlformats.org/presentationml/2006/ole">
             <mc:AlternateContent xmlns:mc="http://schemas.openxmlformats.org/markup-compatibility/2006">
               <mc:Choice xmlns:v="urn:schemas-microsoft-com:vml" Requires="v">
-                <p:oleObj spid="_x0000_s278579" name="Equation" r:id="rId6" imgW="139700" imgH="215900" progId="Equation.DSMT4">
+                <p:oleObj spid="_x0000_s278596" name="Equation" r:id="rId6" imgW="139700" imgH="215900" progId="Equation.DSMT4">
                   <p:embed/>
                 </p:oleObj>
               </mc:Choice>
@@ -8880,7 +9144,7 @@
           <a:graphicData uri="http://schemas.openxmlformats.org/presentationml/2006/ole">
             <mc:AlternateContent xmlns:mc="http://schemas.openxmlformats.org/markup-compatibility/2006">
               <mc:Choice xmlns:v="urn:schemas-microsoft-com:vml" Requires="v">
-                <p:oleObj spid="_x0000_s278580" name="Equation" r:id="rId7" imgW="469900" imgH="381000" progId="Equation.DSMT4">
+                <p:oleObj spid="_x0000_s278597" name="Equation" r:id="rId7" imgW="469900" imgH="381000" progId="Equation.DSMT4">
                   <p:embed/>
                 </p:oleObj>
               </mc:Choice>
@@ -8942,7 +9206,7 @@
           <a:graphicData uri="http://schemas.openxmlformats.org/presentationml/2006/ole">
             <mc:AlternateContent xmlns:mc="http://schemas.openxmlformats.org/markup-compatibility/2006">
               <mc:Choice xmlns:v="urn:schemas-microsoft-com:vml" Requires="v">
-                <p:oleObj spid="_x0000_s278581" name="Equation" r:id="rId9" imgW="1803400" imgH="495300" progId="Equation.DSMT4">
+                <p:oleObj spid="_x0000_s278598" name="Equation" r:id="rId9" imgW="1803400" imgH="495300" progId="Equation.DSMT4">
                   <p:embed/>
                 </p:oleObj>
               </mc:Choice>
@@ -9203,7 +9467,7 @@
           <a:graphicData uri="http://schemas.openxmlformats.org/presentationml/2006/ole">
             <mc:AlternateContent xmlns:mc="http://schemas.openxmlformats.org/markup-compatibility/2006">
               <mc:Choice xmlns:v="urn:schemas-microsoft-com:vml" Requires="v">
-                <p:oleObj spid="_x0000_s280612" name="Equation" r:id="rId4" imgW="139700" imgH="215900" progId="Equation.DSMT4">
+                <p:oleObj spid="_x0000_s280625" name="Equation" r:id="rId4" imgW="139700" imgH="215900" progId="Equation.DSMT4">
                   <p:embed/>
                 </p:oleObj>
               </mc:Choice>
@@ -9260,7 +9524,7 @@
           <a:graphicData uri="http://schemas.openxmlformats.org/presentationml/2006/ole">
             <mc:AlternateContent xmlns:mc="http://schemas.openxmlformats.org/markup-compatibility/2006">
               <mc:Choice xmlns:v="urn:schemas-microsoft-com:vml" Requires="v">
-                <p:oleObj spid="_x0000_s280613" name="Equation" r:id="rId6" imgW="139700" imgH="215900" progId="Equation.DSMT4">
+                <p:oleObj spid="_x0000_s280626" name="Equation" r:id="rId6" imgW="139700" imgH="215900" progId="Equation.DSMT4">
                   <p:embed/>
                 </p:oleObj>
               </mc:Choice>
@@ -9317,7 +9581,7 @@
           <a:graphicData uri="http://schemas.openxmlformats.org/presentationml/2006/ole">
             <mc:AlternateContent xmlns:mc="http://schemas.openxmlformats.org/markup-compatibility/2006">
               <mc:Choice xmlns:v="urn:schemas-microsoft-com:vml" Requires="v">
-                <p:oleObj spid="_x0000_s280614" name="Equation" r:id="rId7" imgW="1803400" imgH="495300" progId="Equation.DSMT4">
+                <p:oleObj spid="_x0000_s280627" name="Equation" r:id="rId7" imgW="1803400" imgH="495300" progId="Equation.DSMT4">
                   <p:embed/>
                 </p:oleObj>
               </mc:Choice>
@@ -9462,7 +9726,7 @@
           <a:graphicData uri="http://schemas.openxmlformats.org/presentationml/2006/ole">
             <mc:AlternateContent xmlns:mc="http://schemas.openxmlformats.org/markup-compatibility/2006">
               <mc:Choice xmlns:v="urn:schemas-microsoft-com:vml" Requires="v">
-                <p:oleObj spid="_x0000_s1093" name="Equation" r:id="rId4" imgW="1346200" imgH="266700" progId="Equation.DSMT4">
+                <p:oleObj spid="_x0000_s1102" name="Equation" r:id="rId4" imgW="1346200" imgH="266700" progId="Equation.DSMT4">
                   <p:embed/>
                 </p:oleObj>
               </mc:Choice>
@@ -9532,7 +9796,7 @@
           <a:graphicData uri="http://schemas.openxmlformats.org/presentationml/2006/ole">
             <mc:AlternateContent xmlns:mc="http://schemas.openxmlformats.org/markup-compatibility/2006">
               <mc:Choice xmlns:v="urn:schemas-microsoft-com:vml" Requires="v">
-                <p:oleObj spid="_x0000_s1094" name="Equation" r:id="rId6" imgW="1447800" imgH="495300" progId="Equation.DSMT4">
+                <p:oleObj spid="_x0000_s1103" name="Equation" r:id="rId6" imgW="1447800" imgH="495300" progId="Equation.DSMT4">
                   <p:embed/>
                 </p:oleObj>
               </mc:Choice>
@@ -9888,7 +10152,7 @@
           <a:graphicData uri="http://schemas.openxmlformats.org/presentationml/2006/ole">
             <mc:AlternateContent xmlns:mc="http://schemas.openxmlformats.org/markup-compatibility/2006">
               <mc:Choice xmlns:v="urn:schemas-microsoft-com:vml" Requires="v">
-                <p:oleObj spid="_x0000_s279618" name="Equation" r:id="rId4" imgW="139700" imgH="215900" progId="Equation.DSMT4">
+                <p:oleObj spid="_x0000_s279635" name="Equation" r:id="rId4" imgW="139700" imgH="215900" progId="Equation.DSMT4">
                   <p:embed/>
                 </p:oleObj>
               </mc:Choice>
@@ -9945,7 +10209,7 @@
           <a:graphicData uri="http://schemas.openxmlformats.org/presentationml/2006/ole">
             <mc:AlternateContent xmlns:mc="http://schemas.openxmlformats.org/markup-compatibility/2006">
               <mc:Choice xmlns:v="urn:schemas-microsoft-com:vml" Requires="v">
-                <p:oleObj spid="_x0000_s279619" name="Equation" r:id="rId6" imgW="139700" imgH="215900" progId="Equation.DSMT4">
+                <p:oleObj spid="_x0000_s279636" name="Equation" r:id="rId6" imgW="139700" imgH="215900" progId="Equation.DSMT4">
                   <p:embed/>
                 </p:oleObj>
               </mc:Choice>
@@ -10002,7 +10266,7 @@
           <a:graphicData uri="http://schemas.openxmlformats.org/presentationml/2006/ole">
             <mc:AlternateContent xmlns:mc="http://schemas.openxmlformats.org/markup-compatibility/2006">
               <mc:Choice xmlns:v="urn:schemas-microsoft-com:vml" Requires="v">
-                <p:oleObj spid="_x0000_s279620" name="Equation" r:id="rId7" imgW="1803400" imgH="495300" progId="Equation.DSMT4">
+                <p:oleObj spid="_x0000_s279637" name="Equation" r:id="rId7" imgW="1803400" imgH="495300" progId="Equation.DSMT4">
                   <p:embed/>
                 </p:oleObj>
               </mc:Choice>
@@ -10059,7 +10323,7 @@
           <a:graphicData uri="http://schemas.openxmlformats.org/presentationml/2006/ole">
             <mc:AlternateContent xmlns:mc="http://schemas.openxmlformats.org/markup-compatibility/2006">
               <mc:Choice xmlns:v="urn:schemas-microsoft-com:vml" Requires="v">
-                <p:oleObj spid="_x0000_s279621" name="Equation" r:id="rId9" imgW="1651000" imgH="495300" progId="Equation.DSMT4">
+                <p:oleObj spid="_x0000_s279638" name="Equation" r:id="rId9" imgW="1651000" imgH="495300" progId="Equation.DSMT4">
                   <p:embed/>
                 </p:oleObj>
               </mc:Choice>
@@ -10368,7 +10632,7 @@
           <a:graphicData uri="http://schemas.openxmlformats.org/presentationml/2006/ole">
             <mc:AlternateContent xmlns:mc="http://schemas.openxmlformats.org/markup-compatibility/2006">
               <mc:Choice xmlns:v="urn:schemas-microsoft-com:vml" Requires="v">
-                <p:oleObj spid="_x0000_s206094" name="Equation" r:id="rId4" imgW="139700" imgH="215900" progId="Equation.DSMT4">
+                <p:oleObj spid="_x0000_s206119" name="Equation" r:id="rId4" imgW="139700" imgH="215900" progId="Equation.DSMT4">
                   <p:embed/>
                 </p:oleObj>
               </mc:Choice>
@@ -10425,7 +10689,7 @@
           <a:graphicData uri="http://schemas.openxmlformats.org/presentationml/2006/ole">
             <mc:AlternateContent xmlns:mc="http://schemas.openxmlformats.org/markup-compatibility/2006">
               <mc:Choice xmlns:v="urn:schemas-microsoft-com:vml" Requires="v">
-                <p:oleObj spid="_x0000_s206095" name="Equation" r:id="rId6" imgW="139700" imgH="215900" progId="Equation.DSMT4">
+                <p:oleObj spid="_x0000_s206120" name="Equation" r:id="rId6" imgW="139700" imgH="215900" progId="Equation.DSMT4">
                   <p:embed/>
                 </p:oleObj>
               </mc:Choice>
@@ -10482,7 +10746,2694 @@
           <a:graphicData uri="http://schemas.openxmlformats.org/presentationml/2006/ole">
             <mc:AlternateContent xmlns:mc="http://schemas.openxmlformats.org/markup-compatibility/2006">
               <mc:Choice xmlns:v="urn:schemas-microsoft-com:vml" Requires="v">
-                <p:oleObj spid="_x0000_s206096" name="Equation" r:id="rId7" imgW="660400" imgH="406400" progId="Equation.DSMT4">
+                <p:oleObj spid="_x0000_s206121" name="Equation" r:id="rId7" imgW="660400" imgH="406400" progId="Equation.DSMT4">
+                  <p:embed/>
+                </p:oleObj>
+              </mc:Choice>
+              <mc:Fallback>
+                <p:oleObj name="Equation" r:id="rId7" imgW="660400" imgH="406400" progId="Equation.DSMT4">
+                  <p:embed/>
+                  <p:pic>
+                    <p:nvPicPr>
+                      <p:cNvPr id="0" name=""/>
+                      <p:cNvPicPr/>
+                      <p:nvPr/>
+                    </p:nvPicPr>
+                    <p:blipFill>
+                      <a:blip r:embed="rId8"/>
+                      <a:stretch>
+                        <a:fillRect/>
+                      </a:stretch>
+                    </p:blipFill>
+                    <p:spPr>
+                      <a:xfrm>
+                        <a:off x="1800225" y="981075"/>
+                        <a:ext cx="3033713" cy="1866900"/>
+                      </a:xfrm>
+                      <a:prstGeom prst="rect">
+                        <a:avLst/>
+                      </a:prstGeom>
+                    </p:spPr>
+                  </p:pic>
+                </p:oleObj>
+              </mc:Fallback>
+            </mc:AlternateContent>
+          </a:graphicData>
+        </a:graphic>
+      </p:graphicFrame>
+      <p:sp>
+        <p:nvSpPr>
+          <p:cNvPr id="7" name="TextBox 6"/>
+          <p:cNvSpPr txBox="1"/>
+          <p:nvPr/>
+        </p:nvSpPr>
+        <p:spPr>
+          <a:xfrm>
+            <a:off x="838200" y="2438400"/>
+            <a:ext cx="7490715" cy="1754327"/>
+          </a:xfrm>
+          <a:prstGeom prst="rect">
+            <a:avLst/>
+          </a:prstGeom>
+          <a:noFill/>
+        </p:spPr>
+        <p:txBody>
+          <a:bodyPr wrap="none" rtlCol="0">
+            <a:spAutoFit/>
+          </a:bodyPr>
+          <a:lstStyle/>
+          <a:p>
+            <a:r>
+              <a:rPr lang="en-US" sz="5400" dirty="0" smtClean="0">
+                <a:latin typeface="Comic Sans MS" pitchFamily="66" charset="0"/>
+              </a:rPr>
+              <a:t>Suppose </a:t>
+            </a:r>
+            <a:r>
+              <a:rPr lang="en-US" sz="5400" dirty="0" smtClean="0">
+                <a:solidFill>
+                  <a:srgbClr val="0000E5"/>
+                </a:solidFill>
+                <a:latin typeface="Comic Sans MS" pitchFamily="66" charset="0"/>
+              </a:rPr>
+              <a:t>a</a:t>
+            </a:r>
+            <a:r>
+              <a:rPr lang="en-US" sz="5400" dirty="0" smtClean="0">
+                <a:latin typeface="Comic Sans MS" pitchFamily="66" charset="0"/>
+              </a:rPr>
+              <a:t> is in </a:t>
+            </a:r>
+            <a:r>
+              <a:rPr lang="en-US" sz="5400" dirty="0" smtClean="0">
+                <a:latin typeface="Comic Sans MS" pitchFamily="66" charset="0"/>
+              </a:rPr>
+              <a:t>exactly</a:t>
+            </a:r>
+          </a:p>
+          <a:p>
+            <a:r>
+              <a:rPr lang="en-US" sz="5400" dirty="0" smtClean="0">
+                <a:solidFill>
+                  <a:srgbClr val="0000E5"/>
+                </a:solidFill>
+                <a:latin typeface="Comic Sans MS" pitchFamily="66" charset="0"/>
+              </a:rPr>
+              <a:t>       A</a:t>
+            </a:r>
+            <a:r>
+              <a:rPr lang="en-US" sz="5400" baseline="-25000" dirty="0" smtClean="0">
+                <a:solidFill>
+                  <a:srgbClr val="0000E5"/>
+                </a:solidFill>
+                <a:latin typeface="Comic Sans MS" pitchFamily="66" charset="0"/>
+              </a:rPr>
+              <a:t>2</a:t>
+            </a:r>
+            <a:r>
+              <a:rPr lang="en-US" sz="5400" dirty="0">
+                <a:solidFill>
+                  <a:srgbClr val="0000E5"/>
+                </a:solidFill>
+                <a:latin typeface="Comic Sans MS" pitchFamily="66" charset="0"/>
+              </a:rPr>
+              <a:t>,</a:t>
+            </a:r>
+            <a:r>
+              <a:rPr lang="en-US" sz="5400" dirty="0" smtClean="0">
+                <a:solidFill>
+                  <a:srgbClr val="0000E5"/>
+                </a:solidFill>
+                <a:latin typeface="Comic Sans MS" pitchFamily="66" charset="0"/>
+              </a:rPr>
+              <a:t>A</a:t>
+            </a:r>
+            <a:r>
+              <a:rPr lang="en-US" sz="5400" baseline="-25000" dirty="0" smtClean="0">
+                <a:solidFill>
+                  <a:srgbClr val="0000E5"/>
+                </a:solidFill>
+                <a:latin typeface="Comic Sans MS" pitchFamily="66" charset="0"/>
+              </a:rPr>
+              <a:t>3</a:t>
+            </a:r>
+            <a:r>
+              <a:rPr lang="en-US" sz="5400" dirty="0" smtClean="0">
+                <a:solidFill>
+                  <a:srgbClr val="0000E5"/>
+                </a:solidFill>
+                <a:latin typeface="Comic Sans MS" pitchFamily="66" charset="0"/>
+              </a:rPr>
+              <a:t>,A</a:t>
+            </a:r>
+            <a:r>
+              <a:rPr lang="en-US" sz="5400" baseline="-25000" dirty="0" smtClean="0">
+                <a:solidFill>
+                  <a:srgbClr val="0000E5"/>
+                </a:solidFill>
+                <a:latin typeface="Comic Sans MS" pitchFamily="66" charset="0"/>
+              </a:rPr>
+              <a:t>4</a:t>
+            </a:r>
+            <a:r>
+              <a:rPr lang="en-US" sz="5400" dirty="0" smtClean="0">
+                <a:solidFill>
+                  <a:srgbClr val="0000E5"/>
+                </a:solidFill>
+                <a:latin typeface="Comic Sans MS" pitchFamily="66" charset="0"/>
+              </a:rPr>
+              <a:t>,A</a:t>
+            </a:r>
+            <a:r>
+              <a:rPr lang="en-US" sz="5400" baseline="-25000" dirty="0">
+                <a:solidFill>
+                  <a:srgbClr val="0000E5"/>
+                </a:solidFill>
+                <a:latin typeface="Comic Sans MS" pitchFamily="66" charset="0"/>
+              </a:rPr>
+              <a:t>8</a:t>
+            </a:r>
+            <a:r>
+              <a:rPr lang="is-IS" sz="5400" dirty="0" smtClean="0">
+                <a:solidFill>
+                  <a:srgbClr val="0000E5"/>
+                </a:solidFill>
+                <a:latin typeface="Comic Sans MS" pitchFamily="66" charset="0"/>
+              </a:rPr>
+              <a:t>,</a:t>
+            </a:r>
+            <a:r>
+              <a:rPr lang="en-US" sz="5400" dirty="0" smtClean="0">
+                <a:solidFill>
+                  <a:srgbClr val="0000E5"/>
+                </a:solidFill>
+                <a:latin typeface="Comic Sans MS" pitchFamily="66" charset="0"/>
+              </a:rPr>
+              <a:t>A</a:t>
+            </a:r>
+            <a:r>
+              <a:rPr lang="en-US" sz="5400" baseline="-25000" dirty="0">
+                <a:solidFill>
+                  <a:srgbClr val="0000E5"/>
+                </a:solidFill>
+                <a:latin typeface="Comic Sans MS" pitchFamily="66" charset="0"/>
+              </a:rPr>
+              <a:t>9</a:t>
+            </a:r>
+            <a:endParaRPr lang="en-US" sz="5400" dirty="0" smtClean="0">
+              <a:latin typeface="Comic Sans MS" pitchFamily="66" charset="0"/>
+            </a:endParaRPr>
+          </a:p>
+        </p:txBody>
+      </p:sp>
+      <p:sp>
+        <p:nvSpPr>
+          <p:cNvPr id="8" name="TextBox 7"/>
+          <p:cNvSpPr txBox="1"/>
+          <p:nvPr/>
+        </p:nvSpPr>
+        <p:spPr>
+          <a:xfrm>
+            <a:off x="762000" y="4191000"/>
+            <a:ext cx="7772400" cy="923330"/>
+          </a:xfrm>
+          <a:prstGeom prst="rect">
+            <a:avLst/>
+          </a:prstGeom>
+          <a:noFill/>
+        </p:spPr>
+        <p:txBody>
+          <a:bodyPr wrap="square" rtlCol="0">
+            <a:spAutoFit/>
+          </a:bodyPr>
+          <a:lstStyle/>
+          <a:p>
+            <a:r>
+              <a:rPr lang="en-US" sz="5400" dirty="0" smtClean="0">
+                <a:latin typeface="Comic Sans MS" pitchFamily="66" charset="0"/>
+              </a:rPr>
+              <a:t>then </a:t>
+            </a:r>
+            <a:r>
+              <a:rPr lang="en-US" sz="5400" dirty="0" err="1" smtClean="0">
+                <a:solidFill>
+                  <a:srgbClr val="0000E5"/>
+                </a:solidFill>
+                <a:latin typeface="Comic Sans MS" pitchFamily="66" charset="0"/>
+              </a:rPr>
+              <a:t>m</a:t>
+            </a:r>
+            <a:r>
+              <a:rPr lang="en-US" sz="5400" baseline="-25000" dirty="0" err="1" smtClean="0">
+                <a:solidFill>
+                  <a:srgbClr val="0000E5"/>
+                </a:solidFill>
+                <a:latin typeface="Comic Sans MS" pitchFamily="66" charset="0"/>
+              </a:rPr>
+              <a:t>S</a:t>
+            </a:r>
+            <a:r>
+              <a:rPr lang="en-US" sz="5400" dirty="0" smtClean="0">
+                <a:solidFill>
+                  <a:srgbClr val="0000E5"/>
+                </a:solidFill>
+                <a:latin typeface="Comic Sans MS" pitchFamily="66" charset="0"/>
+              </a:rPr>
+              <a:t>(a) = 1 </a:t>
+            </a:r>
+            <a:r>
+              <a:rPr lang="en-US" sz="5400" dirty="0" smtClean="0">
+                <a:solidFill>
+                  <a:srgbClr val="000000"/>
+                </a:solidFill>
+                <a:latin typeface="Comic Sans MS" pitchFamily="66" charset="0"/>
+              </a:rPr>
+              <a:t>when</a:t>
+            </a:r>
+            <a:r>
+              <a:rPr lang="en-US" sz="5400" dirty="0" smtClean="0">
+                <a:latin typeface="Comic Sans MS" pitchFamily="66" charset="0"/>
+              </a:rPr>
+              <a:t> </a:t>
+            </a:r>
+            <a:endParaRPr lang="en-US" sz="5400" dirty="0" smtClean="0">
+              <a:latin typeface="Comic Sans MS" pitchFamily="66" charset="0"/>
+            </a:endParaRPr>
+          </a:p>
+        </p:txBody>
+      </p:sp>
+      <p:graphicFrame>
+        <p:nvGraphicFramePr>
+          <p:cNvPr id="10" name="Object 9"/>
+          <p:cNvGraphicFramePr>
+            <a:graphicFrameLocks noChangeAspect="1"/>
+          </p:cNvGraphicFramePr>
+          <p:nvPr>
+            <p:extLst>
+              <p:ext uri="{D42A27DB-BD31-4B8C-83A1-F6EECF244321}">
+                <p14:modId xmlns:p14="http://schemas.microsoft.com/office/powerpoint/2010/main" val="3994790942"/>
+              </p:ext>
+            </p:extLst>
+          </p:nvPr>
+        </p:nvGraphicFramePr>
+        <p:xfrm>
+          <a:off x="4305300" y="3390900"/>
+          <a:ext cx="139700" cy="215900"/>
+        </p:xfrm>
+        <a:graphic>
+          <a:graphicData uri="http://schemas.openxmlformats.org/presentationml/2006/ole">
+            <mc:AlternateContent xmlns:mc="http://schemas.openxmlformats.org/markup-compatibility/2006">
+              <mc:Choice xmlns:v="urn:schemas-microsoft-com:vml" Requires="v">
+                <p:oleObj spid="_x0000_s206122" name="Equation" r:id="rId9" imgW="139700" imgH="215900" progId="Equation.DSMT4">
+                  <p:embed/>
+                </p:oleObj>
+              </mc:Choice>
+              <mc:Fallback>
+                <p:oleObj name="Equation" r:id="rId9" imgW="139700" imgH="215900" progId="Equation.DSMT4">
+                  <p:embed/>
+                  <p:pic>
+                    <p:nvPicPr>
+                      <p:cNvPr id="0" name=""/>
+                      <p:cNvPicPr/>
+                      <p:nvPr/>
+                    </p:nvPicPr>
+                    <p:blipFill>
+                      <a:blip r:embed="rId10"/>
+                      <a:stretch>
+                        <a:fillRect/>
+                      </a:stretch>
+                    </p:blipFill>
+                    <p:spPr>
+                      <a:xfrm>
+                        <a:off x="4305300" y="3390900"/>
+                        <a:ext cx="139700" cy="215900"/>
+                      </a:xfrm>
+                      <a:prstGeom prst="rect">
+                        <a:avLst/>
+                      </a:prstGeom>
+                    </p:spPr>
+                  </p:pic>
+                </p:oleObj>
+              </mc:Fallback>
+            </mc:AlternateContent>
+          </a:graphicData>
+        </a:graphic>
+      </p:graphicFrame>
+      <p:sp>
+        <p:nvSpPr>
+          <p:cNvPr id="12" name="Rounded Rectangle 11"/>
+          <p:cNvSpPr/>
+          <p:nvPr/>
+        </p:nvSpPr>
+        <p:spPr bwMode="auto">
+          <a:xfrm>
+            <a:off x="1818884" y="1066800"/>
+            <a:ext cx="2981716" cy="1676400"/>
+          </a:xfrm>
+          <a:prstGeom prst="roundRect">
+            <a:avLst/>
+          </a:prstGeom>
+          <a:noFill/>
+          <a:ln w="44450" cap="flat" cmpd="sng" algn="ctr">
+            <a:solidFill>
+              <a:srgbClr val="FF00FF"/>
+            </a:solidFill>
+            <a:prstDash val="sysDash"/>
+            <a:round/>
+            <a:headEnd type="none" w="med" len="med"/>
+            <a:tailEnd type="none" w="med" len="med"/>
+          </a:ln>
+          <a:effectLst/>
+        </p:spPr>
+        <p:txBody>
+          <a:bodyPr vert="horz" wrap="square" lIns="91440" tIns="45720" rIns="91440" bIns="45720" numCol="1" rtlCol="0" anchor="t" anchorCtr="0" compatLnSpc="1">
+            <a:prstTxWarp prst="textNoShape">
+              <a:avLst/>
+            </a:prstTxWarp>
+          </a:bodyPr>
+          <a:lstStyle/>
+          <a:p>
+            <a:pPr marL="0" marR="0" indent="0" algn="l" defTabSz="914400" rtl="0" eaLnBrk="1" fontAlgn="base" latinLnBrk="0" hangingPunct="1">
+              <a:lnSpc>
+                <a:spcPct val="100000"/>
+              </a:lnSpc>
+              <a:spcBef>
+                <a:spcPct val="0"/>
+              </a:spcBef>
+              <a:spcAft>
+                <a:spcPct val="0"/>
+              </a:spcAft>
+              <a:buClrTx/>
+              <a:buSzTx/>
+              <a:buFontTx/>
+              <a:buNone/>
+              <a:tabLst/>
+            </a:pPr>
+            <a:endParaRPr kumimoji="0" lang="en-US" sz="3600" b="0" i="0" u="none" strike="noStrike" cap="none" normalizeH="0" baseline="0" smtClean="0">
+              <a:ln>
+                <a:noFill/>
+              </a:ln>
+              <a:solidFill>
+                <a:schemeClr val="tx1"/>
+              </a:solidFill>
+              <a:effectLst/>
+              <a:latin typeface="Times New Roman" pitchFamily="8" charset="0"/>
+            </a:endParaRPr>
+          </a:p>
+        </p:txBody>
+      </p:sp>
+      <p:graphicFrame>
+        <p:nvGraphicFramePr>
+          <p:cNvPr id="2" name="Object 1"/>
+          <p:cNvGraphicFramePr>
+            <a:graphicFrameLocks noChangeAspect="1"/>
+          </p:cNvGraphicFramePr>
+          <p:nvPr>
+            <p:extLst>
+              <p:ext uri="{D42A27DB-BD31-4B8C-83A1-F6EECF244321}">
+                <p14:modId xmlns:p14="http://schemas.microsoft.com/office/powerpoint/2010/main" val="3463016509"/>
+              </p:ext>
+            </p:extLst>
+          </p:nvPr>
+        </p:nvGraphicFramePr>
+        <p:xfrm>
+          <a:off x="1981200" y="4953000"/>
+          <a:ext cx="5040924" cy="1524000"/>
+        </p:xfrm>
+        <a:graphic>
+          <a:graphicData uri="http://schemas.openxmlformats.org/presentationml/2006/ole">
+            <mc:AlternateContent xmlns:mc="http://schemas.openxmlformats.org/markup-compatibility/2006">
+              <mc:Choice xmlns:v="urn:schemas-microsoft-com:vml" Requires="v">
+                <p:oleObj spid="_x0000_s206123" name="Equation" r:id="rId11" imgW="1092200" imgH="330200" progId="Equation.DSMT4">
+                  <p:embed/>
+                </p:oleObj>
+              </mc:Choice>
+              <mc:Fallback>
+                <p:oleObj name="Equation" r:id="rId11" imgW="1092200" imgH="330200" progId="Equation.DSMT4">
+                  <p:embed/>
+                  <p:pic>
+                    <p:nvPicPr>
+                      <p:cNvPr id="0" name=""/>
+                      <p:cNvPicPr/>
+                      <p:nvPr/>
+                    </p:nvPicPr>
+                    <p:blipFill>
+                      <a:blip r:embed="rId12"/>
+                      <a:stretch>
+                        <a:fillRect/>
+                      </a:stretch>
+                    </p:blipFill>
+                    <p:spPr>
+                      <a:xfrm>
+                        <a:off x="1981200" y="4953000"/>
+                        <a:ext cx="5040924" cy="1524000"/>
+                      </a:xfrm>
+                      <a:prstGeom prst="rect">
+                        <a:avLst/>
+                      </a:prstGeom>
+                    </p:spPr>
+                  </p:pic>
+                </p:oleObj>
+              </mc:Fallback>
+            </mc:AlternateContent>
+          </a:graphicData>
+        </a:graphic>
+      </p:graphicFrame>
+    </p:spTree>
+    <p:extLst>
+      <p:ext uri="{BB962C8B-B14F-4D97-AF65-F5344CB8AC3E}">
+        <p14:creationId xmlns:p14="http://schemas.microsoft.com/office/powerpoint/2010/main" val="689503822"/>
+      </p:ext>
+    </p:extLst>
+  </p:cSld>
+  <p:clrMapOvr>
+    <a:masterClrMapping/>
+  </p:clrMapOvr>
+  <mc:AlternateContent xmlns:mc="http://schemas.openxmlformats.org/markup-compatibility/2006" xmlns:p14="http://schemas.microsoft.com/office/powerpoint/2010/main">
+    <mc:Choice Requires="p14">
+      <p:transition spd="med" p14:dur="700" advClick="0">
+        <p:fade/>
+      </p:transition>
+    </mc:Choice>
+    <mc:Fallback xmlns="">
+      <p:transition xmlns:p14="http://schemas.microsoft.com/office/powerpoint/2010/main" spd="med" advClick="0">
+        <p:fade/>
+      </p:transition>
+    </mc:Fallback>
+  </mc:AlternateContent>
+  <p:timing>
+    <p:tnLst>
+      <p:par>
+        <p:cTn xmlns:p14="http://schemas.microsoft.com/office/powerpoint/2010/main" id="1" dur="indefinite" restart="never" nodeType="tmRoot">
+          <p:childTnLst>
+            <p:seq concurrent="1" nextAc="seek">
+              <p:cTn id="2" dur="indefinite" nodeType="mainSeq">
+                <p:childTnLst>
+                  <p:par>
+                    <p:cTn id="3" fill="hold">
+                      <p:stCondLst>
+                        <p:cond delay="indefinite"/>
+                      </p:stCondLst>
+                      <p:childTnLst>
+                        <p:par>
+                          <p:cTn id="4" fill="hold">
+                            <p:stCondLst>
+                              <p:cond delay="0"/>
+                            </p:stCondLst>
+                            <p:childTnLst>
+                              <p:par>
+                                <p:cTn id="5" presetID="10" presetClass="entr" presetSubtype="0" fill="hold" grpId="0" nodeType="clickEffect">
+                                  <p:stCondLst>
+                                    <p:cond delay="0"/>
+                                  </p:stCondLst>
+                                  <p:childTnLst>
+                                    <p:set>
+                                      <p:cBhvr>
+                                        <p:cTn id="6" dur="1" fill="hold">
+                                          <p:stCondLst>
+                                            <p:cond delay="0"/>
+                                          </p:stCondLst>
+                                        </p:cTn>
+                                        <p:tgtEl>
+                                          <p:spTgt spid="7"/>
+                                        </p:tgtEl>
+                                        <p:attrNameLst>
+                                          <p:attrName>style.visibility</p:attrName>
+                                        </p:attrNameLst>
+                                      </p:cBhvr>
+                                      <p:to>
+                                        <p:strVal val="visible"/>
+                                      </p:to>
+                                    </p:set>
+                                    <p:animEffect transition="in" filter="fade">
+                                      <p:cBhvr>
+                                        <p:cTn id="7" dur="500"/>
+                                        <p:tgtEl>
+                                          <p:spTgt spid="7"/>
+                                        </p:tgtEl>
+                                      </p:cBhvr>
+                                    </p:animEffect>
+                                  </p:childTnLst>
+                                </p:cTn>
+                              </p:par>
+                            </p:childTnLst>
+                          </p:cTn>
+                        </p:par>
+                      </p:childTnLst>
+                    </p:cTn>
+                  </p:par>
+                  <p:par>
+                    <p:cTn id="8" fill="hold">
+                      <p:stCondLst>
+                        <p:cond delay="indefinite"/>
+                      </p:stCondLst>
+                      <p:childTnLst>
+                        <p:par>
+                          <p:cTn id="9" fill="hold">
+                            <p:stCondLst>
+                              <p:cond delay="0"/>
+                            </p:stCondLst>
+                            <p:childTnLst>
+                              <p:par>
+                                <p:cTn id="10" presetID="10" presetClass="entr" presetSubtype="0" fill="hold" grpId="0" nodeType="clickEffect">
+                                  <p:stCondLst>
+                                    <p:cond delay="0"/>
+                                  </p:stCondLst>
+                                  <p:childTnLst>
+                                    <p:set>
+                                      <p:cBhvr>
+                                        <p:cTn id="11" dur="1" fill="hold">
+                                          <p:stCondLst>
+                                            <p:cond delay="0"/>
+                                          </p:stCondLst>
+                                        </p:cTn>
+                                        <p:tgtEl>
+                                          <p:spTgt spid="8"/>
+                                        </p:tgtEl>
+                                        <p:attrNameLst>
+                                          <p:attrName>style.visibility</p:attrName>
+                                        </p:attrNameLst>
+                                      </p:cBhvr>
+                                      <p:to>
+                                        <p:strVal val="visible"/>
+                                      </p:to>
+                                    </p:set>
+                                    <p:animEffect transition="in" filter="fade">
+                                      <p:cBhvr>
+                                        <p:cTn id="12" dur="500"/>
+                                        <p:tgtEl>
+                                          <p:spTgt spid="8"/>
+                                        </p:tgtEl>
+                                      </p:cBhvr>
+                                    </p:animEffect>
+                                  </p:childTnLst>
+                                </p:cTn>
+                              </p:par>
+                            </p:childTnLst>
+                          </p:cTn>
+                        </p:par>
+                      </p:childTnLst>
+                    </p:cTn>
+                  </p:par>
+                  <p:par>
+                    <p:cTn id="13" fill="hold">
+                      <p:stCondLst>
+                        <p:cond delay="indefinite"/>
+                      </p:stCondLst>
+                      <p:childTnLst>
+                        <p:par>
+                          <p:cTn id="14" fill="hold">
+                            <p:stCondLst>
+                              <p:cond delay="0"/>
+                            </p:stCondLst>
+                            <p:childTnLst>
+                              <p:par>
+                                <p:cTn id="15" presetID="22" presetClass="entr" presetSubtype="8" fill="hold" nodeType="clickEffect">
+                                  <p:stCondLst>
+                                    <p:cond delay="0"/>
+                                  </p:stCondLst>
+                                  <p:childTnLst>
+                                    <p:set>
+                                      <p:cBhvr>
+                                        <p:cTn id="16" dur="1" fill="hold">
+                                          <p:stCondLst>
+                                            <p:cond delay="0"/>
+                                          </p:stCondLst>
+                                        </p:cTn>
+                                        <p:tgtEl>
+                                          <p:spTgt spid="2"/>
+                                        </p:tgtEl>
+                                        <p:attrNameLst>
+                                          <p:attrName>style.visibility</p:attrName>
+                                        </p:attrNameLst>
+                                      </p:cBhvr>
+                                      <p:to>
+                                        <p:strVal val="visible"/>
+                                      </p:to>
+                                    </p:set>
+                                    <p:animEffect transition="in" filter="wipe(left)">
+                                      <p:cBhvr>
+                                        <p:cTn id="17" dur="1000"/>
+                                        <p:tgtEl>
+                                          <p:spTgt spid="2"/>
+                                        </p:tgtEl>
+                                      </p:cBhvr>
+                                    </p:animEffect>
+                                  </p:childTnLst>
+                                </p:cTn>
+                              </p:par>
+                            </p:childTnLst>
+                          </p:cTn>
+                        </p:par>
+                      </p:childTnLst>
+                    </p:cTn>
+                  </p:par>
+                </p:childTnLst>
+              </p:cTn>
+              <p:prevCondLst>
+                <p:cond evt="onPrev" delay="0">
+                  <p:tgtEl>
+                    <p:sldTgt/>
+                  </p:tgtEl>
+                </p:cond>
+              </p:prevCondLst>
+              <p:nextCondLst>
+                <p:cond evt="onNext" delay="0">
+                  <p:tgtEl>
+                    <p:sldTgt/>
+                  </p:tgtEl>
+                </p:cond>
+              </p:nextCondLst>
+            </p:seq>
+          </p:childTnLst>
+        </p:cTn>
+      </p:par>
+    </p:tnLst>
+    <p:bldLst>
+      <p:bldP spid="7" grpId="0"/>
+      <p:bldP spid="8" grpId="0"/>
+    </p:bldLst>
+  </p:timing>
+</p:sld>
+</file>
+
+<file path=ppt/slides/slide22.xml><?xml version="1.0" encoding="utf-8"?>
+<p:sld xmlns:a="http://schemas.openxmlformats.org/drawingml/2006/main" xmlns:r="http://schemas.openxmlformats.org/officeDocument/2006/relationships" xmlns:p="http://schemas.openxmlformats.org/presentationml/2006/main">
+  <p:cSld>
+    <p:spTree>
+      <p:nvGrpSpPr>
+        <p:cNvPr id="1" name=""/>
+        <p:cNvGrpSpPr/>
+        <p:nvPr/>
+      </p:nvGrpSpPr>
+      <p:grpSpPr>
+        <a:xfrm>
+          <a:off x="0" y="0"/>
+          <a:ext cx="0" cy="0"/>
+          <a:chOff x="0" y="0"/>
+          <a:chExt cx="0" cy="0"/>
+        </a:xfrm>
+      </p:grpSpPr>
+      <p:graphicFrame>
+        <p:nvGraphicFramePr>
+          <p:cNvPr id="9" name="Object 8"/>
+          <p:cNvGraphicFramePr>
+            <a:graphicFrameLocks noChangeAspect="1"/>
+          </p:cNvGraphicFramePr>
+          <p:nvPr>
+            <p:extLst>
+              <p:ext uri="{D42A27DB-BD31-4B8C-83A1-F6EECF244321}">
+                <p14:modId xmlns:p14="http://schemas.microsoft.com/office/powerpoint/2010/main" val="2640929626"/>
+              </p:ext>
+            </p:extLst>
+          </p:nvPr>
+        </p:nvGraphicFramePr>
+        <p:xfrm>
+          <a:off x="1771650" y="1392237"/>
+          <a:ext cx="3092450" cy="1808163"/>
+        </p:xfrm>
+        <a:graphic>
+          <a:graphicData uri="http://schemas.openxmlformats.org/presentationml/2006/ole">
+            <mc:AlternateContent xmlns:mc="http://schemas.openxmlformats.org/markup-compatibility/2006">
+              <mc:Choice xmlns:v="urn:schemas-microsoft-com:vml" Requires="v">
+                <p:oleObj spid="_x0000_s306225" name="Equation" r:id="rId4" imgW="673100" imgH="393700" progId="Equation.DSMT4">
+                  <p:embed/>
+                </p:oleObj>
+              </mc:Choice>
+              <mc:Fallback>
+                <p:oleObj name="Equation" r:id="rId4" imgW="673100" imgH="393700" progId="Equation.DSMT4">
+                  <p:embed/>
+                  <p:pic>
+                    <p:nvPicPr>
+                      <p:cNvPr id="0" name=""/>
+                      <p:cNvPicPr/>
+                      <p:nvPr/>
+                    </p:nvPicPr>
+                    <p:blipFill>
+                      <a:blip r:embed="rId5"/>
+                      <a:stretch>
+                        <a:fillRect/>
+                      </a:stretch>
+                    </p:blipFill>
+                    <p:spPr>
+                      <a:xfrm>
+                        <a:off x="1771650" y="1392237"/>
+                        <a:ext cx="3092450" cy="1808163"/>
+                      </a:xfrm>
+                      <a:prstGeom prst="rect">
+                        <a:avLst/>
+                      </a:prstGeom>
+                    </p:spPr>
+                  </p:pic>
+                </p:oleObj>
+              </mc:Fallback>
+            </mc:AlternateContent>
+          </a:graphicData>
+        </a:graphic>
+      </p:graphicFrame>
+      <p:sp>
+        <p:nvSpPr>
+          <p:cNvPr id="17412" name="Slide Number Placeholder 5"/>
+          <p:cNvSpPr>
+            <a:spLocks noGrp="1"/>
+          </p:cNvSpPr>
+          <p:nvPr>
+            <p:ph type="sldNum" sz="quarter" idx="10"/>
+          </p:nvPr>
+        </p:nvSpPr>
+        <p:spPr>
+          <a:noFill/>
+        </p:spPr>
+        <p:txBody>
+          <a:bodyPr/>
+          <a:lstStyle/>
+          <a:p>
+            <a:r>
+              <a:rPr lang="en-US" dirty="0" err="1" smtClean="0"/>
+              <a:t>incexcbinom</a:t>
+            </a:r>
+            <a:r>
+              <a:rPr lang="en-US" dirty="0" smtClean="0"/>
+              <a:t>.</a:t>
+            </a:r>
+            <a:fld id="{83D78B86-54BD-4C40-B154-E0B4BEB7EE49}" type="slidenum">
+              <a:rPr lang="en-US" smtClean="0"/>
+              <a:pPr/>
+              <a:t>22</a:t>
+            </a:fld>
+            <a:endParaRPr lang="en-US" dirty="0" smtClean="0"/>
+          </a:p>
+        </p:txBody>
+      </p:sp>
+      <p:sp>
+        <p:nvSpPr>
+          <p:cNvPr id="17413" name="Rectangle 2"/>
+          <p:cNvSpPr>
+            <a:spLocks noGrp="1" noChangeArrowheads="1"/>
+          </p:cNvSpPr>
+          <p:nvPr>
+            <p:ph type="title"/>
+          </p:nvPr>
+        </p:nvSpPr>
+        <p:spPr>
+          <a:xfrm>
+            <a:off x="1295400" y="152400"/>
+            <a:ext cx="6781800" cy="1219200"/>
+          </a:xfrm>
+        </p:spPr>
+        <p:txBody>
+          <a:bodyPr/>
+          <a:lstStyle/>
+          <a:p>
+            <a:pPr eaLnBrk="1" hangingPunct="1"/>
+            <a:r>
+              <a:rPr lang="en-US" sz="4400" dirty="0" smtClean="0"/>
+              <a:t>Binomial </a:t>
+            </a:r>
+            <a:r>
+              <a:rPr lang="en-US" sz="4400" dirty="0"/>
+              <a:t>C</a:t>
+            </a:r>
+            <a:r>
+              <a:rPr lang="en-US" sz="4400" dirty="0" smtClean="0"/>
+              <a:t>ounting proof</a:t>
+            </a:r>
+          </a:p>
+        </p:txBody>
+      </p:sp>
+      <p:graphicFrame>
+        <p:nvGraphicFramePr>
+          <p:cNvPr id="3" name="Object 2"/>
+          <p:cNvGraphicFramePr>
+            <a:graphicFrameLocks noChangeAspect="1"/>
+          </p:cNvGraphicFramePr>
+          <p:nvPr>
+            <p:extLst>
+              <p:ext uri="{D42A27DB-BD31-4B8C-83A1-F6EECF244321}">
+                <p14:modId xmlns:p14="http://schemas.microsoft.com/office/powerpoint/2010/main" val="251606483"/>
+              </p:ext>
+            </p:extLst>
+          </p:nvPr>
+        </p:nvGraphicFramePr>
+        <p:xfrm>
+          <a:off x="7404100" y="4406900"/>
+          <a:ext cx="139700" cy="215900"/>
+        </p:xfrm>
+        <a:graphic>
+          <a:graphicData uri="http://schemas.openxmlformats.org/presentationml/2006/ole">
+            <mc:AlternateContent xmlns:mc="http://schemas.openxmlformats.org/markup-compatibility/2006">
+              <mc:Choice xmlns:v="urn:schemas-microsoft-com:vml" Requires="v">
+                <p:oleObj spid="_x0000_s306226" name="Equation" r:id="rId6" imgW="139700" imgH="215900" progId="Equation.DSMT4">
+                  <p:embed/>
+                </p:oleObj>
+              </mc:Choice>
+              <mc:Fallback>
+                <p:oleObj name="Equation" r:id="rId6" imgW="139700" imgH="215900" progId="Equation.DSMT4">
+                  <p:embed/>
+                  <p:pic>
+                    <p:nvPicPr>
+                      <p:cNvPr id="0" name=""/>
+                      <p:cNvPicPr/>
+                      <p:nvPr/>
+                    </p:nvPicPr>
+                    <p:blipFill>
+                      <a:blip r:embed="rId7"/>
+                      <a:stretch>
+                        <a:fillRect/>
+                      </a:stretch>
+                    </p:blipFill>
+                    <p:spPr>
+                      <a:xfrm>
+                        <a:off x="7404100" y="4406900"/>
+                        <a:ext cx="139700" cy="215900"/>
+                      </a:xfrm>
+                      <a:prstGeom prst="rect">
+                        <a:avLst/>
+                      </a:prstGeom>
+                    </p:spPr>
+                  </p:pic>
+                </p:oleObj>
+              </mc:Fallback>
+            </mc:AlternateContent>
+          </a:graphicData>
+        </a:graphic>
+      </p:graphicFrame>
+      <p:graphicFrame>
+        <p:nvGraphicFramePr>
+          <p:cNvPr id="5" name="Object 4"/>
+          <p:cNvGraphicFramePr>
+            <a:graphicFrameLocks noChangeAspect="1"/>
+          </p:cNvGraphicFramePr>
+          <p:nvPr>
+            <p:extLst>
+              <p:ext uri="{D42A27DB-BD31-4B8C-83A1-F6EECF244321}">
+                <p14:modId xmlns:p14="http://schemas.microsoft.com/office/powerpoint/2010/main" val="3607603357"/>
+              </p:ext>
+            </p:extLst>
+          </p:nvPr>
+        </p:nvGraphicFramePr>
+        <p:xfrm>
+          <a:off x="7404100" y="4406900"/>
+          <a:ext cx="139700" cy="215900"/>
+        </p:xfrm>
+        <a:graphic>
+          <a:graphicData uri="http://schemas.openxmlformats.org/presentationml/2006/ole">
+            <mc:AlternateContent xmlns:mc="http://schemas.openxmlformats.org/markup-compatibility/2006">
+              <mc:Choice xmlns:v="urn:schemas-microsoft-com:vml" Requires="v">
+                <p:oleObj spid="_x0000_s306227" name="Equation" r:id="rId8" imgW="139700" imgH="215900" progId="Equation.DSMT4">
+                  <p:embed/>
+                </p:oleObj>
+              </mc:Choice>
+              <mc:Fallback>
+                <p:oleObj name="Equation" r:id="rId8" imgW="139700" imgH="215900" progId="Equation.DSMT4">
+                  <p:embed/>
+                  <p:pic>
+                    <p:nvPicPr>
+                      <p:cNvPr id="0" name=""/>
+                      <p:cNvPicPr/>
+                      <p:nvPr/>
+                    </p:nvPicPr>
+                    <p:blipFill>
+                      <a:blip r:embed="rId7"/>
+                      <a:stretch>
+                        <a:fillRect/>
+                      </a:stretch>
+                    </p:blipFill>
+                    <p:spPr>
+                      <a:xfrm>
+                        <a:off x="7404100" y="4406900"/>
+                        <a:ext cx="139700" cy="215900"/>
+                      </a:xfrm>
+                      <a:prstGeom prst="rect">
+                        <a:avLst/>
+                      </a:prstGeom>
+                    </p:spPr>
+                  </p:pic>
+                </p:oleObj>
+              </mc:Fallback>
+            </mc:AlternateContent>
+          </a:graphicData>
+        </a:graphic>
+      </p:graphicFrame>
+      <p:sp>
+        <p:nvSpPr>
+          <p:cNvPr id="7" name="TextBox 6"/>
+          <p:cNvSpPr txBox="1"/>
+          <p:nvPr/>
+        </p:nvSpPr>
+        <p:spPr>
+          <a:xfrm>
+            <a:off x="457200" y="2967335"/>
+            <a:ext cx="7444053" cy="923330"/>
+          </a:xfrm>
+          <a:prstGeom prst="rect">
+            <a:avLst/>
+          </a:prstGeom>
+          <a:noFill/>
+        </p:spPr>
+        <p:txBody>
+          <a:bodyPr wrap="none" rtlCol="0">
+            <a:spAutoFit/>
+          </a:bodyPr>
+          <a:lstStyle/>
+          <a:p>
+            <a:r>
+              <a:rPr lang="en-US" sz="5400" dirty="0" smtClean="0">
+                <a:solidFill>
+                  <a:srgbClr val="FF00FF"/>
+                </a:solidFill>
+                <a:latin typeface="Comic Sans MS" pitchFamily="66" charset="0"/>
+              </a:rPr>
+              <a:t># of such</a:t>
+            </a:r>
+            <a:r>
+              <a:rPr lang="en-US" sz="5400" dirty="0" smtClean="0">
+                <a:latin typeface="Comic Sans MS" pitchFamily="66" charset="0"/>
+              </a:rPr>
+              <a:t> </a:t>
+            </a:r>
+            <a:r>
+              <a:rPr lang="en-US" sz="5400" dirty="0" smtClean="0">
+                <a:solidFill>
+                  <a:schemeClr val="accent1">
+                    <a:lumMod val="50000"/>
+                  </a:schemeClr>
+                </a:solidFill>
+                <a:latin typeface="Comic Sans MS" pitchFamily="66" charset="0"/>
+              </a:rPr>
+              <a:t>S</a:t>
+            </a:r>
+            <a:r>
+              <a:rPr lang="en-US" sz="5400" dirty="0" smtClean="0">
+                <a:latin typeface="Comic Sans MS" pitchFamily="66" charset="0"/>
+              </a:rPr>
+              <a:t> </a:t>
+            </a:r>
+            <a:r>
+              <a:rPr lang="en-US" sz="5400" dirty="0" smtClean="0">
+                <a:solidFill>
+                  <a:srgbClr val="FF00FF"/>
+                </a:solidFill>
+                <a:latin typeface="Comic Sans MS" pitchFamily="66" charset="0"/>
+              </a:rPr>
+              <a:t>of size</a:t>
+            </a:r>
+            <a:r>
+              <a:rPr lang="en-US" sz="5400" dirty="0" smtClean="0">
+                <a:latin typeface="Comic Sans MS" pitchFamily="66" charset="0"/>
+              </a:rPr>
+              <a:t> </a:t>
+            </a:r>
+            <a:r>
+              <a:rPr lang="en-US" sz="5400" dirty="0" smtClean="0">
+                <a:solidFill>
+                  <a:srgbClr val="0000E5"/>
+                </a:solidFill>
+                <a:latin typeface="Comic Sans MS" pitchFamily="66" charset="0"/>
+              </a:rPr>
+              <a:t>3</a:t>
+            </a:r>
+            <a:r>
+              <a:rPr lang="en-US" sz="5400" dirty="0" smtClean="0">
+                <a:latin typeface="Comic Sans MS" pitchFamily="66" charset="0"/>
+              </a:rPr>
+              <a:t>?</a:t>
+            </a:r>
+            <a:endParaRPr lang="en-US" sz="5400" dirty="0" smtClean="0">
+              <a:latin typeface="Comic Sans MS" pitchFamily="66" charset="0"/>
+            </a:endParaRPr>
+          </a:p>
+        </p:txBody>
+      </p:sp>
+      <p:sp>
+        <p:nvSpPr>
+          <p:cNvPr id="8" name="TextBox 7"/>
+          <p:cNvSpPr txBox="1"/>
+          <p:nvPr/>
+        </p:nvSpPr>
+        <p:spPr>
+          <a:xfrm>
+            <a:off x="762000" y="4191000"/>
+            <a:ext cx="7772400" cy="923330"/>
+          </a:xfrm>
+          <a:prstGeom prst="rect">
+            <a:avLst/>
+          </a:prstGeom>
+          <a:noFill/>
+        </p:spPr>
+        <p:txBody>
+          <a:bodyPr wrap="square" rtlCol="0">
+            <a:spAutoFit/>
+          </a:bodyPr>
+          <a:lstStyle/>
+          <a:p>
+            <a:r>
+              <a:rPr lang="en-US" sz="5400" dirty="0" smtClean="0">
+                <a:latin typeface="Comic Sans MS" pitchFamily="66" charset="0"/>
+              </a:rPr>
+              <a:t>then </a:t>
+            </a:r>
+            <a:r>
+              <a:rPr lang="en-US" sz="5400" dirty="0" err="1" smtClean="0">
+                <a:solidFill>
+                  <a:srgbClr val="0000E5"/>
+                </a:solidFill>
+                <a:latin typeface="Comic Sans MS" pitchFamily="66" charset="0"/>
+              </a:rPr>
+              <a:t>m</a:t>
+            </a:r>
+            <a:r>
+              <a:rPr lang="en-US" sz="5400" baseline="-25000" dirty="0" err="1" smtClean="0">
+                <a:solidFill>
+                  <a:srgbClr val="0000E5"/>
+                </a:solidFill>
+                <a:latin typeface="Comic Sans MS" pitchFamily="66" charset="0"/>
+              </a:rPr>
+              <a:t>S</a:t>
+            </a:r>
+            <a:r>
+              <a:rPr lang="en-US" sz="5400" dirty="0" smtClean="0">
+                <a:solidFill>
+                  <a:srgbClr val="0000E5"/>
+                </a:solidFill>
+                <a:latin typeface="Comic Sans MS" pitchFamily="66" charset="0"/>
+              </a:rPr>
+              <a:t>(a) = 1 </a:t>
+            </a:r>
+            <a:r>
+              <a:rPr lang="en-US" sz="5400" dirty="0" smtClean="0">
+                <a:solidFill>
+                  <a:srgbClr val="000000"/>
+                </a:solidFill>
+                <a:latin typeface="Comic Sans MS" pitchFamily="66" charset="0"/>
+              </a:rPr>
+              <a:t>when</a:t>
+            </a:r>
+            <a:r>
+              <a:rPr lang="en-US" sz="5400" dirty="0" smtClean="0">
+                <a:latin typeface="Comic Sans MS" pitchFamily="66" charset="0"/>
+              </a:rPr>
+              <a:t> </a:t>
+            </a:r>
+            <a:endParaRPr lang="en-US" sz="5400" dirty="0" smtClean="0">
+              <a:latin typeface="Comic Sans MS" pitchFamily="66" charset="0"/>
+            </a:endParaRPr>
+          </a:p>
+        </p:txBody>
+      </p:sp>
+      <p:graphicFrame>
+        <p:nvGraphicFramePr>
+          <p:cNvPr id="10" name="Object 9"/>
+          <p:cNvGraphicFramePr>
+            <a:graphicFrameLocks noChangeAspect="1"/>
+          </p:cNvGraphicFramePr>
+          <p:nvPr>
+            <p:extLst>
+              <p:ext uri="{D42A27DB-BD31-4B8C-83A1-F6EECF244321}">
+                <p14:modId xmlns:p14="http://schemas.microsoft.com/office/powerpoint/2010/main" val="430014202"/>
+              </p:ext>
+            </p:extLst>
+          </p:nvPr>
+        </p:nvGraphicFramePr>
+        <p:xfrm>
+          <a:off x="4305300" y="3390900"/>
+          <a:ext cx="139700" cy="215900"/>
+        </p:xfrm>
+        <a:graphic>
+          <a:graphicData uri="http://schemas.openxmlformats.org/presentationml/2006/ole">
+            <mc:AlternateContent xmlns:mc="http://schemas.openxmlformats.org/markup-compatibility/2006">
+              <mc:Choice xmlns:v="urn:schemas-microsoft-com:vml" Requires="v">
+                <p:oleObj spid="_x0000_s306228" name="Equation" r:id="rId9" imgW="139700" imgH="215900" progId="Equation.DSMT4">
+                  <p:embed/>
+                </p:oleObj>
+              </mc:Choice>
+              <mc:Fallback>
+                <p:oleObj name="Equation" r:id="rId9" imgW="139700" imgH="215900" progId="Equation.DSMT4">
+                  <p:embed/>
+                  <p:pic>
+                    <p:nvPicPr>
+                      <p:cNvPr id="0" name=""/>
+                      <p:cNvPicPr/>
+                      <p:nvPr/>
+                    </p:nvPicPr>
+                    <p:blipFill>
+                      <a:blip r:embed="rId10"/>
+                      <a:stretch>
+                        <a:fillRect/>
+                      </a:stretch>
+                    </p:blipFill>
+                    <p:spPr>
+                      <a:xfrm>
+                        <a:off x="4305300" y="3390900"/>
+                        <a:ext cx="139700" cy="215900"/>
+                      </a:xfrm>
+                      <a:prstGeom prst="rect">
+                        <a:avLst/>
+                      </a:prstGeom>
+                    </p:spPr>
+                  </p:pic>
+                </p:oleObj>
+              </mc:Fallback>
+            </mc:AlternateContent>
+          </a:graphicData>
+        </a:graphic>
+      </p:graphicFrame>
+      <p:sp>
+        <p:nvSpPr>
+          <p:cNvPr id="12" name="Rounded Rectangle 11"/>
+          <p:cNvSpPr/>
+          <p:nvPr/>
+        </p:nvSpPr>
+        <p:spPr bwMode="auto">
+          <a:xfrm>
+            <a:off x="2514600" y="2514600"/>
+            <a:ext cx="457200" cy="609600"/>
+          </a:xfrm>
+          <a:prstGeom prst="roundRect">
+            <a:avLst/>
+          </a:prstGeom>
+          <a:noFill/>
+          <a:ln w="44450" cap="flat" cmpd="sng" algn="ctr">
+            <a:solidFill>
+              <a:srgbClr val="FF00FF"/>
+            </a:solidFill>
+            <a:prstDash val="sysDash"/>
+            <a:round/>
+            <a:headEnd type="none" w="med" len="med"/>
+            <a:tailEnd type="none" w="med" len="med"/>
+          </a:ln>
+          <a:effectLst/>
+        </p:spPr>
+        <p:txBody>
+          <a:bodyPr vert="horz" wrap="square" lIns="91440" tIns="45720" rIns="91440" bIns="45720" numCol="1" rtlCol="0" anchor="t" anchorCtr="0" compatLnSpc="1">
+            <a:prstTxWarp prst="textNoShape">
+              <a:avLst/>
+            </a:prstTxWarp>
+          </a:bodyPr>
+          <a:lstStyle/>
+          <a:p>
+            <a:pPr marL="0" marR="0" indent="0" algn="l" defTabSz="914400" rtl="0" eaLnBrk="1" fontAlgn="base" latinLnBrk="0" hangingPunct="1">
+              <a:lnSpc>
+                <a:spcPct val="100000"/>
+              </a:lnSpc>
+              <a:spcBef>
+                <a:spcPct val="0"/>
+              </a:spcBef>
+              <a:spcAft>
+                <a:spcPct val="0"/>
+              </a:spcAft>
+              <a:buClrTx/>
+              <a:buSzTx/>
+              <a:buFontTx/>
+              <a:buNone/>
+              <a:tabLst/>
+            </a:pPr>
+            <a:endParaRPr kumimoji="0" lang="en-US" sz="3600" b="0" i="0" u="none" strike="noStrike" cap="none" normalizeH="0" baseline="0" smtClean="0">
+              <a:ln>
+                <a:noFill/>
+              </a:ln>
+              <a:solidFill>
+                <a:schemeClr val="tx1"/>
+              </a:solidFill>
+              <a:effectLst/>
+              <a:latin typeface="Times New Roman" pitchFamily="8" charset="0"/>
+            </a:endParaRPr>
+          </a:p>
+        </p:txBody>
+      </p:sp>
+      <p:graphicFrame>
+        <p:nvGraphicFramePr>
+          <p:cNvPr id="2" name="Object 1"/>
+          <p:cNvGraphicFramePr>
+            <a:graphicFrameLocks noChangeAspect="1"/>
+          </p:cNvGraphicFramePr>
+          <p:nvPr>
+            <p:extLst>
+              <p:ext uri="{D42A27DB-BD31-4B8C-83A1-F6EECF244321}">
+                <p14:modId xmlns:p14="http://schemas.microsoft.com/office/powerpoint/2010/main" val="1710541546"/>
+              </p:ext>
+            </p:extLst>
+          </p:nvPr>
+        </p:nvGraphicFramePr>
+        <p:xfrm>
+          <a:off x="1981200" y="4953000"/>
+          <a:ext cx="5040924" cy="1524000"/>
+        </p:xfrm>
+        <a:graphic>
+          <a:graphicData uri="http://schemas.openxmlformats.org/presentationml/2006/ole">
+            <mc:AlternateContent xmlns:mc="http://schemas.openxmlformats.org/markup-compatibility/2006">
+              <mc:Choice xmlns:v="urn:schemas-microsoft-com:vml" Requires="v">
+                <p:oleObj spid="_x0000_s306229" name="Equation" r:id="rId11" imgW="1092200" imgH="330200" progId="Equation.DSMT4">
+                  <p:embed/>
+                </p:oleObj>
+              </mc:Choice>
+              <mc:Fallback>
+                <p:oleObj name="Equation" r:id="rId11" imgW="1092200" imgH="330200" progId="Equation.DSMT4">
+                  <p:embed/>
+                  <p:pic>
+                    <p:nvPicPr>
+                      <p:cNvPr id="0" name=""/>
+                      <p:cNvPicPr/>
+                      <p:nvPr/>
+                    </p:nvPicPr>
+                    <p:blipFill>
+                      <a:blip r:embed="rId12"/>
+                      <a:stretch>
+                        <a:fillRect/>
+                      </a:stretch>
+                    </p:blipFill>
+                    <p:spPr>
+                      <a:xfrm>
+                        <a:off x="1981200" y="4953000"/>
+                        <a:ext cx="5040924" cy="1524000"/>
+                      </a:xfrm>
+                      <a:prstGeom prst="rect">
+                        <a:avLst/>
+                      </a:prstGeom>
+                    </p:spPr>
+                  </p:pic>
+                </p:oleObj>
+              </mc:Fallback>
+            </mc:AlternateContent>
+          </a:graphicData>
+        </a:graphic>
+      </p:graphicFrame>
+      <p:graphicFrame>
+        <p:nvGraphicFramePr>
+          <p:cNvPr id="4" name="Object 3"/>
+          <p:cNvGraphicFramePr>
+            <a:graphicFrameLocks noChangeAspect="1"/>
+          </p:cNvGraphicFramePr>
+          <p:nvPr>
+            <p:extLst>
+              <p:ext uri="{D42A27DB-BD31-4B8C-83A1-F6EECF244321}">
+                <p14:modId xmlns:p14="http://schemas.microsoft.com/office/powerpoint/2010/main" val="3489364072"/>
+              </p:ext>
+            </p:extLst>
+          </p:nvPr>
+        </p:nvGraphicFramePr>
+        <p:xfrm>
+          <a:off x="6565900" y="5372100"/>
+          <a:ext cx="139700" cy="215900"/>
+        </p:xfrm>
+        <a:graphic>
+          <a:graphicData uri="http://schemas.openxmlformats.org/presentationml/2006/ole">
+            <mc:AlternateContent xmlns:mc="http://schemas.openxmlformats.org/markup-compatibility/2006">
+              <mc:Choice xmlns:v="urn:schemas-microsoft-com:vml" Requires="v">
+                <p:oleObj spid="_x0000_s306230" name="Equation" r:id="rId13" imgW="139700" imgH="215900" progId="Equation.DSMT4">
+                  <p:embed/>
+                </p:oleObj>
+              </mc:Choice>
+              <mc:Fallback>
+                <p:oleObj name="Equation" r:id="rId13" imgW="139700" imgH="215900" progId="Equation.DSMT4">
+                  <p:embed/>
+                  <p:pic>
+                    <p:nvPicPr>
+                      <p:cNvPr id="0" name=""/>
+                      <p:cNvPicPr/>
+                      <p:nvPr/>
+                    </p:nvPicPr>
+                    <p:blipFill>
+                      <a:blip r:embed="rId14"/>
+                      <a:stretch>
+                        <a:fillRect/>
+                      </a:stretch>
+                    </p:blipFill>
+                    <p:spPr>
+                      <a:xfrm>
+                        <a:off x="6565900" y="5372100"/>
+                        <a:ext cx="139700" cy="215900"/>
+                      </a:xfrm>
+                      <a:prstGeom prst="rect">
+                        <a:avLst/>
+                      </a:prstGeom>
+                    </p:spPr>
+                  </p:pic>
+                </p:oleObj>
+              </mc:Fallback>
+            </mc:AlternateContent>
+          </a:graphicData>
+        </a:graphic>
+      </p:graphicFrame>
+      <p:graphicFrame>
+        <p:nvGraphicFramePr>
+          <p:cNvPr id="6" name="Object 5"/>
+          <p:cNvGraphicFramePr>
+            <a:graphicFrameLocks noChangeAspect="1"/>
+          </p:cNvGraphicFramePr>
+          <p:nvPr>
+            <p:extLst>
+              <p:ext uri="{D42A27DB-BD31-4B8C-83A1-F6EECF244321}">
+                <p14:modId xmlns:p14="http://schemas.microsoft.com/office/powerpoint/2010/main" val="122935420"/>
+              </p:ext>
+            </p:extLst>
+          </p:nvPr>
+        </p:nvGraphicFramePr>
+        <p:xfrm>
+          <a:off x="6565900" y="5372100"/>
+          <a:ext cx="139700" cy="215900"/>
+        </p:xfrm>
+        <a:graphic>
+          <a:graphicData uri="http://schemas.openxmlformats.org/presentationml/2006/ole">
+            <mc:AlternateContent xmlns:mc="http://schemas.openxmlformats.org/markup-compatibility/2006">
+              <mc:Choice xmlns:v="urn:schemas-microsoft-com:vml" Requires="v">
+                <p:oleObj spid="_x0000_s306231" name="Equation" r:id="rId15" imgW="139700" imgH="215900" progId="Equation.DSMT4">
+                  <p:embed/>
+                </p:oleObj>
+              </mc:Choice>
+              <mc:Fallback>
+                <p:oleObj name="Equation" r:id="rId15" imgW="139700" imgH="215900" progId="Equation.DSMT4">
+                  <p:embed/>
+                  <p:pic>
+                    <p:nvPicPr>
+                      <p:cNvPr id="0" name=""/>
+                      <p:cNvPicPr/>
+                      <p:nvPr/>
+                    </p:nvPicPr>
+                    <p:blipFill>
+                      <a:blip r:embed="rId14"/>
+                      <a:stretch>
+                        <a:fillRect/>
+                      </a:stretch>
+                    </p:blipFill>
+                    <p:spPr>
+                      <a:xfrm>
+                        <a:off x="6565900" y="5372100"/>
+                        <a:ext cx="139700" cy="215900"/>
+                      </a:xfrm>
+                      <a:prstGeom prst="rect">
+                        <a:avLst/>
+                      </a:prstGeom>
+                    </p:spPr>
+                  </p:pic>
+                </p:oleObj>
+              </mc:Fallback>
+            </mc:AlternateContent>
+          </a:graphicData>
+        </a:graphic>
+      </p:graphicFrame>
+      <p:graphicFrame>
+        <p:nvGraphicFramePr>
+          <p:cNvPr id="11" name="Object 10"/>
+          <p:cNvGraphicFramePr>
+            <a:graphicFrameLocks noChangeAspect="1"/>
+          </p:cNvGraphicFramePr>
+          <p:nvPr>
+            <p:extLst>
+              <p:ext uri="{D42A27DB-BD31-4B8C-83A1-F6EECF244321}">
+                <p14:modId xmlns:p14="http://schemas.microsoft.com/office/powerpoint/2010/main" val="3629394340"/>
+              </p:ext>
+            </p:extLst>
+          </p:nvPr>
+        </p:nvGraphicFramePr>
+        <p:xfrm>
+          <a:off x="6565900" y="5372100"/>
+          <a:ext cx="139700" cy="215900"/>
+        </p:xfrm>
+        <a:graphic>
+          <a:graphicData uri="http://schemas.openxmlformats.org/presentationml/2006/ole">
+            <mc:AlternateContent xmlns:mc="http://schemas.openxmlformats.org/markup-compatibility/2006">
+              <mc:Choice xmlns:v="urn:schemas-microsoft-com:vml" Requires="v">
+                <p:oleObj spid="_x0000_s306232" name="Equation" r:id="rId16" imgW="139700" imgH="215900" progId="Equation.DSMT4">
+                  <p:embed/>
+                </p:oleObj>
+              </mc:Choice>
+              <mc:Fallback>
+                <p:oleObj name="Equation" r:id="rId16" imgW="139700" imgH="215900" progId="Equation.DSMT4">
+                  <p:embed/>
+                  <p:pic>
+                    <p:nvPicPr>
+                      <p:cNvPr id="0" name=""/>
+                      <p:cNvPicPr/>
+                      <p:nvPr/>
+                    </p:nvPicPr>
+                    <p:blipFill>
+                      <a:blip r:embed="rId14"/>
+                      <a:stretch>
+                        <a:fillRect/>
+                      </a:stretch>
+                    </p:blipFill>
+                    <p:spPr>
+                      <a:xfrm>
+                        <a:off x="6565900" y="5372100"/>
+                        <a:ext cx="139700" cy="215900"/>
+                      </a:xfrm>
+                      <a:prstGeom prst="rect">
+                        <a:avLst/>
+                      </a:prstGeom>
+                    </p:spPr>
+                  </p:pic>
+                </p:oleObj>
+              </mc:Fallback>
+            </mc:AlternateContent>
+          </a:graphicData>
+        </a:graphic>
+      </p:graphicFrame>
+      <p:graphicFrame>
+        <p:nvGraphicFramePr>
+          <p:cNvPr id="13" name="Object 12"/>
+          <p:cNvGraphicFramePr>
+            <a:graphicFrameLocks noChangeAspect="1"/>
+          </p:cNvGraphicFramePr>
+          <p:nvPr>
+            <p:extLst>
+              <p:ext uri="{D42A27DB-BD31-4B8C-83A1-F6EECF244321}">
+                <p14:modId xmlns:p14="http://schemas.microsoft.com/office/powerpoint/2010/main" val="431320518"/>
+              </p:ext>
+            </p:extLst>
+          </p:nvPr>
+        </p:nvGraphicFramePr>
+        <p:xfrm>
+          <a:off x="8077200" y="2362200"/>
+          <a:ext cx="946150" cy="2207683"/>
+        </p:xfrm>
+        <a:graphic>
+          <a:graphicData uri="http://schemas.openxmlformats.org/presentationml/2006/ole">
+            <mc:AlternateContent xmlns:mc="http://schemas.openxmlformats.org/markup-compatibility/2006">
+              <mc:Choice xmlns:v="urn:schemas-microsoft-com:vml" Requires="v">
+                <p:oleObj spid="_x0000_s306233" name="Equation" r:id="rId17" imgW="228600" imgH="533400" progId="Equation.DSMT4">
+                  <p:embed/>
+                </p:oleObj>
+              </mc:Choice>
+              <mc:Fallback>
+                <p:oleObj name="Equation" r:id="rId17" imgW="228600" imgH="533400" progId="Equation.DSMT4">
+                  <p:embed/>
+                  <p:pic>
+                    <p:nvPicPr>
+                      <p:cNvPr id="0" name=""/>
+                      <p:cNvPicPr/>
+                      <p:nvPr/>
+                    </p:nvPicPr>
+                    <p:blipFill>
+                      <a:blip r:embed="rId18"/>
+                      <a:stretch>
+                        <a:fillRect/>
+                      </a:stretch>
+                    </p:blipFill>
+                    <p:spPr>
+                      <a:xfrm>
+                        <a:off x="8077200" y="2362200"/>
+                        <a:ext cx="946150" cy="2207683"/>
+                      </a:xfrm>
+                      <a:prstGeom prst="rect">
+                        <a:avLst/>
+                      </a:prstGeom>
+                    </p:spPr>
+                  </p:pic>
+                </p:oleObj>
+              </mc:Fallback>
+            </mc:AlternateContent>
+          </a:graphicData>
+        </a:graphic>
+      </p:graphicFrame>
+    </p:spTree>
+    <p:extLst>
+      <p:ext uri="{BB962C8B-B14F-4D97-AF65-F5344CB8AC3E}">
+        <p14:creationId xmlns:p14="http://schemas.microsoft.com/office/powerpoint/2010/main" val="426431286"/>
+      </p:ext>
+    </p:extLst>
+  </p:cSld>
+  <p:clrMapOvr>
+    <a:masterClrMapping/>
+  </p:clrMapOvr>
+  <p:transition xmlns:p14="http://schemas.microsoft.com/office/powerpoint/2010/main" advClick="0">
+    <p:fade/>
+  </p:transition>
+  <p:timing>
+    <p:tnLst>
+      <p:par>
+        <p:cTn xmlns:p14="http://schemas.microsoft.com/office/powerpoint/2010/main" id="1" dur="indefinite" restart="never" nodeType="tmRoot">
+          <p:childTnLst>
+            <p:seq concurrent="1" nextAc="seek">
+              <p:cTn id="2" dur="indefinite" nodeType="mainSeq">
+                <p:childTnLst>
+                  <p:par>
+                    <p:cTn id="3" fill="hold">
+                      <p:stCondLst>
+                        <p:cond delay="indefinite"/>
+                      </p:stCondLst>
+                      <p:childTnLst>
+                        <p:par>
+                          <p:cTn id="4" fill="hold">
+                            <p:stCondLst>
+                              <p:cond delay="0"/>
+                            </p:stCondLst>
+                            <p:childTnLst>
+                              <p:par>
+                                <p:cTn id="5" presetID="10" presetClass="entr" presetSubtype="0" fill="hold" nodeType="clickEffect">
+                                  <p:stCondLst>
+                                    <p:cond delay="0"/>
+                                  </p:stCondLst>
+                                  <p:childTnLst>
+                                    <p:set>
+                                      <p:cBhvr>
+                                        <p:cTn id="6" dur="1" fill="hold">
+                                          <p:stCondLst>
+                                            <p:cond delay="0"/>
+                                          </p:stCondLst>
+                                        </p:cTn>
+                                        <p:tgtEl>
+                                          <p:spTgt spid="7">
+                                            <p:txEl>
+                                              <p:pRg st="0" end="0"/>
+                                            </p:txEl>
+                                          </p:spTgt>
+                                        </p:tgtEl>
+                                        <p:attrNameLst>
+                                          <p:attrName>style.visibility</p:attrName>
+                                        </p:attrNameLst>
+                                      </p:cBhvr>
+                                      <p:to>
+                                        <p:strVal val="visible"/>
+                                      </p:to>
+                                    </p:set>
+                                    <p:animEffect transition="in" filter="fade">
+                                      <p:cBhvr>
+                                        <p:cTn id="7" dur="500"/>
+                                        <p:tgtEl>
+                                          <p:spTgt spid="7">
+                                            <p:txEl>
+                                              <p:pRg st="0" end="0"/>
+                                            </p:txEl>
+                                          </p:spTgt>
+                                        </p:tgtEl>
+                                      </p:cBhvr>
+                                    </p:animEffect>
+                                  </p:childTnLst>
+                                </p:cTn>
+                              </p:par>
+                            </p:childTnLst>
+                          </p:cTn>
+                        </p:par>
+                      </p:childTnLst>
+                    </p:cTn>
+                  </p:par>
+                  <p:par>
+                    <p:cTn id="8" fill="hold">
+                      <p:stCondLst>
+                        <p:cond delay="indefinite"/>
+                      </p:stCondLst>
+                      <p:childTnLst>
+                        <p:par>
+                          <p:cTn id="9" fill="hold">
+                            <p:stCondLst>
+                              <p:cond delay="0"/>
+                            </p:stCondLst>
+                            <p:childTnLst>
+                              <p:par>
+                                <p:cTn id="10" presetID="10" presetClass="entr" presetSubtype="0" fill="hold" nodeType="clickEffect">
+                                  <p:stCondLst>
+                                    <p:cond delay="0"/>
+                                  </p:stCondLst>
+                                  <p:childTnLst>
+                                    <p:set>
+                                      <p:cBhvr>
+                                        <p:cTn id="11" dur="1" fill="hold">
+                                          <p:stCondLst>
+                                            <p:cond delay="0"/>
+                                          </p:stCondLst>
+                                        </p:cTn>
+                                        <p:tgtEl>
+                                          <p:spTgt spid="13"/>
+                                        </p:tgtEl>
+                                        <p:attrNameLst>
+                                          <p:attrName>style.visibility</p:attrName>
+                                        </p:attrNameLst>
+                                      </p:cBhvr>
+                                      <p:to>
+                                        <p:strVal val="visible"/>
+                                      </p:to>
+                                    </p:set>
+                                    <p:animEffect transition="in" filter="fade">
+                                      <p:cBhvr>
+                                        <p:cTn id="12" dur="500"/>
+                                        <p:tgtEl>
+                                          <p:spTgt spid="13"/>
+                                        </p:tgtEl>
+                                      </p:cBhvr>
+                                    </p:animEffect>
+                                  </p:childTnLst>
+                                </p:cTn>
+                              </p:par>
+                            </p:childTnLst>
+                          </p:cTn>
+                        </p:par>
+                      </p:childTnLst>
+                    </p:cTn>
+                  </p:par>
+                </p:childTnLst>
+              </p:cTn>
+              <p:prevCondLst>
+                <p:cond evt="onPrev" delay="0">
+                  <p:tgtEl>
+                    <p:sldTgt/>
+                  </p:tgtEl>
+                </p:cond>
+              </p:prevCondLst>
+              <p:nextCondLst>
+                <p:cond evt="onNext" delay="0">
+                  <p:tgtEl>
+                    <p:sldTgt/>
+                  </p:tgtEl>
+                </p:cond>
+              </p:nextCondLst>
+            </p:seq>
+          </p:childTnLst>
+        </p:cTn>
+      </p:par>
+    </p:tnLst>
+  </p:timing>
+</p:sld>
+</file>
+
+<file path=ppt/slides/slide23.xml><?xml version="1.0" encoding="utf-8"?>
+<p:sld xmlns:a="http://schemas.openxmlformats.org/drawingml/2006/main" xmlns:r="http://schemas.openxmlformats.org/officeDocument/2006/relationships" xmlns:p="http://schemas.openxmlformats.org/presentationml/2006/main">
+  <p:cSld>
+    <p:spTree>
+      <p:nvGrpSpPr>
+        <p:cNvPr id="1" name=""/>
+        <p:cNvGrpSpPr/>
+        <p:nvPr/>
+      </p:nvGrpSpPr>
+      <p:grpSpPr>
+        <a:xfrm>
+          <a:off x="0" y="0"/>
+          <a:ext cx="0" cy="0"/>
+          <a:chOff x="0" y="0"/>
+          <a:chExt cx="0" cy="0"/>
+        </a:xfrm>
+      </p:grpSpPr>
+      <p:graphicFrame>
+        <p:nvGraphicFramePr>
+          <p:cNvPr id="16" name="Object 15"/>
+          <p:cNvGraphicFramePr>
+            <a:graphicFrameLocks noChangeAspect="1"/>
+          </p:cNvGraphicFramePr>
+          <p:nvPr>
+            <p:extLst>
+              <p:ext uri="{D42A27DB-BD31-4B8C-83A1-F6EECF244321}">
+                <p14:modId xmlns:p14="http://schemas.microsoft.com/office/powerpoint/2010/main" val="2986987125"/>
+              </p:ext>
+            </p:extLst>
+          </p:nvPr>
+        </p:nvGraphicFramePr>
+        <p:xfrm>
+          <a:off x="1828800" y="827087"/>
+          <a:ext cx="4784725" cy="2449513"/>
+        </p:xfrm>
+        <a:graphic>
+          <a:graphicData uri="http://schemas.openxmlformats.org/presentationml/2006/ole">
+            <mc:AlternateContent xmlns:mc="http://schemas.openxmlformats.org/markup-compatibility/2006">
+              <mc:Choice xmlns:v="urn:schemas-microsoft-com:vml" Requires="v">
+                <p:oleObj spid="_x0000_s308250" name="Equation" r:id="rId4" imgW="1041400" imgH="533400" progId="Equation.DSMT4">
+                  <p:embed/>
+                </p:oleObj>
+              </mc:Choice>
+              <mc:Fallback>
+                <p:oleObj name="Equation" r:id="rId4" imgW="1041400" imgH="533400" progId="Equation.DSMT4">
+                  <p:embed/>
+                  <p:pic>
+                    <p:nvPicPr>
+                      <p:cNvPr id="0" name=""/>
+                      <p:cNvPicPr/>
+                      <p:nvPr/>
+                    </p:nvPicPr>
+                    <p:blipFill>
+                      <a:blip r:embed="rId5"/>
+                      <a:stretch>
+                        <a:fillRect/>
+                      </a:stretch>
+                    </p:blipFill>
+                    <p:spPr>
+                      <a:xfrm>
+                        <a:off x="1828800" y="827087"/>
+                        <a:ext cx="4784725" cy="2449513"/>
+                      </a:xfrm>
+                      <a:prstGeom prst="rect">
+                        <a:avLst/>
+                      </a:prstGeom>
+                    </p:spPr>
+                  </p:pic>
+                </p:oleObj>
+              </mc:Fallback>
+            </mc:AlternateContent>
+          </a:graphicData>
+        </a:graphic>
+      </p:graphicFrame>
+      <p:sp>
+        <p:nvSpPr>
+          <p:cNvPr id="17412" name="Slide Number Placeholder 5"/>
+          <p:cNvSpPr>
+            <a:spLocks noGrp="1"/>
+          </p:cNvSpPr>
+          <p:nvPr>
+            <p:ph type="sldNum" sz="quarter" idx="10"/>
+          </p:nvPr>
+        </p:nvSpPr>
+        <p:spPr>
+          <a:noFill/>
+        </p:spPr>
+        <p:txBody>
+          <a:bodyPr/>
+          <a:lstStyle/>
+          <a:p>
+            <a:r>
+              <a:rPr lang="en-US" dirty="0" err="1" smtClean="0"/>
+              <a:t>incexcbinom</a:t>
+            </a:r>
+            <a:r>
+              <a:rPr lang="en-US" dirty="0" smtClean="0"/>
+              <a:t>.</a:t>
+            </a:r>
+            <a:fld id="{83D78B86-54BD-4C40-B154-E0B4BEB7EE49}" type="slidenum">
+              <a:rPr lang="en-US" smtClean="0"/>
+              <a:pPr/>
+              <a:t>23</a:t>
+            </a:fld>
+            <a:endParaRPr lang="en-US" dirty="0" smtClean="0"/>
+          </a:p>
+        </p:txBody>
+      </p:sp>
+      <p:sp>
+        <p:nvSpPr>
+          <p:cNvPr id="17413" name="Rectangle 2"/>
+          <p:cNvSpPr>
+            <a:spLocks noGrp="1" noChangeArrowheads="1"/>
+          </p:cNvSpPr>
+          <p:nvPr>
+            <p:ph type="title"/>
+          </p:nvPr>
+        </p:nvSpPr>
+        <p:spPr>
+          <a:xfrm>
+            <a:off x="1295400" y="152400"/>
+            <a:ext cx="6781800" cy="1219200"/>
+          </a:xfrm>
+        </p:spPr>
+        <p:txBody>
+          <a:bodyPr/>
+          <a:lstStyle/>
+          <a:p>
+            <a:pPr eaLnBrk="1" hangingPunct="1"/>
+            <a:r>
+              <a:rPr lang="en-US" sz="4400" dirty="0" smtClean="0"/>
+              <a:t>Binomial </a:t>
+            </a:r>
+            <a:r>
+              <a:rPr lang="en-US" sz="4400" dirty="0"/>
+              <a:t>C</a:t>
+            </a:r>
+            <a:r>
+              <a:rPr lang="en-US" sz="4400" dirty="0" smtClean="0"/>
+              <a:t>ounting proof</a:t>
+            </a:r>
+          </a:p>
+        </p:txBody>
+      </p:sp>
+      <p:graphicFrame>
+        <p:nvGraphicFramePr>
+          <p:cNvPr id="3" name="Object 2"/>
+          <p:cNvGraphicFramePr>
+            <a:graphicFrameLocks noChangeAspect="1"/>
+          </p:cNvGraphicFramePr>
+          <p:nvPr>
+            <p:extLst>
+              <p:ext uri="{D42A27DB-BD31-4B8C-83A1-F6EECF244321}">
+                <p14:modId xmlns:p14="http://schemas.microsoft.com/office/powerpoint/2010/main" val="1609632167"/>
+              </p:ext>
+            </p:extLst>
+          </p:nvPr>
+        </p:nvGraphicFramePr>
+        <p:xfrm>
+          <a:off x="7404100" y="4406900"/>
+          <a:ext cx="139700" cy="215900"/>
+        </p:xfrm>
+        <a:graphic>
+          <a:graphicData uri="http://schemas.openxmlformats.org/presentationml/2006/ole">
+            <mc:AlternateContent xmlns:mc="http://schemas.openxmlformats.org/markup-compatibility/2006">
+              <mc:Choice xmlns:v="urn:schemas-microsoft-com:vml" Requires="v">
+                <p:oleObj spid="_x0000_s308251" name="Equation" r:id="rId6" imgW="139700" imgH="215900" progId="Equation.DSMT4">
+                  <p:embed/>
+                </p:oleObj>
+              </mc:Choice>
+              <mc:Fallback>
+                <p:oleObj name="Equation" r:id="rId6" imgW="139700" imgH="215900" progId="Equation.DSMT4">
+                  <p:embed/>
+                  <p:pic>
+                    <p:nvPicPr>
+                      <p:cNvPr id="0" name=""/>
+                      <p:cNvPicPr/>
+                      <p:nvPr/>
+                    </p:nvPicPr>
+                    <p:blipFill>
+                      <a:blip r:embed="rId7"/>
+                      <a:stretch>
+                        <a:fillRect/>
+                      </a:stretch>
+                    </p:blipFill>
+                    <p:spPr>
+                      <a:xfrm>
+                        <a:off x="7404100" y="4406900"/>
+                        <a:ext cx="139700" cy="215900"/>
+                      </a:xfrm>
+                      <a:prstGeom prst="rect">
+                        <a:avLst/>
+                      </a:prstGeom>
+                    </p:spPr>
+                  </p:pic>
+                </p:oleObj>
+              </mc:Fallback>
+            </mc:AlternateContent>
+          </a:graphicData>
+        </a:graphic>
+      </p:graphicFrame>
+      <p:graphicFrame>
+        <p:nvGraphicFramePr>
+          <p:cNvPr id="5" name="Object 4"/>
+          <p:cNvGraphicFramePr>
+            <a:graphicFrameLocks noChangeAspect="1"/>
+          </p:cNvGraphicFramePr>
+          <p:nvPr>
+            <p:extLst>
+              <p:ext uri="{D42A27DB-BD31-4B8C-83A1-F6EECF244321}">
+                <p14:modId xmlns:p14="http://schemas.microsoft.com/office/powerpoint/2010/main" val="1845930358"/>
+              </p:ext>
+            </p:extLst>
+          </p:nvPr>
+        </p:nvGraphicFramePr>
+        <p:xfrm>
+          <a:off x="7404100" y="4406900"/>
+          <a:ext cx="139700" cy="215900"/>
+        </p:xfrm>
+        <a:graphic>
+          <a:graphicData uri="http://schemas.openxmlformats.org/presentationml/2006/ole">
+            <mc:AlternateContent xmlns:mc="http://schemas.openxmlformats.org/markup-compatibility/2006">
+              <mc:Choice xmlns:v="urn:schemas-microsoft-com:vml" Requires="v">
+                <p:oleObj spid="_x0000_s308252" name="Equation" r:id="rId8" imgW="139700" imgH="215900" progId="Equation.DSMT4">
+                  <p:embed/>
+                </p:oleObj>
+              </mc:Choice>
+              <mc:Fallback>
+                <p:oleObj name="Equation" r:id="rId8" imgW="139700" imgH="215900" progId="Equation.DSMT4">
+                  <p:embed/>
+                  <p:pic>
+                    <p:nvPicPr>
+                      <p:cNvPr id="0" name=""/>
+                      <p:cNvPicPr/>
+                      <p:nvPr/>
+                    </p:nvPicPr>
+                    <p:blipFill>
+                      <a:blip r:embed="rId7"/>
+                      <a:stretch>
+                        <a:fillRect/>
+                      </a:stretch>
+                    </p:blipFill>
+                    <p:spPr>
+                      <a:xfrm>
+                        <a:off x="7404100" y="4406900"/>
+                        <a:ext cx="139700" cy="215900"/>
+                      </a:xfrm>
+                      <a:prstGeom prst="rect">
+                        <a:avLst/>
+                      </a:prstGeom>
+                    </p:spPr>
+                  </p:pic>
+                </p:oleObj>
+              </mc:Fallback>
+            </mc:AlternateContent>
+          </a:graphicData>
+        </a:graphic>
+      </p:graphicFrame>
+      <p:sp>
+        <p:nvSpPr>
+          <p:cNvPr id="7" name="TextBox 6"/>
+          <p:cNvSpPr txBox="1"/>
+          <p:nvPr/>
+        </p:nvSpPr>
+        <p:spPr>
+          <a:xfrm>
+            <a:off x="457200" y="2967335"/>
+            <a:ext cx="7444053" cy="923330"/>
+          </a:xfrm>
+          <a:prstGeom prst="rect">
+            <a:avLst/>
+          </a:prstGeom>
+          <a:noFill/>
+        </p:spPr>
+        <p:txBody>
+          <a:bodyPr wrap="none" rtlCol="0">
+            <a:spAutoFit/>
+          </a:bodyPr>
+          <a:lstStyle/>
+          <a:p>
+            <a:r>
+              <a:rPr lang="en-US" sz="5400" dirty="0" smtClean="0">
+                <a:solidFill>
+                  <a:srgbClr val="FF00FF"/>
+                </a:solidFill>
+                <a:latin typeface="Comic Sans MS" pitchFamily="66" charset="0"/>
+              </a:rPr>
+              <a:t># of such</a:t>
+            </a:r>
+            <a:r>
+              <a:rPr lang="en-US" sz="5400" dirty="0" smtClean="0">
+                <a:latin typeface="Comic Sans MS" pitchFamily="66" charset="0"/>
+              </a:rPr>
+              <a:t> </a:t>
+            </a:r>
+            <a:r>
+              <a:rPr lang="en-US" sz="5400" dirty="0" smtClean="0">
+                <a:solidFill>
+                  <a:schemeClr val="accent1">
+                    <a:lumMod val="50000"/>
+                  </a:schemeClr>
+                </a:solidFill>
+                <a:latin typeface="Comic Sans MS" pitchFamily="66" charset="0"/>
+              </a:rPr>
+              <a:t>S</a:t>
+            </a:r>
+            <a:r>
+              <a:rPr lang="en-US" sz="5400" dirty="0" smtClean="0">
+                <a:latin typeface="Comic Sans MS" pitchFamily="66" charset="0"/>
+              </a:rPr>
+              <a:t> </a:t>
+            </a:r>
+            <a:r>
+              <a:rPr lang="en-US" sz="5400" dirty="0" smtClean="0">
+                <a:solidFill>
+                  <a:srgbClr val="FF00FF"/>
+                </a:solidFill>
+                <a:latin typeface="Comic Sans MS" pitchFamily="66" charset="0"/>
+              </a:rPr>
+              <a:t>of size</a:t>
+            </a:r>
+            <a:r>
+              <a:rPr lang="en-US" sz="5400" dirty="0" smtClean="0">
+                <a:latin typeface="Comic Sans MS" pitchFamily="66" charset="0"/>
+              </a:rPr>
+              <a:t> </a:t>
+            </a:r>
+            <a:r>
+              <a:rPr lang="en-US" sz="5400" dirty="0" smtClean="0">
+                <a:solidFill>
+                  <a:srgbClr val="0000E5"/>
+                </a:solidFill>
+                <a:latin typeface="Comic Sans MS" pitchFamily="66" charset="0"/>
+              </a:rPr>
+              <a:t>3</a:t>
+            </a:r>
+            <a:r>
+              <a:rPr lang="en-US" sz="5400" dirty="0" smtClean="0">
+                <a:latin typeface="Comic Sans MS" pitchFamily="66" charset="0"/>
+              </a:rPr>
+              <a:t>?</a:t>
+            </a:r>
+            <a:endParaRPr lang="en-US" sz="5400" dirty="0" smtClean="0">
+              <a:latin typeface="Comic Sans MS" pitchFamily="66" charset="0"/>
+            </a:endParaRPr>
+          </a:p>
+        </p:txBody>
+      </p:sp>
+      <p:sp>
+        <p:nvSpPr>
+          <p:cNvPr id="8" name="TextBox 7"/>
+          <p:cNvSpPr txBox="1"/>
+          <p:nvPr/>
+        </p:nvSpPr>
+        <p:spPr>
+          <a:xfrm>
+            <a:off x="762000" y="4191000"/>
+            <a:ext cx="7772400" cy="923330"/>
+          </a:xfrm>
+          <a:prstGeom prst="rect">
+            <a:avLst/>
+          </a:prstGeom>
+          <a:noFill/>
+        </p:spPr>
+        <p:txBody>
+          <a:bodyPr wrap="square" rtlCol="0">
+            <a:spAutoFit/>
+          </a:bodyPr>
+          <a:lstStyle/>
+          <a:p>
+            <a:r>
+              <a:rPr lang="en-US" sz="5400" dirty="0" smtClean="0">
+                <a:latin typeface="Comic Sans MS" pitchFamily="66" charset="0"/>
+              </a:rPr>
+              <a:t>then </a:t>
+            </a:r>
+            <a:r>
+              <a:rPr lang="en-US" sz="5400" dirty="0" err="1" smtClean="0">
+                <a:solidFill>
+                  <a:srgbClr val="0000E5"/>
+                </a:solidFill>
+                <a:latin typeface="Comic Sans MS" pitchFamily="66" charset="0"/>
+              </a:rPr>
+              <a:t>m</a:t>
+            </a:r>
+            <a:r>
+              <a:rPr lang="en-US" sz="5400" baseline="-25000" dirty="0" err="1" smtClean="0">
+                <a:solidFill>
+                  <a:srgbClr val="0000E5"/>
+                </a:solidFill>
+                <a:latin typeface="Comic Sans MS" pitchFamily="66" charset="0"/>
+              </a:rPr>
+              <a:t>S</a:t>
+            </a:r>
+            <a:r>
+              <a:rPr lang="en-US" sz="5400" dirty="0" smtClean="0">
+                <a:solidFill>
+                  <a:srgbClr val="0000E5"/>
+                </a:solidFill>
+                <a:latin typeface="Comic Sans MS" pitchFamily="66" charset="0"/>
+              </a:rPr>
+              <a:t>(a) = 1 </a:t>
+            </a:r>
+            <a:r>
+              <a:rPr lang="en-US" sz="5400" dirty="0" smtClean="0">
+                <a:solidFill>
+                  <a:srgbClr val="000000"/>
+                </a:solidFill>
+                <a:latin typeface="Comic Sans MS" pitchFamily="66" charset="0"/>
+              </a:rPr>
+              <a:t>when</a:t>
+            </a:r>
+            <a:r>
+              <a:rPr lang="en-US" sz="5400" dirty="0" smtClean="0">
+                <a:latin typeface="Comic Sans MS" pitchFamily="66" charset="0"/>
+              </a:rPr>
+              <a:t> </a:t>
+            </a:r>
+            <a:endParaRPr lang="en-US" sz="5400" dirty="0" smtClean="0">
+              <a:latin typeface="Comic Sans MS" pitchFamily="66" charset="0"/>
+            </a:endParaRPr>
+          </a:p>
+        </p:txBody>
+      </p:sp>
+      <p:graphicFrame>
+        <p:nvGraphicFramePr>
+          <p:cNvPr id="10" name="Object 9"/>
+          <p:cNvGraphicFramePr>
+            <a:graphicFrameLocks noChangeAspect="1"/>
+          </p:cNvGraphicFramePr>
+          <p:nvPr>
+            <p:extLst>
+              <p:ext uri="{D42A27DB-BD31-4B8C-83A1-F6EECF244321}">
+                <p14:modId xmlns:p14="http://schemas.microsoft.com/office/powerpoint/2010/main" val="3776221071"/>
+              </p:ext>
+            </p:extLst>
+          </p:nvPr>
+        </p:nvGraphicFramePr>
+        <p:xfrm>
+          <a:off x="4305300" y="3390900"/>
+          <a:ext cx="139700" cy="215900"/>
+        </p:xfrm>
+        <a:graphic>
+          <a:graphicData uri="http://schemas.openxmlformats.org/presentationml/2006/ole">
+            <mc:AlternateContent xmlns:mc="http://schemas.openxmlformats.org/markup-compatibility/2006">
+              <mc:Choice xmlns:v="urn:schemas-microsoft-com:vml" Requires="v">
+                <p:oleObj spid="_x0000_s308253" name="Equation" r:id="rId9" imgW="139700" imgH="215900" progId="Equation.DSMT4">
+                  <p:embed/>
+                </p:oleObj>
+              </mc:Choice>
+              <mc:Fallback>
+                <p:oleObj name="Equation" r:id="rId9" imgW="139700" imgH="215900" progId="Equation.DSMT4">
+                  <p:embed/>
+                  <p:pic>
+                    <p:nvPicPr>
+                      <p:cNvPr id="0" name=""/>
+                      <p:cNvPicPr/>
+                      <p:nvPr/>
+                    </p:nvPicPr>
+                    <p:blipFill>
+                      <a:blip r:embed="rId10"/>
+                      <a:stretch>
+                        <a:fillRect/>
+                      </a:stretch>
+                    </p:blipFill>
+                    <p:spPr>
+                      <a:xfrm>
+                        <a:off x="4305300" y="3390900"/>
+                        <a:ext cx="139700" cy="215900"/>
+                      </a:xfrm>
+                      <a:prstGeom prst="rect">
+                        <a:avLst/>
+                      </a:prstGeom>
+                    </p:spPr>
+                  </p:pic>
+                </p:oleObj>
+              </mc:Fallback>
+            </mc:AlternateContent>
+          </a:graphicData>
+        </a:graphic>
+      </p:graphicFrame>
+      <p:sp>
+        <p:nvSpPr>
+          <p:cNvPr id="12" name="Rounded Rectangle 11"/>
+          <p:cNvSpPr/>
+          <p:nvPr/>
+        </p:nvSpPr>
+        <p:spPr bwMode="auto">
+          <a:xfrm>
+            <a:off x="2514600" y="2514600"/>
+            <a:ext cx="457200" cy="609600"/>
+          </a:xfrm>
+          <a:prstGeom prst="roundRect">
+            <a:avLst/>
+          </a:prstGeom>
+          <a:noFill/>
+          <a:ln w="44450" cap="flat" cmpd="sng" algn="ctr">
+            <a:solidFill>
+              <a:srgbClr val="FF00FF"/>
+            </a:solidFill>
+            <a:prstDash val="sysDash"/>
+            <a:round/>
+            <a:headEnd type="none" w="med" len="med"/>
+            <a:tailEnd type="none" w="med" len="med"/>
+          </a:ln>
+          <a:effectLst/>
+        </p:spPr>
+        <p:txBody>
+          <a:bodyPr vert="horz" wrap="square" lIns="91440" tIns="45720" rIns="91440" bIns="45720" numCol="1" rtlCol="0" anchor="t" anchorCtr="0" compatLnSpc="1">
+            <a:prstTxWarp prst="textNoShape">
+              <a:avLst/>
+            </a:prstTxWarp>
+          </a:bodyPr>
+          <a:lstStyle/>
+          <a:p>
+            <a:pPr marL="0" marR="0" indent="0" algn="l" defTabSz="914400" rtl="0" eaLnBrk="1" fontAlgn="base" latinLnBrk="0" hangingPunct="1">
+              <a:lnSpc>
+                <a:spcPct val="100000"/>
+              </a:lnSpc>
+              <a:spcBef>
+                <a:spcPct val="0"/>
+              </a:spcBef>
+              <a:spcAft>
+                <a:spcPct val="0"/>
+              </a:spcAft>
+              <a:buClrTx/>
+              <a:buSzTx/>
+              <a:buFontTx/>
+              <a:buNone/>
+              <a:tabLst/>
+            </a:pPr>
+            <a:endParaRPr kumimoji="0" lang="en-US" sz="3600" b="0" i="0" u="none" strike="noStrike" cap="none" normalizeH="0" baseline="0" smtClean="0">
+              <a:ln>
+                <a:noFill/>
+              </a:ln>
+              <a:solidFill>
+                <a:schemeClr val="tx1"/>
+              </a:solidFill>
+              <a:effectLst/>
+              <a:latin typeface="Times New Roman" pitchFamily="8" charset="0"/>
+            </a:endParaRPr>
+          </a:p>
+        </p:txBody>
+      </p:sp>
+      <p:graphicFrame>
+        <p:nvGraphicFramePr>
+          <p:cNvPr id="2" name="Object 1"/>
+          <p:cNvGraphicFramePr>
+            <a:graphicFrameLocks noChangeAspect="1"/>
+          </p:cNvGraphicFramePr>
+          <p:nvPr>
+            <p:extLst>
+              <p:ext uri="{D42A27DB-BD31-4B8C-83A1-F6EECF244321}">
+                <p14:modId xmlns:p14="http://schemas.microsoft.com/office/powerpoint/2010/main" val="2462259988"/>
+              </p:ext>
+            </p:extLst>
+          </p:nvPr>
+        </p:nvGraphicFramePr>
+        <p:xfrm>
+          <a:off x="1981200" y="4953000"/>
+          <a:ext cx="5040924" cy="1524000"/>
+        </p:xfrm>
+        <a:graphic>
+          <a:graphicData uri="http://schemas.openxmlformats.org/presentationml/2006/ole">
+            <mc:AlternateContent xmlns:mc="http://schemas.openxmlformats.org/markup-compatibility/2006">
+              <mc:Choice xmlns:v="urn:schemas-microsoft-com:vml" Requires="v">
+                <p:oleObj spid="_x0000_s308254" name="Equation" r:id="rId11" imgW="1092200" imgH="330200" progId="Equation.DSMT4">
+                  <p:embed/>
+                </p:oleObj>
+              </mc:Choice>
+              <mc:Fallback>
+                <p:oleObj name="Equation" r:id="rId11" imgW="1092200" imgH="330200" progId="Equation.DSMT4">
+                  <p:embed/>
+                  <p:pic>
+                    <p:nvPicPr>
+                      <p:cNvPr id="0" name=""/>
+                      <p:cNvPicPr/>
+                      <p:nvPr/>
+                    </p:nvPicPr>
+                    <p:blipFill>
+                      <a:blip r:embed="rId12"/>
+                      <a:stretch>
+                        <a:fillRect/>
+                      </a:stretch>
+                    </p:blipFill>
+                    <p:spPr>
+                      <a:xfrm>
+                        <a:off x="1981200" y="4953000"/>
+                        <a:ext cx="5040924" cy="1524000"/>
+                      </a:xfrm>
+                      <a:prstGeom prst="rect">
+                        <a:avLst/>
+                      </a:prstGeom>
+                    </p:spPr>
+                  </p:pic>
+                </p:oleObj>
+              </mc:Fallback>
+            </mc:AlternateContent>
+          </a:graphicData>
+        </a:graphic>
+      </p:graphicFrame>
+      <p:graphicFrame>
+        <p:nvGraphicFramePr>
+          <p:cNvPr id="4" name="Object 3"/>
+          <p:cNvGraphicFramePr>
+            <a:graphicFrameLocks noChangeAspect="1"/>
+          </p:cNvGraphicFramePr>
+          <p:nvPr>
+            <p:extLst>
+              <p:ext uri="{D42A27DB-BD31-4B8C-83A1-F6EECF244321}">
+                <p14:modId xmlns:p14="http://schemas.microsoft.com/office/powerpoint/2010/main" val="3336064801"/>
+              </p:ext>
+            </p:extLst>
+          </p:nvPr>
+        </p:nvGraphicFramePr>
+        <p:xfrm>
+          <a:off x="6565900" y="5372100"/>
+          <a:ext cx="139700" cy="215900"/>
+        </p:xfrm>
+        <a:graphic>
+          <a:graphicData uri="http://schemas.openxmlformats.org/presentationml/2006/ole">
+            <mc:AlternateContent xmlns:mc="http://schemas.openxmlformats.org/markup-compatibility/2006">
+              <mc:Choice xmlns:v="urn:schemas-microsoft-com:vml" Requires="v">
+                <p:oleObj spid="_x0000_s308255" name="Equation" r:id="rId13" imgW="139700" imgH="215900" progId="Equation.DSMT4">
+                  <p:embed/>
+                </p:oleObj>
+              </mc:Choice>
+              <mc:Fallback>
+                <p:oleObj name="Equation" r:id="rId13" imgW="139700" imgH="215900" progId="Equation.DSMT4">
+                  <p:embed/>
+                  <p:pic>
+                    <p:nvPicPr>
+                      <p:cNvPr id="0" name=""/>
+                      <p:cNvPicPr/>
+                      <p:nvPr/>
+                    </p:nvPicPr>
+                    <p:blipFill>
+                      <a:blip r:embed="rId14"/>
+                      <a:stretch>
+                        <a:fillRect/>
+                      </a:stretch>
+                    </p:blipFill>
+                    <p:spPr>
+                      <a:xfrm>
+                        <a:off x="6565900" y="5372100"/>
+                        <a:ext cx="139700" cy="215900"/>
+                      </a:xfrm>
+                      <a:prstGeom prst="rect">
+                        <a:avLst/>
+                      </a:prstGeom>
+                    </p:spPr>
+                  </p:pic>
+                </p:oleObj>
+              </mc:Fallback>
+            </mc:AlternateContent>
+          </a:graphicData>
+        </a:graphic>
+      </p:graphicFrame>
+      <p:graphicFrame>
+        <p:nvGraphicFramePr>
+          <p:cNvPr id="6" name="Object 5"/>
+          <p:cNvGraphicFramePr>
+            <a:graphicFrameLocks noChangeAspect="1"/>
+          </p:cNvGraphicFramePr>
+          <p:nvPr>
+            <p:extLst>
+              <p:ext uri="{D42A27DB-BD31-4B8C-83A1-F6EECF244321}">
+                <p14:modId xmlns:p14="http://schemas.microsoft.com/office/powerpoint/2010/main" val="2794668290"/>
+              </p:ext>
+            </p:extLst>
+          </p:nvPr>
+        </p:nvGraphicFramePr>
+        <p:xfrm>
+          <a:off x="6565900" y="5372100"/>
+          <a:ext cx="139700" cy="215900"/>
+        </p:xfrm>
+        <a:graphic>
+          <a:graphicData uri="http://schemas.openxmlformats.org/presentationml/2006/ole">
+            <mc:AlternateContent xmlns:mc="http://schemas.openxmlformats.org/markup-compatibility/2006">
+              <mc:Choice xmlns:v="urn:schemas-microsoft-com:vml" Requires="v">
+                <p:oleObj spid="_x0000_s308256" name="Equation" r:id="rId15" imgW="139700" imgH="215900" progId="Equation.DSMT4">
+                  <p:embed/>
+                </p:oleObj>
+              </mc:Choice>
+              <mc:Fallback>
+                <p:oleObj name="Equation" r:id="rId15" imgW="139700" imgH="215900" progId="Equation.DSMT4">
+                  <p:embed/>
+                  <p:pic>
+                    <p:nvPicPr>
+                      <p:cNvPr id="0" name=""/>
+                      <p:cNvPicPr/>
+                      <p:nvPr/>
+                    </p:nvPicPr>
+                    <p:blipFill>
+                      <a:blip r:embed="rId14"/>
+                      <a:stretch>
+                        <a:fillRect/>
+                      </a:stretch>
+                    </p:blipFill>
+                    <p:spPr>
+                      <a:xfrm>
+                        <a:off x="6565900" y="5372100"/>
+                        <a:ext cx="139700" cy="215900"/>
+                      </a:xfrm>
+                      <a:prstGeom prst="rect">
+                        <a:avLst/>
+                      </a:prstGeom>
+                    </p:spPr>
+                  </p:pic>
+                </p:oleObj>
+              </mc:Fallback>
+            </mc:AlternateContent>
+          </a:graphicData>
+        </a:graphic>
+      </p:graphicFrame>
+      <p:graphicFrame>
+        <p:nvGraphicFramePr>
+          <p:cNvPr id="11" name="Object 10"/>
+          <p:cNvGraphicFramePr>
+            <a:graphicFrameLocks noChangeAspect="1"/>
+          </p:cNvGraphicFramePr>
+          <p:nvPr>
+            <p:extLst>
+              <p:ext uri="{D42A27DB-BD31-4B8C-83A1-F6EECF244321}">
+                <p14:modId xmlns:p14="http://schemas.microsoft.com/office/powerpoint/2010/main" val="3313304768"/>
+              </p:ext>
+            </p:extLst>
+          </p:nvPr>
+        </p:nvGraphicFramePr>
+        <p:xfrm>
+          <a:off x="6565900" y="5372100"/>
+          <a:ext cx="139700" cy="215900"/>
+        </p:xfrm>
+        <a:graphic>
+          <a:graphicData uri="http://schemas.openxmlformats.org/presentationml/2006/ole">
+            <mc:AlternateContent xmlns:mc="http://schemas.openxmlformats.org/markup-compatibility/2006">
+              <mc:Choice xmlns:v="urn:schemas-microsoft-com:vml" Requires="v">
+                <p:oleObj spid="_x0000_s308257" name="Equation" r:id="rId16" imgW="139700" imgH="215900" progId="Equation.DSMT4">
+                  <p:embed/>
+                </p:oleObj>
+              </mc:Choice>
+              <mc:Fallback>
+                <p:oleObj name="Equation" r:id="rId16" imgW="139700" imgH="215900" progId="Equation.DSMT4">
+                  <p:embed/>
+                  <p:pic>
+                    <p:nvPicPr>
+                      <p:cNvPr id="0" name=""/>
+                      <p:cNvPicPr/>
+                      <p:nvPr/>
+                    </p:nvPicPr>
+                    <p:blipFill>
+                      <a:blip r:embed="rId14"/>
+                      <a:stretch>
+                        <a:fillRect/>
+                      </a:stretch>
+                    </p:blipFill>
+                    <p:spPr>
+                      <a:xfrm>
+                        <a:off x="6565900" y="5372100"/>
+                        <a:ext cx="139700" cy="215900"/>
+                      </a:xfrm>
+                      <a:prstGeom prst="rect">
+                        <a:avLst/>
+                      </a:prstGeom>
+                    </p:spPr>
+                  </p:pic>
+                </p:oleObj>
+              </mc:Fallback>
+            </mc:AlternateContent>
+          </a:graphicData>
+        </a:graphic>
+      </p:graphicFrame>
+    </p:spTree>
+    <p:extLst>
+      <p:ext uri="{BB962C8B-B14F-4D97-AF65-F5344CB8AC3E}">
+        <p14:creationId xmlns:p14="http://schemas.microsoft.com/office/powerpoint/2010/main" val="998008439"/>
+      </p:ext>
+    </p:extLst>
+  </p:cSld>
+  <p:clrMapOvr>
+    <a:masterClrMapping/>
+  </p:clrMapOvr>
+  <mc:AlternateContent xmlns:mc="http://schemas.openxmlformats.org/markup-compatibility/2006">
+    <mc:Choice xmlns:p14="http://schemas.microsoft.com/office/powerpoint/2010/main" Requires="p14">
+      <p:transition spd="med" p14:dur="600" advClick="0">
+        <p:fade/>
+      </p:transition>
+    </mc:Choice>
+    <mc:Fallback>
+      <p:transition xmlns:p14="http://schemas.microsoft.com/office/powerpoint/2010/main" spd="med" advClick="0">
+        <p:fade/>
+      </p:transition>
+    </mc:Fallback>
+  </mc:AlternateContent>
+  <p:timing>
+    <p:tnLst>
+      <p:par>
+        <p:cTn xmlns:p14="http://schemas.microsoft.com/office/powerpoint/2010/main" id="1" dur="indefinite" restart="never" nodeType="tmRoot"/>
+      </p:par>
+    </p:tnLst>
+  </p:timing>
+</p:sld>
+</file>
+
+<file path=ppt/slides/slide24.xml><?xml version="1.0" encoding="utf-8"?>
+<p:sld xmlns:a="http://schemas.openxmlformats.org/drawingml/2006/main" xmlns:r="http://schemas.openxmlformats.org/officeDocument/2006/relationships" xmlns:p="http://schemas.openxmlformats.org/presentationml/2006/main">
+  <p:cSld>
+    <p:spTree>
+      <p:nvGrpSpPr>
+        <p:cNvPr id="1" name=""/>
+        <p:cNvGrpSpPr/>
+        <p:nvPr/>
+      </p:nvGrpSpPr>
+      <p:grpSpPr>
+        <a:xfrm>
+          <a:off x="0" y="0"/>
+          <a:ext cx="0" cy="0"/>
+          <a:chOff x="0" y="0"/>
+          <a:chExt cx="0" cy="0"/>
+        </a:xfrm>
+      </p:grpSpPr>
+      <p:sp>
+        <p:nvSpPr>
+          <p:cNvPr id="17412" name="Slide Number Placeholder 5"/>
+          <p:cNvSpPr>
+            <a:spLocks noGrp="1"/>
+          </p:cNvSpPr>
+          <p:nvPr>
+            <p:ph type="sldNum" sz="quarter" idx="10"/>
+          </p:nvPr>
+        </p:nvSpPr>
+        <p:spPr>
+          <a:noFill/>
+        </p:spPr>
+        <p:txBody>
+          <a:bodyPr/>
+          <a:lstStyle/>
+          <a:p>
+            <a:r>
+              <a:rPr lang="en-US" dirty="0" err="1" smtClean="0"/>
+              <a:t>incexcbinom</a:t>
+            </a:r>
+            <a:r>
+              <a:rPr lang="en-US" dirty="0" smtClean="0"/>
+              <a:t>.</a:t>
+            </a:r>
+            <a:fld id="{83D78B86-54BD-4C40-B154-E0B4BEB7EE49}" type="slidenum">
+              <a:rPr lang="en-US" smtClean="0"/>
+              <a:pPr/>
+              <a:t>24</a:t>
+            </a:fld>
+            <a:endParaRPr lang="en-US" dirty="0" smtClean="0"/>
+          </a:p>
+        </p:txBody>
+      </p:sp>
+      <p:sp>
+        <p:nvSpPr>
+          <p:cNvPr id="17413" name="Rectangle 2"/>
+          <p:cNvSpPr>
+            <a:spLocks noGrp="1" noChangeArrowheads="1"/>
+          </p:cNvSpPr>
+          <p:nvPr>
+            <p:ph type="title"/>
+          </p:nvPr>
+        </p:nvSpPr>
+        <p:spPr>
+          <a:xfrm>
+            <a:off x="1295400" y="152400"/>
+            <a:ext cx="6781800" cy="1219200"/>
+          </a:xfrm>
+        </p:spPr>
+        <p:txBody>
+          <a:bodyPr/>
+          <a:lstStyle/>
+          <a:p>
+            <a:pPr eaLnBrk="1" hangingPunct="1"/>
+            <a:r>
+              <a:rPr lang="en-US" sz="4400" dirty="0" smtClean="0"/>
+              <a:t>Binomial </a:t>
+            </a:r>
+            <a:r>
+              <a:rPr lang="en-US" sz="4400" dirty="0"/>
+              <a:t>C</a:t>
+            </a:r>
+            <a:r>
+              <a:rPr lang="en-US" sz="4400" dirty="0" smtClean="0"/>
+              <a:t>ounting proof</a:t>
+            </a:r>
+          </a:p>
+        </p:txBody>
+      </p:sp>
+      <p:graphicFrame>
+        <p:nvGraphicFramePr>
+          <p:cNvPr id="3" name="Object 2"/>
+          <p:cNvGraphicFramePr>
+            <a:graphicFrameLocks noChangeAspect="1"/>
+          </p:cNvGraphicFramePr>
+          <p:nvPr>
+            <p:extLst>
+              <p:ext uri="{D42A27DB-BD31-4B8C-83A1-F6EECF244321}">
+                <p14:modId xmlns:p14="http://schemas.microsoft.com/office/powerpoint/2010/main" val="1116341272"/>
+              </p:ext>
+            </p:extLst>
+          </p:nvPr>
+        </p:nvGraphicFramePr>
+        <p:xfrm>
+          <a:off x="7404100" y="4406900"/>
+          <a:ext cx="139700" cy="215900"/>
+        </p:xfrm>
+        <a:graphic>
+          <a:graphicData uri="http://schemas.openxmlformats.org/presentationml/2006/ole">
+            <mc:AlternateContent xmlns:mc="http://schemas.openxmlformats.org/markup-compatibility/2006">
+              <mc:Choice xmlns:v="urn:schemas-microsoft-com:vml" Requires="v">
+                <p:oleObj spid="_x0000_s305165" name="Equation" r:id="rId4" imgW="139700" imgH="215900" progId="Equation.DSMT4">
+                  <p:embed/>
+                </p:oleObj>
+              </mc:Choice>
+              <mc:Fallback>
+                <p:oleObj name="Equation" r:id="rId4" imgW="139700" imgH="215900" progId="Equation.DSMT4">
+                  <p:embed/>
+                  <p:pic>
+                    <p:nvPicPr>
+                      <p:cNvPr id="0" name=""/>
+                      <p:cNvPicPr/>
+                      <p:nvPr/>
+                    </p:nvPicPr>
+                    <p:blipFill>
+                      <a:blip r:embed="rId5"/>
+                      <a:stretch>
+                        <a:fillRect/>
+                      </a:stretch>
+                    </p:blipFill>
+                    <p:spPr>
+                      <a:xfrm>
+                        <a:off x="7404100" y="4406900"/>
+                        <a:ext cx="139700" cy="215900"/>
+                      </a:xfrm>
+                      <a:prstGeom prst="rect">
+                        <a:avLst/>
+                      </a:prstGeom>
+                    </p:spPr>
+                  </p:pic>
+                </p:oleObj>
+              </mc:Fallback>
+            </mc:AlternateContent>
+          </a:graphicData>
+        </a:graphic>
+      </p:graphicFrame>
+      <p:graphicFrame>
+        <p:nvGraphicFramePr>
+          <p:cNvPr id="5" name="Object 4"/>
+          <p:cNvGraphicFramePr>
+            <a:graphicFrameLocks noChangeAspect="1"/>
+          </p:cNvGraphicFramePr>
+          <p:nvPr>
+            <p:extLst>
+              <p:ext uri="{D42A27DB-BD31-4B8C-83A1-F6EECF244321}">
+                <p14:modId xmlns:p14="http://schemas.microsoft.com/office/powerpoint/2010/main" val="2485704856"/>
+              </p:ext>
+            </p:extLst>
+          </p:nvPr>
+        </p:nvGraphicFramePr>
+        <p:xfrm>
+          <a:off x="7404100" y="4406900"/>
+          <a:ext cx="139700" cy="215900"/>
+        </p:xfrm>
+        <a:graphic>
+          <a:graphicData uri="http://schemas.openxmlformats.org/presentationml/2006/ole">
+            <mc:AlternateContent xmlns:mc="http://schemas.openxmlformats.org/markup-compatibility/2006">
+              <mc:Choice xmlns:v="urn:schemas-microsoft-com:vml" Requires="v">
+                <p:oleObj spid="_x0000_s305166" name="Equation" r:id="rId6" imgW="139700" imgH="215900" progId="Equation.DSMT4">
+                  <p:embed/>
+                </p:oleObj>
+              </mc:Choice>
+              <mc:Fallback>
+                <p:oleObj name="Equation" r:id="rId6" imgW="139700" imgH="215900" progId="Equation.DSMT4">
+                  <p:embed/>
+                  <p:pic>
+                    <p:nvPicPr>
+                      <p:cNvPr id="0" name=""/>
+                      <p:cNvPicPr/>
+                      <p:nvPr/>
+                    </p:nvPicPr>
+                    <p:blipFill>
+                      <a:blip r:embed="rId5"/>
+                      <a:stretch>
+                        <a:fillRect/>
+                      </a:stretch>
+                    </p:blipFill>
+                    <p:spPr>
+                      <a:xfrm>
+                        <a:off x="7404100" y="4406900"/>
+                        <a:ext cx="139700" cy="215900"/>
+                      </a:xfrm>
+                      <a:prstGeom prst="rect">
+                        <a:avLst/>
+                      </a:prstGeom>
+                    </p:spPr>
+                  </p:pic>
+                </p:oleObj>
+              </mc:Fallback>
+            </mc:AlternateContent>
+          </a:graphicData>
+        </a:graphic>
+      </p:graphicFrame>
+      <p:graphicFrame>
+        <p:nvGraphicFramePr>
+          <p:cNvPr id="9" name="Object 8"/>
+          <p:cNvGraphicFramePr>
+            <a:graphicFrameLocks noChangeAspect="1"/>
+          </p:cNvGraphicFramePr>
+          <p:nvPr>
+            <p:extLst>
+              <p:ext uri="{D42A27DB-BD31-4B8C-83A1-F6EECF244321}">
+                <p14:modId xmlns:p14="http://schemas.microsoft.com/office/powerpoint/2010/main" val="3684785327"/>
+              </p:ext>
+            </p:extLst>
+          </p:nvPr>
+        </p:nvGraphicFramePr>
+        <p:xfrm>
+          <a:off x="1800225" y="981075"/>
+          <a:ext cx="3033713" cy="1866900"/>
+        </p:xfrm>
+        <a:graphic>
+          <a:graphicData uri="http://schemas.openxmlformats.org/presentationml/2006/ole">
+            <mc:AlternateContent xmlns:mc="http://schemas.openxmlformats.org/markup-compatibility/2006">
+              <mc:Choice xmlns:v="urn:schemas-microsoft-com:vml" Requires="v">
+                <p:oleObj spid="_x0000_s305167" name="Equation" r:id="rId7" imgW="660400" imgH="406400" progId="Equation.DSMT4">
                   <p:embed/>
                 </p:oleObj>
               </mc:Choice>
@@ -10786,7 +13737,7 @@
           <p:nvPr>
             <p:extLst>
               <p:ext uri="{D42A27DB-BD31-4B8C-83A1-F6EECF244321}">
-                <p14:modId xmlns:p14="http://schemas.microsoft.com/office/powerpoint/2010/main" val="3994790942"/>
+                <p14:modId xmlns:p14="http://schemas.microsoft.com/office/powerpoint/2010/main" val="1826569787"/>
               </p:ext>
             </p:extLst>
           </p:nvPr>
@@ -10799,7 +13750,7 @@
           <a:graphicData uri="http://schemas.openxmlformats.org/presentationml/2006/ole">
             <mc:AlternateContent xmlns:mc="http://schemas.openxmlformats.org/markup-compatibility/2006">
               <mc:Choice xmlns:v="urn:schemas-microsoft-com:vml" Requires="v">
-                <p:oleObj spid="_x0000_s206097" name="Equation" r:id="rId9" imgW="139700" imgH="215900" progId="Equation.DSMT4">
+                <p:oleObj spid="_x0000_s305168" name="Equation" r:id="rId9" imgW="139700" imgH="215900" progId="Equation.DSMT4">
                   <p:embed/>
                 </p:oleObj>
               </mc:Choice>
@@ -10900,7 +13851,7 @@
     </p:spTree>
     <p:extLst>
       <p:ext uri="{BB962C8B-B14F-4D97-AF65-F5344CB8AC3E}">
-        <p14:creationId xmlns:p14="http://schemas.microsoft.com/office/powerpoint/2010/main" val="689503822"/>
+        <p14:creationId xmlns:p14="http://schemas.microsoft.com/office/powerpoint/2010/main" val="1661926971"/>
       </p:ext>
     </p:extLst>
   </p:cSld>
@@ -11062,7 +14013,7 @@
 </p:sld>
 </file>
 
-<file path=ppt/slides/slide22.xml><?xml version="1.0" encoding="utf-8"?>
+<file path=ppt/slides/slide25.xml><?xml version="1.0" encoding="utf-8"?>
 <p:sld xmlns:a="http://schemas.openxmlformats.org/drawingml/2006/main" xmlns:r="http://schemas.openxmlformats.org/officeDocument/2006/relationships" xmlns:p="http://schemas.openxmlformats.org/presentationml/2006/main">
   <p:cSld>
     <p:spTree>
@@ -11107,7 +14058,7 @@
             <a:fld id="{83D78B86-54BD-4C40-B154-E0B4BEB7EE49}" type="slidenum">
               <a:rPr lang="en-US" smtClean="0"/>
               <a:pPr/>
-              <a:t>22</a:t>
+              <a:t>25</a:t>
             </a:fld>
             <a:endParaRPr lang="en-US" dirty="0" smtClean="0"/>
           </a:p>
@@ -11171,7 +14122,7 @@
           <a:graphicData uri="http://schemas.openxmlformats.org/presentationml/2006/ole">
             <mc:AlternateContent xmlns:mc="http://schemas.openxmlformats.org/markup-compatibility/2006">
               <mc:Choice xmlns:v="urn:schemas-microsoft-com:vml" Requires="v">
-                <p:oleObj spid="_x0000_s302106" name="Equation" r:id="rId4" imgW="139700" imgH="215900" progId="Equation.DSMT4">
+                <p:oleObj spid="_x0000_s302131" name="Equation" r:id="rId4" imgW="139700" imgH="215900" progId="Equation.DSMT4">
                   <p:embed/>
                 </p:oleObj>
               </mc:Choice>
@@ -11228,7 +14179,7 @@
           <a:graphicData uri="http://schemas.openxmlformats.org/presentationml/2006/ole">
             <mc:AlternateContent xmlns:mc="http://schemas.openxmlformats.org/markup-compatibility/2006">
               <mc:Choice xmlns:v="urn:schemas-microsoft-com:vml" Requires="v">
-                <p:oleObj spid="_x0000_s302107" name="Equation" r:id="rId6" imgW="139700" imgH="215900" progId="Equation.DSMT4">
+                <p:oleObj spid="_x0000_s302132" name="Equation" r:id="rId6" imgW="139700" imgH="215900" progId="Equation.DSMT4">
                   <p:embed/>
                 </p:oleObj>
               </mc:Choice>
@@ -11285,7 +14236,7 @@
           <a:graphicData uri="http://schemas.openxmlformats.org/presentationml/2006/ole">
             <mc:AlternateContent xmlns:mc="http://schemas.openxmlformats.org/markup-compatibility/2006">
               <mc:Choice xmlns:v="urn:schemas-microsoft-com:vml" Requires="v">
-                <p:oleObj spid="_x0000_s302108" name="Equation" r:id="rId7" imgW="660400" imgH="406400" progId="Equation.DSMT4">
+                <p:oleObj spid="_x0000_s302133" name="Equation" r:id="rId7" imgW="660400" imgH="406400" progId="Equation.DSMT4">
                   <p:embed/>
                 </p:oleObj>
               </mc:Choice>
@@ -11581,7 +14532,7 @@
           <a:graphicData uri="http://schemas.openxmlformats.org/presentationml/2006/ole">
             <mc:AlternateContent xmlns:mc="http://schemas.openxmlformats.org/markup-compatibility/2006">
               <mc:Choice xmlns:v="urn:schemas-microsoft-com:vml" Requires="v">
-                <p:oleObj spid="_x0000_s302109" name="Equation" r:id="rId9" imgW="139700" imgH="215900" progId="Equation.DSMT4">
+                <p:oleObj spid="_x0000_s302134" name="Equation" r:id="rId9" imgW="139700" imgH="215900" progId="Equation.DSMT4">
                   <p:embed/>
                 </p:oleObj>
               </mc:Choice>
@@ -11638,7 +14589,7 @@
           <a:graphicData uri="http://schemas.openxmlformats.org/presentationml/2006/ole">
             <mc:AlternateContent xmlns:mc="http://schemas.openxmlformats.org/markup-compatibility/2006">
               <mc:Choice xmlns:v="urn:schemas-microsoft-com:vml" Requires="v">
-                <p:oleObj spid="_x0000_s302110" name="Equation" r:id="rId11" imgW="419100" imgH="533400" progId="Equation.DSMT4">
+                <p:oleObj spid="_x0000_s302135" name="Equation" r:id="rId11" imgW="419100" imgH="533400" progId="Equation.DSMT4">
                   <p:embed/>
                 </p:oleObj>
               </mc:Choice>
@@ -11695,7 +14646,7 @@
           <a:graphicData uri="http://schemas.openxmlformats.org/presentationml/2006/ole">
             <mc:AlternateContent xmlns:mc="http://schemas.openxmlformats.org/markup-compatibility/2006">
               <mc:Choice xmlns:v="urn:schemas-microsoft-com:vml" Requires="v">
-                <p:oleObj spid="_x0000_s302111" name="Equation" r:id="rId13" imgW="266700" imgH="533400" progId="Equation.DSMT4">
+                <p:oleObj spid="_x0000_s302136" name="Equation" r:id="rId13" imgW="266700" imgH="533400" progId="Equation.DSMT4">
                   <p:embed/>
                 </p:oleObj>
               </mc:Choice>
@@ -11986,7 +14937,7 @@
 </p:sld>
 </file>
 
-<file path=ppt/slides/slide23.xml><?xml version="1.0" encoding="utf-8"?>
+<file path=ppt/slides/slide26.xml><?xml version="1.0" encoding="utf-8"?>
 <p:sld xmlns:a="http://schemas.openxmlformats.org/drawingml/2006/main" xmlns:r="http://schemas.openxmlformats.org/officeDocument/2006/relationships" xmlns:p="http://schemas.openxmlformats.org/presentationml/2006/main">
   <p:cSld>
     <p:spTree>
@@ -12031,7 +14982,7 @@
             <a:fld id="{83D78B86-54BD-4C40-B154-E0B4BEB7EE49}" type="slidenum">
               <a:rPr lang="en-US" smtClean="0"/>
               <a:pPr/>
-              <a:t>23</a:t>
+              <a:t>26</a:t>
             </a:fld>
             <a:endParaRPr lang="en-US" dirty="0" smtClean="0"/>
           </a:p>
@@ -12095,7 +15046,7 @@
           <a:graphicData uri="http://schemas.openxmlformats.org/presentationml/2006/ole">
             <mc:AlternateContent xmlns:mc="http://schemas.openxmlformats.org/markup-compatibility/2006">
               <mc:Choice xmlns:v="urn:schemas-microsoft-com:vml" Requires="v">
-                <p:oleObj spid="_x0000_s245867" name="Equation" r:id="rId4" imgW="139700" imgH="215900" progId="Equation.DSMT4">
+                <p:oleObj spid="_x0000_s245884" name="Equation" r:id="rId4" imgW="139700" imgH="215900" progId="Equation.DSMT4">
                   <p:embed/>
                 </p:oleObj>
               </mc:Choice>
@@ -12152,7 +15103,7 @@
           <a:graphicData uri="http://schemas.openxmlformats.org/presentationml/2006/ole">
             <mc:AlternateContent xmlns:mc="http://schemas.openxmlformats.org/markup-compatibility/2006">
               <mc:Choice xmlns:v="urn:schemas-microsoft-com:vml" Requires="v">
-                <p:oleObj spid="_x0000_s245868" name="Equation" r:id="rId6" imgW="139700" imgH="215900" progId="Equation.DSMT4">
+                <p:oleObj spid="_x0000_s245885" name="Equation" r:id="rId6" imgW="139700" imgH="215900" progId="Equation.DSMT4">
                   <p:embed/>
                 </p:oleObj>
               </mc:Choice>
@@ -12209,7 +15160,7 @@
           <a:graphicData uri="http://schemas.openxmlformats.org/presentationml/2006/ole">
             <mc:AlternateContent xmlns:mc="http://schemas.openxmlformats.org/markup-compatibility/2006">
               <mc:Choice xmlns:v="urn:schemas-microsoft-com:vml" Requires="v">
-                <p:oleObj spid="_x0000_s245869" name="Equation" r:id="rId7" imgW="1447800" imgH="533400" progId="Equation.DSMT4">
+                <p:oleObj spid="_x0000_s245886" name="Equation" r:id="rId7" imgW="1447800" imgH="533400" progId="Equation.DSMT4">
                   <p:embed/>
                 </p:oleObj>
               </mc:Choice>
@@ -12266,7 +15217,7 @@
           <a:graphicData uri="http://schemas.openxmlformats.org/presentationml/2006/ole">
             <mc:AlternateContent xmlns:mc="http://schemas.openxmlformats.org/markup-compatibility/2006">
               <mc:Choice xmlns:v="urn:schemas-microsoft-com:vml" Requires="v">
-                <p:oleObj spid="_x0000_s245870" name="Equation" r:id="rId9" imgW="1651000" imgH="495300" progId="Equation.DSMT4">
+                <p:oleObj spid="_x0000_s245887" name="Equation" r:id="rId9" imgW="1651000" imgH="495300" progId="Equation.DSMT4">
                   <p:embed/>
                 </p:oleObj>
               </mc:Choice>
@@ -12564,7 +15515,7 @@
 </p:sld>
 </file>
 
-<file path=ppt/slides/slide24.xml><?xml version="1.0" encoding="utf-8"?>
+<file path=ppt/slides/slide27.xml><?xml version="1.0" encoding="utf-8"?>
 <p:sld xmlns:a="http://schemas.openxmlformats.org/drawingml/2006/main" xmlns:r="http://schemas.openxmlformats.org/officeDocument/2006/relationships" xmlns:p="http://schemas.openxmlformats.org/presentationml/2006/main">
   <p:cSld>
     <p:spTree>
@@ -12609,7 +15560,7 @@
             <a:fld id="{83D78B86-54BD-4C40-B154-E0B4BEB7EE49}" type="slidenum">
               <a:rPr lang="en-US" smtClean="0"/>
               <a:pPr/>
-              <a:t>24</a:t>
+              <a:t>27</a:t>
             </a:fld>
             <a:endParaRPr lang="en-US" dirty="0" smtClean="0"/>
           </a:p>
@@ -12673,7 +15624,7 @@
           <a:graphicData uri="http://schemas.openxmlformats.org/presentationml/2006/ole">
             <mc:AlternateContent xmlns:mc="http://schemas.openxmlformats.org/markup-compatibility/2006">
               <mc:Choice xmlns:v="urn:schemas-microsoft-com:vml" Requires="v">
-                <p:oleObj spid="_x0000_s283698" name="Equation" r:id="rId4" imgW="139700" imgH="215900" progId="Equation.DSMT4">
+                <p:oleObj spid="_x0000_s283715" name="Equation" r:id="rId4" imgW="139700" imgH="215900" progId="Equation.DSMT4">
                   <p:embed/>
                 </p:oleObj>
               </mc:Choice>
@@ -12730,7 +15681,7 @@
           <a:graphicData uri="http://schemas.openxmlformats.org/presentationml/2006/ole">
             <mc:AlternateContent xmlns:mc="http://schemas.openxmlformats.org/markup-compatibility/2006">
               <mc:Choice xmlns:v="urn:schemas-microsoft-com:vml" Requires="v">
-                <p:oleObj spid="_x0000_s283699" name="Equation" r:id="rId6" imgW="139700" imgH="215900" progId="Equation.DSMT4">
+                <p:oleObj spid="_x0000_s283716" name="Equation" r:id="rId6" imgW="139700" imgH="215900" progId="Equation.DSMT4">
                   <p:embed/>
                 </p:oleObj>
               </mc:Choice>
@@ -12787,7 +15738,7 @@
           <a:graphicData uri="http://schemas.openxmlformats.org/presentationml/2006/ole">
             <mc:AlternateContent xmlns:mc="http://schemas.openxmlformats.org/markup-compatibility/2006">
               <mc:Choice xmlns:v="urn:schemas-microsoft-com:vml" Requires="v">
-                <p:oleObj spid="_x0000_s283700" name="Equation" r:id="rId7" imgW="1371600" imgH="533400" progId="Equation.DSMT4">
+                <p:oleObj spid="_x0000_s283717" name="Equation" r:id="rId7" imgW="1371600" imgH="533400" progId="Equation.DSMT4">
                   <p:embed/>
                 </p:oleObj>
               </mc:Choice>
@@ -12844,7 +15795,7 @@
           <a:graphicData uri="http://schemas.openxmlformats.org/presentationml/2006/ole">
             <mc:AlternateContent xmlns:mc="http://schemas.openxmlformats.org/markup-compatibility/2006">
               <mc:Choice xmlns:v="urn:schemas-microsoft-com:vml" Requires="v">
-                <p:oleObj spid="_x0000_s283701" name="Equation" r:id="rId9" imgW="774700" imgH="254000" progId="Equation.DSMT4">
+                <p:oleObj spid="_x0000_s283718" name="Equation" r:id="rId9" imgW="774700" imgH="254000" progId="Equation.DSMT4">
                   <p:embed/>
                 </p:oleObj>
               </mc:Choice>
@@ -13001,6 +15952,9 @@
                     <p:cTn id="3" fill="hold">
                       <p:stCondLst>
                         <p:cond delay="indefinite"/>
+                        <p:cond evt="onBegin" delay="0">
+                          <p:tn val="2"/>
+                        </p:cond>
                       </p:stCondLst>
                       <p:childTnLst>
                         <p:par>
@@ -13010,7 +15964,7 @@
                             </p:stCondLst>
                             <p:childTnLst>
                               <p:par>
-                                <p:cTn id="5" presetID="10" presetClass="exit" presetSubtype="0" fill="hold" grpId="1" nodeType="clickEffect">
+                                <p:cTn id="5" presetID="10" presetClass="exit" presetSubtype="0" fill="hold" grpId="1" nodeType="afterEffect">
                                   <p:stCondLst>
                                     <p:cond delay="0"/>
                                   </p:stCondLst>
@@ -13498,7 +16452,7 @@
           <a:graphicData uri="http://schemas.openxmlformats.org/presentationml/2006/ole">
             <mc:AlternateContent xmlns:mc="http://schemas.openxmlformats.org/markup-compatibility/2006">
               <mc:Choice xmlns:v="urn:schemas-microsoft-com:vml" Requires="v">
-                <p:oleObj spid="_x0000_s5350" name="Equation" r:id="rId4" imgW="139700" imgH="215900" progId="Equation.DSMT4">
+                <p:oleObj spid="_x0000_s5367" name="Equation" r:id="rId4" imgW="139700" imgH="215900" progId="Equation.DSMT4">
                   <p:embed/>
                 </p:oleObj>
               </mc:Choice>
@@ -13555,7 +16509,7 @@
           <a:graphicData uri="http://schemas.openxmlformats.org/presentationml/2006/ole">
             <mc:AlternateContent xmlns:mc="http://schemas.openxmlformats.org/markup-compatibility/2006">
               <mc:Choice xmlns:v="urn:schemas-microsoft-com:vml" Requires="v">
-                <p:oleObj spid="_x0000_s5351" name="Equation" r:id="rId6" imgW="571500" imgH="203200" progId="Equation.DSMT4">
+                <p:oleObj spid="_x0000_s5368" name="Equation" r:id="rId6" imgW="571500" imgH="203200" progId="Equation.DSMT4">
                   <p:embed/>
                 </p:oleObj>
               </mc:Choice>
@@ -13612,7 +16566,7 @@
           <a:graphicData uri="http://schemas.openxmlformats.org/presentationml/2006/ole">
             <mc:AlternateContent xmlns:mc="http://schemas.openxmlformats.org/markup-compatibility/2006">
               <mc:Choice xmlns:v="urn:schemas-microsoft-com:vml" Requires="v">
-                <p:oleObj spid="_x0000_s5352" name="Equation" r:id="rId8" imgW="1612900" imgH="393700" progId="Equation.DSMT4">
+                <p:oleObj spid="_x0000_s5369" name="Equation" r:id="rId8" imgW="1612900" imgH="393700" progId="Equation.DSMT4">
                   <p:embed/>
                 </p:oleObj>
               </mc:Choice>
@@ -13669,7 +16623,7 @@
           <a:graphicData uri="http://schemas.openxmlformats.org/presentationml/2006/ole">
             <mc:AlternateContent xmlns:mc="http://schemas.openxmlformats.org/markup-compatibility/2006">
               <mc:Choice xmlns:v="urn:schemas-microsoft-com:vml" Requires="v">
-                <p:oleObj spid="_x0000_s5353" name="Equation" r:id="rId10" imgW="1549400" imgH="292100" progId="Equation.DSMT4">
+                <p:oleObj spid="_x0000_s5370" name="Equation" r:id="rId10" imgW="1549400" imgH="292100" progId="Equation.DSMT4">
                   <p:embed/>
                 </p:oleObj>
               </mc:Choice>
@@ -13899,7 +16853,7 @@
           <a:graphicData uri="http://schemas.openxmlformats.org/presentationml/2006/ole">
             <mc:AlternateContent xmlns:mc="http://schemas.openxmlformats.org/markup-compatibility/2006">
               <mc:Choice xmlns:v="urn:schemas-microsoft-com:vml" Requires="v">
-                <p:oleObj spid="_x0000_s213065" name="Equation" r:id="rId4" imgW="1346200" imgH="266700" progId="Equation.DSMT4">
+                <p:oleObj spid="_x0000_s213074" name="Equation" r:id="rId4" imgW="1346200" imgH="266700" progId="Equation.DSMT4">
                   <p:embed/>
                 </p:oleObj>
               </mc:Choice>
@@ -14054,7 +17008,7 @@
           <a:graphicData uri="http://schemas.openxmlformats.org/presentationml/2006/ole">
             <mc:AlternateContent xmlns:mc="http://schemas.openxmlformats.org/markup-compatibility/2006">
               <mc:Choice xmlns:v="urn:schemas-microsoft-com:vml" Requires="v">
-                <p:oleObj spid="_x0000_s213066" name="Equation" r:id="rId6" imgW="1447800" imgH="495300" progId="Equation.DSMT4">
+                <p:oleObj spid="_x0000_s213075" name="Equation" r:id="rId6" imgW="1447800" imgH="495300" progId="Equation.DSMT4">
                   <p:embed/>
                 </p:oleObj>
               </mc:Choice>
@@ -14258,7 +17212,7 @@
           <a:graphicData uri="http://schemas.openxmlformats.org/presentationml/2006/ole">
             <mc:AlternateContent xmlns:mc="http://schemas.openxmlformats.org/markup-compatibility/2006">
               <mc:Choice xmlns:v="urn:schemas-microsoft-com:vml" Requires="v">
-                <p:oleObj spid="_x0000_s214079" name="Equation" r:id="rId4" imgW="393700" imgH="266700" progId="Equation.DSMT4">
+                <p:oleObj spid="_x0000_s214088" name="Equation" r:id="rId4" imgW="393700" imgH="266700" progId="Equation.DSMT4">
                   <p:embed/>
                 </p:oleObj>
               </mc:Choice>
@@ -14328,7 +17282,7 @@
           <a:graphicData uri="http://schemas.openxmlformats.org/presentationml/2006/ole">
             <mc:AlternateContent xmlns:mc="http://schemas.openxmlformats.org/markup-compatibility/2006">
               <mc:Choice xmlns:v="urn:schemas-microsoft-com:vml" Requires="v">
-                <p:oleObj spid="_x0000_s214080" name="Equation" r:id="rId6" imgW="1447800" imgH="495300" progId="Equation.DSMT4">
+                <p:oleObj spid="_x0000_s214089" name="Equation" r:id="rId6" imgW="1447800" imgH="495300" progId="Equation.DSMT4">
                   <p:embed/>
                 </p:oleObj>
               </mc:Choice>
@@ -14523,7 +17477,7 @@
           <a:graphicData uri="http://schemas.openxmlformats.org/presentationml/2006/ole">
             <mc:AlternateContent xmlns:mc="http://schemas.openxmlformats.org/markup-compatibility/2006">
               <mc:Choice xmlns:v="urn:schemas-microsoft-com:vml" Requires="v">
-                <p:oleObj spid="_x0000_s216129" name="Equation" r:id="rId4" imgW="393700" imgH="266700" progId="Equation.DSMT4">
+                <p:oleObj spid="_x0000_s216138" name="Equation" r:id="rId4" imgW="393700" imgH="266700" progId="Equation.DSMT4">
                   <p:embed/>
                 </p:oleObj>
               </mc:Choice>
@@ -14593,7 +17547,7 @@
           <a:graphicData uri="http://schemas.openxmlformats.org/presentationml/2006/ole">
             <mc:AlternateContent xmlns:mc="http://schemas.openxmlformats.org/markup-compatibility/2006">
               <mc:Choice xmlns:v="urn:schemas-microsoft-com:vml" Requires="v">
-                <p:oleObj spid="_x0000_s216130" name="Equation" r:id="rId6" imgW="1308100" imgH="419100" progId="Equation.DSMT4">
+                <p:oleObj spid="_x0000_s216139" name="Equation" r:id="rId6" imgW="1308100" imgH="419100" progId="Equation.DSMT4">
                   <p:embed/>
                 </p:oleObj>
               </mc:Choice>
@@ -14780,7 +17734,7 @@
           <a:graphicData uri="http://schemas.openxmlformats.org/presentationml/2006/ole">
             <mc:AlternateContent xmlns:mc="http://schemas.openxmlformats.org/markup-compatibility/2006">
               <mc:Choice xmlns:v="urn:schemas-microsoft-com:vml" Requires="v">
-                <p:oleObj spid="_x0000_s248881" name="Equation" r:id="rId4" imgW="393700" imgH="266700" progId="Equation.DSMT4">
+                <p:oleObj spid="_x0000_s248890" name="Equation" r:id="rId4" imgW="393700" imgH="266700" progId="Equation.DSMT4">
                   <p:embed/>
                 </p:oleObj>
               </mc:Choice>
@@ -14850,7 +17804,7 @@
           <a:graphicData uri="http://schemas.openxmlformats.org/presentationml/2006/ole">
             <mc:AlternateContent xmlns:mc="http://schemas.openxmlformats.org/markup-compatibility/2006">
               <mc:Choice xmlns:v="urn:schemas-microsoft-com:vml" Requires="v">
-                <p:oleObj spid="_x0000_s248882" name="Equation" r:id="rId6" imgW="1308100" imgH="419100" progId="Equation.DSMT4">
+                <p:oleObj spid="_x0000_s248891" name="Equation" r:id="rId6" imgW="1308100" imgH="419100" progId="Equation.DSMT4">
                   <p:embed/>
                 </p:oleObj>
               </mc:Choice>
@@ -15037,7 +17991,7 @@
           <a:graphicData uri="http://schemas.openxmlformats.org/presentationml/2006/ole">
             <mc:AlternateContent xmlns:mc="http://schemas.openxmlformats.org/markup-compatibility/2006">
               <mc:Choice xmlns:v="urn:schemas-microsoft-com:vml" Requires="v">
-                <p:oleObj spid="_x0000_s217153" name="Equation" r:id="rId4" imgW="266700" imgH="177800" progId="Equation.DSMT4">
+                <p:oleObj spid="_x0000_s217162" name="Equation" r:id="rId4" imgW="266700" imgH="177800" progId="Equation.DSMT4">
                   <p:embed/>
                 </p:oleObj>
               </mc:Choice>
@@ -15107,7 +18061,7 @@
           <a:graphicData uri="http://schemas.openxmlformats.org/presentationml/2006/ole">
             <mc:AlternateContent xmlns:mc="http://schemas.openxmlformats.org/markup-compatibility/2006">
               <mc:Choice xmlns:v="urn:schemas-microsoft-com:vml" Requires="v">
-                <p:oleObj spid="_x0000_s217154" name="Equation" r:id="rId6" imgW="1206500" imgH="482600" progId="Equation.DSMT4">
+                <p:oleObj spid="_x0000_s217163" name="Equation" r:id="rId6" imgW="1206500" imgH="482600" progId="Equation.DSMT4">
                   <p:embed/>
                 </p:oleObj>
               </mc:Choice>
@@ -15209,7 +18163,7 @@
           <a:graphicData uri="http://schemas.openxmlformats.org/presentationml/2006/ole">
             <mc:AlternateContent xmlns:mc="http://schemas.openxmlformats.org/markup-compatibility/2006">
               <mc:Choice xmlns:v="urn:schemas-microsoft-com:vml" Requires="v">
-                <p:oleObj spid="_x0000_s235615" name="Equation" r:id="rId4" imgW="1473200" imgH="482600" progId="Equation.DSMT4">
+                <p:oleObj spid="_x0000_s235628" name="Equation" r:id="rId4" imgW="1473200" imgH="482600" progId="Equation.DSMT4">
                   <p:embed/>
                 </p:oleObj>
               </mc:Choice>
@@ -15356,7 +18310,7 @@
           <a:graphicData uri="http://schemas.openxmlformats.org/presentationml/2006/ole">
             <mc:AlternateContent xmlns:mc="http://schemas.openxmlformats.org/markup-compatibility/2006">
               <mc:Choice xmlns:v="urn:schemas-microsoft-com:vml" Requires="v">
-                <p:oleObj spid="_x0000_s235616" name="Equation" r:id="rId6" imgW="139700" imgH="215900" progId="Equation.DSMT4">
+                <p:oleObj spid="_x0000_s235629" name="Equation" r:id="rId6" imgW="139700" imgH="215900" progId="Equation.DSMT4">
                   <p:embed/>
                 </p:oleObj>
               </mc:Choice>
@@ -15413,7 +18367,7 @@
           <a:graphicData uri="http://schemas.openxmlformats.org/presentationml/2006/ole">
             <mc:AlternateContent xmlns:mc="http://schemas.openxmlformats.org/markup-compatibility/2006">
               <mc:Choice xmlns:v="urn:schemas-microsoft-com:vml" Requires="v">
-                <p:oleObj spid="_x0000_s235617" name="Equation" r:id="rId8" imgW="139700" imgH="215900" progId="Equation.DSMT4">
+                <p:oleObj spid="_x0000_s235630" name="Equation" r:id="rId8" imgW="139700" imgH="215900" progId="Equation.DSMT4">
                   <p:embed/>
                 </p:oleObj>
               </mc:Choice>

--- a/fall17/slidesF17/incexcbinom.pptx
+++ b/fall17/slidesF17/incexcbinom.pptx
@@ -1052,77 +1052,70 @@
       </p:grpSpPr>
       <p:sp>
         <p:nvSpPr>
-          <p:cNvPr id="60418" name="Rectangle 7"/>
+          <p:cNvPr id="2" name="Slide Image Placeholder 1"/>
           <p:cNvSpPr>
-            <a:spLocks noGrp="1" noChangeArrowheads="1"/>
+            <a:spLocks noGrp="1" noRot="1" noChangeAspect="1"/>
           </p:cNvSpPr>
           <p:nvPr>
-            <p:ph type="sldNum" sz="quarter" idx="5"/>
+            <p:ph type="sldImg"/>
           </p:nvPr>
         </p:nvSpPr>
-        <p:spPr>
-          <a:noFill/>
-        </p:spPr>
+        <p:spPr/>
+      </p:sp>
+      <p:sp>
+        <p:nvSpPr>
+          <p:cNvPr id="3" name="Notes Placeholder 2"/>
+          <p:cNvSpPr>
+            <a:spLocks noGrp="1"/>
+          </p:cNvSpPr>
+          <p:nvPr>
+            <p:ph type="body" idx="1"/>
+          </p:nvPr>
+        </p:nvSpPr>
+        <p:spPr/>
         <p:txBody>
           <a:bodyPr/>
           <a:lstStyle/>
           <a:p>
-            <a:fld id="{38AFA472-19A2-4BBD-B046-EAF111414CE2}" type="slidenum">
-              <a:rPr lang="en-US" smtClean="0"/>
-              <a:pPr/>
-              <a:t>13</a:t>
-            </a:fld>
-            <a:endParaRPr lang="en-US" smtClean="0"/>
+            <a:endParaRPr lang="en-US"/>
           </a:p>
         </p:txBody>
       </p:sp>
       <p:sp>
         <p:nvSpPr>
-          <p:cNvPr id="60419" name="Rectangle 2"/>
+          <p:cNvPr id="4" name="Slide Number Placeholder 3"/>
           <p:cNvSpPr>
-            <a:spLocks noGrp="1" noRot="1" noChangeAspect="1" noChangeArrowheads="1" noTextEdit="1"/>
+            <a:spLocks noGrp="1"/>
           </p:cNvSpPr>
           <p:nvPr>
-            <p:ph type="sldImg"/>
+            <p:ph type="sldNum" sz="quarter" idx="10"/>
           </p:nvPr>
         </p:nvSpPr>
-        <p:spPr>
-          <a:solidFill>
-            <a:srgbClr val="FFFFFF"/>
-          </a:solidFill>
-          <a:ln/>
-        </p:spPr>
-      </p:sp>
-      <p:sp>
-        <p:nvSpPr>
-          <p:cNvPr id="60420" name="Rectangle 3"/>
-          <p:cNvSpPr>
-            <a:spLocks noGrp="1" noChangeArrowheads="1"/>
-          </p:cNvSpPr>
-          <p:nvPr>
-            <p:ph type="body" idx="1"/>
-          </p:nvPr>
-        </p:nvSpPr>
-        <p:spPr>
-          <a:solidFill>
-            <a:srgbClr val="FFFFFF"/>
-          </a:solidFill>
-          <a:ln>
-            <a:solidFill>
-              <a:srgbClr val="000000"/>
-            </a:solidFill>
-          </a:ln>
-        </p:spPr>
+        <p:spPr/>
         <p:txBody>
           <a:bodyPr/>
           <a:lstStyle/>
           <a:p>
-            <a:pPr eaLnBrk="1" hangingPunct="1"/>
-            <a:endParaRPr lang="en-US" smtClean="0"/>
+            <a:pPr>
+              <a:defRPr/>
+            </a:pPr>
+            <a:fld id="{325DAB6F-2DE9-4287-AA6E-5530B3F58B2D}" type="slidenum">
+              <a:rPr lang="en-US" smtClean="0"/>
+              <a:pPr>
+                <a:defRPr/>
+              </a:pPr>
+              <a:t>11</a:t>
+            </a:fld>
+            <a:endParaRPr lang="en-US"/>
           </a:p>
         </p:txBody>
       </p:sp>
     </p:spTree>
+    <p:extLst>
+      <p:ext uri="{BB962C8B-B14F-4D97-AF65-F5344CB8AC3E}">
+        <p14:creationId xmlns:p14="http://schemas.microsoft.com/office/powerpoint/2010/main" val="3621329249"/>
+      </p:ext>
+    </p:extLst>
   </p:cSld>
   <p:clrMapOvr>
     <a:masterClrMapping/>
@@ -1149,77 +1142,70 @@
       </p:grpSpPr>
       <p:sp>
         <p:nvSpPr>
-          <p:cNvPr id="60418" name="Rectangle 7"/>
+          <p:cNvPr id="2" name="Slide Image Placeholder 1"/>
           <p:cNvSpPr>
-            <a:spLocks noGrp="1" noChangeArrowheads="1"/>
+            <a:spLocks noGrp="1" noRot="1" noChangeAspect="1"/>
           </p:cNvSpPr>
           <p:nvPr>
-            <p:ph type="sldNum" sz="quarter" idx="5"/>
+            <p:ph type="sldImg"/>
           </p:nvPr>
         </p:nvSpPr>
-        <p:spPr>
-          <a:noFill/>
-        </p:spPr>
+        <p:spPr/>
+      </p:sp>
+      <p:sp>
+        <p:nvSpPr>
+          <p:cNvPr id="3" name="Notes Placeholder 2"/>
+          <p:cNvSpPr>
+            <a:spLocks noGrp="1"/>
+          </p:cNvSpPr>
+          <p:nvPr>
+            <p:ph type="body" idx="1"/>
+          </p:nvPr>
+        </p:nvSpPr>
+        <p:spPr/>
         <p:txBody>
           <a:bodyPr/>
           <a:lstStyle/>
           <a:p>
-            <a:fld id="{38AFA472-19A2-4BBD-B046-EAF111414CE2}" type="slidenum">
-              <a:rPr lang="en-US" smtClean="0"/>
-              <a:pPr/>
-              <a:t>14</a:t>
-            </a:fld>
-            <a:endParaRPr lang="en-US" smtClean="0"/>
+            <a:endParaRPr lang="en-US"/>
           </a:p>
         </p:txBody>
       </p:sp>
       <p:sp>
         <p:nvSpPr>
-          <p:cNvPr id="60419" name="Rectangle 2"/>
+          <p:cNvPr id="4" name="Slide Number Placeholder 3"/>
           <p:cNvSpPr>
-            <a:spLocks noGrp="1" noRot="1" noChangeAspect="1" noChangeArrowheads="1" noTextEdit="1"/>
+            <a:spLocks noGrp="1"/>
           </p:cNvSpPr>
           <p:nvPr>
-            <p:ph type="sldImg"/>
+            <p:ph type="sldNum" sz="quarter" idx="10"/>
           </p:nvPr>
         </p:nvSpPr>
-        <p:spPr>
-          <a:solidFill>
-            <a:srgbClr val="FFFFFF"/>
-          </a:solidFill>
-          <a:ln/>
-        </p:spPr>
-      </p:sp>
-      <p:sp>
-        <p:nvSpPr>
-          <p:cNvPr id="60420" name="Rectangle 3"/>
-          <p:cNvSpPr>
-            <a:spLocks noGrp="1" noChangeArrowheads="1"/>
-          </p:cNvSpPr>
-          <p:nvPr>
-            <p:ph type="body" idx="1"/>
-          </p:nvPr>
-        </p:nvSpPr>
-        <p:spPr>
-          <a:solidFill>
-            <a:srgbClr val="FFFFFF"/>
-          </a:solidFill>
-          <a:ln>
-            <a:solidFill>
-              <a:srgbClr val="000000"/>
-            </a:solidFill>
-          </a:ln>
-        </p:spPr>
+        <p:spPr/>
         <p:txBody>
           <a:bodyPr/>
           <a:lstStyle/>
           <a:p>
-            <a:pPr eaLnBrk="1" hangingPunct="1"/>
-            <a:endParaRPr lang="en-US" smtClean="0"/>
+            <a:pPr>
+              <a:defRPr/>
+            </a:pPr>
+            <a:fld id="{325DAB6F-2DE9-4287-AA6E-5530B3F58B2D}" type="slidenum">
+              <a:rPr lang="en-US" smtClean="0"/>
+              <a:pPr>
+                <a:defRPr/>
+              </a:pPr>
+              <a:t>12</a:t>
+            </a:fld>
+            <a:endParaRPr lang="en-US"/>
           </a:p>
         </p:txBody>
       </p:sp>
     </p:spTree>
+    <p:extLst>
+      <p:ext uri="{BB962C8B-B14F-4D97-AF65-F5344CB8AC3E}">
+        <p14:creationId xmlns:p14="http://schemas.microsoft.com/office/powerpoint/2010/main" val="3638585643"/>
+      </p:ext>
+    </p:extLst>
   </p:cSld>
   <p:clrMapOvr>
     <a:masterClrMapping/>
@@ -1264,7 +1250,7 @@
             <a:fld id="{38AFA472-19A2-4BBD-B046-EAF111414CE2}" type="slidenum">
               <a:rPr lang="en-US" smtClean="0"/>
               <a:pPr/>
-              <a:t>15</a:t>
+              <a:t>13</a:t>
             </a:fld>
             <a:endParaRPr lang="en-US" smtClean="0"/>
           </a:p>
@@ -1361,7 +1347,7 @@
             <a:fld id="{38AFA472-19A2-4BBD-B046-EAF111414CE2}" type="slidenum">
               <a:rPr lang="en-US" smtClean="0"/>
               <a:pPr/>
-              <a:t>16</a:t>
+              <a:t>14</a:t>
             </a:fld>
             <a:endParaRPr lang="en-US" smtClean="0"/>
           </a:p>
@@ -1458,7 +1444,7 @@
             <a:fld id="{38AFA472-19A2-4BBD-B046-EAF111414CE2}" type="slidenum">
               <a:rPr lang="en-US" smtClean="0"/>
               <a:pPr/>
-              <a:t>17</a:t>
+              <a:t>15</a:t>
             </a:fld>
             <a:endParaRPr lang="en-US" smtClean="0"/>
           </a:p>
@@ -1555,7 +1541,7 @@
             <a:fld id="{38AFA472-19A2-4BBD-B046-EAF111414CE2}" type="slidenum">
               <a:rPr lang="en-US" smtClean="0"/>
               <a:pPr/>
-              <a:t>18</a:t>
+              <a:t>16</a:t>
             </a:fld>
             <a:endParaRPr lang="en-US" smtClean="0"/>
           </a:p>
@@ -1652,7 +1638,7 @@
             <a:fld id="{38AFA472-19A2-4BBD-B046-EAF111414CE2}" type="slidenum">
               <a:rPr lang="en-US" smtClean="0"/>
               <a:pPr/>
-              <a:t>19</a:t>
+              <a:t>17</a:t>
             </a:fld>
             <a:endParaRPr lang="en-US" smtClean="0"/>
           </a:p>
@@ -1749,7 +1735,7 @@
             <a:fld id="{38AFA472-19A2-4BBD-B046-EAF111414CE2}" type="slidenum">
               <a:rPr lang="en-US" smtClean="0"/>
               <a:pPr/>
-              <a:t>20</a:t>
+              <a:t>18</a:t>
             </a:fld>
             <a:endParaRPr lang="en-US" smtClean="0"/>
           </a:p>
@@ -1828,7 +1814,7 @@
       </p:grpSpPr>
       <p:sp>
         <p:nvSpPr>
-          <p:cNvPr id="61442" name="Rectangle 7"/>
+          <p:cNvPr id="60418" name="Rectangle 7"/>
           <p:cNvSpPr>
             <a:spLocks noGrp="1" noChangeArrowheads="1"/>
           </p:cNvSpPr>
@@ -1843,10 +1829,10 @@
           <a:bodyPr/>
           <a:lstStyle/>
           <a:p>
-            <a:fld id="{FB67ED51-D6E5-49E3-B2E6-337A7D163646}" type="slidenum">
+            <a:fld id="{38AFA472-19A2-4BBD-B046-EAF111414CE2}" type="slidenum">
               <a:rPr lang="en-US" smtClean="0"/>
               <a:pPr/>
-              <a:t>21</a:t>
+              <a:t>19</a:t>
             </a:fld>
             <a:endParaRPr lang="en-US" smtClean="0"/>
           </a:p>
@@ -1854,7 +1840,7 @@
       </p:sp>
       <p:sp>
         <p:nvSpPr>
-          <p:cNvPr id="61443" name="Rectangle 2"/>
+          <p:cNvPr id="60419" name="Rectangle 2"/>
           <p:cNvSpPr>
             <a:spLocks noGrp="1" noRot="1" noChangeAspect="1" noChangeArrowheads="1" noTextEdit="1"/>
           </p:cNvSpPr>
@@ -1871,7 +1857,7 @@
       </p:sp>
       <p:sp>
         <p:nvSpPr>
-          <p:cNvPr id="61444" name="Rectangle 3"/>
+          <p:cNvPr id="60420" name="Rectangle 3"/>
           <p:cNvSpPr>
             <a:spLocks noGrp="1" noChangeArrowheads="1"/>
           </p:cNvSpPr>
@@ -2022,7 +2008,7 @@
       </p:grpSpPr>
       <p:sp>
         <p:nvSpPr>
-          <p:cNvPr id="61442" name="Rectangle 7"/>
+          <p:cNvPr id="60418" name="Rectangle 7"/>
           <p:cNvSpPr>
             <a:spLocks noGrp="1" noChangeArrowheads="1"/>
           </p:cNvSpPr>
@@ -2037,10 +2023,10 @@
           <a:bodyPr/>
           <a:lstStyle/>
           <a:p>
-            <a:fld id="{FB67ED51-D6E5-49E3-B2E6-337A7D163646}" type="slidenum">
+            <a:fld id="{38AFA472-19A2-4BBD-B046-EAF111414CE2}" type="slidenum">
               <a:rPr lang="en-US" smtClean="0"/>
               <a:pPr/>
-              <a:t>22</a:t>
+              <a:t>20</a:t>
             </a:fld>
             <a:endParaRPr lang="en-US" smtClean="0"/>
           </a:p>
@@ -2048,7 +2034,7 @@
       </p:sp>
       <p:sp>
         <p:nvSpPr>
-          <p:cNvPr id="61443" name="Rectangle 2"/>
+          <p:cNvPr id="60419" name="Rectangle 2"/>
           <p:cNvSpPr>
             <a:spLocks noGrp="1" noRot="1" noChangeAspect="1" noChangeArrowheads="1" noTextEdit="1"/>
           </p:cNvSpPr>
@@ -2065,7 +2051,7 @@
       </p:sp>
       <p:sp>
         <p:nvSpPr>
-          <p:cNvPr id="61444" name="Rectangle 3"/>
+          <p:cNvPr id="60420" name="Rectangle 3"/>
           <p:cNvSpPr>
             <a:spLocks noGrp="1" noChangeArrowheads="1"/>
           </p:cNvSpPr>
@@ -2137,7 +2123,7 @@
             <a:fld id="{FB67ED51-D6E5-49E3-B2E6-337A7D163646}" type="slidenum">
               <a:rPr lang="en-US" smtClean="0"/>
               <a:pPr/>
-              <a:t>23</a:t>
+              <a:t>21</a:t>
             </a:fld>
             <a:endParaRPr lang="en-US" smtClean="0"/>
           </a:p>
@@ -2234,7 +2220,7 @@
             <a:fld id="{FB67ED51-D6E5-49E3-B2E6-337A7D163646}" type="slidenum">
               <a:rPr lang="en-US" smtClean="0"/>
               <a:pPr/>
-              <a:t>24</a:t>
+              <a:t>22</a:t>
             </a:fld>
             <a:endParaRPr lang="en-US" smtClean="0"/>
           </a:p>
@@ -2331,7 +2317,7 @@
             <a:fld id="{FB67ED51-D6E5-49E3-B2E6-337A7D163646}" type="slidenum">
               <a:rPr lang="en-US" smtClean="0"/>
               <a:pPr/>
-              <a:t>25</a:t>
+              <a:t>23</a:t>
             </a:fld>
             <a:endParaRPr lang="en-US" smtClean="0"/>
           </a:p>
@@ -2428,7 +2414,7 @@
             <a:fld id="{FB67ED51-D6E5-49E3-B2E6-337A7D163646}" type="slidenum">
               <a:rPr lang="en-US" smtClean="0"/>
               <a:pPr/>
-              <a:t>26</a:t>
+              <a:t>24</a:t>
             </a:fld>
             <a:endParaRPr lang="en-US" smtClean="0"/>
           </a:p>
@@ -2489,6 +2475,200 @@
 </file>
 
 <file path=ppt/notesSlides/notesSlide25.xml><?xml version="1.0" encoding="utf-8"?>
+<p:notes xmlns:a="http://schemas.openxmlformats.org/drawingml/2006/main" xmlns:r="http://schemas.openxmlformats.org/officeDocument/2006/relationships" xmlns:p="http://schemas.openxmlformats.org/presentationml/2006/main">
+  <p:cSld>
+    <p:spTree>
+      <p:nvGrpSpPr>
+        <p:cNvPr id="1" name=""/>
+        <p:cNvGrpSpPr/>
+        <p:nvPr/>
+      </p:nvGrpSpPr>
+      <p:grpSpPr>
+        <a:xfrm>
+          <a:off x="0" y="0"/>
+          <a:ext cx="0" cy="0"/>
+          <a:chOff x="0" y="0"/>
+          <a:chExt cx="0" cy="0"/>
+        </a:xfrm>
+      </p:grpSpPr>
+      <p:sp>
+        <p:nvSpPr>
+          <p:cNvPr id="61442" name="Rectangle 7"/>
+          <p:cNvSpPr>
+            <a:spLocks noGrp="1" noChangeArrowheads="1"/>
+          </p:cNvSpPr>
+          <p:nvPr>
+            <p:ph type="sldNum" sz="quarter" idx="5"/>
+          </p:nvPr>
+        </p:nvSpPr>
+        <p:spPr>
+          <a:noFill/>
+        </p:spPr>
+        <p:txBody>
+          <a:bodyPr/>
+          <a:lstStyle/>
+          <a:p>
+            <a:fld id="{FB67ED51-D6E5-49E3-B2E6-337A7D163646}" type="slidenum">
+              <a:rPr lang="en-US" smtClean="0"/>
+              <a:pPr/>
+              <a:t>25</a:t>
+            </a:fld>
+            <a:endParaRPr lang="en-US" smtClean="0"/>
+          </a:p>
+        </p:txBody>
+      </p:sp>
+      <p:sp>
+        <p:nvSpPr>
+          <p:cNvPr id="61443" name="Rectangle 2"/>
+          <p:cNvSpPr>
+            <a:spLocks noGrp="1" noRot="1" noChangeAspect="1" noChangeArrowheads="1" noTextEdit="1"/>
+          </p:cNvSpPr>
+          <p:nvPr>
+            <p:ph type="sldImg"/>
+          </p:nvPr>
+        </p:nvSpPr>
+        <p:spPr>
+          <a:solidFill>
+            <a:srgbClr val="FFFFFF"/>
+          </a:solidFill>
+          <a:ln/>
+        </p:spPr>
+      </p:sp>
+      <p:sp>
+        <p:nvSpPr>
+          <p:cNvPr id="61444" name="Rectangle 3"/>
+          <p:cNvSpPr>
+            <a:spLocks noGrp="1" noChangeArrowheads="1"/>
+          </p:cNvSpPr>
+          <p:nvPr>
+            <p:ph type="body" idx="1"/>
+          </p:nvPr>
+        </p:nvSpPr>
+        <p:spPr>
+          <a:solidFill>
+            <a:srgbClr val="FFFFFF"/>
+          </a:solidFill>
+          <a:ln>
+            <a:solidFill>
+              <a:srgbClr val="000000"/>
+            </a:solidFill>
+          </a:ln>
+        </p:spPr>
+        <p:txBody>
+          <a:bodyPr/>
+          <a:lstStyle/>
+          <a:p>
+            <a:pPr eaLnBrk="1" hangingPunct="1"/>
+            <a:endParaRPr lang="en-US" smtClean="0"/>
+          </a:p>
+        </p:txBody>
+      </p:sp>
+    </p:spTree>
+  </p:cSld>
+  <p:clrMapOvr>
+    <a:masterClrMapping/>
+  </p:clrMapOvr>
+</p:notes>
+</file>
+
+<file path=ppt/notesSlides/notesSlide26.xml><?xml version="1.0" encoding="utf-8"?>
+<p:notes xmlns:a="http://schemas.openxmlformats.org/drawingml/2006/main" xmlns:r="http://schemas.openxmlformats.org/officeDocument/2006/relationships" xmlns:p="http://schemas.openxmlformats.org/presentationml/2006/main">
+  <p:cSld>
+    <p:spTree>
+      <p:nvGrpSpPr>
+        <p:cNvPr id="1" name=""/>
+        <p:cNvGrpSpPr/>
+        <p:nvPr/>
+      </p:nvGrpSpPr>
+      <p:grpSpPr>
+        <a:xfrm>
+          <a:off x="0" y="0"/>
+          <a:ext cx="0" cy="0"/>
+          <a:chOff x="0" y="0"/>
+          <a:chExt cx="0" cy="0"/>
+        </a:xfrm>
+      </p:grpSpPr>
+      <p:sp>
+        <p:nvSpPr>
+          <p:cNvPr id="61442" name="Rectangle 7"/>
+          <p:cNvSpPr>
+            <a:spLocks noGrp="1" noChangeArrowheads="1"/>
+          </p:cNvSpPr>
+          <p:nvPr>
+            <p:ph type="sldNum" sz="quarter" idx="5"/>
+          </p:nvPr>
+        </p:nvSpPr>
+        <p:spPr>
+          <a:noFill/>
+        </p:spPr>
+        <p:txBody>
+          <a:bodyPr/>
+          <a:lstStyle/>
+          <a:p>
+            <a:fld id="{FB67ED51-D6E5-49E3-B2E6-337A7D163646}" type="slidenum">
+              <a:rPr lang="en-US" smtClean="0"/>
+              <a:pPr/>
+              <a:t>26</a:t>
+            </a:fld>
+            <a:endParaRPr lang="en-US" smtClean="0"/>
+          </a:p>
+        </p:txBody>
+      </p:sp>
+      <p:sp>
+        <p:nvSpPr>
+          <p:cNvPr id="61443" name="Rectangle 2"/>
+          <p:cNvSpPr>
+            <a:spLocks noGrp="1" noRot="1" noChangeAspect="1" noChangeArrowheads="1" noTextEdit="1"/>
+          </p:cNvSpPr>
+          <p:nvPr>
+            <p:ph type="sldImg"/>
+          </p:nvPr>
+        </p:nvSpPr>
+        <p:spPr>
+          <a:solidFill>
+            <a:srgbClr val="FFFFFF"/>
+          </a:solidFill>
+          <a:ln/>
+        </p:spPr>
+      </p:sp>
+      <p:sp>
+        <p:nvSpPr>
+          <p:cNvPr id="61444" name="Rectangle 3"/>
+          <p:cNvSpPr>
+            <a:spLocks noGrp="1" noChangeArrowheads="1"/>
+          </p:cNvSpPr>
+          <p:nvPr>
+            <p:ph type="body" idx="1"/>
+          </p:nvPr>
+        </p:nvSpPr>
+        <p:spPr>
+          <a:solidFill>
+            <a:srgbClr val="FFFFFF"/>
+          </a:solidFill>
+          <a:ln>
+            <a:solidFill>
+              <a:srgbClr val="000000"/>
+            </a:solidFill>
+          </a:ln>
+        </p:spPr>
+        <p:txBody>
+          <a:bodyPr/>
+          <a:lstStyle/>
+          <a:p>
+            <a:pPr eaLnBrk="1" hangingPunct="1"/>
+            <a:endParaRPr lang="en-US" smtClean="0"/>
+          </a:p>
+        </p:txBody>
+      </p:sp>
+    </p:spTree>
+  </p:cSld>
+  <p:clrMapOvr>
+    <a:masterClrMapping/>
+  </p:clrMapOvr>
+</p:notes>
+</file>
+
+<file path=ppt/notesSlides/notesSlide27.xml><?xml version="1.0" encoding="utf-8"?>
 <p:notes xmlns:a="http://schemas.openxmlformats.org/drawingml/2006/main" xmlns:r="http://schemas.openxmlformats.org/officeDocument/2006/relationships" xmlns:p="http://schemas.openxmlformats.org/presentationml/2006/main">
   <p:cSld>
     <p:spTree>
@@ -4737,7 +4917,7 @@
           <a:graphicData uri="http://schemas.openxmlformats.org/presentationml/2006/ole">
             <mc:AlternateContent xmlns:mc="http://schemas.openxmlformats.org/markup-compatibility/2006">
               <mc:Choice xmlns:v="urn:schemas-microsoft-com:vml" Requires="v">
-                <p:oleObj spid="_x0000_s285755" name="Equation" r:id="rId4" imgW="1384300" imgH="482600" progId="Equation.DSMT4">
+                <p:oleObj spid="_x0000_s285768" name="Equation" r:id="rId4" imgW="1384300" imgH="482600" progId="Equation.DSMT4">
                   <p:embed/>
                 </p:oleObj>
               </mc:Choice>
@@ -4799,7 +4979,7 @@
           <a:graphicData uri="http://schemas.openxmlformats.org/presentationml/2006/ole">
             <mc:AlternateContent xmlns:mc="http://schemas.openxmlformats.org/markup-compatibility/2006">
               <mc:Choice xmlns:v="urn:schemas-microsoft-com:vml" Requires="v">
-                <p:oleObj spid="_x0000_s285756" name="Equation" r:id="rId6" imgW="1295400" imgH="596900" progId="Equation.DSMT4">
+                <p:oleObj spid="_x0000_s285769" name="Equation" r:id="rId6" imgW="1295400" imgH="596900" progId="Equation.DSMT4">
                   <p:embed/>
                 </p:oleObj>
               </mc:Choice>
@@ -5004,7 +5184,7 @@
           <a:graphicData uri="http://schemas.openxmlformats.org/presentationml/2006/ole">
             <mc:AlternateContent xmlns:mc="http://schemas.openxmlformats.org/markup-compatibility/2006">
               <mc:Choice xmlns:v="urn:schemas-microsoft-com:vml" Requires="v">
-                <p:oleObj spid="_x0000_s285757" name="Equation" r:id="rId8" imgW="139700" imgH="215900" progId="Equation.DSMT4">
+                <p:oleObj spid="_x0000_s285770" name="Equation" r:id="rId8" imgW="139700" imgH="215900" progId="Equation.DSMT4">
                   <p:embed/>
                 </p:oleObj>
               </mc:Choice>
@@ -5061,7 +5241,7 @@
           <a:graphicData uri="http://schemas.openxmlformats.org/presentationml/2006/ole">
             <mc:AlternateContent xmlns:mc="http://schemas.openxmlformats.org/markup-compatibility/2006">
               <mc:Choice xmlns:v="urn:schemas-microsoft-com:vml" Requires="v">
-                <p:oleObj spid="_x0000_s285758" name="Equation" r:id="rId10" imgW="139700" imgH="215900" progId="Equation.DSMT4">
+                <p:oleObj spid="_x0000_s285771" name="Equation" r:id="rId10" imgW="139700" imgH="215900" progId="Equation.DSMT4">
                   <p:embed/>
                 </p:oleObj>
               </mc:Choice>
@@ -5717,12 +5897,12 @@
           <a:graphicData uri="http://schemas.openxmlformats.org/presentationml/2006/ole">
             <mc:AlternateContent xmlns:mc="http://schemas.openxmlformats.org/markup-compatibility/2006">
               <mc:Choice xmlns:v="urn:schemas-microsoft-com:vml" Requires="v">
-                <p:oleObj spid="_x0000_s234569" name="Equation" r:id="rId3" imgW="1816100" imgH="381000" progId="Equation.DSMT4">
+                <p:oleObj spid="_x0000_s234578" name="Equation" r:id="rId4" imgW="1816100" imgH="381000" progId="Equation.DSMT4">
                   <p:embed/>
                 </p:oleObj>
               </mc:Choice>
               <mc:Fallback>
-                <p:oleObj name="Equation" r:id="rId3" imgW="1816100" imgH="381000" progId="Equation.DSMT4">
+                <p:oleObj name="Equation" r:id="rId4" imgW="1816100" imgH="381000" progId="Equation.DSMT4">
                   <p:embed/>
                   <p:pic>
                     <p:nvPicPr>
@@ -5731,7 +5911,7 @@
                       <p:nvPr/>
                     </p:nvPicPr>
                     <p:blipFill>
-                      <a:blip r:embed="rId4"/>
+                      <a:blip r:embed="rId5"/>
                       <a:stretch>
                         <a:fillRect/>
                       </a:stretch>
@@ -5774,12 +5954,12 @@
           <a:graphicData uri="http://schemas.openxmlformats.org/presentationml/2006/ole">
             <mc:AlternateContent xmlns:mc="http://schemas.openxmlformats.org/markup-compatibility/2006">
               <mc:Choice xmlns:v="urn:schemas-microsoft-com:vml" Requires="v">
-                <p:oleObj spid="_x0000_s234570" name="Equation" r:id="rId5" imgW="406400" imgH="292100" progId="Equation.DSMT4">
+                <p:oleObj spid="_x0000_s234579" name="Equation" r:id="rId6" imgW="406400" imgH="292100" progId="Equation.DSMT4">
                   <p:embed/>
                 </p:oleObj>
               </mc:Choice>
               <mc:Fallback>
-                <p:oleObj name="Equation" r:id="rId5" imgW="406400" imgH="292100" progId="Equation.DSMT4">
+                <p:oleObj name="Equation" r:id="rId6" imgW="406400" imgH="292100" progId="Equation.DSMT4">
                   <p:embed/>
                   <p:pic>
                     <p:nvPicPr>
@@ -5788,7 +5968,7 @@
                       <p:nvPr/>
                     </p:nvPicPr>
                     <p:blipFill>
-                      <a:blip r:embed="rId6"/>
+                      <a:blip r:embed="rId7"/>
                       <a:stretch>
                         <a:fillRect/>
                       </a:stretch>
@@ -6526,12 +6706,12 @@
           <a:graphicData uri="http://schemas.openxmlformats.org/presentationml/2006/ole">
             <mc:AlternateContent xmlns:mc="http://schemas.openxmlformats.org/markup-compatibility/2006">
               <mc:Choice xmlns:v="urn:schemas-microsoft-com:vml" Requires="v">
-                <p:oleObj spid="_x0000_s268312" name="Equation" r:id="rId3" imgW="1638300" imgH="558800" progId="Equation.DSMT4">
+                <p:oleObj spid="_x0000_s268317" name="Equation" r:id="rId4" imgW="1638300" imgH="558800" progId="Equation.DSMT4">
                   <p:embed/>
                 </p:oleObj>
               </mc:Choice>
               <mc:Fallback>
-                <p:oleObj name="Equation" r:id="rId3" imgW="1638300" imgH="558800" progId="Equation.DSMT4">
+                <p:oleObj name="Equation" r:id="rId4" imgW="1638300" imgH="558800" progId="Equation.DSMT4">
                   <p:embed/>
                   <p:pic>
                     <p:nvPicPr>
@@ -6540,7 +6720,7 @@
                       <p:nvPr/>
                     </p:nvPicPr>
                     <p:blipFill>
-                      <a:blip r:embed="rId4"/>
+                      <a:blip r:embed="rId5"/>
                       <a:stretch>
                         <a:fillRect/>
                       </a:stretch>
@@ -6571,13 +6751,13 @@
   <p:clrMapOvr>
     <a:masterClrMapping/>
   </p:clrMapOvr>
-  <mc:AlternateContent xmlns:mc="http://schemas.openxmlformats.org/markup-compatibility/2006">
-    <mc:Choice xmlns:p14="http://schemas.microsoft.com/office/powerpoint/2010/main" Requires="p14">
+  <mc:AlternateContent xmlns:mc="http://schemas.openxmlformats.org/markup-compatibility/2006" xmlns:p14="http://schemas.microsoft.com/office/powerpoint/2010/main">
+    <mc:Choice Requires="p14">
       <p:transition p14:dur="400" advClick="0">
         <p:fade thruBlk="1"/>
       </p:transition>
     </mc:Choice>
-    <mc:Fallback>
+    <mc:Fallback xmlns="">
       <p:transition xmlns:p14="http://schemas.microsoft.com/office/powerpoint/2010/main" advClick="0">
         <p:fade thruBlk="1"/>
       </p:transition>
@@ -6670,7 +6850,7 @@
 </file>
 
 <file path=ppt/slides/slide13.xml><?xml version="1.0" encoding="utf-8"?>
-<p:sld xmlns:a="http://schemas.openxmlformats.org/drawingml/2006/main" xmlns:r="http://schemas.openxmlformats.org/officeDocument/2006/relationships" xmlns:p="http://schemas.openxmlformats.org/presentationml/2006/main">
+<p:sld xmlns:a="http://schemas.openxmlformats.org/drawingml/2006/main" xmlns:r="http://schemas.openxmlformats.org/officeDocument/2006/relationships" xmlns:p="http://schemas.openxmlformats.org/presentationml/2006/main" show="0">
   <p:cSld>
     <p:spTree>
       <p:nvGrpSpPr>
@@ -6793,7 +6973,7 @@
           <a:graphicData uri="http://schemas.openxmlformats.org/presentationml/2006/ole">
             <mc:AlternateContent xmlns:mc="http://schemas.openxmlformats.org/markup-compatibility/2006">
               <mc:Choice xmlns:v="urn:schemas-microsoft-com:vml" Requires="v">
-                <p:oleObj spid="_x0000_s263252" name="Equation" r:id="rId4" imgW="139700" imgH="215900" progId="Equation.DSMT4">
+                <p:oleObj spid="_x0000_s263262" name="Equation" r:id="rId4" imgW="139700" imgH="215900" progId="Equation.DSMT4">
                   <p:embed/>
                 </p:oleObj>
               </mc:Choice>
@@ -6850,7 +7030,7 @@
           <a:graphicData uri="http://schemas.openxmlformats.org/presentationml/2006/ole">
             <mc:AlternateContent xmlns:mc="http://schemas.openxmlformats.org/markup-compatibility/2006">
               <mc:Choice xmlns:v="urn:schemas-microsoft-com:vml" Requires="v">
-                <p:oleObj spid="_x0000_s263253" name="Equation" r:id="rId6" imgW="139700" imgH="215900" progId="Equation.DSMT4">
+                <p:oleObj spid="_x0000_s263263" name="Equation" r:id="rId6" imgW="139700" imgH="215900" progId="Equation.DSMT4">
                   <p:embed/>
                 </p:oleObj>
               </mc:Choice>
@@ -6907,7 +7087,7 @@
           <a:graphicData uri="http://schemas.openxmlformats.org/presentationml/2006/ole">
             <mc:AlternateContent xmlns:mc="http://schemas.openxmlformats.org/markup-compatibility/2006">
               <mc:Choice xmlns:v="urn:schemas-microsoft-com:vml" Requires="v">
-                <p:oleObj spid="_x0000_s263254" name="Equation" r:id="rId7" imgW="393700" imgH="304800" progId="Equation.DSMT4">
+                <p:oleObj spid="_x0000_s263264" name="Equation" r:id="rId7" imgW="393700" imgH="304800" progId="Equation.DSMT4">
                   <p:embed/>
                 </p:oleObj>
               </mc:Choice>
@@ -6952,9 +7132,18 @@
   <p:clrMapOvr>
     <a:masterClrMapping/>
   </p:clrMapOvr>
-  <p:transition xmlns:p14="http://schemas.microsoft.com/office/powerpoint/2010/main" spd="slow" advClick="0" advTm="1000">
-    <p:fade/>
-  </p:transition>
+  <mc:AlternateContent xmlns:mc="http://schemas.openxmlformats.org/markup-compatibility/2006">
+    <mc:Choice xmlns:p14="http://schemas.microsoft.com/office/powerpoint/2010/main" Requires="p14">
+      <p:transition spd="slow" p14:dur="800" advClick="0" advTm="500">
+        <p:fade/>
+      </p:transition>
+    </mc:Choice>
+    <mc:Fallback>
+      <p:transition xmlns:p14="http://schemas.microsoft.com/office/powerpoint/2010/main" spd="slow" advClick="0" advTm="500">
+        <p:fade/>
+      </p:transition>
+    </mc:Fallback>
+  </mc:AlternateContent>
   <p:timing>
     <p:tnLst>
       <p:par>
@@ -7089,7 +7278,7 @@
           <a:graphicData uri="http://schemas.openxmlformats.org/presentationml/2006/ole">
             <mc:AlternateContent xmlns:mc="http://schemas.openxmlformats.org/markup-compatibility/2006">
               <mc:Choice xmlns:v="urn:schemas-microsoft-com:vml" Requires="v">
-                <p:oleObj spid="_x0000_s277571" name="Equation" r:id="rId4" imgW="1092200" imgH="419100" progId="Equation.DSMT4">
+                <p:oleObj spid="_x0000_s277586" name="Equation" r:id="rId4" imgW="1092200" imgH="419100" progId="Equation.DSMT4">
                   <p:embed/>
                 </p:oleObj>
               </mc:Choice>
@@ -7151,7 +7340,7 @@
           <a:graphicData uri="http://schemas.openxmlformats.org/presentationml/2006/ole">
             <mc:AlternateContent xmlns:mc="http://schemas.openxmlformats.org/markup-compatibility/2006">
               <mc:Choice xmlns:v="urn:schemas-microsoft-com:vml" Requires="v">
-                <p:oleObj spid="_x0000_s277572" name="Equation" r:id="rId6" imgW="139700" imgH="215900" progId="Equation.DSMT4">
+                <p:oleObj spid="_x0000_s277587" name="Equation" r:id="rId6" imgW="139700" imgH="215900" progId="Equation.DSMT4">
                   <p:embed/>
                 </p:oleObj>
               </mc:Choice>
@@ -7208,7 +7397,7 @@
           <a:graphicData uri="http://schemas.openxmlformats.org/presentationml/2006/ole">
             <mc:AlternateContent xmlns:mc="http://schemas.openxmlformats.org/markup-compatibility/2006">
               <mc:Choice xmlns:v="urn:schemas-microsoft-com:vml" Requires="v">
-                <p:oleObj spid="_x0000_s277573" name="Equation" r:id="rId8" imgW="139700" imgH="215900" progId="Equation.DSMT4">
+                <p:oleObj spid="_x0000_s277588" name="Equation" r:id="rId8" imgW="139700" imgH="215900" progId="Equation.DSMT4">
                   <p:embed/>
                 </p:oleObj>
               </mc:Choice>
@@ -7265,7 +7454,7 @@
           <a:graphicData uri="http://schemas.openxmlformats.org/presentationml/2006/ole">
             <mc:AlternateContent xmlns:mc="http://schemas.openxmlformats.org/markup-compatibility/2006">
               <mc:Choice xmlns:v="urn:schemas-microsoft-com:vml" Requires="v">
-                <p:oleObj spid="_x0000_s277574" name="Equation" r:id="rId9" imgW="1054100" imgH="393700" progId="Equation.DSMT4">
+                <p:oleObj spid="_x0000_s277589" name="Equation" r:id="rId9" imgW="1054100" imgH="393700" progId="Equation.DSMT4">
                   <p:embed/>
                 </p:oleObj>
               </mc:Choice>
@@ -7288,6 +7477,63 @@
                       <a:xfrm>
                         <a:off x="1443703" y="3683000"/>
                         <a:ext cx="6256594" cy="2336800"/>
+                      </a:xfrm>
+                      <a:prstGeom prst="rect">
+                        <a:avLst/>
+                      </a:prstGeom>
+                    </p:spPr>
+                  </p:pic>
+                </p:oleObj>
+              </mc:Fallback>
+            </mc:AlternateContent>
+          </a:graphicData>
+        </a:graphic>
+      </p:graphicFrame>
+      <p:graphicFrame>
+        <p:nvGraphicFramePr>
+          <p:cNvPr id="9" name="Object 8"/>
+          <p:cNvGraphicFramePr>
+            <a:graphicFrameLocks noChangeAspect="1"/>
+          </p:cNvGraphicFramePr>
+          <p:nvPr>
+            <p:extLst>
+              <p:ext uri="{D42A27DB-BD31-4B8C-83A1-F6EECF244321}">
+                <p14:modId xmlns:p14="http://schemas.microsoft.com/office/powerpoint/2010/main" val="48785811"/>
+              </p:ext>
+            </p:extLst>
+          </p:nvPr>
+        </p:nvGraphicFramePr>
+        <p:xfrm>
+          <a:off x="1752600" y="2362200"/>
+          <a:ext cx="5181600" cy="1981200"/>
+        </p:xfrm>
+        <a:graphic>
+          <a:graphicData uri="http://schemas.openxmlformats.org/presentationml/2006/ole">
+            <mc:AlternateContent xmlns:mc="http://schemas.openxmlformats.org/markup-compatibility/2006">
+              <mc:Choice xmlns:v="urn:schemas-microsoft-com:vml" Requires="v">
+                <p:oleObj spid="_x0000_s277590" name="Equation" r:id="rId11" imgW="1295400" imgH="495300" progId="Equation.DSMT4">
+                  <p:embed/>
+                </p:oleObj>
+              </mc:Choice>
+              <mc:Fallback>
+                <p:oleObj name="Equation" r:id="rId11" imgW="1295400" imgH="495300" progId="Equation.DSMT4">
+                  <p:embed/>
+                  <p:pic>
+                    <p:nvPicPr>
+                      <p:cNvPr id="0" name=""/>
+                      <p:cNvPicPr/>
+                      <p:nvPr/>
+                    </p:nvPicPr>
+                    <p:blipFill>
+                      <a:blip r:embed="rId12"/>
+                      <a:stretch>
+                        <a:fillRect/>
+                      </a:stretch>
+                    </p:blipFill>
+                    <p:spPr>
+                      <a:xfrm>
+                        <a:off x="1752600" y="2362200"/>
+                        <a:ext cx="5181600" cy="1981200"/>
                       </a:xfrm>
                       <a:prstGeom prst="rect">
                         <a:avLst/>
@@ -7334,14 +7580,49 @@
                             </p:stCondLst>
                             <p:childTnLst>
                               <p:par>
-                                <p:cTn id="5" presetID="22" presetClass="entr" presetSubtype="8" fill="hold" nodeType="clickEffect">
+                                <p:cTn id="5" presetID="10" presetClass="exit" presetSubtype="0" fill="hold" nodeType="clickEffect">
+                                  <p:stCondLst>
+                                    <p:cond delay="0"/>
+                                  </p:stCondLst>
+                                  <p:childTnLst>
+                                    <p:animEffect transition="out" filter="fade">
+                                      <p:cBhvr>
+                                        <p:cTn id="6" dur="500"/>
+                                        <p:tgtEl>
+                                          <p:spTgt spid="9"/>
+                                        </p:tgtEl>
+                                      </p:cBhvr>
+                                    </p:animEffect>
+                                    <p:set>
+                                      <p:cBhvr>
+                                        <p:cTn id="7" dur="1" fill="hold">
+                                          <p:stCondLst>
+                                            <p:cond delay="499"/>
+                                          </p:stCondLst>
+                                        </p:cTn>
+                                        <p:tgtEl>
+                                          <p:spTgt spid="9"/>
+                                        </p:tgtEl>
+                                        <p:attrNameLst>
+                                          <p:attrName>style.visibility</p:attrName>
+                                        </p:attrNameLst>
+                                      </p:cBhvr>
+                                      <p:to>
+                                        <p:strVal val="hidden"/>
+                                      </p:to>
+                                    </p:set>
+                                  </p:childTnLst>
+                                </p:cTn>
+                              </p:par>
+                              <p:par>
+                                <p:cTn id="8" presetID="22" presetClass="entr" presetSubtype="8" fill="hold" nodeType="withEffect">
                                   <p:stCondLst>
                                     <p:cond delay="0"/>
                                   </p:stCondLst>
                                   <p:childTnLst>
                                     <p:set>
                                       <p:cBhvr>
-                                        <p:cTn id="6" dur="1" fill="hold">
+                                        <p:cTn id="9" dur="1" fill="hold">
                                           <p:stCondLst>
                                             <p:cond delay="0"/>
                                           </p:stCondLst>
@@ -7359,7 +7640,7 @@
                                     </p:set>
                                     <p:animEffect transition="in" filter="wipe(left)">
                                       <p:cBhvr>
-                                        <p:cTn id="7" dur="1000"/>
+                                        <p:cTn id="10" dur="1000"/>
                                         <p:tgtEl>
                                           <p:spTgt spid="6"/>
                                         </p:tgtEl>
@@ -7523,7 +7804,7 @@
           <a:graphicData uri="http://schemas.openxmlformats.org/presentationml/2006/ole">
             <mc:AlternateContent xmlns:mc="http://schemas.openxmlformats.org/markup-compatibility/2006">
               <mc:Choice xmlns:v="urn:schemas-microsoft-com:vml" Requires="v">
-                <p:oleObj spid="_x0000_s269387" name="Equation" r:id="rId4" imgW="1460500" imgH="482600" progId="Equation.DSMT4">
+                <p:oleObj spid="_x0000_s269400" name="Equation" r:id="rId4" imgW="1460500" imgH="482600" progId="Equation.DSMT4">
                   <p:embed/>
                 </p:oleObj>
               </mc:Choice>
@@ -7585,7 +7866,7 @@
           <a:graphicData uri="http://schemas.openxmlformats.org/presentationml/2006/ole">
             <mc:AlternateContent xmlns:mc="http://schemas.openxmlformats.org/markup-compatibility/2006">
               <mc:Choice xmlns:v="urn:schemas-microsoft-com:vml" Requires="v">
-                <p:oleObj spid="_x0000_s269388" name="Equation" r:id="rId6" imgW="139700" imgH="215900" progId="Equation.DSMT4">
+                <p:oleObj spid="_x0000_s269401" name="Equation" r:id="rId6" imgW="139700" imgH="215900" progId="Equation.DSMT4">
                   <p:embed/>
                 </p:oleObj>
               </mc:Choice>
@@ -7642,7 +7923,7 @@
           <a:graphicData uri="http://schemas.openxmlformats.org/presentationml/2006/ole">
             <mc:AlternateContent xmlns:mc="http://schemas.openxmlformats.org/markup-compatibility/2006">
               <mc:Choice xmlns:v="urn:schemas-microsoft-com:vml" Requires="v">
-                <p:oleObj spid="_x0000_s269389" name="Equation" r:id="rId8" imgW="139700" imgH="215900" progId="Equation.DSMT4">
+                <p:oleObj spid="_x0000_s269402" name="Equation" r:id="rId8" imgW="139700" imgH="215900" progId="Equation.DSMT4">
                   <p:embed/>
                 </p:oleObj>
               </mc:Choice>
@@ -7699,7 +7980,7 @@
           <a:graphicData uri="http://schemas.openxmlformats.org/presentationml/2006/ole">
             <mc:AlternateContent xmlns:mc="http://schemas.openxmlformats.org/markup-compatibility/2006">
               <mc:Choice xmlns:v="urn:schemas-microsoft-com:vml" Requires="v">
-                <p:oleObj spid="_x0000_s269390" name="Equation" r:id="rId9" imgW="1460500" imgH="482600" progId="Equation.DSMT4">
+                <p:oleObj spid="_x0000_s269403" name="Equation" r:id="rId9" imgW="1460500" imgH="482600" progId="Equation.DSMT4">
                   <p:embed/>
                 </p:oleObj>
               </mc:Choice>
@@ -8077,7 +8358,7 @@
           <a:graphicData uri="http://schemas.openxmlformats.org/presentationml/2006/ole">
             <mc:AlternateContent xmlns:mc="http://schemas.openxmlformats.org/markup-compatibility/2006">
               <mc:Choice xmlns:v="urn:schemas-microsoft-com:vml" Requires="v">
-                <p:oleObj spid="_x0000_s272455" name="Equation" r:id="rId4" imgW="139700" imgH="215900" progId="Equation.DSMT4">
+                <p:oleObj spid="_x0000_s272468" name="Equation" r:id="rId4" imgW="139700" imgH="215900" progId="Equation.DSMT4">
                   <p:embed/>
                 </p:oleObj>
               </mc:Choice>
@@ -8134,7 +8415,7 @@
           <a:graphicData uri="http://schemas.openxmlformats.org/presentationml/2006/ole">
             <mc:AlternateContent xmlns:mc="http://schemas.openxmlformats.org/markup-compatibility/2006">
               <mc:Choice xmlns:v="urn:schemas-microsoft-com:vml" Requires="v">
-                <p:oleObj spid="_x0000_s272456" name="Equation" r:id="rId6" imgW="139700" imgH="215900" progId="Equation.DSMT4">
+                <p:oleObj spid="_x0000_s272469" name="Equation" r:id="rId6" imgW="139700" imgH="215900" progId="Equation.DSMT4">
                   <p:embed/>
                 </p:oleObj>
               </mc:Choice>
@@ -8191,7 +8472,7 @@
           <a:graphicData uri="http://schemas.openxmlformats.org/presentationml/2006/ole">
             <mc:AlternateContent xmlns:mc="http://schemas.openxmlformats.org/markup-compatibility/2006">
               <mc:Choice xmlns:v="urn:schemas-microsoft-com:vml" Requires="v">
-                <p:oleObj spid="_x0000_s272457" name="Equation" r:id="rId7" imgW="1460500" imgH="482600" progId="Equation.DSMT4">
+                <p:oleObj spid="_x0000_s272470" name="Equation" r:id="rId7" imgW="1460500" imgH="482600" progId="Equation.DSMT4">
                   <p:embed/>
                 </p:oleObj>
               </mc:Choice>
@@ -8290,7 +8571,7 @@
           <a:graphicData uri="http://schemas.openxmlformats.org/presentationml/2006/ole">
             <mc:AlternateContent xmlns:mc="http://schemas.openxmlformats.org/markup-compatibility/2006">
               <mc:Choice xmlns:v="urn:schemas-microsoft-com:vml" Requires="v">
-                <p:oleObj spid="_x0000_s272458" name="Equation" r:id="rId9" imgW="1460500" imgH="482600" progId="Equation.DSMT4">
+                <p:oleObj spid="_x0000_s272471" name="Equation" r:id="rId9" imgW="1460500" imgH="482600" progId="Equation.DSMT4">
                   <p:embed/>
                 </p:oleObj>
               </mc:Choice>
@@ -8553,7 +8834,7 @@
           <a:graphicData uri="http://schemas.openxmlformats.org/presentationml/2006/ole">
             <mc:AlternateContent xmlns:mc="http://schemas.openxmlformats.org/markup-compatibility/2006">
               <mc:Choice xmlns:v="urn:schemas-microsoft-com:vml" Requires="v">
-                <p:oleObj spid="_x0000_s286769" name="Equation" r:id="rId4" imgW="139700" imgH="215900" progId="Equation.DSMT4">
+                <p:oleObj spid="_x0000_s286779" name="Equation" r:id="rId4" imgW="139700" imgH="215900" progId="Equation.DSMT4">
                   <p:embed/>
                 </p:oleObj>
               </mc:Choice>
@@ -8610,7 +8891,7 @@
           <a:graphicData uri="http://schemas.openxmlformats.org/presentationml/2006/ole">
             <mc:AlternateContent xmlns:mc="http://schemas.openxmlformats.org/markup-compatibility/2006">
               <mc:Choice xmlns:v="urn:schemas-microsoft-com:vml" Requires="v">
-                <p:oleObj spid="_x0000_s286770" name="Equation" r:id="rId6" imgW="139700" imgH="215900" progId="Equation.DSMT4">
+                <p:oleObj spid="_x0000_s286780" name="Equation" r:id="rId6" imgW="139700" imgH="215900" progId="Equation.DSMT4">
                   <p:embed/>
                 </p:oleObj>
               </mc:Choice>
@@ -8667,7 +8948,7 @@
           <a:graphicData uri="http://schemas.openxmlformats.org/presentationml/2006/ole">
             <mc:AlternateContent xmlns:mc="http://schemas.openxmlformats.org/markup-compatibility/2006">
               <mc:Choice xmlns:v="urn:schemas-microsoft-com:vml" Requires="v">
-                <p:oleObj spid="_x0000_s286771" name="Equation" r:id="rId7" imgW="1460500" imgH="482600" progId="Equation.DSMT4">
+                <p:oleObj spid="_x0000_s286781" name="Equation" r:id="rId7" imgW="1460500" imgH="482600" progId="Equation.DSMT4">
                   <p:embed/>
                 </p:oleObj>
               </mc:Choice>
@@ -9030,7 +9311,7 @@
           <a:graphicData uri="http://schemas.openxmlformats.org/presentationml/2006/ole">
             <mc:AlternateContent xmlns:mc="http://schemas.openxmlformats.org/markup-compatibility/2006">
               <mc:Choice xmlns:v="urn:schemas-microsoft-com:vml" Requires="v">
-                <p:oleObj spid="_x0000_s278595" name="Equation" r:id="rId4" imgW="139700" imgH="215900" progId="Equation.DSMT4">
+                <p:oleObj spid="_x0000_s278608" name="Equation" r:id="rId4" imgW="139700" imgH="215900" progId="Equation.DSMT4">
                   <p:embed/>
                 </p:oleObj>
               </mc:Choice>
@@ -9087,7 +9368,7 @@
           <a:graphicData uri="http://schemas.openxmlformats.org/presentationml/2006/ole">
             <mc:AlternateContent xmlns:mc="http://schemas.openxmlformats.org/markup-compatibility/2006">
               <mc:Choice xmlns:v="urn:schemas-microsoft-com:vml" Requires="v">
-                <p:oleObj spid="_x0000_s278596" name="Equation" r:id="rId6" imgW="139700" imgH="215900" progId="Equation.DSMT4">
+                <p:oleObj spid="_x0000_s278609" name="Equation" r:id="rId6" imgW="139700" imgH="215900" progId="Equation.DSMT4">
                   <p:embed/>
                 </p:oleObj>
               </mc:Choice>
@@ -9144,7 +9425,7 @@
           <a:graphicData uri="http://schemas.openxmlformats.org/presentationml/2006/ole">
             <mc:AlternateContent xmlns:mc="http://schemas.openxmlformats.org/markup-compatibility/2006">
               <mc:Choice xmlns:v="urn:schemas-microsoft-com:vml" Requires="v">
-                <p:oleObj spid="_x0000_s278597" name="Equation" r:id="rId7" imgW="469900" imgH="381000" progId="Equation.DSMT4">
+                <p:oleObj spid="_x0000_s278610" name="Equation" r:id="rId7" imgW="469900" imgH="381000" progId="Equation.DSMT4">
                   <p:embed/>
                 </p:oleObj>
               </mc:Choice>
@@ -9206,7 +9487,7 @@
           <a:graphicData uri="http://schemas.openxmlformats.org/presentationml/2006/ole">
             <mc:AlternateContent xmlns:mc="http://schemas.openxmlformats.org/markup-compatibility/2006">
               <mc:Choice xmlns:v="urn:schemas-microsoft-com:vml" Requires="v">
-                <p:oleObj spid="_x0000_s278598" name="Equation" r:id="rId9" imgW="1803400" imgH="495300" progId="Equation.DSMT4">
+                <p:oleObj spid="_x0000_s278611" name="Equation" r:id="rId9" imgW="1803400" imgH="495300" progId="Equation.DSMT4">
                   <p:embed/>
                 </p:oleObj>
               </mc:Choice>
@@ -9467,7 +9748,7 @@
           <a:graphicData uri="http://schemas.openxmlformats.org/presentationml/2006/ole">
             <mc:AlternateContent xmlns:mc="http://schemas.openxmlformats.org/markup-compatibility/2006">
               <mc:Choice xmlns:v="urn:schemas-microsoft-com:vml" Requires="v">
-                <p:oleObj spid="_x0000_s280625" name="Equation" r:id="rId4" imgW="139700" imgH="215900" progId="Equation.DSMT4">
+                <p:oleObj spid="_x0000_s280635" name="Equation" r:id="rId4" imgW="139700" imgH="215900" progId="Equation.DSMT4">
                   <p:embed/>
                 </p:oleObj>
               </mc:Choice>
@@ -9524,7 +9805,7 @@
           <a:graphicData uri="http://schemas.openxmlformats.org/presentationml/2006/ole">
             <mc:AlternateContent xmlns:mc="http://schemas.openxmlformats.org/markup-compatibility/2006">
               <mc:Choice xmlns:v="urn:schemas-microsoft-com:vml" Requires="v">
-                <p:oleObj spid="_x0000_s280626" name="Equation" r:id="rId6" imgW="139700" imgH="215900" progId="Equation.DSMT4">
+                <p:oleObj spid="_x0000_s280636" name="Equation" r:id="rId6" imgW="139700" imgH="215900" progId="Equation.DSMT4">
                   <p:embed/>
                 </p:oleObj>
               </mc:Choice>
@@ -9581,7 +9862,7 @@
           <a:graphicData uri="http://schemas.openxmlformats.org/presentationml/2006/ole">
             <mc:AlternateContent xmlns:mc="http://schemas.openxmlformats.org/markup-compatibility/2006">
               <mc:Choice xmlns:v="urn:schemas-microsoft-com:vml" Requires="v">
-                <p:oleObj spid="_x0000_s280627" name="Equation" r:id="rId7" imgW="1803400" imgH="495300" progId="Equation.DSMT4">
+                <p:oleObj spid="_x0000_s280637" name="Equation" r:id="rId7" imgW="1803400" imgH="495300" progId="Equation.DSMT4">
                   <p:embed/>
                 </p:oleObj>
               </mc:Choice>
@@ -9726,7 +10007,7 @@
           <a:graphicData uri="http://schemas.openxmlformats.org/presentationml/2006/ole">
             <mc:AlternateContent xmlns:mc="http://schemas.openxmlformats.org/markup-compatibility/2006">
               <mc:Choice xmlns:v="urn:schemas-microsoft-com:vml" Requires="v">
-                <p:oleObj spid="_x0000_s1102" name="Equation" r:id="rId4" imgW="1346200" imgH="266700" progId="Equation.DSMT4">
+                <p:oleObj spid="_x0000_s1109" name="Equation" r:id="rId4" imgW="1346200" imgH="266700" progId="Equation.DSMT4">
                   <p:embed/>
                 </p:oleObj>
               </mc:Choice>
@@ -9796,7 +10077,7 @@
           <a:graphicData uri="http://schemas.openxmlformats.org/presentationml/2006/ole">
             <mc:AlternateContent xmlns:mc="http://schemas.openxmlformats.org/markup-compatibility/2006">
               <mc:Choice xmlns:v="urn:schemas-microsoft-com:vml" Requires="v">
-                <p:oleObj spid="_x0000_s1103" name="Equation" r:id="rId6" imgW="1447800" imgH="495300" progId="Equation.DSMT4">
+                <p:oleObj spid="_x0000_s1110" name="Equation" r:id="rId6" imgW="1447800" imgH="495300" progId="Equation.DSMT4">
                   <p:embed/>
                 </p:oleObj>
               </mc:Choice>
@@ -10152,7 +10433,7 @@
           <a:graphicData uri="http://schemas.openxmlformats.org/presentationml/2006/ole">
             <mc:AlternateContent xmlns:mc="http://schemas.openxmlformats.org/markup-compatibility/2006">
               <mc:Choice xmlns:v="urn:schemas-microsoft-com:vml" Requires="v">
-                <p:oleObj spid="_x0000_s279635" name="Equation" r:id="rId4" imgW="139700" imgH="215900" progId="Equation.DSMT4">
+                <p:oleObj spid="_x0000_s279648" name="Equation" r:id="rId4" imgW="139700" imgH="215900" progId="Equation.DSMT4">
                   <p:embed/>
                 </p:oleObj>
               </mc:Choice>
@@ -10209,7 +10490,7 @@
           <a:graphicData uri="http://schemas.openxmlformats.org/presentationml/2006/ole">
             <mc:AlternateContent xmlns:mc="http://schemas.openxmlformats.org/markup-compatibility/2006">
               <mc:Choice xmlns:v="urn:schemas-microsoft-com:vml" Requires="v">
-                <p:oleObj spid="_x0000_s279636" name="Equation" r:id="rId6" imgW="139700" imgH="215900" progId="Equation.DSMT4">
+                <p:oleObj spid="_x0000_s279649" name="Equation" r:id="rId6" imgW="139700" imgH="215900" progId="Equation.DSMT4">
                   <p:embed/>
                 </p:oleObj>
               </mc:Choice>
@@ -10266,7 +10547,7 @@
           <a:graphicData uri="http://schemas.openxmlformats.org/presentationml/2006/ole">
             <mc:AlternateContent xmlns:mc="http://schemas.openxmlformats.org/markup-compatibility/2006">
               <mc:Choice xmlns:v="urn:schemas-microsoft-com:vml" Requires="v">
-                <p:oleObj spid="_x0000_s279637" name="Equation" r:id="rId7" imgW="1803400" imgH="495300" progId="Equation.DSMT4">
+                <p:oleObj spid="_x0000_s279650" name="Equation" r:id="rId7" imgW="1803400" imgH="495300" progId="Equation.DSMT4">
                   <p:embed/>
                 </p:oleObj>
               </mc:Choice>
@@ -10323,7 +10604,7 @@
           <a:graphicData uri="http://schemas.openxmlformats.org/presentationml/2006/ole">
             <mc:AlternateContent xmlns:mc="http://schemas.openxmlformats.org/markup-compatibility/2006">
               <mc:Choice xmlns:v="urn:schemas-microsoft-com:vml" Requires="v">
-                <p:oleObj spid="_x0000_s279638" name="Equation" r:id="rId9" imgW="1651000" imgH="495300" progId="Equation.DSMT4">
+                <p:oleObj spid="_x0000_s279651" name="Equation" r:id="rId9" imgW="1651000" imgH="495300" progId="Equation.DSMT4">
                   <p:embed/>
                 </p:oleObj>
               </mc:Choice>
@@ -10632,7 +10913,7 @@
           <a:graphicData uri="http://schemas.openxmlformats.org/presentationml/2006/ole">
             <mc:AlternateContent xmlns:mc="http://schemas.openxmlformats.org/markup-compatibility/2006">
               <mc:Choice xmlns:v="urn:schemas-microsoft-com:vml" Requires="v">
-                <p:oleObj spid="_x0000_s206119" name="Equation" r:id="rId4" imgW="139700" imgH="215900" progId="Equation.DSMT4">
+                <p:oleObj spid="_x0000_s206135" name="Equation" r:id="rId4" imgW="139700" imgH="215900" progId="Equation.DSMT4">
                   <p:embed/>
                 </p:oleObj>
               </mc:Choice>
@@ -10689,7 +10970,7 @@
           <a:graphicData uri="http://schemas.openxmlformats.org/presentationml/2006/ole">
             <mc:AlternateContent xmlns:mc="http://schemas.openxmlformats.org/markup-compatibility/2006">
               <mc:Choice xmlns:v="urn:schemas-microsoft-com:vml" Requires="v">
-                <p:oleObj spid="_x0000_s206120" name="Equation" r:id="rId6" imgW="139700" imgH="215900" progId="Equation.DSMT4">
+                <p:oleObj spid="_x0000_s206136" name="Equation" r:id="rId6" imgW="139700" imgH="215900" progId="Equation.DSMT4">
                   <p:embed/>
                 </p:oleObj>
               </mc:Choice>
@@ -10746,7 +11027,7 @@
           <a:graphicData uri="http://schemas.openxmlformats.org/presentationml/2006/ole">
             <mc:AlternateContent xmlns:mc="http://schemas.openxmlformats.org/markup-compatibility/2006">
               <mc:Choice xmlns:v="urn:schemas-microsoft-com:vml" Requires="v">
-                <p:oleObj spid="_x0000_s206121" name="Equation" r:id="rId7" imgW="660400" imgH="406400" progId="Equation.DSMT4">
+                <p:oleObj spid="_x0000_s206137" name="Equation" r:id="rId7" imgW="660400" imgH="406400" progId="Equation.DSMT4">
                   <p:embed/>
                 </p:oleObj>
               </mc:Choice>
@@ -10822,13 +11103,7 @@
               <a:rPr lang="en-US" sz="5400" dirty="0" smtClean="0">
                 <a:latin typeface="Comic Sans MS" pitchFamily="66" charset="0"/>
               </a:rPr>
-              <a:t> is in </a:t>
-            </a:r>
-            <a:r>
-              <a:rPr lang="en-US" sz="5400" dirty="0" smtClean="0">
-                <a:latin typeface="Comic Sans MS" pitchFamily="66" charset="0"/>
-              </a:rPr>
-              <a:t>exactly</a:t>
+              <a:t> is in exactly</a:t>
             </a:r>
           </a:p>
           <a:p>
@@ -11016,9 +11291,6 @@
               </a:rPr>
               <a:t> </a:t>
             </a:r>
-            <a:endParaRPr lang="en-US" sz="5400" dirty="0" smtClean="0">
-              <a:latin typeface="Comic Sans MS" pitchFamily="66" charset="0"/>
-            </a:endParaRPr>
           </a:p>
         </p:txBody>
       </p:sp>
@@ -11044,7 +11316,7 @@
           <a:graphicData uri="http://schemas.openxmlformats.org/presentationml/2006/ole">
             <mc:AlternateContent xmlns:mc="http://schemas.openxmlformats.org/markup-compatibility/2006">
               <mc:Choice xmlns:v="urn:schemas-microsoft-com:vml" Requires="v">
-                <p:oleObj spid="_x0000_s206122" name="Equation" r:id="rId9" imgW="139700" imgH="215900" progId="Equation.DSMT4">
+                <p:oleObj spid="_x0000_s206138" name="Equation" r:id="rId9" imgW="139700" imgH="215900" progId="Equation.DSMT4">
                   <p:embed/>
                 </p:oleObj>
               </mc:Choice>
@@ -11164,7 +11436,7 @@
           <a:graphicData uri="http://schemas.openxmlformats.org/presentationml/2006/ole">
             <mc:AlternateContent xmlns:mc="http://schemas.openxmlformats.org/markup-compatibility/2006">
               <mc:Choice xmlns:v="urn:schemas-microsoft-com:vml" Requires="v">
-                <p:oleObj spid="_x0000_s206123" name="Equation" r:id="rId11" imgW="1092200" imgH="330200" progId="Equation.DSMT4">
+                <p:oleObj spid="_x0000_s206139" name="Equation" r:id="rId11" imgW="1092200" imgH="330200" progId="Equation.DSMT4">
                   <p:embed/>
                 </p:oleObj>
               </mc:Choice>
@@ -11456,7 +11728,7 @@
           <a:graphicData uri="http://schemas.openxmlformats.org/presentationml/2006/ole">
             <mc:AlternateContent xmlns:mc="http://schemas.openxmlformats.org/markup-compatibility/2006">
               <mc:Choice xmlns:v="urn:schemas-microsoft-com:vml" Requires="v">
-                <p:oleObj spid="_x0000_s306225" name="Equation" r:id="rId4" imgW="673100" imgH="393700" progId="Equation.DSMT4">
+                <p:oleObj spid="_x0000_s306253" name="Equation" r:id="rId4" imgW="673100" imgH="393700" progId="Equation.DSMT4">
                   <p:embed/>
                 </p:oleObj>
               </mc:Choice>
@@ -11583,7 +11855,7 @@
           <a:graphicData uri="http://schemas.openxmlformats.org/presentationml/2006/ole">
             <mc:AlternateContent xmlns:mc="http://schemas.openxmlformats.org/markup-compatibility/2006">
               <mc:Choice xmlns:v="urn:schemas-microsoft-com:vml" Requires="v">
-                <p:oleObj spid="_x0000_s306226" name="Equation" r:id="rId6" imgW="139700" imgH="215900" progId="Equation.DSMT4">
+                <p:oleObj spid="_x0000_s306254" name="Equation" r:id="rId6" imgW="139700" imgH="215900" progId="Equation.DSMT4">
                   <p:embed/>
                 </p:oleObj>
               </mc:Choice>
@@ -11640,7 +11912,7 @@
           <a:graphicData uri="http://schemas.openxmlformats.org/presentationml/2006/ole">
             <mc:AlternateContent xmlns:mc="http://schemas.openxmlformats.org/markup-compatibility/2006">
               <mc:Choice xmlns:v="urn:schemas-microsoft-com:vml" Requires="v">
-                <p:oleObj spid="_x0000_s306227" name="Equation" r:id="rId8" imgW="139700" imgH="215900" progId="Equation.DSMT4">
+                <p:oleObj spid="_x0000_s306255" name="Equation" r:id="rId8" imgW="139700" imgH="215900" progId="Equation.DSMT4">
                   <p:embed/>
                 </p:oleObj>
               </mc:Choice>
@@ -11759,9 +12031,6 @@
               </a:rPr>
               <a:t>?</a:t>
             </a:r>
-            <a:endParaRPr lang="en-US" sz="5400" dirty="0" smtClean="0">
-              <a:latin typeface="Comic Sans MS" pitchFamily="66" charset="0"/>
-            </a:endParaRPr>
           </a:p>
         </p:txBody>
       </p:sp>
@@ -11835,9 +12104,6 @@
               </a:rPr>
               <a:t> </a:t>
             </a:r>
-            <a:endParaRPr lang="en-US" sz="5400" dirty="0" smtClean="0">
-              <a:latin typeface="Comic Sans MS" pitchFamily="66" charset="0"/>
-            </a:endParaRPr>
           </a:p>
         </p:txBody>
       </p:sp>
@@ -11863,7 +12129,7 @@
           <a:graphicData uri="http://schemas.openxmlformats.org/presentationml/2006/ole">
             <mc:AlternateContent xmlns:mc="http://schemas.openxmlformats.org/markup-compatibility/2006">
               <mc:Choice xmlns:v="urn:schemas-microsoft-com:vml" Requires="v">
-                <p:oleObj spid="_x0000_s306228" name="Equation" r:id="rId9" imgW="139700" imgH="215900" progId="Equation.DSMT4">
+                <p:oleObj spid="_x0000_s306256" name="Equation" r:id="rId9" imgW="139700" imgH="215900" progId="Equation.DSMT4">
                   <p:embed/>
                 </p:oleObj>
               </mc:Choice>
@@ -11983,7 +12249,7 @@
           <a:graphicData uri="http://schemas.openxmlformats.org/presentationml/2006/ole">
             <mc:AlternateContent xmlns:mc="http://schemas.openxmlformats.org/markup-compatibility/2006">
               <mc:Choice xmlns:v="urn:schemas-microsoft-com:vml" Requires="v">
-                <p:oleObj spid="_x0000_s306229" name="Equation" r:id="rId11" imgW="1092200" imgH="330200" progId="Equation.DSMT4">
+                <p:oleObj spid="_x0000_s306257" name="Equation" r:id="rId11" imgW="1092200" imgH="330200" progId="Equation.DSMT4">
                   <p:embed/>
                 </p:oleObj>
               </mc:Choice>
@@ -12040,7 +12306,7 @@
           <a:graphicData uri="http://schemas.openxmlformats.org/presentationml/2006/ole">
             <mc:AlternateContent xmlns:mc="http://schemas.openxmlformats.org/markup-compatibility/2006">
               <mc:Choice xmlns:v="urn:schemas-microsoft-com:vml" Requires="v">
-                <p:oleObj spid="_x0000_s306230" name="Equation" r:id="rId13" imgW="139700" imgH="215900" progId="Equation.DSMT4">
+                <p:oleObj spid="_x0000_s306258" name="Equation" r:id="rId13" imgW="139700" imgH="215900" progId="Equation.DSMT4">
                   <p:embed/>
                 </p:oleObj>
               </mc:Choice>
@@ -12097,7 +12363,7 @@
           <a:graphicData uri="http://schemas.openxmlformats.org/presentationml/2006/ole">
             <mc:AlternateContent xmlns:mc="http://schemas.openxmlformats.org/markup-compatibility/2006">
               <mc:Choice xmlns:v="urn:schemas-microsoft-com:vml" Requires="v">
-                <p:oleObj spid="_x0000_s306231" name="Equation" r:id="rId15" imgW="139700" imgH="215900" progId="Equation.DSMT4">
+                <p:oleObj spid="_x0000_s306259" name="Equation" r:id="rId15" imgW="139700" imgH="215900" progId="Equation.DSMT4">
                   <p:embed/>
                 </p:oleObj>
               </mc:Choice>
@@ -12154,7 +12420,7 @@
           <a:graphicData uri="http://schemas.openxmlformats.org/presentationml/2006/ole">
             <mc:AlternateContent xmlns:mc="http://schemas.openxmlformats.org/markup-compatibility/2006">
               <mc:Choice xmlns:v="urn:schemas-microsoft-com:vml" Requires="v">
-                <p:oleObj spid="_x0000_s306232" name="Equation" r:id="rId16" imgW="139700" imgH="215900" progId="Equation.DSMT4">
+                <p:oleObj spid="_x0000_s306260" name="Equation" r:id="rId16" imgW="139700" imgH="215900" progId="Equation.DSMT4">
                   <p:embed/>
                 </p:oleObj>
               </mc:Choice>
@@ -12211,7 +12477,7 @@
           <a:graphicData uri="http://schemas.openxmlformats.org/presentationml/2006/ole">
             <mc:AlternateContent xmlns:mc="http://schemas.openxmlformats.org/markup-compatibility/2006">
               <mc:Choice xmlns:v="urn:schemas-microsoft-com:vml" Requires="v">
-                <p:oleObj spid="_x0000_s306233" name="Equation" r:id="rId17" imgW="228600" imgH="533400" progId="Equation.DSMT4">
+                <p:oleObj spid="_x0000_s306261" name="Equation" r:id="rId17" imgW="228600" imgH="533400" progId="Equation.DSMT4">
                   <p:embed/>
                 </p:oleObj>
               </mc:Choice>
@@ -12445,7 +12711,7 @@
           <a:graphicData uri="http://schemas.openxmlformats.org/presentationml/2006/ole">
             <mc:AlternateContent xmlns:mc="http://schemas.openxmlformats.org/markup-compatibility/2006">
               <mc:Choice xmlns:v="urn:schemas-microsoft-com:vml" Requires="v">
-                <p:oleObj spid="_x0000_s308250" name="Equation" r:id="rId4" imgW="1041400" imgH="533400" progId="Equation.DSMT4">
+                <p:oleObj spid="_x0000_s308275" name="Equation" r:id="rId4" imgW="1041400" imgH="533400" progId="Equation.DSMT4">
                   <p:embed/>
                 </p:oleObj>
               </mc:Choice>
@@ -12572,7 +12838,7 @@
           <a:graphicData uri="http://schemas.openxmlformats.org/presentationml/2006/ole">
             <mc:AlternateContent xmlns:mc="http://schemas.openxmlformats.org/markup-compatibility/2006">
               <mc:Choice xmlns:v="urn:schemas-microsoft-com:vml" Requires="v">
-                <p:oleObj spid="_x0000_s308251" name="Equation" r:id="rId6" imgW="139700" imgH="215900" progId="Equation.DSMT4">
+                <p:oleObj spid="_x0000_s308276" name="Equation" r:id="rId6" imgW="139700" imgH="215900" progId="Equation.DSMT4">
                   <p:embed/>
                 </p:oleObj>
               </mc:Choice>
@@ -12629,7 +12895,7 @@
           <a:graphicData uri="http://schemas.openxmlformats.org/presentationml/2006/ole">
             <mc:AlternateContent xmlns:mc="http://schemas.openxmlformats.org/markup-compatibility/2006">
               <mc:Choice xmlns:v="urn:schemas-microsoft-com:vml" Requires="v">
-                <p:oleObj spid="_x0000_s308252" name="Equation" r:id="rId8" imgW="139700" imgH="215900" progId="Equation.DSMT4">
+                <p:oleObj spid="_x0000_s308277" name="Equation" r:id="rId8" imgW="139700" imgH="215900" progId="Equation.DSMT4">
                   <p:embed/>
                 </p:oleObj>
               </mc:Choice>
@@ -12748,9 +13014,6 @@
               </a:rPr>
               <a:t>?</a:t>
             </a:r>
-            <a:endParaRPr lang="en-US" sz="5400" dirty="0" smtClean="0">
-              <a:latin typeface="Comic Sans MS" pitchFamily="66" charset="0"/>
-            </a:endParaRPr>
           </a:p>
         </p:txBody>
       </p:sp>
@@ -12824,9 +13087,6 @@
               </a:rPr>
               <a:t> </a:t>
             </a:r>
-            <a:endParaRPr lang="en-US" sz="5400" dirty="0" smtClean="0">
-              <a:latin typeface="Comic Sans MS" pitchFamily="66" charset="0"/>
-            </a:endParaRPr>
           </a:p>
         </p:txBody>
       </p:sp>
@@ -12852,7 +13112,7 @@
           <a:graphicData uri="http://schemas.openxmlformats.org/presentationml/2006/ole">
             <mc:AlternateContent xmlns:mc="http://schemas.openxmlformats.org/markup-compatibility/2006">
               <mc:Choice xmlns:v="urn:schemas-microsoft-com:vml" Requires="v">
-                <p:oleObj spid="_x0000_s308253" name="Equation" r:id="rId9" imgW="139700" imgH="215900" progId="Equation.DSMT4">
+                <p:oleObj spid="_x0000_s308278" name="Equation" r:id="rId9" imgW="139700" imgH="215900" progId="Equation.DSMT4">
                   <p:embed/>
                 </p:oleObj>
               </mc:Choice>
@@ -12972,7 +13232,7 @@
           <a:graphicData uri="http://schemas.openxmlformats.org/presentationml/2006/ole">
             <mc:AlternateContent xmlns:mc="http://schemas.openxmlformats.org/markup-compatibility/2006">
               <mc:Choice xmlns:v="urn:schemas-microsoft-com:vml" Requires="v">
-                <p:oleObj spid="_x0000_s308254" name="Equation" r:id="rId11" imgW="1092200" imgH="330200" progId="Equation.DSMT4">
+                <p:oleObj spid="_x0000_s308279" name="Equation" r:id="rId11" imgW="1092200" imgH="330200" progId="Equation.DSMT4">
                   <p:embed/>
                 </p:oleObj>
               </mc:Choice>
@@ -13029,7 +13289,7 @@
           <a:graphicData uri="http://schemas.openxmlformats.org/presentationml/2006/ole">
             <mc:AlternateContent xmlns:mc="http://schemas.openxmlformats.org/markup-compatibility/2006">
               <mc:Choice xmlns:v="urn:schemas-microsoft-com:vml" Requires="v">
-                <p:oleObj spid="_x0000_s308255" name="Equation" r:id="rId13" imgW="139700" imgH="215900" progId="Equation.DSMT4">
+                <p:oleObj spid="_x0000_s308280" name="Equation" r:id="rId13" imgW="139700" imgH="215900" progId="Equation.DSMT4">
                   <p:embed/>
                 </p:oleObj>
               </mc:Choice>
@@ -13086,7 +13346,7 @@
           <a:graphicData uri="http://schemas.openxmlformats.org/presentationml/2006/ole">
             <mc:AlternateContent xmlns:mc="http://schemas.openxmlformats.org/markup-compatibility/2006">
               <mc:Choice xmlns:v="urn:schemas-microsoft-com:vml" Requires="v">
-                <p:oleObj spid="_x0000_s308256" name="Equation" r:id="rId15" imgW="139700" imgH="215900" progId="Equation.DSMT4">
+                <p:oleObj spid="_x0000_s308281" name="Equation" r:id="rId15" imgW="139700" imgH="215900" progId="Equation.DSMT4">
                   <p:embed/>
                 </p:oleObj>
               </mc:Choice>
@@ -13143,7 +13403,7 @@
           <a:graphicData uri="http://schemas.openxmlformats.org/presentationml/2006/ole">
             <mc:AlternateContent xmlns:mc="http://schemas.openxmlformats.org/markup-compatibility/2006">
               <mc:Choice xmlns:v="urn:schemas-microsoft-com:vml" Requires="v">
-                <p:oleObj spid="_x0000_s308257" name="Equation" r:id="rId16" imgW="139700" imgH="215900" progId="Equation.DSMT4">
+                <p:oleObj spid="_x0000_s308282" name="Equation" r:id="rId16" imgW="139700" imgH="215900" progId="Equation.DSMT4">
                   <p:embed/>
                 </p:oleObj>
               </mc:Choice>
@@ -13188,13 +13448,13 @@
   <p:clrMapOvr>
     <a:masterClrMapping/>
   </p:clrMapOvr>
-  <mc:AlternateContent xmlns:mc="http://schemas.openxmlformats.org/markup-compatibility/2006">
-    <mc:Choice xmlns:p14="http://schemas.microsoft.com/office/powerpoint/2010/main" Requires="p14">
+  <mc:AlternateContent xmlns:mc="http://schemas.openxmlformats.org/markup-compatibility/2006" xmlns:p14="http://schemas.microsoft.com/office/powerpoint/2010/main">
+    <mc:Choice Requires="p14">
       <p:transition spd="med" p14:dur="600" advClick="0">
         <p:fade/>
       </p:transition>
     </mc:Choice>
-    <mc:Fallback>
+    <mc:Fallback xmlns="">
       <p:transition xmlns:p14="http://schemas.microsoft.com/office/powerpoint/2010/main" spd="med" advClick="0">
         <p:fade/>
       </p:transition>
@@ -13319,7 +13579,7 @@
           <a:graphicData uri="http://schemas.openxmlformats.org/presentationml/2006/ole">
             <mc:AlternateContent xmlns:mc="http://schemas.openxmlformats.org/markup-compatibility/2006">
               <mc:Choice xmlns:v="urn:schemas-microsoft-com:vml" Requires="v">
-                <p:oleObj spid="_x0000_s305165" name="Equation" r:id="rId4" imgW="139700" imgH="215900" progId="Equation.DSMT4">
+                <p:oleObj spid="_x0000_s305182" name="Equation" r:id="rId4" imgW="139700" imgH="215900" progId="Equation.DSMT4">
                   <p:embed/>
                 </p:oleObj>
               </mc:Choice>
@@ -13376,7 +13636,7 @@
           <a:graphicData uri="http://schemas.openxmlformats.org/presentationml/2006/ole">
             <mc:AlternateContent xmlns:mc="http://schemas.openxmlformats.org/markup-compatibility/2006">
               <mc:Choice xmlns:v="urn:schemas-microsoft-com:vml" Requires="v">
-                <p:oleObj spid="_x0000_s305166" name="Equation" r:id="rId6" imgW="139700" imgH="215900" progId="Equation.DSMT4">
+                <p:oleObj spid="_x0000_s305183" name="Equation" r:id="rId6" imgW="139700" imgH="215900" progId="Equation.DSMT4">
                   <p:embed/>
                 </p:oleObj>
               </mc:Choice>
@@ -13433,7 +13693,7 @@
           <a:graphicData uri="http://schemas.openxmlformats.org/presentationml/2006/ole">
             <mc:AlternateContent xmlns:mc="http://schemas.openxmlformats.org/markup-compatibility/2006">
               <mc:Choice xmlns:v="urn:schemas-microsoft-com:vml" Requires="v">
-                <p:oleObj spid="_x0000_s305167" name="Equation" r:id="rId7" imgW="660400" imgH="406400" progId="Equation.DSMT4">
+                <p:oleObj spid="_x0000_s305184" name="Equation" r:id="rId7" imgW="660400" imgH="406400" progId="Equation.DSMT4">
                   <p:embed/>
                 </p:oleObj>
               </mc:Choice>
@@ -13750,7 +14010,7 @@
           <a:graphicData uri="http://schemas.openxmlformats.org/presentationml/2006/ole">
             <mc:AlternateContent xmlns:mc="http://schemas.openxmlformats.org/markup-compatibility/2006">
               <mc:Choice xmlns:v="urn:schemas-microsoft-com:vml" Requires="v">
-                <p:oleObj spid="_x0000_s305168" name="Equation" r:id="rId9" imgW="139700" imgH="215900" progId="Equation.DSMT4">
+                <p:oleObj spid="_x0000_s305185" name="Equation" r:id="rId9" imgW="139700" imgH="215900" progId="Equation.DSMT4">
                   <p:embed/>
                 </p:oleObj>
               </mc:Choice>
@@ -13904,7 +14164,7 @@
                                           </p:stCondLst>
                                         </p:cTn>
                                         <p:tgtEl>
-                                          <p:spTgt spid="7"/>
+                                          <p:spTgt spid="8"/>
                                         </p:tgtEl>
                                         <p:attrNameLst>
                                           <p:attrName>style.visibility</p:attrName>
@@ -13917,59 +14177,6 @@
                                     <p:animEffect transition="in" filter="fade">
                                       <p:cBhvr>
                                         <p:cTn id="7" dur="500"/>
-                                        <p:tgtEl>
-                                          <p:spTgt spid="7"/>
-                                        </p:tgtEl>
-                                      </p:cBhvr>
-                                    </p:animEffect>
-                                  </p:childTnLst>
-                                </p:cTn>
-                              </p:par>
-                            </p:childTnLst>
-                          </p:cTn>
-                        </p:par>
-                      </p:childTnLst>
-                    </p:cTn>
-                  </p:par>
-                  <p:par>
-                    <p:cTn id="8" fill="hold">
-                      <p:stCondLst>
-                        <p:cond delay="indefinite"/>
-                      </p:stCondLst>
-                      <p:childTnLst>
-                        <p:par>
-                          <p:cTn id="9" fill="hold">
-                            <p:stCondLst>
-                              <p:cond delay="0"/>
-                            </p:stCondLst>
-                            <p:childTnLst>
-                              <p:par>
-                                <p:cTn id="10" presetID="10" presetClass="entr" presetSubtype="0" fill="hold" grpId="0" nodeType="clickEffect">
-                                  <p:stCondLst>
-                                    <p:cond delay="0"/>
-                                  </p:stCondLst>
-                                  <p:childTnLst>
-                                    <p:set>
-                                      <p:cBhvr>
-                                        <p:cTn id="11" dur="1" fill="hold">
-                                          <p:stCondLst>
-                                            <p:cond delay="0"/>
-                                          </p:stCondLst>
-                                        </p:cTn>
-                                        <p:tgtEl>
-                                          <p:spTgt spid="8"/>
-                                        </p:tgtEl>
-                                        <p:attrNameLst>
-                                          <p:attrName>style.visibility</p:attrName>
-                                        </p:attrNameLst>
-                                      </p:cBhvr>
-                                      <p:to>
-                                        <p:strVal val="visible"/>
-                                      </p:to>
-                                    </p:set>
-                                    <p:animEffect transition="in" filter="fade">
-                                      <p:cBhvr>
-                                        <p:cTn id="12" dur="500"/>
                                         <p:tgtEl>
                                           <p:spTgt spid="8"/>
                                         </p:tgtEl>
@@ -14006,7 +14213,6 @@
       </p:par>
     </p:tnLst>
     <p:bldLst>
-      <p:bldP spid="7" grpId="0"/>
       <p:bldP spid="8" grpId="0"/>
     </p:bldLst>
   </p:timing>
@@ -14122,7 +14328,7 @@
           <a:graphicData uri="http://schemas.openxmlformats.org/presentationml/2006/ole">
             <mc:AlternateContent xmlns:mc="http://schemas.openxmlformats.org/markup-compatibility/2006">
               <mc:Choice xmlns:v="urn:schemas-microsoft-com:vml" Requires="v">
-                <p:oleObj spid="_x0000_s302131" name="Equation" r:id="rId4" imgW="139700" imgH="215900" progId="Equation.DSMT4">
+                <p:oleObj spid="_x0000_s302150" name="Equation" r:id="rId4" imgW="139700" imgH="215900" progId="Equation.DSMT4">
                   <p:embed/>
                 </p:oleObj>
               </mc:Choice>
@@ -14179,7 +14385,7 @@
           <a:graphicData uri="http://schemas.openxmlformats.org/presentationml/2006/ole">
             <mc:AlternateContent xmlns:mc="http://schemas.openxmlformats.org/markup-compatibility/2006">
               <mc:Choice xmlns:v="urn:schemas-microsoft-com:vml" Requires="v">
-                <p:oleObj spid="_x0000_s302132" name="Equation" r:id="rId6" imgW="139700" imgH="215900" progId="Equation.DSMT4">
+                <p:oleObj spid="_x0000_s302151" name="Equation" r:id="rId6" imgW="139700" imgH="215900" progId="Equation.DSMT4">
                   <p:embed/>
                 </p:oleObj>
               </mc:Choice>
@@ -14236,7 +14442,7 @@
           <a:graphicData uri="http://schemas.openxmlformats.org/presentationml/2006/ole">
             <mc:AlternateContent xmlns:mc="http://schemas.openxmlformats.org/markup-compatibility/2006">
               <mc:Choice xmlns:v="urn:schemas-microsoft-com:vml" Requires="v">
-                <p:oleObj spid="_x0000_s302133" name="Equation" r:id="rId7" imgW="660400" imgH="406400" progId="Equation.DSMT4">
+                <p:oleObj spid="_x0000_s302152" name="Equation" r:id="rId7" imgW="660400" imgH="406400" progId="Equation.DSMT4">
                   <p:embed/>
                 </p:oleObj>
               </mc:Choice>
@@ -14532,7 +14738,7 @@
           <a:graphicData uri="http://schemas.openxmlformats.org/presentationml/2006/ole">
             <mc:AlternateContent xmlns:mc="http://schemas.openxmlformats.org/markup-compatibility/2006">
               <mc:Choice xmlns:v="urn:schemas-microsoft-com:vml" Requires="v">
-                <p:oleObj spid="_x0000_s302134" name="Equation" r:id="rId9" imgW="139700" imgH="215900" progId="Equation.DSMT4">
+                <p:oleObj spid="_x0000_s302153" name="Equation" r:id="rId9" imgW="139700" imgH="215900" progId="Equation.DSMT4">
                   <p:embed/>
                 </p:oleObj>
               </mc:Choice>
@@ -14589,7 +14795,7 @@
           <a:graphicData uri="http://schemas.openxmlformats.org/presentationml/2006/ole">
             <mc:AlternateContent xmlns:mc="http://schemas.openxmlformats.org/markup-compatibility/2006">
               <mc:Choice xmlns:v="urn:schemas-microsoft-com:vml" Requires="v">
-                <p:oleObj spid="_x0000_s302135" name="Equation" r:id="rId11" imgW="419100" imgH="533400" progId="Equation.DSMT4">
+                <p:oleObj spid="_x0000_s302154" name="Equation" r:id="rId11" imgW="419100" imgH="533400" progId="Equation.DSMT4">
                   <p:embed/>
                 </p:oleObj>
               </mc:Choice>
@@ -14646,7 +14852,7 @@
           <a:graphicData uri="http://schemas.openxmlformats.org/presentationml/2006/ole">
             <mc:AlternateContent xmlns:mc="http://schemas.openxmlformats.org/markup-compatibility/2006">
               <mc:Choice xmlns:v="urn:schemas-microsoft-com:vml" Requires="v">
-                <p:oleObj spid="_x0000_s302136" name="Equation" r:id="rId13" imgW="266700" imgH="533400" progId="Equation.DSMT4">
+                <p:oleObj spid="_x0000_s302155" name="Equation" r:id="rId13" imgW="266700" imgH="533400" progId="Equation.DSMT4">
                   <p:embed/>
                 </p:oleObj>
               </mc:Choice>
@@ -15046,7 +15252,7 @@
           <a:graphicData uri="http://schemas.openxmlformats.org/presentationml/2006/ole">
             <mc:AlternateContent xmlns:mc="http://schemas.openxmlformats.org/markup-compatibility/2006">
               <mc:Choice xmlns:v="urn:schemas-microsoft-com:vml" Requires="v">
-                <p:oleObj spid="_x0000_s245884" name="Equation" r:id="rId4" imgW="139700" imgH="215900" progId="Equation.DSMT4">
+                <p:oleObj spid="_x0000_s245897" name="Equation" r:id="rId4" imgW="139700" imgH="215900" progId="Equation.DSMT4">
                   <p:embed/>
                 </p:oleObj>
               </mc:Choice>
@@ -15103,7 +15309,7 @@
           <a:graphicData uri="http://schemas.openxmlformats.org/presentationml/2006/ole">
             <mc:AlternateContent xmlns:mc="http://schemas.openxmlformats.org/markup-compatibility/2006">
               <mc:Choice xmlns:v="urn:schemas-microsoft-com:vml" Requires="v">
-                <p:oleObj spid="_x0000_s245885" name="Equation" r:id="rId6" imgW="139700" imgH="215900" progId="Equation.DSMT4">
+                <p:oleObj spid="_x0000_s245898" name="Equation" r:id="rId6" imgW="139700" imgH="215900" progId="Equation.DSMT4">
                   <p:embed/>
                 </p:oleObj>
               </mc:Choice>
@@ -15147,25 +15353,25 @@
           <p:nvPr>
             <p:extLst>
               <p:ext uri="{D42A27DB-BD31-4B8C-83A1-F6EECF244321}">
-                <p14:modId xmlns:p14="http://schemas.microsoft.com/office/powerpoint/2010/main" val="658803533"/>
+                <p14:modId xmlns:p14="http://schemas.microsoft.com/office/powerpoint/2010/main" val="2077768241"/>
               </p:ext>
             </p:extLst>
           </p:nvPr>
         </p:nvGraphicFramePr>
         <p:xfrm>
-          <a:off x="585787" y="3795713"/>
-          <a:ext cx="6653213" cy="2452687"/>
+          <a:off x="557213" y="3795713"/>
+          <a:ext cx="6711950" cy="2452687"/>
         </p:xfrm>
         <a:graphic>
           <a:graphicData uri="http://schemas.openxmlformats.org/presentationml/2006/ole">
             <mc:AlternateContent xmlns:mc="http://schemas.openxmlformats.org/markup-compatibility/2006">
               <mc:Choice xmlns:v="urn:schemas-microsoft-com:vml" Requires="v">
-                <p:oleObj spid="_x0000_s245886" name="Equation" r:id="rId7" imgW="1447800" imgH="533400" progId="Equation.DSMT4">
+                <p:oleObj spid="_x0000_s245899" name="Equation" r:id="rId7" imgW="1460500" imgH="533400" progId="Equation.DSMT4">
                   <p:embed/>
                 </p:oleObj>
               </mc:Choice>
               <mc:Fallback>
-                <p:oleObj name="Equation" r:id="rId7" imgW="1447800" imgH="533400" progId="Equation.DSMT4">
+                <p:oleObj name="Equation" r:id="rId7" imgW="1460500" imgH="533400" progId="Equation.DSMT4">
                   <p:embed/>
                   <p:pic>
                     <p:nvPicPr>
@@ -15181,8 +15387,8 @@
                     </p:blipFill>
                     <p:spPr>
                       <a:xfrm>
-                        <a:off x="585787" y="3795713"/>
-                        <a:ext cx="6653213" cy="2452687"/>
+                        <a:off x="557213" y="3795713"/>
+                        <a:ext cx="6711950" cy="2452687"/>
                       </a:xfrm>
                       <a:prstGeom prst="rect">
                         <a:avLst/>
@@ -15217,7 +15423,7 @@
           <a:graphicData uri="http://schemas.openxmlformats.org/presentationml/2006/ole">
             <mc:AlternateContent xmlns:mc="http://schemas.openxmlformats.org/markup-compatibility/2006">
               <mc:Choice xmlns:v="urn:schemas-microsoft-com:vml" Requires="v">
-                <p:oleObj spid="_x0000_s245887" name="Equation" r:id="rId9" imgW="1651000" imgH="495300" progId="Equation.DSMT4">
+                <p:oleObj spid="_x0000_s245900" name="Equation" r:id="rId9" imgW="1651000" imgH="495300" progId="Equation.DSMT4">
                   <p:embed/>
                 </p:oleObj>
               </mc:Choice>
@@ -15624,7 +15830,7 @@
           <a:graphicData uri="http://schemas.openxmlformats.org/presentationml/2006/ole">
             <mc:AlternateContent xmlns:mc="http://schemas.openxmlformats.org/markup-compatibility/2006">
               <mc:Choice xmlns:v="urn:schemas-microsoft-com:vml" Requires="v">
-                <p:oleObj spid="_x0000_s283715" name="Equation" r:id="rId4" imgW="139700" imgH="215900" progId="Equation.DSMT4">
+                <p:oleObj spid="_x0000_s283728" name="Equation" r:id="rId4" imgW="139700" imgH="215900" progId="Equation.DSMT4">
                   <p:embed/>
                 </p:oleObj>
               </mc:Choice>
@@ -15681,7 +15887,7 @@
           <a:graphicData uri="http://schemas.openxmlformats.org/presentationml/2006/ole">
             <mc:AlternateContent xmlns:mc="http://schemas.openxmlformats.org/markup-compatibility/2006">
               <mc:Choice xmlns:v="urn:schemas-microsoft-com:vml" Requires="v">
-                <p:oleObj spid="_x0000_s283716" name="Equation" r:id="rId6" imgW="139700" imgH="215900" progId="Equation.DSMT4">
+                <p:oleObj spid="_x0000_s283729" name="Equation" r:id="rId6" imgW="139700" imgH="215900" progId="Equation.DSMT4">
                   <p:embed/>
                 </p:oleObj>
               </mc:Choice>
@@ -15738,7 +15944,7 @@
           <a:graphicData uri="http://schemas.openxmlformats.org/presentationml/2006/ole">
             <mc:AlternateContent xmlns:mc="http://schemas.openxmlformats.org/markup-compatibility/2006">
               <mc:Choice xmlns:v="urn:schemas-microsoft-com:vml" Requires="v">
-                <p:oleObj spid="_x0000_s283717" name="Equation" r:id="rId7" imgW="1371600" imgH="533400" progId="Equation.DSMT4">
+                <p:oleObj spid="_x0000_s283730" name="Equation" r:id="rId7" imgW="1371600" imgH="533400" progId="Equation.DSMT4">
                   <p:embed/>
                 </p:oleObj>
               </mc:Choice>
@@ -15795,7 +16001,7 @@
           <a:graphicData uri="http://schemas.openxmlformats.org/presentationml/2006/ole">
             <mc:AlternateContent xmlns:mc="http://schemas.openxmlformats.org/markup-compatibility/2006">
               <mc:Choice xmlns:v="urn:schemas-microsoft-com:vml" Requires="v">
-                <p:oleObj spid="_x0000_s283718" name="Equation" r:id="rId9" imgW="774700" imgH="254000" progId="Equation.DSMT4">
+                <p:oleObj spid="_x0000_s283731" name="Equation" r:id="rId9" imgW="774700" imgH="254000" progId="Equation.DSMT4">
                   <p:embed/>
                 </p:oleObj>
               </mc:Choice>
@@ -16452,7 +16658,7 @@
           <a:graphicData uri="http://schemas.openxmlformats.org/presentationml/2006/ole">
             <mc:AlternateContent xmlns:mc="http://schemas.openxmlformats.org/markup-compatibility/2006">
               <mc:Choice xmlns:v="urn:schemas-microsoft-com:vml" Requires="v">
-                <p:oleObj spid="_x0000_s5367" name="Equation" r:id="rId4" imgW="139700" imgH="215900" progId="Equation.DSMT4">
+                <p:oleObj spid="_x0000_s5380" name="Equation" r:id="rId4" imgW="139700" imgH="215900" progId="Equation.DSMT4">
                   <p:embed/>
                 </p:oleObj>
               </mc:Choice>
@@ -16509,7 +16715,7 @@
           <a:graphicData uri="http://schemas.openxmlformats.org/presentationml/2006/ole">
             <mc:AlternateContent xmlns:mc="http://schemas.openxmlformats.org/markup-compatibility/2006">
               <mc:Choice xmlns:v="urn:schemas-microsoft-com:vml" Requires="v">
-                <p:oleObj spid="_x0000_s5368" name="Equation" r:id="rId6" imgW="571500" imgH="203200" progId="Equation.DSMT4">
+                <p:oleObj spid="_x0000_s5381" name="Equation" r:id="rId6" imgW="571500" imgH="203200" progId="Equation.DSMT4">
                   <p:embed/>
                 </p:oleObj>
               </mc:Choice>
@@ -16566,7 +16772,7 @@
           <a:graphicData uri="http://schemas.openxmlformats.org/presentationml/2006/ole">
             <mc:AlternateContent xmlns:mc="http://schemas.openxmlformats.org/markup-compatibility/2006">
               <mc:Choice xmlns:v="urn:schemas-microsoft-com:vml" Requires="v">
-                <p:oleObj spid="_x0000_s5369" name="Equation" r:id="rId8" imgW="1612900" imgH="393700" progId="Equation.DSMT4">
+                <p:oleObj spid="_x0000_s5382" name="Equation" r:id="rId8" imgW="1612900" imgH="393700" progId="Equation.DSMT4">
                   <p:embed/>
                 </p:oleObj>
               </mc:Choice>
@@ -16623,7 +16829,7 @@
           <a:graphicData uri="http://schemas.openxmlformats.org/presentationml/2006/ole">
             <mc:AlternateContent xmlns:mc="http://schemas.openxmlformats.org/markup-compatibility/2006">
               <mc:Choice xmlns:v="urn:schemas-microsoft-com:vml" Requires="v">
-                <p:oleObj spid="_x0000_s5370" name="Equation" r:id="rId10" imgW="1549400" imgH="292100" progId="Equation.DSMT4">
+                <p:oleObj spid="_x0000_s5383" name="Equation" r:id="rId10" imgW="1549400" imgH="292100" progId="Equation.DSMT4">
                   <p:embed/>
                 </p:oleObj>
               </mc:Choice>
@@ -16853,7 +17059,7 @@
           <a:graphicData uri="http://schemas.openxmlformats.org/presentationml/2006/ole">
             <mc:AlternateContent xmlns:mc="http://schemas.openxmlformats.org/markup-compatibility/2006">
               <mc:Choice xmlns:v="urn:schemas-microsoft-com:vml" Requires="v">
-                <p:oleObj spid="_x0000_s213074" name="Equation" r:id="rId4" imgW="1346200" imgH="266700" progId="Equation.DSMT4">
+                <p:oleObj spid="_x0000_s213081" name="Equation" r:id="rId4" imgW="1346200" imgH="266700" progId="Equation.DSMT4">
                   <p:embed/>
                 </p:oleObj>
               </mc:Choice>
@@ -17008,7 +17214,7 @@
           <a:graphicData uri="http://schemas.openxmlformats.org/presentationml/2006/ole">
             <mc:AlternateContent xmlns:mc="http://schemas.openxmlformats.org/markup-compatibility/2006">
               <mc:Choice xmlns:v="urn:schemas-microsoft-com:vml" Requires="v">
-                <p:oleObj spid="_x0000_s213075" name="Equation" r:id="rId6" imgW="1447800" imgH="495300" progId="Equation.DSMT4">
+                <p:oleObj spid="_x0000_s213082" name="Equation" r:id="rId6" imgW="1447800" imgH="495300" progId="Equation.DSMT4">
                   <p:embed/>
                 </p:oleObj>
               </mc:Choice>
@@ -17212,7 +17418,7 @@
           <a:graphicData uri="http://schemas.openxmlformats.org/presentationml/2006/ole">
             <mc:AlternateContent xmlns:mc="http://schemas.openxmlformats.org/markup-compatibility/2006">
               <mc:Choice xmlns:v="urn:schemas-microsoft-com:vml" Requires="v">
-                <p:oleObj spid="_x0000_s214088" name="Equation" r:id="rId4" imgW="393700" imgH="266700" progId="Equation.DSMT4">
+                <p:oleObj spid="_x0000_s214095" name="Equation" r:id="rId4" imgW="393700" imgH="266700" progId="Equation.DSMT4">
                   <p:embed/>
                 </p:oleObj>
               </mc:Choice>
@@ -17282,7 +17488,7 @@
           <a:graphicData uri="http://schemas.openxmlformats.org/presentationml/2006/ole">
             <mc:AlternateContent xmlns:mc="http://schemas.openxmlformats.org/markup-compatibility/2006">
               <mc:Choice xmlns:v="urn:schemas-microsoft-com:vml" Requires="v">
-                <p:oleObj spid="_x0000_s214089" name="Equation" r:id="rId6" imgW="1447800" imgH="495300" progId="Equation.DSMT4">
+                <p:oleObj spid="_x0000_s214096" name="Equation" r:id="rId6" imgW="1447800" imgH="495300" progId="Equation.DSMT4">
                   <p:embed/>
                 </p:oleObj>
               </mc:Choice>
@@ -17477,7 +17683,7 @@
           <a:graphicData uri="http://schemas.openxmlformats.org/presentationml/2006/ole">
             <mc:AlternateContent xmlns:mc="http://schemas.openxmlformats.org/markup-compatibility/2006">
               <mc:Choice xmlns:v="urn:schemas-microsoft-com:vml" Requires="v">
-                <p:oleObj spid="_x0000_s216138" name="Equation" r:id="rId4" imgW="393700" imgH="266700" progId="Equation.DSMT4">
+                <p:oleObj spid="_x0000_s216145" name="Equation" r:id="rId4" imgW="393700" imgH="266700" progId="Equation.DSMT4">
                   <p:embed/>
                 </p:oleObj>
               </mc:Choice>
@@ -17547,7 +17753,7 @@
           <a:graphicData uri="http://schemas.openxmlformats.org/presentationml/2006/ole">
             <mc:AlternateContent xmlns:mc="http://schemas.openxmlformats.org/markup-compatibility/2006">
               <mc:Choice xmlns:v="urn:schemas-microsoft-com:vml" Requires="v">
-                <p:oleObj spid="_x0000_s216139" name="Equation" r:id="rId6" imgW="1308100" imgH="419100" progId="Equation.DSMT4">
+                <p:oleObj spid="_x0000_s216146" name="Equation" r:id="rId6" imgW="1308100" imgH="419100" progId="Equation.DSMT4">
                   <p:embed/>
                 </p:oleObj>
               </mc:Choice>
@@ -17734,7 +17940,7 @@
           <a:graphicData uri="http://schemas.openxmlformats.org/presentationml/2006/ole">
             <mc:AlternateContent xmlns:mc="http://schemas.openxmlformats.org/markup-compatibility/2006">
               <mc:Choice xmlns:v="urn:schemas-microsoft-com:vml" Requires="v">
-                <p:oleObj spid="_x0000_s248890" name="Equation" r:id="rId4" imgW="393700" imgH="266700" progId="Equation.DSMT4">
+                <p:oleObj spid="_x0000_s248897" name="Equation" r:id="rId4" imgW="393700" imgH="266700" progId="Equation.DSMT4">
                   <p:embed/>
                 </p:oleObj>
               </mc:Choice>
@@ -17804,7 +18010,7 @@
           <a:graphicData uri="http://schemas.openxmlformats.org/presentationml/2006/ole">
             <mc:AlternateContent xmlns:mc="http://schemas.openxmlformats.org/markup-compatibility/2006">
               <mc:Choice xmlns:v="urn:schemas-microsoft-com:vml" Requires="v">
-                <p:oleObj spid="_x0000_s248891" name="Equation" r:id="rId6" imgW="1308100" imgH="419100" progId="Equation.DSMT4">
+                <p:oleObj spid="_x0000_s248898" name="Equation" r:id="rId6" imgW="1308100" imgH="419100" progId="Equation.DSMT4">
                   <p:embed/>
                 </p:oleObj>
               </mc:Choice>
@@ -17991,7 +18197,7 @@
           <a:graphicData uri="http://schemas.openxmlformats.org/presentationml/2006/ole">
             <mc:AlternateContent xmlns:mc="http://schemas.openxmlformats.org/markup-compatibility/2006">
               <mc:Choice xmlns:v="urn:schemas-microsoft-com:vml" Requires="v">
-                <p:oleObj spid="_x0000_s217162" name="Equation" r:id="rId4" imgW="266700" imgH="177800" progId="Equation.DSMT4">
+                <p:oleObj spid="_x0000_s217169" name="Equation" r:id="rId4" imgW="266700" imgH="177800" progId="Equation.DSMT4">
                   <p:embed/>
                 </p:oleObj>
               </mc:Choice>
@@ -18061,7 +18267,7 @@
           <a:graphicData uri="http://schemas.openxmlformats.org/presentationml/2006/ole">
             <mc:AlternateContent xmlns:mc="http://schemas.openxmlformats.org/markup-compatibility/2006">
               <mc:Choice xmlns:v="urn:schemas-microsoft-com:vml" Requires="v">
-                <p:oleObj spid="_x0000_s217163" name="Equation" r:id="rId6" imgW="1206500" imgH="482600" progId="Equation.DSMT4">
+                <p:oleObj spid="_x0000_s217170" name="Equation" r:id="rId6" imgW="1206500" imgH="482600" progId="Equation.DSMT4">
                   <p:embed/>
                 </p:oleObj>
               </mc:Choice>
@@ -18163,7 +18369,7 @@
           <a:graphicData uri="http://schemas.openxmlformats.org/presentationml/2006/ole">
             <mc:AlternateContent xmlns:mc="http://schemas.openxmlformats.org/markup-compatibility/2006">
               <mc:Choice xmlns:v="urn:schemas-microsoft-com:vml" Requires="v">
-                <p:oleObj spid="_x0000_s235628" name="Equation" r:id="rId4" imgW="1473200" imgH="482600" progId="Equation.DSMT4">
+                <p:oleObj spid="_x0000_s235638" name="Equation" r:id="rId4" imgW="1473200" imgH="482600" progId="Equation.DSMT4">
                   <p:embed/>
                 </p:oleObj>
               </mc:Choice>
@@ -18310,7 +18516,7 @@
           <a:graphicData uri="http://schemas.openxmlformats.org/presentationml/2006/ole">
             <mc:AlternateContent xmlns:mc="http://schemas.openxmlformats.org/markup-compatibility/2006">
               <mc:Choice xmlns:v="urn:schemas-microsoft-com:vml" Requires="v">
-                <p:oleObj spid="_x0000_s235629" name="Equation" r:id="rId6" imgW="139700" imgH="215900" progId="Equation.DSMT4">
+                <p:oleObj spid="_x0000_s235639" name="Equation" r:id="rId6" imgW="139700" imgH="215900" progId="Equation.DSMT4">
                   <p:embed/>
                 </p:oleObj>
               </mc:Choice>
@@ -18367,7 +18573,7 @@
           <a:graphicData uri="http://schemas.openxmlformats.org/presentationml/2006/ole">
             <mc:AlternateContent xmlns:mc="http://schemas.openxmlformats.org/markup-compatibility/2006">
               <mc:Choice xmlns:v="urn:schemas-microsoft-com:vml" Requires="v">
-                <p:oleObj spid="_x0000_s235630" name="Equation" r:id="rId8" imgW="139700" imgH="215900" progId="Equation.DSMT4">
+                <p:oleObj spid="_x0000_s235640" name="Equation" r:id="rId8" imgW="139700" imgH="215900" progId="Equation.DSMT4">
                   <p:embed/>
                 </p:oleObj>
               </mc:Choice>
